--- a/Task 4/Muhammad Cikal Merdeka_Mini_Project_3_Task_4.pptx
+++ b/Task 4/Muhammad Cikal Merdeka_Mini_Project_3_Task_4.pptx
@@ -1,28 +1,41 @@
 
 <file path=ppt/presentation.xml><?xml version="1.0" encoding="utf-8"?>
-<p:presentation xmlns:a="http://schemas.openxmlformats.org/drawingml/2006/main" xmlns:r="http://schemas.openxmlformats.org/officeDocument/2006/relationships" xmlns:mc="http://schemas.openxmlformats.org/markup-compatibility/2006" xmlns:mv="urn:schemas-microsoft-com:mac:vml" xmlns:p="http://schemas.openxmlformats.org/presentationml/2006/main" xmlns:c="http://schemas.openxmlformats.org/drawingml/2006/chart" xmlns:dgm="http://schemas.openxmlformats.org/drawingml/2006/diagram" xmlns:o="urn:schemas-microsoft-com:office:office" xmlns:v="urn:schemas-microsoft-com:vml" xmlns:pvml="urn:schemas-microsoft-com:office:powerpoint" xmlns:com="http://schemas.openxmlformats.org/drawingml/2006/compatibility" xmlns:p14="http://schemas.microsoft.com/office/powerpoint/2010/main" xmlns:p15="http://schemas.microsoft.com/office/powerpoint/2012/main" xmlns:ahyp="http://schemas.microsoft.com/office/drawing/2018/hyperlinkcolor" autoCompressPictures="0" embedTrueTypeFonts="1" strictFirstAndLastChars="0" saveSubsetFonts="1">
+<p:presentation xmlns:a="http://schemas.openxmlformats.org/drawingml/2006/main" xmlns:r="http://schemas.openxmlformats.org/officeDocument/2006/relationships" xmlns:p="http://schemas.openxmlformats.org/presentationml/2006/main" strictFirstAndLastChars="0" embedTrueTypeFonts="1" saveSubsetFonts="1" autoCompressPictures="0">
   <p:sldMasterIdLst>
-    <p:sldMasterId id="2147483659" r:id="rId4"/>
+    <p:sldMasterId id="2147483659" r:id="rId1"/>
   </p:sldMasterIdLst>
   <p:notesMasterIdLst>
-    <p:notesMasterId r:id="rId5"/>
+    <p:notesMasterId r:id="rId11"/>
   </p:notesMasterIdLst>
   <p:sldIdLst>
-    <p:sldId id="256" r:id="rId6"/>
+    <p:sldId id="257" r:id="rId2"/>
+    <p:sldId id="258" r:id="rId3"/>
+    <p:sldId id="260" r:id="rId4"/>
+    <p:sldId id="266" r:id="rId5"/>
+    <p:sldId id="259" r:id="rId6"/>
+    <p:sldId id="264" r:id="rId7"/>
+    <p:sldId id="265" r:id="rId8"/>
+    <p:sldId id="262" r:id="rId9"/>
+    <p:sldId id="267" r:id="rId10"/>
   </p:sldIdLst>
-  <p:sldSz cy="5143500" cx="9144000"/>
+  <p:sldSz cx="9144000" cy="5143500" type="screen16x9"/>
   <p:notesSz cx="6858000" cy="9144000"/>
   <p:embeddedFontLst>
     <p:embeddedFont>
-      <p:font typeface="Roboto"/>
-      <p:regular r:id="rId7"/>
-      <p:bold r:id="rId8"/>
-      <p:italic r:id="rId9"/>
-      <p:boldItalic r:id="rId10"/>
+      <p:font typeface="Dosis" pitchFamily="2" charset="0"/>
+      <p:regular r:id="rId12"/>
+      <p:bold r:id="rId13"/>
+    </p:embeddedFont>
+    <p:embeddedFont>
+      <p:font typeface="Roboto" panose="02000000000000000000" pitchFamily="2" charset="0"/>
+      <p:regular r:id="rId14"/>
+      <p:bold r:id="rId15"/>
+      <p:italic r:id="rId16"/>
+      <p:boldItalic r:id="rId17"/>
     </p:embeddedFont>
   </p:embeddedFontLst>
   <p:defaultTextStyle>
-    <a:defPPr lvl="0" marR="0" rtl="0" algn="l">
+    <a:defPPr marR="0" lvl="0" algn="l" rtl="0">
       <a:lnSpc>
         <a:spcPct val="100000"/>
       </a:lnSpc>
@@ -33,7 +46,7 @@
         <a:spcPts val="0"/>
       </a:spcAft>
     </a:defPPr>
-    <a:lvl1pPr lvl="0" marR="0" rtl="0" algn="l">
+    <a:lvl1pPr marR="0" lvl="0" algn="l" rtl="0">
       <a:lnSpc>
         <a:spcPct val="100000"/>
       </a:lnSpc>
@@ -47,7 +60,7 @@
         <a:srgbClr val="000000"/>
       </a:buClr>
       <a:buFont typeface="Arial"/>
-      <a:defRPr b="0" i="0" sz="1400" u="none" cap="none" strike="noStrike">
+      <a:defRPr sz="1400" b="0" i="0" u="none" strike="noStrike" cap="none">
         <a:solidFill>
           <a:srgbClr val="000000"/>
         </a:solidFill>
@@ -57,7 +70,7 @@
         <a:sym typeface="Arial"/>
       </a:defRPr>
     </a:lvl1pPr>
-    <a:lvl2pPr lvl="1" marR="0" rtl="0" algn="l">
+    <a:lvl2pPr marR="0" lvl="1" algn="l" rtl="0">
       <a:lnSpc>
         <a:spcPct val="100000"/>
       </a:lnSpc>
@@ -71,7 +84,7 @@
         <a:srgbClr val="000000"/>
       </a:buClr>
       <a:buFont typeface="Arial"/>
-      <a:defRPr b="0" i="0" sz="1400" u="none" cap="none" strike="noStrike">
+      <a:defRPr sz="1400" b="0" i="0" u="none" strike="noStrike" cap="none">
         <a:solidFill>
           <a:srgbClr val="000000"/>
         </a:solidFill>
@@ -81,7 +94,7 @@
         <a:sym typeface="Arial"/>
       </a:defRPr>
     </a:lvl2pPr>
-    <a:lvl3pPr lvl="2" marR="0" rtl="0" algn="l">
+    <a:lvl3pPr marR="0" lvl="2" algn="l" rtl="0">
       <a:lnSpc>
         <a:spcPct val="100000"/>
       </a:lnSpc>
@@ -95,7 +108,7 @@
         <a:srgbClr val="000000"/>
       </a:buClr>
       <a:buFont typeface="Arial"/>
-      <a:defRPr b="0" i="0" sz="1400" u="none" cap="none" strike="noStrike">
+      <a:defRPr sz="1400" b="0" i="0" u="none" strike="noStrike" cap="none">
         <a:solidFill>
           <a:srgbClr val="000000"/>
         </a:solidFill>
@@ -105,7 +118,7 @@
         <a:sym typeface="Arial"/>
       </a:defRPr>
     </a:lvl3pPr>
-    <a:lvl4pPr lvl="3" marR="0" rtl="0" algn="l">
+    <a:lvl4pPr marR="0" lvl="3" algn="l" rtl="0">
       <a:lnSpc>
         <a:spcPct val="100000"/>
       </a:lnSpc>
@@ -119,7 +132,7 @@
         <a:srgbClr val="000000"/>
       </a:buClr>
       <a:buFont typeface="Arial"/>
-      <a:defRPr b="0" i="0" sz="1400" u="none" cap="none" strike="noStrike">
+      <a:defRPr sz="1400" b="0" i="0" u="none" strike="noStrike" cap="none">
         <a:solidFill>
           <a:srgbClr val="000000"/>
         </a:solidFill>
@@ -129,7 +142,7 @@
         <a:sym typeface="Arial"/>
       </a:defRPr>
     </a:lvl4pPr>
-    <a:lvl5pPr lvl="4" marR="0" rtl="0" algn="l">
+    <a:lvl5pPr marR="0" lvl="4" algn="l" rtl="0">
       <a:lnSpc>
         <a:spcPct val="100000"/>
       </a:lnSpc>
@@ -143,7 +156,7 @@
         <a:srgbClr val="000000"/>
       </a:buClr>
       <a:buFont typeface="Arial"/>
-      <a:defRPr b="0" i="0" sz="1400" u="none" cap="none" strike="noStrike">
+      <a:defRPr sz="1400" b="0" i="0" u="none" strike="noStrike" cap="none">
         <a:solidFill>
           <a:srgbClr val="000000"/>
         </a:solidFill>
@@ -153,7 +166,7 @@
         <a:sym typeface="Arial"/>
       </a:defRPr>
     </a:lvl5pPr>
-    <a:lvl6pPr lvl="5" marR="0" rtl="0" algn="l">
+    <a:lvl6pPr marR="0" lvl="5" algn="l" rtl="0">
       <a:lnSpc>
         <a:spcPct val="100000"/>
       </a:lnSpc>
@@ -167,7 +180,7 @@
         <a:srgbClr val="000000"/>
       </a:buClr>
       <a:buFont typeface="Arial"/>
-      <a:defRPr b="0" i="0" sz="1400" u="none" cap="none" strike="noStrike">
+      <a:defRPr sz="1400" b="0" i="0" u="none" strike="noStrike" cap="none">
         <a:solidFill>
           <a:srgbClr val="000000"/>
         </a:solidFill>
@@ -177,7 +190,7 @@
         <a:sym typeface="Arial"/>
       </a:defRPr>
     </a:lvl6pPr>
-    <a:lvl7pPr lvl="6" marR="0" rtl="0" algn="l">
+    <a:lvl7pPr marR="0" lvl="6" algn="l" rtl="0">
       <a:lnSpc>
         <a:spcPct val="100000"/>
       </a:lnSpc>
@@ -191,7 +204,7 @@
         <a:srgbClr val="000000"/>
       </a:buClr>
       <a:buFont typeface="Arial"/>
-      <a:defRPr b="0" i="0" sz="1400" u="none" cap="none" strike="noStrike">
+      <a:defRPr sz="1400" b="0" i="0" u="none" strike="noStrike" cap="none">
         <a:solidFill>
           <a:srgbClr val="000000"/>
         </a:solidFill>
@@ -201,7 +214,7 @@
         <a:sym typeface="Arial"/>
       </a:defRPr>
     </a:lvl7pPr>
-    <a:lvl8pPr lvl="7" marR="0" rtl="0" algn="l">
+    <a:lvl8pPr marR="0" lvl="7" algn="l" rtl="0">
       <a:lnSpc>
         <a:spcPct val="100000"/>
       </a:lnSpc>
@@ -215,7 +228,7 @@
         <a:srgbClr val="000000"/>
       </a:buClr>
       <a:buFont typeface="Arial"/>
-      <a:defRPr b="0" i="0" sz="1400" u="none" cap="none" strike="noStrike">
+      <a:defRPr sz="1400" b="0" i="0" u="none" strike="noStrike" cap="none">
         <a:solidFill>
           <a:srgbClr val="000000"/>
         </a:solidFill>
@@ -225,7 +238,7 @@
         <a:sym typeface="Arial"/>
       </a:defRPr>
     </a:lvl8pPr>
-    <a:lvl9pPr lvl="8" marR="0" rtl="0" algn="l">
+    <a:lvl9pPr marR="0" lvl="8" algn="l" rtl="0">
       <a:lnSpc>
         <a:spcPct val="100000"/>
       </a:lnSpc>
@@ -239,7 +252,7 @@
         <a:srgbClr val="000000"/>
       </a:buClr>
       <a:buFont typeface="Arial"/>
-      <a:defRPr b="0" i="0" sz="1400" u="none" cap="none" strike="noStrike">
+      <a:defRPr sz="1400" b="0" i="0" u="none" strike="noStrike" cap="none">
         <a:solidFill>
           <a:srgbClr val="000000"/>
         </a:solidFill>
@@ -252,7 +265,7 @@
   </p:defaultTextStyle>
   <p:extLst>
     <p:ext uri="{EFAFB233-063F-42B5-8137-9DF3F51BA10A}">
-      <p15:sldGuideLst>
+      <p15:sldGuideLst xmlns:p15="http://schemas.microsoft.com/office/powerpoint/2012/main">
         <p15:guide id="1" orient="horz" pos="1620">
           <p15:clr>
             <a:srgbClr val="A4A3A4"/>
@@ -270,11 +283,16 @@
 </file>
 
 <file path=ppt/notesMasters/notesMaster1.xml><?xml version="1.0" encoding="utf-8"?>
-<p:notesMaster xmlns:a="http://schemas.openxmlformats.org/drawingml/2006/main" xmlns:r="http://schemas.openxmlformats.org/officeDocument/2006/relationships" xmlns:mc="http://schemas.openxmlformats.org/markup-compatibility/2006" xmlns:mv="urn:schemas-microsoft-com:mac:vml" xmlns:p="http://schemas.openxmlformats.org/presentationml/2006/main" xmlns:c="http://schemas.openxmlformats.org/drawingml/2006/chart" xmlns:dgm="http://schemas.openxmlformats.org/drawingml/2006/diagram" xmlns:o="urn:schemas-microsoft-com:office:office" xmlns:v="urn:schemas-microsoft-com:vml" xmlns:pvml="urn:schemas-microsoft-com:office:powerpoint" xmlns:com="http://schemas.openxmlformats.org/drawingml/2006/compatibility" xmlns:p14="http://schemas.microsoft.com/office/powerpoint/2010/main" xmlns:p15="http://schemas.microsoft.com/office/powerpoint/2012/main" xmlns:ahyp="http://schemas.microsoft.com/office/drawing/2018/hyperlinkcolor">
+<p:notesMaster xmlns:a="http://schemas.openxmlformats.org/drawingml/2006/main" xmlns:r="http://schemas.openxmlformats.org/officeDocument/2006/relationships" xmlns:p="http://schemas.openxmlformats.org/presentationml/2006/main">
   <p:cSld>
+    <p:bg>
+      <p:bgRef idx="1001">
+        <a:schemeClr val="bg1"/>
+      </p:bgRef>
+    </p:bg>
     <p:spTree>
       <p:nvGrpSpPr>
-        <p:cNvPr id="2" name="Shape 2"/>
+        <p:cNvPr id="1" name="Shape 2"/>
         <p:cNvGrpSpPr/>
         <p:nvPr/>
       </p:nvGrpSpPr>
@@ -289,9 +307,11 @@
       <p:sp>
         <p:nvSpPr>
           <p:cNvPr id="3" name="Google Shape;3;n"/>
-          <p:cNvSpPr/>
+          <p:cNvSpPr>
+            <a:spLocks noGrp="1" noRot="1" noChangeAspect="1"/>
+          </p:cNvSpPr>
           <p:nvPr>
-            <p:ph idx="2" type="sldImg"/>
+            <p:ph type="sldImg" idx="2"/>
           </p:nvPr>
         </p:nvSpPr>
         <p:spPr>
@@ -300,9 +320,13 @@
             <a:ext cx="6096075" cy="3429000"/>
           </a:xfrm>
           <a:custGeom>
-            <a:rect b="b" l="l" r="r" t="t"/>
+            <a:avLst/>
+            <a:gdLst/>
+            <a:ahLst/>
+            <a:cxnLst/>
+            <a:rect l="l" t="t" r="r" b="b"/>
             <a:pathLst>
-              <a:path extrusionOk="0" h="120000" w="120000">
+              <a:path w="120000" h="120000" extrusionOk="0">
                 <a:moveTo>
                   <a:pt x="0" y="0"/>
                 </a:moveTo>
@@ -320,23 +344,25 @@
             </a:pathLst>
           </a:custGeom>
           <a:noFill/>
-          <a:ln cap="flat" cmpd="sng" w="9525">
+          <a:ln w="9525" cap="flat" cmpd="sng">
             <a:solidFill>
               <a:srgbClr val="000000"/>
             </a:solidFill>
             <a:prstDash val="solid"/>
             <a:round/>
-            <a:headEnd len="sm" w="sm" type="none"/>
-            <a:tailEnd len="sm" w="sm" type="none"/>
+            <a:headEnd type="none" w="sm" len="sm"/>
+            <a:tailEnd type="none" w="sm" len="sm"/>
           </a:ln>
         </p:spPr>
       </p:sp>
       <p:sp>
         <p:nvSpPr>
           <p:cNvPr id="4" name="Google Shape;4;n"/>
-          <p:cNvSpPr txBox="1"/>
+          <p:cNvSpPr txBox="1">
+            <a:spLocks noGrp="1"/>
+          </p:cNvSpPr>
           <p:nvPr>
-            <p:ph idx="1" type="body"/>
+            <p:ph type="body" idx="1"/>
           </p:nvPr>
         </p:nvSpPr>
         <p:spPr>
@@ -353,11 +379,11 @@
           </a:ln>
         </p:spPr>
         <p:txBody>
-          <a:bodyPr anchorCtr="0" anchor="t" bIns="91425" lIns="91425" spcFirstLastPara="1" rIns="91425" wrap="square" tIns="91425">
+          <a:bodyPr spcFirstLastPara="1" wrap="square" lIns="91425" tIns="91425" rIns="91425" bIns="91425" anchor="t" anchorCtr="0">
             <a:noAutofit/>
           </a:bodyPr>
           <a:lstStyle>
-            <a:lvl1pPr indent="-298450" lvl="0" marL="457200">
+            <a:lvl1pPr marL="457200" lvl="0" indent="-298450">
               <a:spcBef>
                 <a:spcPts val="0"/>
               </a:spcBef>
@@ -368,7 +394,7 @@
               <a:buChar char="●"/>
               <a:defRPr sz="1100"/>
             </a:lvl1pPr>
-            <a:lvl2pPr indent="-298450" lvl="1" marL="914400">
+            <a:lvl2pPr marL="914400" lvl="1" indent="-298450">
               <a:spcBef>
                 <a:spcPts val="0"/>
               </a:spcBef>
@@ -379,7 +405,7 @@
               <a:buChar char="○"/>
               <a:defRPr sz="1100"/>
             </a:lvl2pPr>
-            <a:lvl3pPr indent="-298450" lvl="2" marL="1371600">
+            <a:lvl3pPr marL="1371600" lvl="2" indent="-298450">
               <a:spcBef>
                 <a:spcPts val="0"/>
               </a:spcBef>
@@ -390,7 +416,7 @@
               <a:buChar char="■"/>
               <a:defRPr sz="1100"/>
             </a:lvl3pPr>
-            <a:lvl4pPr indent="-298450" lvl="3" marL="1828800">
+            <a:lvl4pPr marL="1828800" lvl="3" indent="-298450">
               <a:spcBef>
                 <a:spcPts val="0"/>
               </a:spcBef>
@@ -401,7 +427,7 @@
               <a:buChar char="●"/>
               <a:defRPr sz="1100"/>
             </a:lvl4pPr>
-            <a:lvl5pPr indent="-298450" lvl="4" marL="2286000">
+            <a:lvl5pPr marL="2286000" lvl="4" indent="-298450">
               <a:spcBef>
                 <a:spcPts val="0"/>
               </a:spcBef>
@@ -412,7 +438,7 @@
               <a:buChar char="○"/>
               <a:defRPr sz="1100"/>
             </a:lvl5pPr>
-            <a:lvl6pPr indent="-298450" lvl="5" marL="2743200">
+            <a:lvl6pPr marL="2743200" lvl="5" indent="-298450">
               <a:spcBef>
                 <a:spcPts val="0"/>
               </a:spcBef>
@@ -423,7 +449,7 @@
               <a:buChar char="■"/>
               <a:defRPr sz="1100"/>
             </a:lvl6pPr>
-            <a:lvl7pPr indent="-298450" lvl="6" marL="3200400">
+            <a:lvl7pPr marL="3200400" lvl="6" indent="-298450">
               <a:spcBef>
                 <a:spcPts val="0"/>
               </a:spcBef>
@@ -434,7 +460,7 @@
               <a:buChar char="●"/>
               <a:defRPr sz="1100"/>
             </a:lvl7pPr>
-            <a:lvl8pPr indent="-298450" lvl="7" marL="3657600">
+            <a:lvl8pPr marL="3657600" lvl="7" indent="-298450">
               <a:spcBef>
                 <a:spcPts val="0"/>
               </a:spcBef>
@@ -445,7 +471,7 @@
               <a:buChar char="○"/>
               <a:defRPr sz="1100"/>
             </a:lvl8pPr>
-            <a:lvl9pPr indent="-298450" lvl="8" marL="4114800">
+            <a:lvl9pPr marL="4114800" lvl="8" indent="-298450">
               <a:spcBef>
                 <a:spcPts val="0"/>
               </a:spcBef>
@@ -457,14 +483,16 @@
               <a:defRPr sz="1100"/>
             </a:lvl9pPr>
           </a:lstStyle>
-          <a:p/>
+          <a:p>
+            <a:endParaRPr/>
+          </a:p>
         </p:txBody>
       </p:sp>
     </p:spTree>
   </p:cSld>
-  <p:clrMap accent1="accent1" accent2="accent2" accent3="accent3" accent4="accent4" accent5="accent5" accent6="accent6" bg1="lt1" bg2="dk2" tx1="dk1" tx2="lt2" folHlink="folHlink" hlink="hlink"/>
+  <p:clrMap bg1="lt1" tx1="dk1" bg2="dk2" tx2="lt2" accent1="accent1" accent2="accent2" accent3="accent3" accent4="accent4" accent5="accent5" accent6="accent6" hlink="hlink" folHlink="folHlink"/>
   <p:notesStyle>
-    <a:defPPr lvl="0" marR="0" rtl="0" algn="l">
+    <a:defPPr marR="0" lvl="0" algn="l" rtl="0">
       <a:lnSpc>
         <a:spcPct val="100000"/>
       </a:lnSpc>
@@ -475,7 +503,7 @@
         <a:spcPts val="0"/>
       </a:spcAft>
     </a:defPPr>
-    <a:lvl1pPr lvl="0" marR="0" rtl="0" algn="l">
+    <a:lvl1pPr marR="0" lvl="0" algn="l" rtl="0">
       <a:lnSpc>
         <a:spcPct val="100000"/>
       </a:lnSpc>
@@ -489,7 +517,7 @@
         <a:srgbClr val="000000"/>
       </a:buClr>
       <a:buFont typeface="Arial"/>
-      <a:defRPr b="0" i="0" sz="1400" u="none" cap="none" strike="noStrike">
+      <a:defRPr sz="1400" b="0" i="0" u="none" strike="noStrike" cap="none">
         <a:solidFill>
           <a:srgbClr val="000000"/>
         </a:solidFill>
@@ -499,7 +527,7 @@
         <a:sym typeface="Arial"/>
       </a:defRPr>
     </a:lvl1pPr>
-    <a:lvl2pPr lvl="1" marR="0" rtl="0" algn="l">
+    <a:lvl2pPr marR="0" lvl="1" algn="l" rtl="0">
       <a:lnSpc>
         <a:spcPct val="100000"/>
       </a:lnSpc>
@@ -513,7 +541,7 @@
         <a:srgbClr val="000000"/>
       </a:buClr>
       <a:buFont typeface="Arial"/>
-      <a:defRPr b="0" i="0" sz="1400" u="none" cap="none" strike="noStrike">
+      <a:defRPr sz="1400" b="0" i="0" u="none" strike="noStrike" cap="none">
         <a:solidFill>
           <a:srgbClr val="000000"/>
         </a:solidFill>
@@ -523,7 +551,7 @@
         <a:sym typeface="Arial"/>
       </a:defRPr>
     </a:lvl2pPr>
-    <a:lvl3pPr lvl="2" marR="0" rtl="0" algn="l">
+    <a:lvl3pPr marR="0" lvl="2" algn="l" rtl="0">
       <a:lnSpc>
         <a:spcPct val="100000"/>
       </a:lnSpc>
@@ -537,7 +565,7 @@
         <a:srgbClr val="000000"/>
       </a:buClr>
       <a:buFont typeface="Arial"/>
-      <a:defRPr b="0" i="0" sz="1400" u="none" cap="none" strike="noStrike">
+      <a:defRPr sz="1400" b="0" i="0" u="none" strike="noStrike" cap="none">
         <a:solidFill>
           <a:srgbClr val="000000"/>
         </a:solidFill>
@@ -547,7 +575,7 @@
         <a:sym typeface="Arial"/>
       </a:defRPr>
     </a:lvl3pPr>
-    <a:lvl4pPr lvl="3" marR="0" rtl="0" algn="l">
+    <a:lvl4pPr marR="0" lvl="3" algn="l" rtl="0">
       <a:lnSpc>
         <a:spcPct val="100000"/>
       </a:lnSpc>
@@ -561,7 +589,7 @@
         <a:srgbClr val="000000"/>
       </a:buClr>
       <a:buFont typeface="Arial"/>
-      <a:defRPr b="0" i="0" sz="1400" u="none" cap="none" strike="noStrike">
+      <a:defRPr sz="1400" b="0" i="0" u="none" strike="noStrike" cap="none">
         <a:solidFill>
           <a:srgbClr val="000000"/>
         </a:solidFill>
@@ -571,7 +599,7 @@
         <a:sym typeface="Arial"/>
       </a:defRPr>
     </a:lvl4pPr>
-    <a:lvl5pPr lvl="4" marR="0" rtl="0" algn="l">
+    <a:lvl5pPr marR="0" lvl="4" algn="l" rtl="0">
       <a:lnSpc>
         <a:spcPct val="100000"/>
       </a:lnSpc>
@@ -585,7 +613,7 @@
         <a:srgbClr val="000000"/>
       </a:buClr>
       <a:buFont typeface="Arial"/>
-      <a:defRPr b="0" i="0" sz="1400" u="none" cap="none" strike="noStrike">
+      <a:defRPr sz="1400" b="0" i="0" u="none" strike="noStrike" cap="none">
         <a:solidFill>
           <a:srgbClr val="000000"/>
         </a:solidFill>
@@ -595,7 +623,7 @@
         <a:sym typeface="Arial"/>
       </a:defRPr>
     </a:lvl5pPr>
-    <a:lvl6pPr lvl="5" marR="0" rtl="0" algn="l">
+    <a:lvl6pPr marR="0" lvl="5" algn="l" rtl="0">
       <a:lnSpc>
         <a:spcPct val="100000"/>
       </a:lnSpc>
@@ -609,7 +637,7 @@
         <a:srgbClr val="000000"/>
       </a:buClr>
       <a:buFont typeface="Arial"/>
-      <a:defRPr b="0" i="0" sz="1400" u="none" cap="none" strike="noStrike">
+      <a:defRPr sz="1400" b="0" i="0" u="none" strike="noStrike" cap="none">
         <a:solidFill>
           <a:srgbClr val="000000"/>
         </a:solidFill>
@@ -619,7 +647,7 @@
         <a:sym typeface="Arial"/>
       </a:defRPr>
     </a:lvl6pPr>
-    <a:lvl7pPr lvl="6" marR="0" rtl="0" algn="l">
+    <a:lvl7pPr marR="0" lvl="6" algn="l" rtl="0">
       <a:lnSpc>
         <a:spcPct val="100000"/>
       </a:lnSpc>
@@ -633,7 +661,7 @@
         <a:srgbClr val="000000"/>
       </a:buClr>
       <a:buFont typeface="Arial"/>
-      <a:defRPr b="0" i="0" sz="1400" u="none" cap="none" strike="noStrike">
+      <a:defRPr sz="1400" b="0" i="0" u="none" strike="noStrike" cap="none">
         <a:solidFill>
           <a:srgbClr val="000000"/>
         </a:solidFill>
@@ -643,7 +671,7 @@
         <a:sym typeface="Arial"/>
       </a:defRPr>
     </a:lvl7pPr>
-    <a:lvl8pPr lvl="7" marR="0" rtl="0" algn="l">
+    <a:lvl8pPr marR="0" lvl="7" algn="l" rtl="0">
       <a:lnSpc>
         <a:spcPct val="100000"/>
       </a:lnSpc>
@@ -657,7 +685,7 @@
         <a:srgbClr val="000000"/>
       </a:buClr>
       <a:buFont typeface="Arial"/>
-      <a:defRPr b="0" i="0" sz="1400" u="none" cap="none" strike="noStrike">
+      <a:defRPr sz="1400" b="0" i="0" u="none" strike="noStrike" cap="none">
         <a:solidFill>
           <a:srgbClr val="000000"/>
         </a:solidFill>
@@ -667,7 +695,7 @@
         <a:sym typeface="Arial"/>
       </a:defRPr>
     </a:lvl8pPr>
-    <a:lvl9pPr lvl="8" marR="0" rtl="0" algn="l">
+    <a:lvl9pPr marR="0" lvl="8" algn="l" rtl="0">
       <a:lnSpc>
         <a:spcPct val="100000"/>
       </a:lnSpc>
@@ -681,7 +709,7 @@
         <a:srgbClr val="000000"/>
       </a:buClr>
       <a:buFont typeface="Arial"/>
-      <a:defRPr b="0" i="0" sz="1400" u="none" cap="none" strike="noStrike">
+      <a:defRPr sz="1400" b="0" i="0" u="none" strike="noStrike" cap="none">
         <a:solidFill>
           <a:srgbClr val="000000"/>
         </a:solidFill>
@@ -696,11 +724,115 @@
 </file>
 
 <file path=ppt/notesSlides/notesSlide1.xml><?xml version="1.0" encoding="utf-8"?>
-<p:notes xmlns:a="http://schemas.openxmlformats.org/drawingml/2006/main" xmlns:r="http://schemas.openxmlformats.org/officeDocument/2006/relationships" xmlns:mc="http://schemas.openxmlformats.org/markup-compatibility/2006" xmlns:mv="urn:schemas-microsoft-com:mac:vml" xmlns:p="http://schemas.openxmlformats.org/presentationml/2006/main" xmlns:c="http://schemas.openxmlformats.org/drawingml/2006/chart" xmlns:dgm="http://schemas.openxmlformats.org/drawingml/2006/diagram" xmlns:o="urn:schemas-microsoft-com:office:office" xmlns:v="urn:schemas-microsoft-com:vml" xmlns:pvml="urn:schemas-microsoft-com:office:powerpoint" xmlns:com="http://schemas.openxmlformats.org/drawingml/2006/compatibility" xmlns:p14="http://schemas.microsoft.com/office/powerpoint/2010/main" xmlns:p15="http://schemas.microsoft.com/office/powerpoint/2012/main" xmlns:ahyp="http://schemas.microsoft.com/office/drawing/2018/hyperlinkcolor" showMasterPhAnim="0" showMasterSp="0">
+<p:notes xmlns:a="http://schemas.openxmlformats.org/drawingml/2006/main" xmlns:r="http://schemas.openxmlformats.org/officeDocument/2006/relationships" xmlns:p="http://schemas.openxmlformats.org/presentationml/2006/main" showMasterSp="0" showMasterPhAnim="0">
   <p:cSld>
     <p:spTree>
       <p:nvGrpSpPr>
-        <p:cNvPr id="50" name="Shape 50"/>
+        <p:cNvPr id="1" name="Shape 95"/>
+        <p:cNvGrpSpPr/>
+        <p:nvPr/>
+      </p:nvGrpSpPr>
+      <p:grpSpPr>
+        <a:xfrm>
+          <a:off x="0" y="0"/>
+          <a:ext cx="0" cy="0"/>
+          <a:chOff x="0" y="0"/>
+          <a:chExt cx="0" cy="0"/>
+        </a:xfrm>
+      </p:grpSpPr>
+      <p:sp>
+        <p:nvSpPr>
+          <p:cNvPr id="96" name="Google Shape;96;gf84eb88aa7_0_0:notes"/>
+          <p:cNvSpPr>
+            <a:spLocks noGrp="1" noRot="1" noChangeAspect="1"/>
+          </p:cNvSpPr>
+          <p:nvPr>
+            <p:ph type="sldImg" idx="2"/>
+          </p:nvPr>
+        </p:nvSpPr>
+        <p:spPr>
+          <a:xfrm>
+            <a:off x="381000" y="685800"/>
+            <a:ext cx="6096000" cy="3429000"/>
+          </a:xfrm>
+          <a:custGeom>
+            <a:avLst/>
+            <a:gdLst/>
+            <a:ahLst/>
+            <a:cxnLst/>
+            <a:rect l="l" t="t" r="r" b="b"/>
+            <a:pathLst>
+              <a:path w="120000" h="120000" extrusionOk="0">
+                <a:moveTo>
+                  <a:pt x="0" y="0"/>
+                </a:moveTo>
+                <a:lnTo>
+                  <a:pt x="120000" y="0"/>
+                </a:lnTo>
+                <a:lnTo>
+                  <a:pt x="120000" y="120000"/>
+                </a:lnTo>
+                <a:lnTo>
+                  <a:pt x="0" y="120000"/>
+                </a:lnTo>
+                <a:close/>
+              </a:path>
+            </a:pathLst>
+          </a:custGeom>
+        </p:spPr>
+      </p:sp>
+      <p:sp>
+        <p:nvSpPr>
+          <p:cNvPr id="97" name="Google Shape;97;gf84eb88aa7_0_0:notes"/>
+          <p:cNvSpPr txBox="1">
+            <a:spLocks noGrp="1"/>
+          </p:cNvSpPr>
+          <p:nvPr>
+            <p:ph type="body" idx="1"/>
+          </p:nvPr>
+        </p:nvSpPr>
+        <p:spPr>
+          <a:xfrm>
+            <a:off x="685800" y="4343400"/>
+            <a:ext cx="5486400" cy="4114800"/>
+          </a:xfrm>
+          <a:prstGeom prst="rect">
+            <a:avLst/>
+          </a:prstGeom>
+        </p:spPr>
+        <p:txBody>
+          <a:bodyPr spcFirstLastPara="1" wrap="square" lIns="91425" tIns="91425" rIns="91425" bIns="91425" anchor="t" anchorCtr="0">
+            <a:noAutofit/>
+          </a:bodyPr>
+          <a:lstStyle/>
+          <a:p>
+            <a:pPr marL="0" lvl="0" indent="0" algn="l" rtl="0">
+              <a:spcBef>
+                <a:spcPts val="0"/>
+              </a:spcBef>
+              <a:spcAft>
+                <a:spcPts val="0"/>
+              </a:spcAft>
+              <a:buNone/>
+            </a:pPr>
+            <a:endParaRPr/>
+          </a:p>
+        </p:txBody>
+      </p:sp>
+    </p:spTree>
+  </p:cSld>
+  <p:clrMapOvr>
+    <a:masterClrMapping/>
+  </p:clrMapOvr>
+</p:notes>
+</file>
+
+<file path=ppt/notesSlides/notesSlide2.xml><?xml version="1.0" encoding="utf-8"?>
+<p:notes xmlns:a="http://schemas.openxmlformats.org/drawingml/2006/main" xmlns:r="http://schemas.openxmlformats.org/officeDocument/2006/relationships" xmlns:p="http://schemas.openxmlformats.org/presentationml/2006/main" showMasterSp="0" showMasterPhAnim="0">
+  <p:cSld>
+    <p:spTree>
+      <p:nvGrpSpPr>
+        <p:cNvPr id="1" name="Shape 50"/>
         <p:cNvGrpSpPr/>
         <p:nvPr/>
       </p:nvGrpSpPr>
@@ -715,20 +847,26 @@
       <p:sp>
         <p:nvSpPr>
           <p:cNvPr id="51" name="Google Shape;51;g109baabb656_0_0:notes"/>
-          <p:cNvSpPr/>
+          <p:cNvSpPr>
+            <a:spLocks noGrp="1" noRot="1" noChangeAspect="1"/>
+          </p:cNvSpPr>
           <p:nvPr>
-            <p:ph idx="2" type="sldImg"/>
+            <p:ph type="sldImg" idx="2"/>
           </p:nvPr>
         </p:nvSpPr>
         <p:spPr>
           <a:xfrm>
-            <a:off x="381300" y="685800"/>
+            <a:off x="381000" y="685800"/>
             <a:ext cx="6096000" cy="3429000"/>
           </a:xfrm>
           <a:custGeom>
-            <a:rect b="b" l="l" r="r" t="t"/>
+            <a:avLst/>
+            <a:gdLst/>
+            <a:ahLst/>
+            <a:cxnLst/>
+            <a:rect l="l" t="t" r="r" b="b"/>
             <a:pathLst>
-              <a:path extrusionOk="0" h="120000" w="120000">
+              <a:path w="120000" h="120000" extrusionOk="0">
                 <a:moveTo>
                   <a:pt x="0" y="0"/>
                 </a:moveTo>
@@ -750,9 +888,11 @@
       <p:sp>
         <p:nvSpPr>
           <p:cNvPr id="52" name="Google Shape;52;g109baabb656_0_0:notes"/>
-          <p:cNvSpPr txBox="1"/>
+          <p:cNvSpPr txBox="1">
+            <a:spLocks noGrp="1"/>
+          </p:cNvSpPr>
           <p:nvPr>
-            <p:ph idx="1" type="body"/>
+            <p:ph type="body" idx="1"/>
           </p:nvPr>
         </p:nvSpPr>
         <p:spPr>
@@ -765,12 +905,12 @@
           </a:prstGeom>
         </p:spPr>
         <p:txBody>
-          <a:bodyPr anchorCtr="0" anchor="t" bIns="91425" lIns="91425" spcFirstLastPara="1" rIns="91425" wrap="square" tIns="91425">
+          <a:bodyPr spcFirstLastPara="1" wrap="square" lIns="91425" tIns="91425" rIns="91425" bIns="91425" anchor="t" anchorCtr="0">
             <a:noAutofit/>
           </a:bodyPr>
           <a:lstStyle/>
           <a:p>
-            <a:pPr indent="0" lvl="0" marL="0" rtl="0" algn="l">
+            <a:pPr marL="0" lvl="0" indent="0" algn="l" rtl="0">
               <a:spcBef>
                 <a:spcPts val="0"/>
               </a:spcBef>
@@ -779,14 +919,779 @@
               </a:spcAft>
               <a:buNone/>
             </a:pPr>
-            <a:r>
-              <a:t/>
-            </a:r>
             <a:endParaRPr/>
           </a:p>
         </p:txBody>
       </p:sp>
     </p:spTree>
+    <p:extLst>
+      <p:ext uri="{BB962C8B-B14F-4D97-AF65-F5344CB8AC3E}">
+        <p14:creationId xmlns:p14="http://schemas.microsoft.com/office/powerpoint/2010/main" val="3986328373"/>
+      </p:ext>
+    </p:extLst>
+  </p:cSld>
+  <p:clrMapOvr>
+    <a:masterClrMapping/>
+  </p:clrMapOvr>
+</p:notes>
+</file>
+
+<file path=ppt/notesSlides/notesSlide3.xml><?xml version="1.0" encoding="utf-8"?>
+<p:notes xmlns:a="http://schemas.openxmlformats.org/drawingml/2006/main" xmlns:r="http://schemas.openxmlformats.org/officeDocument/2006/relationships" xmlns:p="http://schemas.openxmlformats.org/presentationml/2006/main" showMasterSp="0" showMasterPhAnim="0">
+  <p:cSld>
+    <p:spTree>
+      <p:nvGrpSpPr>
+        <p:cNvPr id="1" name="Shape 50"/>
+        <p:cNvGrpSpPr/>
+        <p:nvPr/>
+      </p:nvGrpSpPr>
+      <p:grpSpPr>
+        <a:xfrm>
+          <a:off x="0" y="0"/>
+          <a:ext cx="0" cy="0"/>
+          <a:chOff x="0" y="0"/>
+          <a:chExt cx="0" cy="0"/>
+        </a:xfrm>
+      </p:grpSpPr>
+      <p:sp>
+        <p:nvSpPr>
+          <p:cNvPr id="51" name="Google Shape;51;g109baabb656_0_0:notes"/>
+          <p:cNvSpPr>
+            <a:spLocks noGrp="1" noRot="1" noChangeAspect="1"/>
+          </p:cNvSpPr>
+          <p:nvPr>
+            <p:ph type="sldImg" idx="2"/>
+          </p:nvPr>
+        </p:nvSpPr>
+        <p:spPr>
+          <a:xfrm>
+            <a:off x="381000" y="685800"/>
+            <a:ext cx="6096000" cy="3429000"/>
+          </a:xfrm>
+          <a:custGeom>
+            <a:avLst/>
+            <a:gdLst/>
+            <a:ahLst/>
+            <a:cxnLst/>
+            <a:rect l="l" t="t" r="r" b="b"/>
+            <a:pathLst>
+              <a:path w="120000" h="120000" extrusionOk="0">
+                <a:moveTo>
+                  <a:pt x="0" y="0"/>
+                </a:moveTo>
+                <a:lnTo>
+                  <a:pt x="120000" y="0"/>
+                </a:lnTo>
+                <a:lnTo>
+                  <a:pt x="120000" y="120000"/>
+                </a:lnTo>
+                <a:lnTo>
+                  <a:pt x="0" y="120000"/>
+                </a:lnTo>
+                <a:close/>
+              </a:path>
+            </a:pathLst>
+          </a:custGeom>
+        </p:spPr>
+      </p:sp>
+      <p:sp>
+        <p:nvSpPr>
+          <p:cNvPr id="52" name="Google Shape;52;g109baabb656_0_0:notes"/>
+          <p:cNvSpPr txBox="1">
+            <a:spLocks noGrp="1"/>
+          </p:cNvSpPr>
+          <p:nvPr>
+            <p:ph type="body" idx="1"/>
+          </p:nvPr>
+        </p:nvSpPr>
+        <p:spPr>
+          <a:xfrm>
+            <a:off x="685800" y="4343400"/>
+            <a:ext cx="5486400" cy="4114800"/>
+          </a:xfrm>
+          <a:prstGeom prst="rect">
+            <a:avLst/>
+          </a:prstGeom>
+        </p:spPr>
+        <p:txBody>
+          <a:bodyPr spcFirstLastPara="1" wrap="square" lIns="91425" tIns="91425" rIns="91425" bIns="91425" anchor="t" anchorCtr="0">
+            <a:noAutofit/>
+          </a:bodyPr>
+          <a:lstStyle/>
+          <a:p>
+            <a:pPr marL="0" lvl="0" indent="0" algn="l" rtl="0">
+              <a:spcBef>
+                <a:spcPts val="0"/>
+              </a:spcBef>
+              <a:spcAft>
+                <a:spcPts val="0"/>
+              </a:spcAft>
+              <a:buNone/>
+            </a:pPr>
+            <a:endParaRPr/>
+          </a:p>
+        </p:txBody>
+      </p:sp>
+    </p:spTree>
+    <p:extLst>
+      <p:ext uri="{BB962C8B-B14F-4D97-AF65-F5344CB8AC3E}">
+        <p14:creationId xmlns:p14="http://schemas.microsoft.com/office/powerpoint/2010/main" val="1152848723"/>
+      </p:ext>
+    </p:extLst>
+  </p:cSld>
+  <p:clrMapOvr>
+    <a:masterClrMapping/>
+  </p:clrMapOvr>
+</p:notes>
+</file>
+
+<file path=ppt/notesSlides/notesSlide4.xml><?xml version="1.0" encoding="utf-8"?>
+<p:notes xmlns:a="http://schemas.openxmlformats.org/drawingml/2006/main" xmlns:r="http://schemas.openxmlformats.org/officeDocument/2006/relationships" xmlns:p="http://schemas.openxmlformats.org/presentationml/2006/main" showMasterSp="0" showMasterPhAnim="0">
+  <p:cSld>
+    <p:spTree>
+      <p:nvGrpSpPr>
+        <p:cNvPr id="1" name="Shape 50"/>
+        <p:cNvGrpSpPr/>
+        <p:nvPr/>
+      </p:nvGrpSpPr>
+      <p:grpSpPr>
+        <a:xfrm>
+          <a:off x="0" y="0"/>
+          <a:ext cx="0" cy="0"/>
+          <a:chOff x="0" y="0"/>
+          <a:chExt cx="0" cy="0"/>
+        </a:xfrm>
+      </p:grpSpPr>
+      <p:sp>
+        <p:nvSpPr>
+          <p:cNvPr id="51" name="Google Shape;51;g109baabb656_0_0:notes"/>
+          <p:cNvSpPr>
+            <a:spLocks noGrp="1" noRot="1" noChangeAspect="1"/>
+          </p:cNvSpPr>
+          <p:nvPr>
+            <p:ph type="sldImg" idx="2"/>
+          </p:nvPr>
+        </p:nvSpPr>
+        <p:spPr>
+          <a:xfrm>
+            <a:off x="381000" y="685800"/>
+            <a:ext cx="6096000" cy="3429000"/>
+          </a:xfrm>
+          <a:custGeom>
+            <a:avLst/>
+            <a:gdLst/>
+            <a:ahLst/>
+            <a:cxnLst/>
+            <a:rect l="l" t="t" r="r" b="b"/>
+            <a:pathLst>
+              <a:path w="120000" h="120000" extrusionOk="0">
+                <a:moveTo>
+                  <a:pt x="0" y="0"/>
+                </a:moveTo>
+                <a:lnTo>
+                  <a:pt x="120000" y="0"/>
+                </a:lnTo>
+                <a:lnTo>
+                  <a:pt x="120000" y="120000"/>
+                </a:lnTo>
+                <a:lnTo>
+                  <a:pt x="0" y="120000"/>
+                </a:lnTo>
+                <a:close/>
+              </a:path>
+            </a:pathLst>
+          </a:custGeom>
+        </p:spPr>
+      </p:sp>
+      <p:sp>
+        <p:nvSpPr>
+          <p:cNvPr id="52" name="Google Shape;52;g109baabb656_0_0:notes"/>
+          <p:cNvSpPr txBox="1">
+            <a:spLocks noGrp="1"/>
+          </p:cNvSpPr>
+          <p:nvPr>
+            <p:ph type="body" idx="1"/>
+          </p:nvPr>
+        </p:nvSpPr>
+        <p:spPr>
+          <a:xfrm>
+            <a:off x="685800" y="4343400"/>
+            <a:ext cx="5486400" cy="4114800"/>
+          </a:xfrm>
+          <a:prstGeom prst="rect">
+            <a:avLst/>
+          </a:prstGeom>
+        </p:spPr>
+        <p:txBody>
+          <a:bodyPr spcFirstLastPara="1" wrap="square" lIns="91425" tIns="91425" rIns="91425" bIns="91425" anchor="t" anchorCtr="0">
+            <a:noAutofit/>
+          </a:bodyPr>
+          <a:lstStyle/>
+          <a:p>
+            <a:pPr marL="0" lvl="0" indent="0" algn="l" rtl="0">
+              <a:spcBef>
+                <a:spcPts val="0"/>
+              </a:spcBef>
+              <a:spcAft>
+                <a:spcPts val="0"/>
+              </a:spcAft>
+              <a:buNone/>
+            </a:pPr>
+            <a:endParaRPr/>
+          </a:p>
+        </p:txBody>
+      </p:sp>
+    </p:spTree>
+    <p:extLst>
+      <p:ext uri="{BB962C8B-B14F-4D97-AF65-F5344CB8AC3E}">
+        <p14:creationId xmlns:p14="http://schemas.microsoft.com/office/powerpoint/2010/main" val="1466673525"/>
+      </p:ext>
+    </p:extLst>
+  </p:cSld>
+  <p:clrMapOvr>
+    <a:masterClrMapping/>
+  </p:clrMapOvr>
+</p:notes>
+</file>
+
+<file path=ppt/notesSlides/notesSlide5.xml><?xml version="1.0" encoding="utf-8"?>
+<p:notes xmlns:a="http://schemas.openxmlformats.org/drawingml/2006/main" xmlns:r="http://schemas.openxmlformats.org/officeDocument/2006/relationships" xmlns:p="http://schemas.openxmlformats.org/presentationml/2006/main" showMasterSp="0" showMasterPhAnim="0">
+  <p:cSld>
+    <p:spTree>
+      <p:nvGrpSpPr>
+        <p:cNvPr id="1" name="Shape 50"/>
+        <p:cNvGrpSpPr/>
+        <p:nvPr/>
+      </p:nvGrpSpPr>
+      <p:grpSpPr>
+        <a:xfrm>
+          <a:off x="0" y="0"/>
+          <a:ext cx="0" cy="0"/>
+          <a:chOff x="0" y="0"/>
+          <a:chExt cx="0" cy="0"/>
+        </a:xfrm>
+      </p:grpSpPr>
+      <p:sp>
+        <p:nvSpPr>
+          <p:cNvPr id="51" name="Google Shape;51;g109baabb656_0_0:notes"/>
+          <p:cNvSpPr>
+            <a:spLocks noGrp="1" noRot="1" noChangeAspect="1"/>
+          </p:cNvSpPr>
+          <p:nvPr>
+            <p:ph type="sldImg" idx="2"/>
+          </p:nvPr>
+        </p:nvSpPr>
+        <p:spPr>
+          <a:xfrm>
+            <a:off x="381000" y="685800"/>
+            <a:ext cx="6096000" cy="3429000"/>
+          </a:xfrm>
+          <a:custGeom>
+            <a:avLst/>
+            <a:gdLst/>
+            <a:ahLst/>
+            <a:cxnLst/>
+            <a:rect l="l" t="t" r="r" b="b"/>
+            <a:pathLst>
+              <a:path w="120000" h="120000" extrusionOk="0">
+                <a:moveTo>
+                  <a:pt x="0" y="0"/>
+                </a:moveTo>
+                <a:lnTo>
+                  <a:pt x="120000" y="0"/>
+                </a:lnTo>
+                <a:lnTo>
+                  <a:pt x="120000" y="120000"/>
+                </a:lnTo>
+                <a:lnTo>
+                  <a:pt x="0" y="120000"/>
+                </a:lnTo>
+                <a:close/>
+              </a:path>
+            </a:pathLst>
+          </a:custGeom>
+        </p:spPr>
+      </p:sp>
+      <p:sp>
+        <p:nvSpPr>
+          <p:cNvPr id="52" name="Google Shape;52;g109baabb656_0_0:notes"/>
+          <p:cNvSpPr txBox="1">
+            <a:spLocks noGrp="1"/>
+          </p:cNvSpPr>
+          <p:nvPr>
+            <p:ph type="body" idx="1"/>
+          </p:nvPr>
+        </p:nvSpPr>
+        <p:spPr>
+          <a:xfrm>
+            <a:off x="685800" y="4343400"/>
+            <a:ext cx="5486400" cy="4114800"/>
+          </a:xfrm>
+          <a:prstGeom prst="rect">
+            <a:avLst/>
+          </a:prstGeom>
+        </p:spPr>
+        <p:txBody>
+          <a:bodyPr spcFirstLastPara="1" wrap="square" lIns="91425" tIns="91425" rIns="91425" bIns="91425" anchor="t" anchorCtr="0">
+            <a:noAutofit/>
+          </a:bodyPr>
+          <a:lstStyle/>
+          <a:p>
+            <a:pPr marL="0" lvl="0" indent="0" algn="l" rtl="0">
+              <a:spcBef>
+                <a:spcPts val="0"/>
+              </a:spcBef>
+              <a:spcAft>
+                <a:spcPts val="0"/>
+              </a:spcAft>
+              <a:buNone/>
+            </a:pPr>
+            <a:endParaRPr/>
+          </a:p>
+        </p:txBody>
+      </p:sp>
+    </p:spTree>
+    <p:extLst>
+      <p:ext uri="{BB962C8B-B14F-4D97-AF65-F5344CB8AC3E}">
+        <p14:creationId xmlns:p14="http://schemas.microsoft.com/office/powerpoint/2010/main" val="269285825"/>
+      </p:ext>
+    </p:extLst>
+  </p:cSld>
+  <p:clrMapOvr>
+    <a:masterClrMapping/>
+  </p:clrMapOvr>
+</p:notes>
+</file>
+
+<file path=ppt/notesSlides/notesSlide6.xml><?xml version="1.0" encoding="utf-8"?>
+<p:notes xmlns:a="http://schemas.openxmlformats.org/drawingml/2006/main" xmlns:r="http://schemas.openxmlformats.org/officeDocument/2006/relationships" xmlns:p="http://schemas.openxmlformats.org/presentationml/2006/main" showMasterSp="0" showMasterPhAnim="0">
+  <p:cSld>
+    <p:spTree>
+      <p:nvGrpSpPr>
+        <p:cNvPr id="1" name="Shape 50"/>
+        <p:cNvGrpSpPr/>
+        <p:nvPr/>
+      </p:nvGrpSpPr>
+      <p:grpSpPr>
+        <a:xfrm>
+          <a:off x="0" y="0"/>
+          <a:ext cx="0" cy="0"/>
+          <a:chOff x="0" y="0"/>
+          <a:chExt cx="0" cy="0"/>
+        </a:xfrm>
+      </p:grpSpPr>
+      <p:sp>
+        <p:nvSpPr>
+          <p:cNvPr id="51" name="Google Shape;51;g109baabb656_0_0:notes"/>
+          <p:cNvSpPr>
+            <a:spLocks noGrp="1" noRot="1" noChangeAspect="1"/>
+          </p:cNvSpPr>
+          <p:nvPr>
+            <p:ph type="sldImg" idx="2"/>
+          </p:nvPr>
+        </p:nvSpPr>
+        <p:spPr>
+          <a:xfrm>
+            <a:off x="381000" y="685800"/>
+            <a:ext cx="6096000" cy="3429000"/>
+          </a:xfrm>
+          <a:custGeom>
+            <a:avLst/>
+            <a:gdLst/>
+            <a:ahLst/>
+            <a:cxnLst/>
+            <a:rect l="l" t="t" r="r" b="b"/>
+            <a:pathLst>
+              <a:path w="120000" h="120000" extrusionOk="0">
+                <a:moveTo>
+                  <a:pt x="0" y="0"/>
+                </a:moveTo>
+                <a:lnTo>
+                  <a:pt x="120000" y="0"/>
+                </a:lnTo>
+                <a:lnTo>
+                  <a:pt x="120000" y="120000"/>
+                </a:lnTo>
+                <a:lnTo>
+                  <a:pt x="0" y="120000"/>
+                </a:lnTo>
+                <a:close/>
+              </a:path>
+            </a:pathLst>
+          </a:custGeom>
+        </p:spPr>
+      </p:sp>
+      <p:sp>
+        <p:nvSpPr>
+          <p:cNvPr id="52" name="Google Shape;52;g109baabb656_0_0:notes"/>
+          <p:cNvSpPr txBox="1">
+            <a:spLocks noGrp="1"/>
+          </p:cNvSpPr>
+          <p:nvPr>
+            <p:ph type="body" idx="1"/>
+          </p:nvPr>
+        </p:nvSpPr>
+        <p:spPr>
+          <a:xfrm>
+            <a:off x="685800" y="4343400"/>
+            <a:ext cx="5486400" cy="4114800"/>
+          </a:xfrm>
+          <a:prstGeom prst="rect">
+            <a:avLst/>
+          </a:prstGeom>
+        </p:spPr>
+        <p:txBody>
+          <a:bodyPr spcFirstLastPara="1" wrap="square" lIns="91425" tIns="91425" rIns="91425" bIns="91425" anchor="t" anchorCtr="0">
+            <a:noAutofit/>
+          </a:bodyPr>
+          <a:lstStyle/>
+          <a:p>
+            <a:pPr marL="0" lvl="0" indent="0" algn="l" rtl="0">
+              <a:spcBef>
+                <a:spcPts val="0"/>
+              </a:spcBef>
+              <a:spcAft>
+                <a:spcPts val="0"/>
+              </a:spcAft>
+              <a:buNone/>
+            </a:pPr>
+            <a:endParaRPr/>
+          </a:p>
+        </p:txBody>
+      </p:sp>
+    </p:spTree>
+    <p:extLst>
+      <p:ext uri="{BB962C8B-B14F-4D97-AF65-F5344CB8AC3E}">
+        <p14:creationId xmlns:p14="http://schemas.microsoft.com/office/powerpoint/2010/main" val="4100640580"/>
+      </p:ext>
+    </p:extLst>
+  </p:cSld>
+  <p:clrMapOvr>
+    <a:masterClrMapping/>
+  </p:clrMapOvr>
+</p:notes>
+</file>
+
+<file path=ppt/notesSlides/notesSlide7.xml><?xml version="1.0" encoding="utf-8"?>
+<p:notes xmlns:a="http://schemas.openxmlformats.org/drawingml/2006/main" xmlns:r="http://schemas.openxmlformats.org/officeDocument/2006/relationships" xmlns:p="http://schemas.openxmlformats.org/presentationml/2006/main" showMasterSp="0" showMasterPhAnim="0">
+  <p:cSld>
+    <p:spTree>
+      <p:nvGrpSpPr>
+        <p:cNvPr id="1" name="Shape 50"/>
+        <p:cNvGrpSpPr/>
+        <p:nvPr/>
+      </p:nvGrpSpPr>
+      <p:grpSpPr>
+        <a:xfrm>
+          <a:off x="0" y="0"/>
+          <a:ext cx="0" cy="0"/>
+          <a:chOff x="0" y="0"/>
+          <a:chExt cx="0" cy="0"/>
+        </a:xfrm>
+      </p:grpSpPr>
+      <p:sp>
+        <p:nvSpPr>
+          <p:cNvPr id="51" name="Google Shape;51;g109baabb656_0_0:notes"/>
+          <p:cNvSpPr>
+            <a:spLocks noGrp="1" noRot="1" noChangeAspect="1"/>
+          </p:cNvSpPr>
+          <p:nvPr>
+            <p:ph type="sldImg" idx="2"/>
+          </p:nvPr>
+        </p:nvSpPr>
+        <p:spPr>
+          <a:xfrm>
+            <a:off x="381000" y="685800"/>
+            <a:ext cx="6096000" cy="3429000"/>
+          </a:xfrm>
+          <a:custGeom>
+            <a:avLst/>
+            <a:gdLst/>
+            <a:ahLst/>
+            <a:cxnLst/>
+            <a:rect l="l" t="t" r="r" b="b"/>
+            <a:pathLst>
+              <a:path w="120000" h="120000" extrusionOk="0">
+                <a:moveTo>
+                  <a:pt x="0" y="0"/>
+                </a:moveTo>
+                <a:lnTo>
+                  <a:pt x="120000" y="0"/>
+                </a:lnTo>
+                <a:lnTo>
+                  <a:pt x="120000" y="120000"/>
+                </a:lnTo>
+                <a:lnTo>
+                  <a:pt x="0" y="120000"/>
+                </a:lnTo>
+                <a:close/>
+              </a:path>
+            </a:pathLst>
+          </a:custGeom>
+        </p:spPr>
+      </p:sp>
+      <p:sp>
+        <p:nvSpPr>
+          <p:cNvPr id="52" name="Google Shape;52;g109baabb656_0_0:notes"/>
+          <p:cNvSpPr txBox="1">
+            <a:spLocks noGrp="1"/>
+          </p:cNvSpPr>
+          <p:nvPr>
+            <p:ph type="body" idx="1"/>
+          </p:nvPr>
+        </p:nvSpPr>
+        <p:spPr>
+          <a:xfrm>
+            <a:off x="685800" y="4343400"/>
+            <a:ext cx="5486400" cy="4114800"/>
+          </a:xfrm>
+          <a:prstGeom prst="rect">
+            <a:avLst/>
+          </a:prstGeom>
+        </p:spPr>
+        <p:txBody>
+          <a:bodyPr spcFirstLastPara="1" wrap="square" lIns="91425" tIns="91425" rIns="91425" bIns="91425" anchor="t" anchorCtr="0">
+            <a:noAutofit/>
+          </a:bodyPr>
+          <a:lstStyle/>
+          <a:p>
+            <a:pPr marL="0" lvl="0" indent="0" algn="l" rtl="0">
+              <a:spcBef>
+                <a:spcPts val="0"/>
+              </a:spcBef>
+              <a:spcAft>
+                <a:spcPts val="0"/>
+              </a:spcAft>
+              <a:buNone/>
+            </a:pPr>
+            <a:endParaRPr/>
+          </a:p>
+        </p:txBody>
+      </p:sp>
+    </p:spTree>
+    <p:extLst>
+      <p:ext uri="{BB962C8B-B14F-4D97-AF65-F5344CB8AC3E}">
+        <p14:creationId xmlns:p14="http://schemas.microsoft.com/office/powerpoint/2010/main" val="2965458144"/>
+      </p:ext>
+    </p:extLst>
+  </p:cSld>
+  <p:clrMapOvr>
+    <a:masterClrMapping/>
+  </p:clrMapOvr>
+</p:notes>
+</file>
+
+<file path=ppt/notesSlides/notesSlide8.xml><?xml version="1.0" encoding="utf-8"?>
+<p:notes xmlns:a="http://schemas.openxmlformats.org/drawingml/2006/main" xmlns:r="http://schemas.openxmlformats.org/officeDocument/2006/relationships" xmlns:p="http://schemas.openxmlformats.org/presentationml/2006/main" showMasterSp="0" showMasterPhAnim="0">
+  <p:cSld>
+    <p:spTree>
+      <p:nvGrpSpPr>
+        <p:cNvPr id="1" name="Shape 50"/>
+        <p:cNvGrpSpPr/>
+        <p:nvPr/>
+      </p:nvGrpSpPr>
+      <p:grpSpPr>
+        <a:xfrm>
+          <a:off x="0" y="0"/>
+          <a:ext cx="0" cy="0"/>
+          <a:chOff x="0" y="0"/>
+          <a:chExt cx="0" cy="0"/>
+        </a:xfrm>
+      </p:grpSpPr>
+      <p:sp>
+        <p:nvSpPr>
+          <p:cNvPr id="51" name="Google Shape;51;g109baabb656_0_0:notes"/>
+          <p:cNvSpPr>
+            <a:spLocks noGrp="1" noRot="1" noChangeAspect="1"/>
+          </p:cNvSpPr>
+          <p:nvPr>
+            <p:ph type="sldImg" idx="2"/>
+          </p:nvPr>
+        </p:nvSpPr>
+        <p:spPr>
+          <a:xfrm>
+            <a:off x="381000" y="685800"/>
+            <a:ext cx="6096000" cy="3429000"/>
+          </a:xfrm>
+          <a:custGeom>
+            <a:avLst/>
+            <a:gdLst/>
+            <a:ahLst/>
+            <a:cxnLst/>
+            <a:rect l="l" t="t" r="r" b="b"/>
+            <a:pathLst>
+              <a:path w="120000" h="120000" extrusionOk="0">
+                <a:moveTo>
+                  <a:pt x="0" y="0"/>
+                </a:moveTo>
+                <a:lnTo>
+                  <a:pt x="120000" y="0"/>
+                </a:lnTo>
+                <a:lnTo>
+                  <a:pt x="120000" y="120000"/>
+                </a:lnTo>
+                <a:lnTo>
+                  <a:pt x="0" y="120000"/>
+                </a:lnTo>
+                <a:close/>
+              </a:path>
+            </a:pathLst>
+          </a:custGeom>
+        </p:spPr>
+      </p:sp>
+      <p:sp>
+        <p:nvSpPr>
+          <p:cNvPr id="52" name="Google Shape;52;g109baabb656_0_0:notes"/>
+          <p:cNvSpPr txBox="1">
+            <a:spLocks noGrp="1"/>
+          </p:cNvSpPr>
+          <p:nvPr>
+            <p:ph type="body" idx="1"/>
+          </p:nvPr>
+        </p:nvSpPr>
+        <p:spPr>
+          <a:xfrm>
+            <a:off x="685800" y="4343400"/>
+            <a:ext cx="5486400" cy="4114800"/>
+          </a:xfrm>
+          <a:prstGeom prst="rect">
+            <a:avLst/>
+          </a:prstGeom>
+        </p:spPr>
+        <p:txBody>
+          <a:bodyPr spcFirstLastPara="1" wrap="square" lIns="91425" tIns="91425" rIns="91425" bIns="91425" anchor="t" anchorCtr="0">
+            <a:noAutofit/>
+          </a:bodyPr>
+          <a:lstStyle/>
+          <a:p>
+            <a:pPr marL="0" lvl="0" indent="0" algn="l" rtl="0">
+              <a:spcBef>
+                <a:spcPts val="0"/>
+              </a:spcBef>
+              <a:spcAft>
+                <a:spcPts val="0"/>
+              </a:spcAft>
+              <a:buNone/>
+            </a:pPr>
+            <a:endParaRPr/>
+          </a:p>
+        </p:txBody>
+      </p:sp>
+    </p:spTree>
+    <p:extLst>
+      <p:ext uri="{BB962C8B-B14F-4D97-AF65-F5344CB8AC3E}">
+        <p14:creationId xmlns:p14="http://schemas.microsoft.com/office/powerpoint/2010/main" val="1044384847"/>
+      </p:ext>
+    </p:extLst>
+  </p:cSld>
+  <p:clrMapOvr>
+    <a:masterClrMapping/>
+  </p:clrMapOvr>
+</p:notes>
+</file>
+
+<file path=ppt/notesSlides/notesSlide9.xml><?xml version="1.0" encoding="utf-8"?>
+<p:notes xmlns:a="http://schemas.openxmlformats.org/drawingml/2006/main" xmlns:r="http://schemas.openxmlformats.org/officeDocument/2006/relationships" xmlns:p="http://schemas.openxmlformats.org/presentationml/2006/main" showMasterSp="0" showMasterPhAnim="0">
+  <p:cSld>
+    <p:spTree>
+      <p:nvGrpSpPr>
+        <p:cNvPr id="1" name="Shape 50"/>
+        <p:cNvGrpSpPr/>
+        <p:nvPr/>
+      </p:nvGrpSpPr>
+      <p:grpSpPr>
+        <a:xfrm>
+          <a:off x="0" y="0"/>
+          <a:ext cx="0" cy="0"/>
+          <a:chOff x="0" y="0"/>
+          <a:chExt cx="0" cy="0"/>
+        </a:xfrm>
+      </p:grpSpPr>
+      <p:sp>
+        <p:nvSpPr>
+          <p:cNvPr id="51" name="Google Shape;51;g109baabb656_0_0:notes"/>
+          <p:cNvSpPr>
+            <a:spLocks noGrp="1" noRot="1" noChangeAspect="1"/>
+          </p:cNvSpPr>
+          <p:nvPr>
+            <p:ph type="sldImg" idx="2"/>
+          </p:nvPr>
+        </p:nvSpPr>
+        <p:spPr>
+          <a:xfrm>
+            <a:off x="381000" y="685800"/>
+            <a:ext cx="6096000" cy="3429000"/>
+          </a:xfrm>
+          <a:custGeom>
+            <a:avLst/>
+            <a:gdLst/>
+            <a:ahLst/>
+            <a:cxnLst/>
+            <a:rect l="l" t="t" r="r" b="b"/>
+            <a:pathLst>
+              <a:path w="120000" h="120000" extrusionOk="0">
+                <a:moveTo>
+                  <a:pt x="0" y="0"/>
+                </a:moveTo>
+                <a:lnTo>
+                  <a:pt x="120000" y="0"/>
+                </a:lnTo>
+                <a:lnTo>
+                  <a:pt x="120000" y="120000"/>
+                </a:lnTo>
+                <a:lnTo>
+                  <a:pt x="0" y="120000"/>
+                </a:lnTo>
+                <a:close/>
+              </a:path>
+            </a:pathLst>
+          </a:custGeom>
+        </p:spPr>
+      </p:sp>
+      <p:sp>
+        <p:nvSpPr>
+          <p:cNvPr id="52" name="Google Shape;52;g109baabb656_0_0:notes"/>
+          <p:cNvSpPr txBox="1">
+            <a:spLocks noGrp="1"/>
+          </p:cNvSpPr>
+          <p:nvPr>
+            <p:ph type="body" idx="1"/>
+          </p:nvPr>
+        </p:nvSpPr>
+        <p:spPr>
+          <a:xfrm>
+            <a:off x="685800" y="4343400"/>
+            <a:ext cx="5486400" cy="4114800"/>
+          </a:xfrm>
+          <a:prstGeom prst="rect">
+            <a:avLst/>
+          </a:prstGeom>
+        </p:spPr>
+        <p:txBody>
+          <a:bodyPr spcFirstLastPara="1" wrap="square" lIns="91425" tIns="91425" rIns="91425" bIns="91425" anchor="t" anchorCtr="0">
+            <a:noAutofit/>
+          </a:bodyPr>
+          <a:lstStyle/>
+          <a:p>
+            <a:pPr marL="0" lvl="0" indent="0" algn="l" rtl="0">
+              <a:spcBef>
+                <a:spcPts val="0"/>
+              </a:spcBef>
+              <a:spcAft>
+                <a:spcPts val="0"/>
+              </a:spcAft>
+              <a:buNone/>
+            </a:pPr>
+            <a:endParaRPr/>
+          </a:p>
+        </p:txBody>
+      </p:sp>
+    </p:spTree>
+    <p:extLst>
+      <p:ext uri="{BB962C8B-B14F-4D97-AF65-F5344CB8AC3E}">
+        <p14:creationId xmlns:p14="http://schemas.microsoft.com/office/powerpoint/2010/main" val="3488272596"/>
+      </p:ext>
+    </p:extLst>
   </p:cSld>
   <p:clrMapOvr>
     <a:masterClrMapping/>
@@ -795,7 +1700,7 @@
 </file>
 
 <file path=ppt/slideLayouts/slideLayout1.xml><?xml version="1.0" encoding="utf-8"?>
-<p:sldLayout xmlns:a="http://schemas.openxmlformats.org/drawingml/2006/main" xmlns:r="http://schemas.openxmlformats.org/officeDocument/2006/relationships" xmlns:mc="http://schemas.openxmlformats.org/markup-compatibility/2006" xmlns:mv="urn:schemas-microsoft-com:mac:vml" xmlns:p="http://schemas.openxmlformats.org/presentationml/2006/main" xmlns:c="http://schemas.openxmlformats.org/drawingml/2006/chart" xmlns:dgm="http://schemas.openxmlformats.org/drawingml/2006/diagram" xmlns:o="urn:schemas-microsoft-com:office:office" xmlns:v="urn:schemas-microsoft-com:vml" xmlns:pvml="urn:schemas-microsoft-com:office:powerpoint" xmlns:com="http://schemas.openxmlformats.org/drawingml/2006/compatibility" xmlns:p14="http://schemas.microsoft.com/office/powerpoint/2010/main" xmlns:p15="http://schemas.microsoft.com/office/powerpoint/2012/main" xmlns:ahyp="http://schemas.microsoft.com/office/drawing/2018/hyperlinkcolor" matchingName="Title slide" type="title">
+<p:sldLayout xmlns:a="http://schemas.openxmlformats.org/drawingml/2006/main" xmlns:r="http://schemas.openxmlformats.org/officeDocument/2006/relationships" xmlns:p="http://schemas.openxmlformats.org/presentationml/2006/main" matchingName="Title slide" type="title">
   <p:cSld name="TITLE">
     <p:bg>
       <p:bgPr>
@@ -807,11 +1712,12 @@
             <a:fillRect/>
           </a:stretch>
         </a:blipFill>
+        <a:effectLst/>
       </p:bgPr>
     </p:bg>
     <p:spTree>
       <p:nvGrpSpPr>
-        <p:cNvPr id="9" name="Shape 9"/>
+        <p:cNvPr id="1" name="Shape 9"/>
         <p:cNvGrpSpPr/>
         <p:nvPr/>
       </p:nvGrpSpPr>
@@ -826,7 +1732,9 @@
       <p:sp>
         <p:nvSpPr>
           <p:cNvPr id="10" name="Google Shape;10;p2"/>
-          <p:cNvSpPr txBox="1"/>
+          <p:cNvSpPr txBox="1">
+            <a:spLocks noGrp="1"/>
+          </p:cNvSpPr>
           <p:nvPr>
             <p:ph type="ctrTitle"/>
           </p:nvPr>
@@ -841,7 +1749,7 @@
           </a:prstGeom>
         </p:spPr>
         <p:txBody>
-          <a:bodyPr anchorCtr="0" anchor="b" bIns="91425" lIns="91425" spcFirstLastPara="1" rIns="91425" wrap="square" tIns="91425">
+          <a:bodyPr spcFirstLastPara="1" wrap="square" lIns="91425" tIns="91425" rIns="91425" bIns="91425" anchor="b" anchorCtr="0">
             <a:normAutofit/>
           </a:bodyPr>
           <a:lstStyle>
@@ -857,7 +1765,7 @@
               </a:buClr>
               <a:buSzPts val="3300"/>
               <a:buNone/>
-              <a:defRPr b="1" sz="3300">
+              <a:defRPr sz="3300" b="1">
                 <a:solidFill>
                   <a:schemeClr val="lt1"/>
                 </a:solidFill>
@@ -875,7 +1783,7 @@
               </a:buClr>
               <a:buSzPts val="3300"/>
               <a:buNone/>
-              <a:defRPr b="1" sz="3300">
+              <a:defRPr sz="3300" b="1">
                 <a:solidFill>
                   <a:schemeClr val="lt1"/>
                 </a:solidFill>
@@ -893,7 +1801,7 @@
               </a:buClr>
               <a:buSzPts val="3300"/>
               <a:buNone/>
-              <a:defRPr b="1" sz="3300">
+              <a:defRPr sz="3300" b="1">
                 <a:solidFill>
                   <a:schemeClr val="lt1"/>
                 </a:solidFill>
@@ -911,7 +1819,7 @@
               </a:buClr>
               <a:buSzPts val="3300"/>
               <a:buNone/>
-              <a:defRPr b="1" sz="3300">
+              <a:defRPr sz="3300" b="1">
                 <a:solidFill>
                   <a:schemeClr val="lt1"/>
                 </a:solidFill>
@@ -929,7 +1837,7 @@
               </a:buClr>
               <a:buSzPts val="3300"/>
               <a:buNone/>
-              <a:defRPr b="1" sz="3300">
+              <a:defRPr sz="3300" b="1">
                 <a:solidFill>
                   <a:schemeClr val="lt1"/>
                 </a:solidFill>
@@ -947,7 +1855,7 @@
               </a:buClr>
               <a:buSzPts val="3300"/>
               <a:buNone/>
-              <a:defRPr b="1" sz="3300">
+              <a:defRPr sz="3300" b="1">
                 <a:solidFill>
                   <a:schemeClr val="lt1"/>
                 </a:solidFill>
@@ -965,7 +1873,7 @@
               </a:buClr>
               <a:buSzPts val="3300"/>
               <a:buNone/>
-              <a:defRPr b="1" sz="3300">
+              <a:defRPr sz="3300" b="1">
                 <a:solidFill>
                   <a:schemeClr val="lt1"/>
                 </a:solidFill>
@@ -983,7 +1891,7 @@
               </a:buClr>
               <a:buSzPts val="3300"/>
               <a:buNone/>
-              <a:defRPr b="1" sz="3300">
+              <a:defRPr sz="3300" b="1">
                 <a:solidFill>
                   <a:schemeClr val="lt1"/>
                 </a:solidFill>
@@ -1001,22 +1909,26 @@
               </a:buClr>
               <a:buSzPts val="3300"/>
               <a:buNone/>
-              <a:defRPr b="1" sz="3300">
+              <a:defRPr sz="3300" b="1">
                 <a:solidFill>
                   <a:schemeClr val="lt1"/>
                 </a:solidFill>
               </a:defRPr>
             </a:lvl9pPr>
           </a:lstStyle>
-          <a:p/>
+          <a:p>
+            <a:endParaRPr/>
+          </a:p>
         </p:txBody>
       </p:sp>
       <p:sp>
         <p:nvSpPr>
           <p:cNvPr id="11" name="Google Shape;11;p2"/>
-          <p:cNvSpPr txBox="1"/>
+          <p:cNvSpPr txBox="1">
+            <a:spLocks noGrp="1"/>
+          </p:cNvSpPr>
           <p:nvPr>
-            <p:ph idx="1" type="subTitle"/>
+            <p:ph type="subTitle" idx="1"/>
           </p:nvPr>
         </p:nvSpPr>
         <p:spPr>
@@ -1029,7 +1941,7 @@
           </a:prstGeom>
         </p:spPr>
         <p:txBody>
-          <a:bodyPr anchorCtr="0" anchor="t" bIns="91425" lIns="91425" spcFirstLastPara="1" rIns="91425" wrap="square" tIns="91425">
+          <a:bodyPr spcFirstLastPara="1" wrap="square" lIns="91425" tIns="91425" rIns="91425" bIns="91425" anchor="t" anchorCtr="0">
             <a:normAutofit/>
           </a:bodyPr>
           <a:lstStyle>
@@ -1223,15 +2135,19 @@
               </a:defRPr>
             </a:lvl9pPr>
           </a:lstStyle>
-          <a:p/>
+          <a:p>
+            <a:endParaRPr/>
+          </a:p>
         </p:txBody>
       </p:sp>
       <p:sp>
         <p:nvSpPr>
           <p:cNvPr id="12" name="Google Shape;12;p2"/>
-          <p:cNvSpPr txBox="1"/>
+          <p:cNvSpPr txBox="1">
+            <a:spLocks noGrp="1"/>
+          </p:cNvSpPr>
           <p:nvPr>
-            <p:ph idx="12" type="sldNum"/>
+            <p:ph type="sldNum" idx="12"/>
           </p:nvPr>
         </p:nvSpPr>
         <p:spPr>
@@ -1244,7 +2160,7 @@
           </a:prstGeom>
         </p:spPr>
         <p:txBody>
-          <a:bodyPr anchorCtr="0" anchor="ctr" bIns="91425" lIns="91425" spcFirstLastPara="1" rIns="91425" wrap="square" tIns="91425">
+          <a:bodyPr spcFirstLastPara="1" wrap="square" lIns="91425" tIns="91425" rIns="91425" bIns="91425" anchor="ctr" anchorCtr="0">
             <a:normAutofit/>
           </a:bodyPr>
           <a:lstStyle>
@@ -1286,7 +2202,7 @@
             </a:lvl9pPr>
           </a:lstStyle>
           <a:p>
-            <a:pPr indent="0" lvl="0" marL="0" rtl="0" algn="r">
+            <a:pPr marL="0" lvl="0" indent="0" algn="r" rtl="0">
               <a:spcBef>
                 <a:spcPts val="0"/>
               </a:spcBef>
@@ -1312,11 +2228,11 @@
 </file>
 
 <file path=ppt/slideLayouts/slideLayout10.xml><?xml version="1.0" encoding="utf-8"?>
-<p:sldLayout xmlns:a="http://schemas.openxmlformats.org/drawingml/2006/main" xmlns:r="http://schemas.openxmlformats.org/officeDocument/2006/relationships" xmlns:mc="http://schemas.openxmlformats.org/markup-compatibility/2006" xmlns:mv="urn:schemas-microsoft-com:mac:vml" xmlns:p="http://schemas.openxmlformats.org/presentationml/2006/main" xmlns:c="http://schemas.openxmlformats.org/drawingml/2006/chart" xmlns:dgm="http://schemas.openxmlformats.org/drawingml/2006/diagram" xmlns:o="urn:schemas-microsoft-com:office:office" xmlns:v="urn:schemas-microsoft-com:vml" xmlns:pvml="urn:schemas-microsoft-com:office:powerpoint" xmlns:com="http://schemas.openxmlformats.org/drawingml/2006/compatibility" xmlns:p14="http://schemas.microsoft.com/office/powerpoint/2010/main" xmlns:p15="http://schemas.microsoft.com/office/powerpoint/2012/main" xmlns:ahyp="http://schemas.microsoft.com/office/drawing/2018/hyperlinkcolor" matchingName="Big number">
+<p:sldLayout xmlns:a="http://schemas.openxmlformats.org/drawingml/2006/main" xmlns:r="http://schemas.openxmlformats.org/officeDocument/2006/relationships" xmlns:p="http://schemas.openxmlformats.org/presentationml/2006/main" matchingName="Big number">
   <p:cSld name="BIG_NUMBER">
     <p:spTree>
       <p:nvGrpSpPr>
-        <p:cNvPr id="44" name="Shape 44"/>
+        <p:cNvPr id="1" name="Shape 44"/>
         <p:cNvGrpSpPr/>
         <p:nvPr/>
       </p:nvGrpSpPr>
@@ -1331,9 +2247,11 @@
       <p:sp>
         <p:nvSpPr>
           <p:cNvPr id="45" name="Google Shape;45;p11"/>
-          <p:cNvSpPr txBox="1"/>
+          <p:cNvSpPr txBox="1">
+            <a:spLocks noGrp="1"/>
+          </p:cNvSpPr>
           <p:nvPr>
-            <p:ph hasCustomPrompt="1" type="title"/>
+            <p:ph type="title" hasCustomPrompt="1"/>
           </p:nvPr>
         </p:nvSpPr>
         <p:spPr>
@@ -1346,7 +2264,7 @@
           </a:prstGeom>
         </p:spPr>
         <p:txBody>
-          <a:bodyPr anchorCtr="0" anchor="b" bIns="91425" lIns="91425" spcFirstLastPara="1" rIns="91425" wrap="square" tIns="91425">
+          <a:bodyPr spcFirstLastPara="1" wrap="square" lIns="91425" tIns="91425" rIns="91425" bIns="91425" anchor="b" anchorCtr="0">
             <a:normAutofit/>
           </a:bodyPr>
           <a:lstStyle>
@@ -1460,9 +2378,11 @@
       <p:sp>
         <p:nvSpPr>
           <p:cNvPr id="46" name="Google Shape;46;p11"/>
-          <p:cNvSpPr txBox="1"/>
+          <p:cNvSpPr txBox="1">
+            <a:spLocks noGrp="1"/>
+          </p:cNvSpPr>
           <p:nvPr>
-            <p:ph idx="1" type="body"/>
+            <p:ph type="body" idx="1"/>
           </p:nvPr>
         </p:nvSpPr>
         <p:spPr>
@@ -1475,11 +2395,11 @@
           </a:prstGeom>
         </p:spPr>
         <p:txBody>
-          <a:bodyPr anchorCtr="0" anchor="t" bIns="91425" lIns="91425" spcFirstLastPara="1" rIns="91425" wrap="square" tIns="91425">
+          <a:bodyPr spcFirstLastPara="1" wrap="square" lIns="91425" tIns="91425" rIns="91425" bIns="91425" anchor="t" anchorCtr="0">
             <a:normAutofit/>
           </a:bodyPr>
           <a:lstStyle>
-            <a:lvl1pPr indent="-342900" lvl="0" marL="457200" algn="ctr">
+            <a:lvl1pPr marL="457200" lvl="0" indent="-342900" algn="ctr">
               <a:spcBef>
                 <a:spcPts val="0"/>
               </a:spcBef>
@@ -1490,7 +2410,7 @@
               <a:buChar char="●"/>
               <a:defRPr/>
             </a:lvl1pPr>
-            <a:lvl2pPr indent="-317500" lvl="1" marL="914400" algn="ctr">
+            <a:lvl2pPr marL="914400" lvl="1" indent="-317500" algn="ctr">
               <a:spcBef>
                 <a:spcPts val="0"/>
               </a:spcBef>
@@ -1501,7 +2421,7 @@
               <a:buChar char="○"/>
               <a:defRPr/>
             </a:lvl2pPr>
-            <a:lvl3pPr indent="-317500" lvl="2" marL="1371600" algn="ctr">
+            <a:lvl3pPr marL="1371600" lvl="2" indent="-317500" algn="ctr">
               <a:spcBef>
                 <a:spcPts val="0"/>
               </a:spcBef>
@@ -1512,7 +2432,7 @@
               <a:buChar char="■"/>
               <a:defRPr/>
             </a:lvl3pPr>
-            <a:lvl4pPr indent="-317500" lvl="3" marL="1828800" algn="ctr">
+            <a:lvl4pPr marL="1828800" lvl="3" indent="-317500" algn="ctr">
               <a:spcBef>
                 <a:spcPts val="0"/>
               </a:spcBef>
@@ -1523,7 +2443,7 @@
               <a:buChar char="●"/>
               <a:defRPr/>
             </a:lvl4pPr>
-            <a:lvl5pPr indent="-317500" lvl="4" marL="2286000" algn="ctr">
+            <a:lvl5pPr marL="2286000" lvl="4" indent="-317500" algn="ctr">
               <a:spcBef>
                 <a:spcPts val="0"/>
               </a:spcBef>
@@ -1534,7 +2454,7 @@
               <a:buChar char="○"/>
               <a:defRPr/>
             </a:lvl5pPr>
-            <a:lvl6pPr indent="-317500" lvl="5" marL="2743200" algn="ctr">
+            <a:lvl6pPr marL="2743200" lvl="5" indent="-317500" algn="ctr">
               <a:spcBef>
                 <a:spcPts val="0"/>
               </a:spcBef>
@@ -1545,7 +2465,7 @@
               <a:buChar char="■"/>
               <a:defRPr/>
             </a:lvl6pPr>
-            <a:lvl7pPr indent="-317500" lvl="6" marL="3200400" algn="ctr">
+            <a:lvl7pPr marL="3200400" lvl="6" indent="-317500" algn="ctr">
               <a:spcBef>
                 <a:spcPts val="0"/>
               </a:spcBef>
@@ -1556,7 +2476,7 @@
               <a:buChar char="●"/>
               <a:defRPr/>
             </a:lvl7pPr>
-            <a:lvl8pPr indent="-317500" lvl="7" marL="3657600" algn="ctr">
+            <a:lvl8pPr marL="3657600" lvl="7" indent="-317500" algn="ctr">
               <a:spcBef>
                 <a:spcPts val="0"/>
               </a:spcBef>
@@ -1567,7 +2487,7 @@
               <a:buChar char="○"/>
               <a:defRPr/>
             </a:lvl8pPr>
-            <a:lvl9pPr indent="-317500" lvl="8" marL="4114800" algn="ctr">
+            <a:lvl9pPr marL="4114800" lvl="8" indent="-317500" algn="ctr">
               <a:spcBef>
                 <a:spcPts val="0"/>
               </a:spcBef>
@@ -1579,15 +2499,19 @@
               <a:defRPr/>
             </a:lvl9pPr>
           </a:lstStyle>
-          <a:p/>
+          <a:p>
+            <a:endParaRPr/>
+          </a:p>
         </p:txBody>
       </p:sp>
       <p:sp>
         <p:nvSpPr>
           <p:cNvPr id="47" name="Google Shape;47;p11"/>
-          <p:cNvSpPr txBox="1"/>
+          <p:cNvSpPr txBox="1">
+            <a:spLocks noGrp="1"/>
+          </p:cNvSpPr>
           <p:nvPr>
-            <p:ph idx="12" type="sldNum"/>
+            <p:ph type="sldNum" idx="12"/>
           </p:nvPr>
         </p:nvSpPr>
         <p:spPr>
@@ -1600,7 +2524,7 @@
           </a:prstGeom>
         </p:spPr>
         <p:txBody>
-          <a:bodyPr anchorCtr="0" anchor="ctr" bIns="91425" lIns="91425" spcFirstLastPara="1" rIns="91425" wrap="square" tIns="91425">
+          <a:bodyPr spcFirstLastPara="1" wrap="square" lIns="91425" tIns="91425" rIns="91425" bIns="91425" anchor="ctr" anchorCtr="0">
             <a:normAutofit/>
           </a:bodyPr>
           <a:lstStyle>
@@ -1642,7 +2566,7 @@
             </a:lvl9pPr>
           </a:lstStyle>
           <a:p>
-            <a:pPr indent="0" lvl="0" marL="0" rtl="0" algn="r">
+            <a:pPr marL="0" lvl="0" indent="0" algn="r" rtl="0">
               <a:spcBef>
                 <a:spcPts val="0"/>
               </a:spcBef>
@@ -1668,11 +2592,11 @@
 </file>
 
 <file path=ppt/slideLayouts/slideLayout11.xml><?xml version="1.0" encoding="utf-8"?>
-<p:sldLayout xmlns:a="http://schemas.openxmlformats.org/drawingml/2006/main" xmlns:r="http://schemas.openxmlformats.org/officeDocument/2006/relationships" xmlns:mc="http://schemas.openxmlformats.org/markup-compatibility/2006" xmlns:mv="urn:schemas-microsoft-com:mac:vml" xmlns:p="http://schemas.openxmlformats.org/presentationml/2006/main" xmlns:c="http://schemas.openxmlformats.org/drawingml/2006/chart" xmlns:dgm="http://schemas.openxmlformats.org/drawingml/2006/diagram" xmlns:o="urn:schemas-microsoft-com:office:office" xmlns:v="urn:schemas-microsoft-com:vml" xmlns:pvml="urn:schemas-microsoft-com:office:powerpoint" xmlns:com="http://schemas.openxmlformats.org/drawingml/2006/compatibility" xmlns:p14="http://schemas.microsoft.com/office/powerpoint/2010/main" xmlns:p15="http://schemas.microsoft.com/office/powerpoint/2012/main" xmlns:ahyp="http://schemas.microsoft.com/office/drawing/2018/hyperlinkcolor" matchingName="Blank" type="blank">
+<p:sldLayout xmlns:a="http://schemas.openxmlformats.org/drawingml/2006/main" xmlns:r="http://schemas.openxmlformats.org/officeDocument/2006/relationships" xmlns:p="http://schemas.openxmlformats.org/presentationml/2006/main" matchingName="Blank" type="blank">
   <p:cSld name="BLANK">
     <p:spTree>
       <p:nvGrpSpPr>
-        <p:cNvPr id="48" name="Shape 48"/>
+        <p:cNvPr id="1" name="Shape 48"/>
         <p:cNvGrpSpPr/>
         <p:nvPr/>
       </p:nvGrpSpPr>
@@ -1687,9 +2611,11 @@
       <p:sp>
         <p:nvSpPr>
           <p:cNvPr id="49" name="Google Shape;49;p12"/>
-          <p:cNvSpPr txBox="1"/>
+          <p:cNvSpPr txBox="1">
+            <a:spLocks noGrp="1"/>
+          </p:cNvSpPr>
           <p:nvPr>
-            <p:ph idx="12" type="sldNum"/>
+            <p:ph type="sldNum" idx="12"/>
           </p:nvPr>
         </p:nvSpPr>
         <p:spPr>
@@ -1702,7 +2628,7 @@
           </a:prstGeom>
         </p:spPr>
         <p:txBody>
-          <a:bodyPr anchorCtr="0" anchor="ctr" bIns="91425" lIns="91425" spcFirstLastPara="1" rIns="91425" wrap="square" tIns="91425">
+          <a:bodyPr spcFirstLastPara="1" wrap="square" lIns="91425" tIns="91425" rIns="91425" bIns="91425" anchor="ctr" anchorCtr="0">
             <a:normAutofit/>
           </a:bodyPr>
           <a:lstStyle>
@@ -1744,7 +2670,7 @@
             </a:lvl9pPr>
           </a:lstStyle>
           <a:p>
-            <a:pPr indent="0" lvl="0" marL="0" rtl="0" algn="r">
+            <a:pPr marL="0" lvl="0" indent="0" algn="r" rtl="0">
               <a:spcBef>
                 <a:spcPts val="0"/>
               </a:spcBef>
@@ -1770,11 +2696,11 @@
 </file>
 
 <file path=ppt/slideLayouts/slideLayout2.xml><?xml version="1.0" encoding="utf-8"?>
-<p:sldLayout xmlns:a="http://schemas.openxmlformats.org/drawingml/2006/main" xmlns:r="http://schemas.openxmlformats.org/officeDocument/2006/relationships" xmlns:mc="http://schemas.openxmlformats.org/markup-compatibility/2006" xmlns:mv="urn:schemas-microsoft-com:mac:vml" xmlns:p="http://schemas.openxmlformats.org/presentationml/2006/main" xmlns:c="http://schemas.openxmlformats.org/drawingml/2006/chart" xmlns:dgm="http://schemas.openxmlformats.org/drawingml/2006/diagram" xmlns:o="urn:schemas-microsoft-com:office:office" xmlns:v="urn:schemas-microsoft-com:vml" xmlns:pvml="urn:schemas-microsoft-com:office:powerpoint" xmlns:com="http://schemas.openxmlformats.org/drawingml/2006/compatibility" xmlns:p14="http://schemas.microsoft.com/office/powerpoint/2010/main" xmlns:p15="http://schemas.microsoft.com/office/powerpoint/2012/main" xmlns:ahyp="http://schemas.microsoft.com/office/drawing/2018/hyperlinkcolor" matchingName="Section header" type="secHead">
+<p:sldLayout xmlns:a="http://schemas.openxmlformats.org/drawingml/2006/main" xmlns:r="http://schemas.openxmlformats.org/officeDocument/2006/relationships" xmlns:p="http://schemas.openxmlformats.org/presentationml/2006/main" matchingName="Section header" type="secHead">
   <p:cSld name="SECTION_HEADER">
     <p:spTree>
       <p:nvGrpSpPr>
-        <p:cNvPr id="13" name="Shape 13"/>
+        <p:cNvPr id="1" name="Shape 13"/>
         <p:cNvGrpSpPr/>
         <p:nvPr/>
       </p:nvGrpSpPr>
@@ -1789,7 +2715,9 @@
       <p:sp>
         <p:nvSpPr>
           <p:cNvPr id="14" name="Google Shape;14;p3"/>
-          <p:cNvSpPr txBox="1"/>
+          <p:cNvSpPr txBox="1">
+            <a:spLocks noGrp="1"/>
+          </p:cNvSpPr>
           <p:nvPr>
             <p:ph type="title"/>
           </p:nvPr>
@@ -1804,7 +2732,7 @@
           </a:prstGeom>
         </p:spPr>
         <p:txBody>
-          <a:bodyPr anchorCtr="0" anchor="ctr" bIns="91425" lIns="91425" spcFirstLastPara="1" rIns="91425" wrap="square" tIns="91425">
+          <a:bodyPr spcFirstLastPara="1" wrap="square" lIns="91425" tIns="91425" rIns="91425" bIns="91425" anchor="ctr" anchorCtr="0">
             <a:normAutofit/>
           </a:bodyPr>
           <a:lstStyle>
@@ -1908,15 +2836,19 @@
               <a:defRPr sz="3600"/>
             </a:lvl9pPr>
           </a:lstStyle>
-          <a:p/>
+          <a:p>
+            <a:endParaRPr/>
+          </a:p>
         </p:txBody>
       </p:sp>
       <p:sp>
         <p:nvSpPr>
           <p:cNvPr id="15" name="Google Shape;15;p3"/>
-          <p:cNvSpPr txBox="1"/>
+          <p:cNvSpPr txBox="1">
+            <a:spLocks noGrp="1"/>
+          </p:cNvSpPr>
           <p:nvPr>
-            <p:ph idx="12" type="sldNum"/>
+            <p:ph type="sldNum" idx="12"/>
           </p:nvPr>
         </p:nvSpPr>
         <p:spPr>
@@ -1929,7 +2861,7 @@
           </a:prstGeom>
         </p:spPr>
         <p:txBody>
-          <a:bodyPr anchorCtr="0" anchor="ctr" bIns="91425" lIns="91425" spcFirstLastPara="1" rIns="91425" wrap="square" tIns="91425">
+          <a:bodyPr spcFirstLastPara="1" wrap="square" lIns="91425" tIns="91425" rIns="91425" bIns="91425" anchor="ctr" anchorCtr="0">
             <a:normAutofit/>
           </a:bodyPr>
           <a:lstStyle>
@@ -1971,7 +2903,7 @@
             </a:lvl9pPr>
           </a:lstStyle>
           <a:p>
-            <a:pPr indent="0" lvl="0" marL="0" rtl="0" algn="r">
+            <a:pPr marL="0" lvl="0" indent="0" algn="r" rtl="0">
               <a:spcBef>
                 <a:spcPts val="0"/>
               </a:spcBef>
@@ -1997,7 +2929,7 @@
 </file>
 
 <file path=ppt/slideLayouts/slideLayout3.xml><?xml version="1.0" encoding="utf-8"?>
-<p:sldLayout xmlns:a="http://schemas.openxmlformats.org/drawingml/2006/main" xmlns:r="http://schemas.openxmlformats.org/officeDocument/2006/relationships" xmlns:mc="http://schemas.openxmlformats.org/markup-compatibility/2006" xmlns:mv="urn:schemas-microsoft-com:mac:vml" xmlns:p="http://schemas.openxmlformats.org/presentationml/2006/main" xmlns:c="http://schemas.openxmlformats.org/drawingml/2006/chart" xmlns:dgm="http://schemas.openxmlformats.org/drawingml/2006/diagram" xmlns:o="urn:schemas-microsoft-com:office:office" xmlns:v="urn:schemas-microsoft-com:vml" xmlns:pvml="urn:schemas-microsoft-com:office:powerpoint" xmlns:com="http://schemas.openxmlformats.org/drawingml/2006/compatibility" xmlns:p14="http://schemas.microsoft.com/office/powerpoint/2010/main" xmlns:p15="http://schemas.microsoft.com/office/powerpoint/2012/main" xmlns:ahyp="http://schemas.microsoft.com/office/drawing/2018/hyperlinkcolor" matchingName="Title and body" type="tx">
+<p:sldLayout xmlns:a="http://schemas.openxmlformats.org/drawingml/2006/main" xmlns:r="http://schemas.openxmlformats.org/officeDocument/2006/relationships" xmlns:p="http://schemas.openxmlformats.org/presentationml/2006/main" matchingName="Title and body" type="tx">
   <p:cSld name="TITLE_AND_BODY">
     <p:bg>
       <p:bgPr>
@@ -2009,11 +2941,12 @@
             <a:fillRect/>
           </a:stretch>
         </a:blipFill>
+        <a:effectLst/>
       </p:bgPr>
     </p:bg>
     <p:spTree>
       <p:nvGrpSpPr>
-        <p:cNvPr id="16" name="Shape 16"/>
+        <p:cNvPr id="1" name="Shape 16"/>
         <p:cNvGrpSpPr/>
         <p:nvPr/>
       </p:nvGrpSpPr>
@@ -2028,7 +2961,9 @@
       <p:sp>
         <p:nvSpPr>
           <p:cNvPr id="17" name="Google Shape;17;p4"/>
-          <p:cNvSpPr txBox="1"/>
+          <p:cNvSpPr txBox="1">
+            <a:spLocks noGrp="1"/>
+          </p:cNvSpPr>
           <p:nvPr>
             <p:ph type="title"/>
           </p:nvPr>
@@ -2043,7 +2978,7 @@
           </a:prstGeom>
         </p:spPr>
         <p:txBody>
-          <a:bodyPr anchorCtr="0" anchor="t" bIns="91425" lIns="91425" spcFirstLastPara="1" rIns="91425" wrap="square" tIns="91425">
+          <a:bodyPr spcFirstLastPara="1" wrap="square" lIns="91425" tIns="91425" rIns="91425" bIns="91425" anchor="t" anchorCtr="0">
             <a:normAutofit/>
           </a:bodyPr>
           <a:lstStyle>
@@ -2210,15 +3145,19 @@
               </a:defRPr>
             </a:lvl9pPr>
           </a:lstStyle>
-          <a:p/>
+          <a:p>
+            <a:endParaRPr/>
+          </a:p>
         </p:txBody>
       </p:sp>
       <p:sp>
         <p:nvSpPr>
           <p:cNvPr id="18" name="Google Shape;18;p4"/>
-          <p:cNvSpPr txBox="1"/>
+          <p:cNvSpPr txBox="1">
+            <a:spLocks noGrp="1"/>
+          </p:cNvSpPr>
           <p:nvPr>
-            <p:ph idx="1" type="body"/>
+            <p:ph type="body" idx="1"/>
           </p:nvPr>
         </p:nvSpPr>
         <p:spPr>
@@ -2231,11 +3170,11 @@
           </a:prstGeom>
         </p:spPr>
         <p:txBody>
-          <a:bodyPr anchorCtr="0" anchor="t" bIns="91425" lIns="91425" spcFirstLastPara="1" rIns="91425" wrap="square" tIns="91425">
+          <a:bodyPr spcFirstLastPara="1" wrap="square" lIns="91425" tIns="91425" rIns="91425" bIns="91425" anchor="t" anchorCtr="0">
             <a:normAutofit/>
           </a:bodyPr>
           <a:lstStyle>
-            <a:lvl1pPr indent="-342900" lvl="0" marL="457200">
+            <a:lvl1pPr marL="457200" lvl="0" indent="-342900">
               <a:spcBef>
                 <a:spcPts val="0"/>
               </a:spcBef>
@@ -2246,7 +3185,7 @@
               <a:buChar char="●"/>
               <a:defRPr/>
             </a:lvl1pPr>
-            <a:lvl2pPr indent="-317500" lvl="1" marL="914400">
+            <a:lvl2pPr marL="914400" lvl="1" indent="-317500">
               <a:spcBef>
                 <a:spcPts val="0"/>
               </a:spcBef>
@@ -2257,7 +3196,7 @@
               <a:buChar char="○"/>
               <a:defRPr/>
             </a:lvl2pPr>
-            <a:lvl3pPr indent="-317500" lvl="2" marL="1371600">
+            <a:lvl3pPr marL="1371600" lvl="2" indent="-317500">
               <a:spcBef>
                 <a:spcPts val="0"/>
               </a:spcBef>
@@ -2268,7 +3207,7 @@
               <a:buChar char="■"/>
               <a:defRPr/>
             </a:lvl3pPr>
-            <a:lvl4pPr indent="-317500" lvl="3" marL="1828800">
+            <a:lvl4pPr marL="1828800" lvl="3" indent="-317500">
               <a:spcBef>
                 <a:spcPts val="0"/>
               </a:spcBef>
@@ -2279,7 +3218,7 @@
               <a:buChar char="●"/>
               <a:defRPr/>
             </a:lvl4pPr>
-            <a:lvl5pPr indent="-317500" lvl="4" marL="2286000">
+            <a:lvl5pPr marL="2286000" lvl="4" indent="-317500">
               <a:spcBef>
                 <a:spcPts val="0"/>
               </a:spcBef>
@@ -2290,7 +3229,7 @@
               <a:buChar char="○"/>
               <a:defRPr/>
             </a:lvl5pPr>
-            <a:lvl6pPr indent="-317500" lvl="5" marL="2743200">
+            <a:lvl6pPr marL="2743200" lvl="5" indent="-317500">
               <a:spcBef>
                 <a:spcPts val="0"/>
               </a:spcBef>
@@ -2301,7 +3240,7 @@
               <a:buChar char="■"/>
               <a:defRPr/>
             </a:lvl6pPr>
-            <a:lvl7pPr indent="-317500" lvl="6" marL="3200400">
+            <a:lvl7pPr marL="3200400" lvl="6" indent="-317500">
               <a:spcBef>
                 <a:spcPts val="0"/>
               </a:spcBef>
@@ -2312,7 +3251,7 @@
               <a:buChar char="●"/>
               <a:defRPr/>
             </a:lvl7pPr>
-            <a:lvl8pPr indent="-317500" lvl="7" marL="3657600">
+            <a:lvl8pPr marL="3657600" lvl="7" indent="-317500">
               <a:spcBef>
                 <a:spcPts val="0"/>
               </a:spcBef>
@@ -2323,7 +3262,7 @@
               <a:buChar char="○"/>
               <a:defRPr/>
             </a:lvl8pPr>
-            <a:lvl9pPr indent="-317500" lvl="8" marL="4114800">
+            <a:lvl9pPr marL="4114800" lvl="8" indent="-317500">
               <a:spcBef>
                 <a:spcPts val="0"/>
               </a:spcBef>
@@ -2335,15 +3274,19 @@
               <a:defRPr/>
             </a:lvl9pPr>
           </a:lstStyle>
-          <a:p/>
+          <a:p>
+            <a:endParaRPr/>
+          </a:p>
         </p:txBody>
       </p:sp>
       <p:sp>
         <p:nvSpPr>
           <p:cNvPr id="19" name="Google Shape;19;p4"/>
-          <p:cNvSpPr txBox="1"/>
+          <p:cNvSpPr txBox="1">
+            <a:spLocks noGrp="1"/>
+          </p:cNvSpPr>
           <p:nvPr>
-            <p:ph idx="12" type="sldNum"/>
+            <p:ph type="sldNum" idx="12"/>
           </p:nvPr>
         </p:nvSpPr>
         <p:spPr>
@@ -2356,7 +3299,7 @@
           </a:prstGeom>
         </p:spPr>
         <p:txBody>
-          <a:bodyPr anchorCtr="0" anchor="ctr" bIns="91425" lIns="91425" spcFirstLastPara="1" rIns="91425" wrap="square" tIns="91425">
+          <a:bodyPr spcFirstLastPara="1" wrap="square" lIns="91425" tIns="91425" rIns="91425" bIns="91425" anchor="ctr" anchorCtr="0">
             <a:normAutofit/>
           </a:bodyPr>
           <a:lstStyle>
@@ -2398,7 +3341,7 @@
             </a:lvl9pPr>
           </a:lstStyle>
           <a:p>
-            <a:pPr indent="0" lvl="0" marL="0" rtl="0" algn="r">
+            <a:pPr marL="0" lvl="0" indent="0" algn="r" rtl="0">
               <a:spcBef>
                 <a:spcPts val="0"/>
               </a:spcBef>
@@ -2424,11 +3367,11 @@
 </file>
 
 <file path=ppt/slideLayouts/slideLayout4.xml><?xml version="1.0" encoding="utf-8"?>
-<p:sldLayout xmlns:a="http://schemas.openxmlformats.org/drawingml/2006/main" xmlns:r="http://schemas.openxmlformats.org/officeDocument/2006/relationships" xmlns:mc="http://schemas.openxmlformats.org/markup-compatibility/2006" xmlns:mv="urn:schemas-microsoft-com:mac:vml" xmlns:p="http://schemas.openxmlformats.org/presentationml/2006/main" xmlns:c="http://schemas.openxmlformats.org/drawingml/2006/chart" xmlns:dgm="http://schemas.openxmlformats.org/drawingml/2006/diagram" xmlns:o="urn:schemas-microsoft-com:office:office" xmlns:v="urn:schemas-microsoft-com:vml" xmlns:pvml="urn:schemas-microsoft-com:office:powerpoint" xmlns:com="http://schemas.openxmlformats.org/drawingml/2006/compatibility" xmlns:p14="http://schemas.microsoft.com/office/powerpoint/2010/main" xmlns:p15="http://schemas.microsoft.com/office/powerpoint/2012/main" xmlns:ahyp="http://schemas.microsoft.com/office/drawing/2018/hyperlinkcolor" matchingName="Title and two columns" type="twoColTx">
+<p:sldLayout xmlns:a="http://schemas.openxmlformats.org/drawingml/2006/main" xmlns:r="http://schemas.openxmlformats.org/officeDocument/2006/relationships" xmlns:p="http://schemas.openxmlformats.org/presentationml/2006/main" matchingName="Title and two columns" type="twoColTx">
   <p:cSld name="TITLE_AND_TWO_COLUMNS">
     <p:spTree>
       <p:nvGrpSpPr>
-        <p:cNvPr id="20" name="Shape 20"/>
+        <p:cNvPr id="1" name="Shape 20"/>
         <p:cNvGrpSpPr/>
         <p:nvPr/>
       </p:nvGrpSpPr>
@@ -2443,7 +3386,9 @@
       <p:sp>
         <p:nvSpPr>
           <p:cNvPr id="21" name="Google Shape;21;p5"/>
-          <p:cNvSpPr txBox="1"/>
+          <p:cNvSpPr txBox="1">
+            <a:spLocks noGrp="1"/>
+          </p:cNvSpPr>
           <p:nvPr>
             <p:ph type="title"/>
           </p:nvPr>
@@ -2458,7 +3403,7 @@
           </a:prstGeom>
         </p:spPr>
         <p:txBody>
-          <a:bodyPr anchorCtr="0" anchor="t" bIns="91425" lIns="91425" spcFirstLastPara="1" rIns="91425" wrap="square" tIns="91425">
+          <a:bodyPr spcFirstLastPara="1" wrap="square" lIns="91425" tIns="91425" rIns="91425" bIns="91425" anchor="t" anchorCtr="0">
             <a:normAutofit/>
           </a:bodyPr>
           <a:lstStyle>
@@ -2562,15 +3507,19 @@
               <a:defRPr/>
             </a:lvl9pPr>
           </a:lstStyle>
-          <a:p/>
+          <a:p>
+            <a:endParaRPr/>
+          </a:p>
         </p:txBody>
       </p:sp>
       <p:sp>
         <p:nvSpPr>
           <p:cNvPr id="22" name="Google Shape;22;p5"/>
-          <p:cNvSpPr txBox="1"/>
+          <p:cNvSpPr txBox="1">
+            <a:spLocks noGrp="1"/>
+          </p:cNvSpPr>
           <p:nvPr>
-            <p:ph idx="1" type="body"/>
+            <p:ph type="body" idx="1"/>
           </p:nvPr>
         </p:nvSpPr>
         <p:spPr>
@@ -2583,11 +3532,11 @@
           </a:prstGeom>
         </p:spPr>
         <p:txBody>
-          <a:bodyPr anchorCtr="0" anchor="t" bIns="91425" lIns="91425" spcFirstLastPara="1" rIns="91425" wrap="square" tIns="91425">
+          <a:bodyPr spcFirstLastPara="1" wrap="square" lIns="91425" tIns="91425" rIns="91425" bIns="91425" anchor="t" anchorCtr="0">
             <a:normAutofit/>
           </a:bodyPr>
           <a:lstStyle>
-            <a:lvl1pPr indent="-317500" lvl="0" marL="457200">
+            <a:lvl1pPr marL="457200" lvl="0" indent="-317500">
               <a:spcBef>
                 <a:spcPts val="0"/>
               </a:spcBef>
@@ -2598,7 +3547,7 @@
               <a:buChar char="●"/>
               <a:defRPr sz="1400"/>
             </a:lvl1pPr>
-            <a:lvl2pPr indent="-304800" lvl="1" marL="914400">
+            <a:lvl2pPr marL="914400" lvl="1" indent="-304800">
               <a:spcBef>
                 <a:spcPts val="0"/>
               </a:spcBef>
@@ -2609,7 +3558,7 @@
               <a:buChar char="○"/>
               <a:defRPr sz="1200"/>
             </a:lvl2pPr>
-            <a:lvl3pPr indent="-304800" lvl="2" marL="1371600">
+            <a:lvl3pPr marL="1371600" lvl="2" indent="-304800">
               <a:spcBef>
                 <a:spcPts val="0"/>
               </a:spcBef>
@@ -2620,7 +3569,7 @@
               <a:buChar char="■"/>
               <a:defRPr sz="1200"/>
             </a:lvl3pPr>
-            <a:lvl4pPr indent="-304800" lvl="3" marL="1828800">
+            <a:lvl4pPr marL="1828800" lvl="3" indent="-304800">
               <a:spcBef>
                 <a:spcPts val="0"/>
               </a:spcBef>
@@ -2631,7 +3580,7 @@
               <a:buChar char="●"/>
               <a:defRPr sz="1200"/>
             </a:lvl4pPr>
-            <a:lvl5pPr indent="-304800" lvl="4" marL="2286000">
+            <a:lvl5pPr marL="2286000" lvl="4" indent="-304800">
               <a:spcBef>
                 <a:spcPts val="0"/>
               </a:spcBef>
@@ -2642,7 +3591,7 @@
               <a:buChar char="○"/>
               <a:defRPr sz="1200"/>
             </a:lvl5pPr>
-            <a:lvl6pPr indent="-304800" lvl="5" marL="2743200">
+            <a:lvl6pPr marL="2743200" lvl="5" indent="-304800">
               <a:spcBef>
                 <a:spcPts val="0"/>
               </a:spcBef>
@@ -2653,7 +3602,7 @@
               <a:buChar char="■"/>
               <a:defRPr sz="1200"/>
             </a:lvl6pPr>
-            <a:lvl7pPr indent="-304800" lvl="6" marL="3200400">
+            <a:lvl7pPr marL="3200400" lvl="6" indent="-304800">
               <a:spcBef>
                 <a:spcPts val="0"/>
               </a:spcBef>
@@ -2664,7 +3613,7 @@
               <a:buChar char="●"/>
               <a:defRPr sz="1200"/>
             </a:lvl7pPr>
-            <a:lvl8pPr indent="-304800" lvl="7" marL="3657600">
+            <a:lvl8pPr marL="3657600" lvl="7" indent="-304800">
               <a:spcBef>
                 <a:spcPts val="0"/>
               </a:spcBef>
@@ -2675,7 +3624,7 @@
               <a:buChar char="○"/>
               <a:defRPr sz="1200"/>
             </a:lvl8pPr>
-            <a:lvl9pPr indent="-304800" lvl="8" marL="4114800">
+            <a:lvl9pPr marL="4114800" lvl="8" indent="-304800">
               <a:spcBef>
                 <a:spcPts val="0"/>
               </a:spcBef>
@@ -2687,15 +3636,19 @@
               <a:defRPr sz="1200"/>
             </a:lvl9pPr>
           </a:lstStyle>
-          <a:p/>
+          <a:p>
+            <a:endParaRPr/>
+          </a:p>
         </p:txBody>
       </p:sp>
       <p:sp>
         <p:nvSpPr>
           <p:cNvPr id="23" name="Google Shape;23;p5"/>
-          <p:cNvSpPr txBox="1"/>
+          <p:cNvSpPr txBox="1">
+            <a:spLocks noGrp="1"/>
+          </p:cNvSpPr>
           <p:nvPr>
-            <p:ph idx="2" type="body"/>
+            <p:ph type="body" idx="2"/>
           </p:nvPr>
         </p:nvSpPr>
         <p:spPr>
@@ -2708,11 +3661,11 @@
           </a:prstGeom>
         </p:spPr>
         <p:txBody>
-          <a:bodyPr anchorCtr="0" anchor="t" bIns="91425" lIns="91425" spcFirstLastPara="1" rIns="91425" wrap="square" tIns="91425">
+          <a:bodyPr spcFirstLastPara="1" wrap="square" lIns="91425" tIns="91425" rIns="91425" bIns="91425" anchor="t" anchorCtr="0">
             <a:normAutofit/>
           </a:bodyPr>
           <a:lstStyle>
-            <a:lvl1pPr indent="-317500" lvl="0" marL="457200">
+            <a:lvl1pPr marL="457200" lvl="0" indent="-317500">
               <a:spcBef>
                 <a:spcPts val="0"/>
               </a:spcBef>
@@ -2723,7 +3676,7 @@
               <a:buChar char="●"/>
               <a:defRPr sz="1400"/>
             </a:lvl1pPr>
-            <a:lvl2pPr indent="-304800" lvl="1" marL="914400">
+            <a:lvl2pPr marL="914400" lvl="1" indent="-304800">
               <a:spcBef>
                 <a:spcPts val="0"/>
               </a:spcBef>
@@ -2734,7 +3687,7 @@
               <a:buChar char="○"/>
               <a:defRPr sz="1200"/>
             </a:lvl2pPr>
-            <a:lvl3pPr indent="-304800" lvl="2" marL="1371600">
+            <a:lvl3pPr marL="1371600" lvl="2" indent="-304800">
               <a:spcBef>
                 <a:spcPts val="0"/>
               </a:spcBef>
@@ -2745,7 +3698,7 @@
               <a:buChar char="■"/>
               <a:defRPr sz="1200"/>
             </a:lvl3pPr>
-            <a:lvl4pPr indent="-304800" lvl="3" marL="1828800">
+            <a:lvl4pPr marL="1828800" lvl="3" indent="-304800">
               <a:spcBef>
                 <a:spcPts val="0"/>
               </a:spcBef>
@@ -2756,7 +3709,7 @@
               <a:buChar char="●"/>
               <a:defRPr sz="1200"/>
             </a:lvl4pPr>
-            <a:lvl5pPr indent="-304800" lvl="4" marL="2286000">
+            <a:lvl5pPr marL="2286000" lvl="4" indent="-304800">
               <a:spcBef>
                 <a:spcPts val="0"/>
               </a:spcBef>
@@ -2767,7 +3720,7 @@
               <a:buChar char="○"/>
               <a:defRPr sz="1200"/>
             </a:lvl5pPr>
-            <a:lvl6pPr indent="-304800" lvl="5" marL="2743200">
+            <a:lvl6pPr marL="2743200" lvl="5" indent="-304800">
               <a:spcBef>
                 <a:spcPts val="0"/>
               </a:spcBef>
@@ -2778,7 +3731,7 @@
               <a:buChar char="■"/>
               <a:defRPr sz="1200"/>
             </a:lvl6pPr>
-            <a:lvl7pPr indent="-304800" lvl="6" marL="3200400">
+            <a:lvl7pPr marL="3200400" lvl="6" indent="-304800">
               <a:spcBef>
                 <a:spcPts val="0"/>
               </a:spcBef>
@@ -2789,7 +3742,7 @@
               <a:buChar char="●"/>
               <a:defRPr sz="1200"/>
             </a:lvl7pPr>
-            <a:lvl8pPr indent="-304800" lvl="7" marL="3657600">
+            <a:lvl8pPr marL="3657600" lvl="7" indent="-304800">
               <a:spcBef>
                 <a:spcPts val="0"/>
               </a:spcBef>
@@ -2800,7 +3753,7 @@
               <a:buChar char="○"/>
               <a:defRPr sz="1200"/>
             </a:lvl8pPr>
-            <a:lvl9pPr indent="-304800" lvl="8" marL="4114800">
+            <a:lvl9pPr marL="4114800" lvl="8" indent="-304800">
               <a:spcBef>
                 <a:spcPts val="0"/>
               </a:spcBef>
@@ -2812,15 +3765,19 @@
               <a:defRPr sz="1200"/>
             </a:lvl9pPr>
           </a:lstStyle>
-          <a:p/>
+          <a:p>
+            <a:endParaRPr/>
+          </a:p>
         </p:txBody>
       </p:sp>
       <p:sp>
         <p:nvSpPr>
           <p:cNvPr id="24" name="Google Shape;24;p5"/>
-          <p:cNvSpPr txBox="1"/>
+          <p:cNvSpPr txBox="1">
+            <a:spLocks noGrp="1"/>
+          </p:cNvSpPr>
           <p:nvPr>
-            <p:ph idx="12" type="sldNum"/>
+            <p:ph type="sldNum" idx="12"/>
           </p:nvPr>
         </p:nvSpPr>
         <p:spPr>
@@ -2833,7 +3790,7 @@
           </a:prstGeom>
         </p:spPr>
         <p:txBody>
-          <a:bodyPr anchorCtr="0" anchor="ctr" bIns="91425" lIns="91425" spcFirstLastPara="1" rIns="91425" wrap="square" tIns="91425">
+          <a:bodyPr spcFirstLastPara="1" wrap="square" lIns="91425" tIns="91425" rIns="91425" bIns="91425" anchor="ctr" anchorCtr="0">
             <a:normAutofit/>
           </a:bodyPr>
           <a:lstStyle>
@@ -2875,7 +3832,7 @@
             </a:lvl9pPr>
           </a:lstStyle>
           <a:p>
-            <a:pPr indent="0" lvl="0" marL="0" rtl="0" algn="r">
+            <a:pPr marL="0" lvl="0" indent="0" algn="r" rtl="0">
               <a:spcBef>
                 <a:spcPts val="0"/>
               </a:spcBef>
@@ -2901,11 +3858,11 @@
 </file>
 
 <file path=ppt/slideLayouts/slideLayout5.xml><?xml version="1.0" encoding="utf-8"?>
-<p:sldLayout xmlns:a="http://schemas.openxmlformats.org/drawingml/2006/main" xmlns:r="http://schemas.openxmlformats.org/officeDocument/2006/relationships" xmlns:mc="http://schemas.openxmlformats.org/markup-compatibility/2006" xmlns:mv="urn:schemas-microsoft-com:mac:vml" xmlns:p="http://schemas.openxmlformats.org/presentationml/2006/main" xmlns:c="http://schemas.openxmlformats.org/drawingml/2006/chart" xmlns:dgm="http://schemas.openxmlformats.org/drawingml/2006/diagram" xmlns:o="urn:schemas-microsoft-com:office:office" xmlns:v="urn:schemas-microsoft-com:vml" xmlns:pvml="urn:schemas-microsoft-com:office:powerpoint" xmlns:com="http://schemas.openxmlformats.org/drawingml/2006/compatibility" xmlns:p14="http://schemas.microsoft.com/office/powerpoint/2010/main" xmlns:p15="http://schemas.microsoft.com/office/powerpoint/2012/main" xmlns:ahyp="http://schemas.microsoft.com/office/drawing/2018/hyperlinkcolor" matchingName="Title only" type="titleOnly">
+<p:sldLayout xmlns:a="http://schemas.openxmlformats.org/drawingml/2006/main" xmlns:r="http://schemas.openxmlformats.org/officeDocument/2006/relationships" xmlns:p="http://schemas.openxmlformats.org/presentationml/2006/main" matchingName="Title only" type="titleOnly">
   <p:cSld name="TITLE_ONLY">
     <p:spTree>
       <p:nvGrpSpPr>
-        <p:cNvPr id="25" name="Shape 25"/>
+        <p:cNvPr id="1" name="Shape 25"/>
         <p:cNvGrpSpPr/>
         <p:nvPr/>
       </p:nvGrpSpPr>
@@ -2920,7 +3877,9 @@
       <p:sp>
         <p:nvSpPr>
           <p:cNvPr id="26" name="Google Shape;26;p6"/>
-          <p:cNvSpPr txBox="1"/>
+          <p:cNvSpPr txBox="1">
+            <a:spLocks noGrp="1"/>
+          </p:cNvSpPr>
           <p:nvPr>
             <p:ph type="title"/>
           </p:nvPr>
@@ -2935,7 +3894,7 @@
           </a:prstGeom>
         </p:spPr>
         <p:txBody>
-          <a:bodyPr anchorCtr="0" anchor="t" bIns="91425" lIns="91425" spcFirstLastPara="1" rIns="91425" wrap="square" tIns="91425">
+          <a:bodyPr spcFirstLastPara="1" wrap="square" lIns="91425" tIns="91425" rIns="91425" bIns="91425" anchor="t" anchorCtr="0">
             <a:normAutofit/>
           </a:bodyPr>
           <a:lstStyle>
@@ -3039,15 +3998,19 @@
               <a:defRPr/>
             </a:lvl9pPr>
           </a:lstStyle>
-          <a:p/>
+          <a:p>
+            <a:endParaRPr/>
+          </a:p>
         </p:txBody>
       </p:sp>
       <p:sp>
         <p:nvSpPr>
           <p:cNvPr id="27" name="Google Shape;27;p6"/>
-          <p:cNvSpPr txBox="1"/>
+          <p:cNvSpPr txBox="1">
+            <a:spLocks noGrp="1"/>
+          </p:cNvSpPr>
           <p:nvPr>
-            <p:ph idx="12" type="sldNum"/>
+            <p:ph type="sldNum" idx="12"/>
           </p:nvPr>
         </p:nvSpPr>
         <p:spPr>
@@ -3060,7 +4023,7 @@
           </a:prstGeom>
         </p:spPr>
         <p:txBody>
-          <a:bodyPr anchorCtr="0" anchor="ctr" bIns="91425" lIns="91425" spcFirstLastPara="1" rIns="91425" wrap="square" tIns="91425">
+          <a:bodyPr spcFirstLastPara="1" wrap="square" lIns="91425" tIns="91425" rIns="91425" bIns="91425" anchor="ctr" anchorCtr="0">
             <a:normAutofit/>
           </a:bodyPr>
           <a:lstStyle>
@@ -3102,7 +4065,7 @@
             </a:lvl9pPr>
           </a:lstStyle>
           <a:p>
-            <a:pPr indent="0" lvl="0" marL="0" rtl="0" algn="r">
+            <a:pPr marL="0" lvl="0" indent="0" algn="r" rtl="0">
               <a:spcBef>
                 <a:spcPts val="0"/>
               </a:spcBef>
@@ -3128,11 +4091,11 @@
 </file>
 
 <file path=ppt/slideLayouts/slideLayout6.xml><?xml version="1.0" encoding="utf-8"?>
-<p:sldLayout xmlns:a="http://schemas.openxmlformats.org/drawingml/2006/main" xmlns:r="http://schemas.openxmlformats.org/officeDocument/2006/relationships" xmlns:mc="http://schemas.openxmlformats.org/markup-compatibility/2006" xmlns:mv="urn:schemas-microsoft-com:mac:vml" xmlns:p="http://schemas.openxmlformats.org/presentationml/2006/main" xmlns:c="http://schemas.openxmlformats.org/drawingml/2006/chart" xmlns:dgm="http://schemas.openxmlformats.org/drawingml/2006/diagram" xmlns:o="urn:schemas-microsoft-com:office:office" xmlns:v="urn:schemas-microsoft-com:vml" xmlns:pvml="urn:schemas-microsoft-com:office:powerpoint" xmlns:com="http://schemas.openxmlformats.org/drawingml/2006/compatibility" xmlns:p14="http://schemas.microsoft.com/office/powerpoint/2010/main" xmlns:p15="http://schemas.microsoft.com/office/powerpoint/2012/main" xmlns:ahyp="http://schemas.microsoft.com/office/drawing/2018/hyperlinkcolor" matchingName="One column text">
+<p:sldLayout xmlns:a="http://schemas.openxmlformats.org/drawingml/2006/main" xmlns:r="http://schemas.openxmlformats.org/officeDocument/2006/relationships" xmlns:p="http://schemas.openxmlformats.org/presentationml/2006/main" matchingName="One column text">
   <p:cSld name="ONE_COLUMN_TEXT">
     <p:spTree>
       <p:nvGrpSpPr>
-        <p:cNvPr id="28" name="Shape 28"/>
+        <p:cNvPr id="1" name="Shape 28"/>
         <p:cNvGrpSpPr/>
         <p:nvPr/>
       </p:nvGrpSpPr>
@@ -3147,7 +4110,9 @@
       <p:sp>
         <p:nvSpPr>
           <p:cNvPr id="29" name="Google Shape;29;p7"/>
-          <p:cNvSpPr txBox="1"/>
+          <p:cNvSpPr txBox="1">
+            <a:spLocks noGrp="1"/>
+          </p:cNvSpPr>
           <p:nvPr>
             <p:ph type="title"/>
           </p:nvPr>
@@ -3162,7 +4127,7 @@
           </a:prstGeom>
         </p:spPr>
         <p:txBody>
-          <a:bodyPr anchorCtr="0" anchor="b" bIns="91425" lIns="91425" spcFirstLastPara="1" rIns="91425" wrap="square" tIns="91425">
+          <a:bodyPr spcFirstLastPara="1" wrap="square" lIns="91425" tIns="91425" rIns="91425" bIns="91425" anchor="b" anchorCtr="0">
             <a:normAutofit/>
           </a:bodyPr>
           <a:lstStyle>
@@ -3266,15 +4231,19 @@
               <a:defRPr sz="2400"/>
             </a:lvl9pPr>
           </a:lstStyle>
-          <a:p/>
+          <a:p>
+            <a:endParaRPr/>
+          </a:p>
         </p:txBody>
       </p:sp>
       <p:sp>
         <p:nvSpPr>
           <p:cNvPr id="30" name="Google Shape;30;p7"/>
-          <p:cNvSpPr txBox="1"/>
+          <p:cNvSpPr txBox="1">
+            <a:spLocks noGrp="1"/>
+          </p:cNvSpPr>
           <p:nvPr>
-            <p:ph idx="1" type="body"/>
+            <p:ph type="body" idx="1"/>
           </p:nvPr>
         </p:nvSpPr>
         <p:spPr>
@@ -3287,11 +4256,11 @@
           </a:prstGeom>
         </p:spPr>
         <p:txBody>
-          <a:bodyPr anchorCtr="0" anchor="t" bIns="91425" lIns="91425" spcFirstLastPara="1" rIns="91425" wrap="square" tIns="91425">
+          <a:bodyPr spcFirstLastPara="1" wrap="square" lIns="91425" tIns="91425" rIns="91425" bIns="91425" anchor="t" anchorCtr="0">
             <a:normAutofit/>
           </a:bodyPr>
           <a:lstStyle>
-            <a:lvl1pPr indent="-304800" lvl="0" marL="457200">
+            <a:lvl1pPr marL="457200" lvl="0" indent="-304800">
               <a:spcBef>
                 <a:spcPts val="0"/>
               </a:spcBef>
@@ -3302,7 +4271,7 @@
               <a:buChar char="●"/>
               <a:defRPr sz="1200"/>
             </a:lvl1pPr>
-            <a:lvl2pPr indent="-304800" lvl="1" marL="914400">
+            <a:lvl2pPr marL="914400" lvl="1" indent="-304800">
               <a:spcBef>
                 <a:spcPts val="0"/>
               </a:spcBef>
@@ -3313,7 +4282,7 @@
               <a:buChar char="○"/>
               <a:defRPr sz="1200"/>
             </a:lvl2pPr>
-            <a:lvl3pPr indent="-304800" lvl="2" marL="1371600">
+            <a:lvl3pPr marL="1371600" lvl="2" indent="-304800">
               <a:spcBef>
                 <a:spcPts val="0"/>
               </a:spcBef>
@@ -3324,7 +4293,7 @@
               <a:buChar char="■"/>
               <a:defRPr sz="1200"/>
             </a:lvl3pPr>
-            <a:lvl4pPr indent="-304800" lvl="3" marL="1828800">
+            <a:lvl4pPr marL="1828800" lvl="3" indent="-304800">
               <a:spcBef>
                 <a:spcPts val="0"/>
               </a:spcBef>
@@ -3335,7 +4304,7 @@
               <a:buChar char="●"/>
               <a:defRPr sz="1200"/>
             </a:lvl4pPr>
-            <a:lvl5pPr indent="-304800" lvl="4" marL="2286000">
+            <a:lvl5pPr marL="2286000" lvl="4" indent="-304800">
               <a:spcBef>
                 <a:spcPts val="0"/>
               </a:spcBef>
@@ -3346,7 +4315,7 @@
               <a:buChar char="○"/>
               <a:defRPr sz="1200"/>
             </a:lvl5pPr>
-            <a:lvl6pPr indent="-304800" lvl="5" marL="2743200">
+            <a:lvl6pPr marL="2743200" lvl="5" indent="-304800">
               <a:spcBef>
                 <a:spcPts val="0"/>
               </a:spcBef>
@@ -3357,7 +4326,7 @@
               <a:buChar char="■"/>
               <a:defRPr sz="1200"/>
             </a:lvl6pPr>
-            <a:lvl7pPr indent="-304800" lvl="6" marL="3200400">
+            <a:lvl7pPr marL="3200400" lvl="6" indent="-304800">
               <a:spcBef>
                 <a:spcPts val="0"/>
               </a:spcBef>
@@ -3368,7 +4337,7 @@
               <a:buChar char="●"/>
               <a:defRPr sz="1200"/>
             </a:lvl7pPr>
-            <a:lvl8pPr indent="-304800" lvl="7" marL="3657600">
+            <a:lvl8pPr marL="3657600" lvl="7" indent="-304800">
               <a:spcBef>
                 <a:spcPts val="0"/>
               </a:spcBef>
@@ -3379,7 +4348,7 @@
               <a:buChar char="○"/>
               <a:defRPr sz="1200"/>
             </a:lvl8pPr>
-            <a:lvl9pPr indent="-304800" lvl="8" marL="4114800">
+            <a:lvl9pPr marL="4114800" lvl="8" indent="-304800">
               <a:spcBef>
                 <a:spcPts val="0"/>
               </a:spcBef>
@@ -3391,15 +4360,19 @@
               <a:defRPr sz="1200"/>
             </a:lvl9pPr>
           </a:lstStyle>
-          <a:p/>
+          <a:p>
+            <a:endParaRPr/>
+          </a:p>
         </p:txBody>
       </p:sp>
       <p:sp>
         <p:nvSpPr>
           <p:cNvPr id="31" name="Google Shape;31;p7"/>
-          <p:cNvSpPr txBox="1"/>
+          <p:cNvSpPr txBox="1">
+            <a:spLocks noGrp="1"/>
+          </p:cNvSpPr>
           <p:nvPr>
-            <p:ph idx="12" type="sldNum"/>
+            <p:ph type="sldNum" idx="12"/>
           </p:nvPr>
         </p:nvSpPr>
         <p:spPr>
@@ -3412,7 +4385,7 @@
           </a:prstGeom>
         </p:spPr>
         <p:txBody>
-          <a:bodyPr anchorCtr="0" anchor="ctr" bIns="91425" lIns="91425" spcFirstLastPara="1" rIns="91425" wrap="square" tIns="91425">
+          <a:bodyPr spcFirstLastPara="1" wrap="square" lIns="91425" tIns="91425" rIns="91425" bIns="91425" anchor="ctr" anchorCtr="0">
             <a:normAutofit/>
           </a:bodyPr>
           <a:lstStyle>
@@ -3454,7 +4427,7 @@
             </a:lvl9pPr>
           </a:lstStyle>
           <a:p>
-            <a:pPr indent="0" lvl="0" marL="0" rtl="0" algn="r">
+            <a:pPr marL="0" lvl="0" indent="0" algn="r" rtl="0">
               <a:spcBef>
                 <a:spcPts val="0"/>
               </a:spcBef>
@@ -3480,11 +4453,11 @@
 </file>
 
 <file path=ppt/slideLayouts/slideLayout7.xml><?xml version="1.0" encoding="utf-8"?>
-<p:sldLayout xmlns:a="http://schemas.openxmlformats.org/drawingml/2006/main" xmlns:r="http://schemas.openxmlformats.org/officeDocument/2006/relationships" xmlns:mc="http://schemas.openxmlformats.org/markup-compatibility/2006" xmlns:mv="urn:schemas-microsoft-com:mac:vml" xmlns:p="http://schemas.openxmlformats.org/presentationml/2006/main" xmlns:c="http://schemas.openxmlformats.org/drawingml/2006/chart" xmlns:dgm="http://schemas.openxmlformats.org/drawingml/2006/diagram" xmlns:o="urn:schemas-microsoft-com:office:office" xmlns:v="urn:schemas-microsoft-com:vml" xmlns:pvml="urn:schemas-microsoft-com:office:powerpoint" xmlns:com="http://schemas.openxmlformats.org/drawingml/2006/compatibility" xmlns:p14="http://schemas.microsoft.com/office/powerpoint/2010/main" xmlns:p15="http://schemas.microsoft.com/office/powerpoint/2012/main" xmlns:ahyp="http://schemas.microsoft.com/office/drawing/2018/hyperlinkcolor" matchingName="Main point">
+<p:sldLayout xmlns:a="http://schemas.openxmlformats.org/drawingml/2006/main" xmlns:r="http://schemas.openxmlformats.org/officeDocument/2006/relationships" xmlns:p="http://schemas.openxmlformats.org/presentationml/2006/main" matchingName="Main point">
   <p:cSld name="MAIN_POINT">
     <p:spTree>
       <p:nvGrpSpPr>
-        <p:cNvPr id="32" name="Shape 32"/>
+        <p:cNvPr id="1" name="Shape 32"/>
         <p:cNvGrpSpPr/>
         <p:nvPr/>
       </p:nvGrpSpPr>
@@ -3499,7 +4472,9 @@
       <p:sp>
         <p:nvSpPr>
           <p:cNvPr id="33" name="Google Shape;33;p8"/>
-          <p:cNvSpPr txBox="1"/>
+          <p:cNvSpPr txBox="1">
+            <a:spLocks noGrp="1"/>
+          </p:cNvSpPr>
           <p:nvPr>
             <p:ph type="title"/>
           </p:nvPr>
@@ -3514,7 +4489,7 @@
           </a:prstGeom>
         </p:spPr>
         <p:txBody>
-          <a:bodyPr anchorCtr="0" anchor="ctr" bIns="91425" lIns="91425" spcFirstLastPara="1" rIns="91425" wrap="square" tIns="91425">
+          <a:bodyPr spcFirstLastPara="1" wrap="square" lIns="91425" tIns="91425" rIns="91425" bIns="91425" anchor="ctr" anchorCtr="0">
             <a:normAutofit/>
           </a:bodyPr>
           <a:lstStyle>
@@ -3618,15 +4593,19 @@
               <a:defRPr sz="4800"/>
             </a:lvl9pPr>
           </a:lstStyle>
-          <a:p/>
+          <a:p>
+            <a:endParaRPr/>
+          </a:p>
         </p:txBody>
       </p:sp>
       <p:sp>
         <p:nvSpPr>
           <p:cNvPr id="34" name="Google Shape;34;p8"/>
-          <p:cNvSpPr txBox="1"/>
+          <p:cNvSpPr txBox="1">
+            <a:spLocks noGrp="1"/>
+          </p:cNvSpPr>
           <p:nvPr>
-            <p:ph idx="12" type="sldNum"/>
+            <p:ph type="sldNum" idx="12"/>
           </p:nvPr>
         </p:nvSpPr>
         <p:spPr>
@@ -3639,7 +4618,7 @@
           </a:prstGeom>
         </p:spPr>
         <p:txBody>
-          <a:bodyPr anchorCtr="0" anchor="ctr" bIns="91425" lIns="91425" spcFirstLastPara="1" rIns="91425" wrap="square" tIns="91425">
+          <a:bodyPr spcFirstLastPara="1" wrap="square" lIns="91425" tIns="91425" rIns="91425" bIns="91425" anchor="ctr" anchorCtr="0">
             <a:normAutofit/>
           </a:bodyPr>
           <a:lstStyle>
@@ -3681,7 +4660,7 @@
             </a:lvl9pPr>
           </a:lstStyle>
           <a:p>
-            <a:pPr indent="0" lvl="0" marL="0" rtl="0" algn="r">
+            <a:pPr marL="0" lvl="0" indent="0" algn="r" rtl="0">
               <a:spcBef>
                 <a:spcPts val="0"/>
               </a:spcBef>
@@ -3707,11 +4686,11 @@
 </file>
 
 <file path=ppt/slideLayouts/slideLayout8.xml><?xml version="1.0" encoding="utf-8"?>
-<p:sldLayout xmlns:a="http://schemas.openxmlformats.org/drawingml/2006/main" xmlns:r="http://schemas.openxmlformats.org/officeDocument/2006/relationships" xmlns:mc="http://schemas.openxmlformats.org/markup-compatibility/2006" xmlns:mv="urn:schemas-microsoft-com:mac:vml" xmlns:p="http://schemas.openxmlformats.org/presentationml/2006/main" xmlns:c="http://schemas.openxmlformats.org/drawingml/2006/chart" xmlns:dgm="http://schemas.openxmlformats.org/drawingml/2006/diagram" xmlns:o="urn:schemas-microsoft-com:office:office" xmlns:v="urn:schemas-microsoft-com:vml" xmlns:pvml="urn:schemas-microsoft-com:office:powerpoint" xmlns:com="http://schemas.openxmlformats.org/drawingml/2006/compatibility" xmlns:p14="http://schemas.microsoft.com/office/powerpoint/2010/main" xmlns:p15="http://schemas.microsoft.com/office/powerpoint/2012/main" xmlns:ahyp="http://schemas.microsoft.com/office/drawing/2018/hyperlinkcolor" matchingName="Section title and description">
+<p:sldLayout xmlns:a="http://schemas.openxmlformats.org/drawingml/2006/main" xmlns:r="http://schemas.openxmlformats.org/officeDocument/2006/relationships" xmlns:p="http://schemas.openxmlformats.org/presentationml/2006/main" matchingName="Section title and description">
   <p:cSld name="SECTION_TITLE_AND_DESCRIPTION">
     <p:spTree>
       <p:nvGrpSpPr>
-        <p:cNvPr id="35" name="Shape 35"/>
+        <p:cNvPr id="1" name="Shape 35"/>
         <p:cNvGrpSpPr/>
         <p:nvPr/>
       </p:nvGrpSpPr>
@@ -3745,12 +4724,12 @@
           </a:ln>
         </p:spPr>
         <p:txBody>
-          <a:bodyPr anchorCtr="0" anchor="ctr" bIns="91425" lIns="91425" spcFirstLastPara="1" rIns="91425" wrap="square" tIns="91425">
+          <a:bodyPr spcFirstLastPara="1" wrap="square" lIns="91425" tIns="91425" rIns="91425" bIns="91425" anchor="ctr" anchorCtr="0">
             <a:noAutofit/>
           </a:bodyPr>
           <a:lstStyle/>
           <a:p>
-            <a:pPr indent="0" lvl="0" marL="0" rtl="0" algn="l">
+            <a:pPr marL="0" lvl="0" indent="0" algn="l" rtl="0">
               <a:spcBef>
                 <a:spcPts val="0"/>
               </a:spcBef>
@@ -3759,9 +4738,6 @@
               </a:spcAft>
               <a:buNone/>
             </a:pPr>
-            <a:r>
-              <a:t/>
-            </a:r>
             <a:endParaRPr/>
           </a:p>
         </p:txBody>
@@ -3769,7 +4745,9 @@
       <p:sp>
         <p:nvSpPr>
           <p:cNvPr id="37" name="Google Shape;37;p9"/>
-          <p:cNvSpPr txBox="1"/>
+          <p:cNvSpPr txBox="1">
+            <a:spLocks noGrp="1"/>
+          </p:cNvSpPr>
           <p:nvPr>
             <p:ph type="title"/>
           </p:nvPr>
@@ -3784,7 +4762,7 @@
           </a:prstGeom>
         </p:spPr>
         <p:txBody>
-          <a:bodyPr anchorCtr="0" anchor="b" bIns="91425" lIns="91425" spcFirstLastPara="1" rIns="91425" wrap="square" tIns="91425">
+          <a:bodyPr spcFirstLastPara="1" wrap="square" lIns="91425" tIns="91425" rIns="91425" bIns="91425" anchor="b" anchorCtr="0">
             <a:normAutofit/>
           </a:bodyPr>
           <a:lstStyle>
@@ -3888,15 +4866,19 @@
               <a:defRPr sz="4200"/>
             </a:lvl9pPr>
           </a:lstStyle>
-          <a:p/>
+          <a:p>
+            <a:endParaRPr/>
+          </a:p>
         </p:txBody>
       </p:sp>
       <p:sp>
         <p:nvSpPr>
           <p:cNvPr id="38" name="Google Shape;38;p9"/>
-          <p:cNvSpPr txBox="1"/>
+          <p:cNvSpPr txBox="1">
+            <a:spLocks noGrp="1"/>
+          </p:cNvSpPr>
           <p:nvPr>
-            <p:ph idx="1" type="subTitle"/>
+            <p:ph type="subTitle" idx="1"/>
           </p:nvPr>
         </p:nvSpPr>
         <p:spPr>
@@ -3909,7 +4891,7 @@
           </a:prstGeom>
         </p:spPr>
         <p:txBody>
-          <a:bodyPr anchorCtr="0" anchor="t" bIns="91425" lIns="91425" spcFirstLastPara="1" rIns="91425" wrap="square" tIns="91425">
+          <a:bodyPr spcFirstLastPara="1" wrap="square" lIns="91425" tIns="91425" rIns="91425" bIns="91425" anchor="t" anchorCtr="0">
             <a:normAutofit/>
           </a:bodyPr>
           <a:lstStyle>
@@ -4040,15 +5022,19 @@
               <a:defRPr sz="2100"/>
             </a:lvl9pPr>
           </a:lstStyle>
-          <a:p/>
+          <a:p>
+            <a:endParaRPr/>
+          </a:p>
         </p:txBody>
       </p:sp>
       <p:sp>
         <p:nvSpPr>
           <p:cNvPr id="39" name="Google Shape;39;p9"/>
-          <p:cNvSpPr txBox="1"/>
+          <p:cNvSpPr txBox="1">
+            <a:spLocks noGrp="1"/>
+          </p:cNvSpPr>
           <p:nvPr>
-            <p:ph idx="2" type="body"/>
+            <p:ph type="body" idx="2"/>
           </p:nvPr>
         </p:nvSpPr>
         <p:spPr>
@@ -4061,11 +5047,11 @@
           </a:prstGeom>
         </p:spPr>
         <p:txBody>
-          <a:bodyPr anchorCtr="0" anchor="ctr" bIns="91425" lIns="91425" spcFirstLastPara="1" rIns="91425" wrap="square" tIns="91425">
+          <a:bodyPr spcFirstLastPara="1" wrap="square" lIns="91425" tIns="91425" rIns="91425" bIns="91425" anchor="ctr" anchorCtr="0">
             <a:normAutofit/>
           </a:bodyPr>
           <a:lstStyle>
-            <a:lvl1pPr indent="-342900" lvl="0" marL="457200">
+            <a:lvl1pPr marL="457200" lvl="0" indent="-342900">
               <a:spcBef>
                 <a:spcPts val="0"/>
               </a:spcBef>
@@ -4076,7 +5062,7 @@
               <a:buChar char="●"/>
               <a:defRPr/>
             </a:lvl1pPr>
-            <a:lvl2pPr indent="-317500" lvl="1" marL="914400">
+            <a:lvl2pPr marL="914400" lvl="1" indent="-317500">
               <a:spcBef>
                 <a:spcPts val="0"/>
               </a:spcBef>
@@ -4087,7 +5073,7 @@
               <a:buChar char="○"/>
               <a:defRPr/>
             </a:lvl2pPr>
-            <a:lvl3pPr indent="-317500" lvl="2" marL="1371600">
+            <a:lvl3pPr marL="1371600" lvl="2" indent="-317500">
               <a:spcBef>
                 <a:spcPts val="0"/>
               </a:spcBef>
@@ -4098,7 +5084,7 @@
               <a:buChar char="■"/>
               <a:defRPr/>
             </a:lvl3pPr>
-            <a:lvl4pPr indent="-317500" lvl="3" marL="1828800">
+            <a:lvl4pPr marL="1828800" lvl="3" indent="-317500">
               <a:spcBef>
                 <a:spcPts val="0"/>
               </a:spcBef>
@@ -4109,7 +5095,7 @@
               <a:buChar char="●"/>
               <a:defRPr/>
             </a:lvl4pPr>
-            <a:lvl5pPr indent="-317500" lvl="4" marL="2286000">
+            <a:lvl5pPr marL="2286000" lvl="4" indent="-317500">
               <a:spcBef>
                 <a:spcPts val="0"/>
               </a:spcBef>
@@ -4120,7 +5106,7 @@
               <a:buChar char="○"/>
               <a:defRPr/>
             </a:lvl5pPr>
-            <a:lvl6pPr indent="-317500" lvl="5" marL="2743200">
+            <a:lvl6pPr marL="2743200" lvl="5" indent="-317500">
               <a:spcBef>
                 <a:spcPts val="0"/>
               </a:spcBef>
@@ -4131,7 +5117,7 @@
               <a:buChar char="■"/>
               <a:defRPr/>
             </a:lvl6pPr>
-            <a:lvl7pPr indent="-317500" lvl="6" marL="3200400">
+            <a:lvl7pPr marL="3200400" lvl="6" indent="-317500">
               <a:spcBef>
                 <a:spcPts val="0"/>
               </a:spcBef>
@@ -4142,7 +5128,7 @@
               <a:buChar char="●"/>
               <a:defRPr/>
             </a:lvl7pPr>
-            <a:lvl8pPr indent="-317500" lvl="7" marL="3657600">
+            <a:lvl8pPr marL="3657600" lvl="7" indent="-317500">
               <a:spcBef>
                 <a:spcPts val="0"/>
               </a:spcBef>
@@ -4153,7 +5139,7 @@
               <a:buChar char="○"/>
               <a:defRPr/>
             </a:lvl8pPr>
-            <a:lvl9pPr indent="-317500" lvl="8" marL="4114800">
+            <a:lvl9pPr marL="4114800" lvl="8" indent="-317500">
               <a:spcBef>
                 <a:spcPts val="0"/>
               </a:spcBef>
@@ -4165,15 +5151,19 @@
               <a:defRPr/>
             </a:lvl9pPr>
           </a:lstStyle>
-          <a:p/>
+          <a:p>
+            <a:endParaRPr/>
+          </a:p>
         </p:txBody>
       </p:sp>
       <p:sp>
         <p:nvSpPr>
           <p:cNvPr id="40" name="Google Shape;40;p9"/>
-          <p:cNvSpPr txBox="1"/>
+          <p:cNvSpPr txBox="1">
+            <a:spLocks noGrp="1"/>
+          </p:cNvSpPr>
           <p:nvPr>
-            <p:ph idx="12" type="sldNum"/>
+            <p:ph type="sldNum" idx="12"/>
           </p:nvPr>
         </p:nvSpPr>
         <p:spPr>
@@ -4186,7 +5176,7 @@
           </a:prstGeom>
         </p:spPr>
         <p:txBody>
-          <a:bodyPr anchorCtr="0" anchor="ctr" bIns="91425" lIns="91425" spcFirstLastPara="1" rIns="91425" wrap="square" tIns="91425">
+          <a:bodyPr spcFirstLastPara="1" wrap="square" lIns="91425" tIns="91425" rIns="91425" bIns="91425" anchor="ctr" anchorCtr="0">
             <a:normAutofit/>
           </a:bodyPr>
           <a:lstStyle>
@@ -4228,7 +5218,7 @@
             </a:lvl9pPr>
           </a:lstStyle>
           <a:p>
-            <a:pPr indent="0" lvl="0" marL="0" rtl="0" algn="r">
+            <a:pPr marL="0" lvl="0" indent="0" algn="r" rtl="0">
               <a:spcBef>
                 <a:spcPts val="0"/>
               </a:spcBef>
@@ -4254,11 +5244,11 @@
 </file>
 
 <file path=ppt/slideLayouts/slideLayout9.xml><?xml version="1.0" encoding="utf-8"?>
-<p:sldLayout xmlns:a="http://schemas.openxmlformats.org/drawingml/2006/main" xmlns:r="http://schemas.openxmlformats.org/officeDocument/2006/relationships" xmlns:mc="http://schemas.openxmlformats.org/markup-compatibility/2006" xmlns:mv="urn:schemas-microsoft-com:mac:vml" xmlns:p="http://schemas.openxmlformats.org/presentationml/2006/main" xmlns:c="http://schemas.openxmlformats.org/drawingml/2006/chart" xmlns:dgm="http://schemas.openxmlformats.org/drawingml/2006/diagram" xmlns:o="urn:schemas-microsoft-com:office:office" xmlns:v="urn:schemas-microsoft-com:vml" xmlns:pvml="urn:schemas-microsoft-com:office:powerpoint" xmlns:com="http://schemas.openxmlformats.org/drawingml/2006/compatibility" xmlns:p14="http://schemas.microsoft.com/office/powerpoint/2010/main" xmlns:p15="http://schemas.microsoft.com/office/powerpoint/2012/main" xmlns:ahyp="http://schemas.microsoft.com/office/drawing/2018/hyperlinkcolor" matchingName="Caption">
+<p:sldLayout xmlns:a="http://schemas.openxmlformats.org/drawingml/2006/main" xmlns:r="http://schemas.openxmlformats.org/officeDocument/2006/relationships" xmlns:p="http://schemas.openxmlformats.org/presentationml/2006/main" matchingName="Caption">
   <p:cSld name="CAPTION_ONLY">
     <p:spTree>
       <p:nvGrpSpPr>
-        <p:cNvPr id="41" name="Shape 41"/>
+        <p:cNvPr id="1" name="Shape 41"/>
         <p:cNvGrpSpPr/>
         <p:nvPr/>
       </p:nvGrpSpPr>
@@ -4273,9 +5263,11 @@
       <p:sp>
         <p:nvSpPr>
           <p:cNvPr id="42" name="Google Shape;42;p10"/>
-          <p:cNvSpPr txBox="1"/>
+          <p:cNvSpPr txBox="1">
+            <a:spLocks noGrp="1"/>
+          </p:cNvSpPr>
           <p:nvPr>
-            <p:ph idx="1" type="body"/>
+            <p:ph type="body" idx="1"/>
           </p:nvPr>
         </p:nvSpPr>
         <p:spPr>
@@ -4288,11 +5280,11 @@
           </a:prstGeom>
         </p:spPr>
         <p:txBody>
-          <a:bodyPr anchorCtr="0" anchor="ctr" bIns="91425" lIns="91425" spcFirstLastPara="1" rIns="91425" wrap="square" tIns="91425">
+          <a:bodyPr spcFirstLastPara="1" wrap="square" lIns="91425" tIns="91425" rIns="91425" bIns="91425" anchor="ctr" anchorCtr="0">
             <a:normAutofit/>
           </a:bodyPr>
           <a:lstStyle>
-            <a:lvl1pPr indent="-228600" lvl="0" marL="457200">
+            <a:lvl1pPr marL="457200" lvl="0" indent="-228600">
               <a:lnSpc>
                 <a:spcPct val="100000"/>
               </a:lnSpc>
@@ -4307,15 +5299,19 @@
               <a:defRPr/>
             </a:lvl1pPr>
           </a:lstStyle>
-          <a:p/>
+          <a:p>
+            <a:endParaRPr/>
+          </a:p>
         </p:txBody>
       </p:sp>
       <p:sp>
         <p:nvSpPr>
           <p:cNvPr id="43" name="Google Shape;43;p10"/>
-          <p:cNvSpPr txBox="1"/>
+          <p:cNvSpPr txBox="1">
+            <a:spLocks noGrp="1"/>
+          </p:cNvSpPr>
           <p:nvPr>
-            <p:ph idx="12" type="sldNum"/>
+            <p:ph type="sldNum" idx="12"/>
           </p:nvPr>
         </p:nvSpPr>
         <p:spPr>
@@ -4328,7 +5324,7 @@
           </a:prstGeom>
         </p:spPr>
         <p:txBody>
-          <a:bodyPr anchorCtr="0" anchor="ctr" bIns="91425" lIns="91425" spcFirstLastPara="1" rIns="91425" wrap="square" tIns="91425">
+          <a:bodyPr spcFirstLastPara="1" wrap="square" lIns="91425" tIns="91425" rIns="91425" bIns="91425" anchor="ctr" anchorCtr="0">
             <a:normAutofit/>
           </a:bodyPr>
           <a:lstStyle>
@@ -4370,7 +5366,7 @@
             </a:lvl9pPr>
           </a:lstStyle>
           <a:p>
-            <a:pPr indent="0" lvl="0" marL="0" rtl="0" algn="r">
+            <a:pPr marL="0" lvl="0" indent="0" algn="r" rtl="0">
               <a:spcBef>
                 <a:spcPts val="0"/>
               </a:spcBef>
@@ -4396,23 +5392,24 @@
 </file>
 
 <file path=ppt/slideMasters/slideMaster1.xml><?xml version="1.0" encoding="utf-8"?>
-<p:sldMaster xmlns:a="http://schemas.openxmlformats.org/drawingml/2006/main" xmlns:r="http://schemas.openxmlformats.org/officeDocument/2006/relationships" xmlns:mc="http://schemas.openxmlformats.org/markup-compatibility/2006" xmlns:mv="urn:schemas-microsoft-com:mac:vml" xmlns:p="http://schemas.openxmlformats.org/presentationml/2006/main" xmlns:c="http://schemas.openxmlformats.org/drawingml/2006/chart" xmlns:dgm="http://schemas.openxmlformats.org/drawingml/2006/diagram" xmlns:o="urn:schemas-microsoft-com:office:office" xmlns:v="urn:schemas-microsoft-com:vml" xmlns:pvml="urn:schemas-microsoft-com:office:powerpoint" xmlns:com="http://schemas.openxmlformats.org/drawingml/2006/compatibility" xmlns:p14="http://schemas.microsoft.com/office/powerpoint/2010/main" xmlns:p15="http://schemas.microsoft.com/office/powerpoint/2012/main" xmlns:ahyp="http://schemas.microsoft.com/office/drawing/2018/hyperlinkcolor">
+<p:sldMaster xmlns:a="http://schemas.openxmlformats.org/drawingml/2006/main" xmlns:r="http://schemas.openxmlformats.org/officeDocument/2006/relationships" xmlns:p="http://schemas.openxmlformats.org/presentationml/2006/main">
   <p:cSld name="simple-light-2">
     <p:bg>
       <p:bgPr>
         <a:blipFill>
-          <a:blip r:embed="rId1">
+          <a:blip r:embed="rId13">
             <a:alphaModFix/>
           </a:blip>
           <a:stretch>
             <a:fillRect/>
           </a:stretch>
         </a:blipFill>
+        <a:effectLst/>
       </p:bgPr>
     </p:bg>
     <p:spTree>
       <p:nvGrpSpPr>
-        <p:cNvPr id="5" name="Shape 5"/>
+        <p:cNvPr id="1" name="Shape 5"/>
         <p:cNvGrpSpPr/>
         <p:nvPr/>
       </p:nvGrpSpPr>
@@ -4427,7 +5424,9 @@
       <p:sp>
         <p:nvSpPr>
           <p:cNvPr id="6" name="Google Shape;6;p1"/>
-          <p:cNvSpPr txBox="1"/>
+          <p:cNvSpPr txBox="1">
+            <a:spLocks noGrp="1"/>
+          </p:cNvSpPr>
           <p:nvPr>
             <p:ph type="title"/>
           </p:nvPr>
@@ -4446,7 +5445,7 @@
           </a:ln>
         </p:spPr>
         <p:txBody>
-          <a:bodyPr anchorCtr="0" anchor="t" bIns="91425" lIns="91425" spcFirstLastPara="1" rIns="91425" wrap="square" tIns="91425">
+          <a:bodyPr spcFirstLastPara="1" wrap="square" lIns="91425" tIns="91425" rIns="91425" bIns="91425" anchor="t" anchorCtr="0">
             <a:normAutofit/>
           </a:bodyPr>
           <a:lstStyle>
@@ -4613,15 +5612,19 @@
               </a:defRPr>
             </a:lvl9pPr>
           </a:lstStyle>
-          <a:p/>
+          <a:p>
+            <a:endParaRPr/>
+          </a:p>
         </p:txBody>
       </p:sp>
       <p:sp>
         <p:nvSpPr>
           <p:cNvPr id="7" name="Google Shape;7;p1"/>
-          <p:cNvSpPr txBox="1"/>
+          <p:cNvSpPr txBox="1">
+            <a:spLocks noGrp="1"/>
+          </p:cNvSpPr>
           <p:nvPr>
-            <p:ph idx="1" type="body"/>
+            <p:ph type="body" idx="1"/>
           </p:nvPr>
         </p:nvSpPr>
         <p:spPr>
@@ -4638,11 +5641,11 @@
           </a:ln>
         </p:spPr>
         <p:txBody>
-          <a:bodyPr anchorCtr="0" anchor="t" bIns="91425" lIns="91425" spcFirstLastPara="1" rIns="91425" wrap="square" tIns="91425">
+          <a:bodyPr spcFirstLastPara="1" wrap="square" lIns="91425" tIns="91425" rIns="91425" bIns="91425" anchor="t" anchorCtr="0">
             <a:normAutofit/>
           </a:bodyPr>
           <a:lstStyle>
-            <a:lvl1pPr indent="-342900" lvl="0" marL="457200">
+            <a:lvl1pPr marL="457200" lvl="0" indent="-342900">
               <a:lnSpc>
                 <a:spcPct val="115000"/>
               </a:lnSpc>
@@ -4663,7 +5666,7 @@
                 </a:solidFill>
               </a:defRPr>
             </a:lvl1pPr>
-            <a:lvl2pPr indent="-317500" lvl="1" marL="914400">
+            <a:lvl2pPr marL="914400" lvl="1" indent="-317500">
               <a:lnSpc>
                 <a:spcPct val="115000"/>
               </a:lnSpc>
@@ -4684,7 +5687,7 @@
                 </a:solidFill>
               </a:defRPr>
             </a:lvl2pPr>
-            <a:lvl3pPr indent="-317500" lvl="2" marL="1371600">
+            <a:lvl3pPr marL="1371600" lvl="2" indent="-317500">
               <a:lnSpc>
                 <a:spcPct val="115000"/>
               </a:lnSpc>
@@ -4705,7 +5708,7 @@
                 </a:solidFill>
               </a:defRPr>
             </a:lvl3pPr>
-            <a:lvl4pPr indent="-317500" lvl="3" marL="1828800">
+            <a:lvl4pPr marL="1828800" lvl="3" indent="-317500">
               <a:lnSpc>
                 <a:spcPct val="115000"/>
               </a:lnSpc>
@@ -4726,7 +5729,7 @@
                 </a:solidFill>
               </a:defRPr>
             </a:lvl4pPr>
-            <a:lvl5pPr indent="-317500" lvl="4" marL="2286000">
+            <a:lvl5pPr marL="2286000" lvl="4" indent="-317500">
               <a:lnSpc>
                 <a:spcPct val="115000"/>
               </a:lnSpc>
@@ -4747,7 +5750,7 @@
                 </a:solidFill>
               </a:defRPr>
             </a:lvl5pPr>
-            <a:lvl6pPr indent="-317500" lvl="5" marL="2743200">
+            <a:lvl6pPr marL="2743200" lvl="5" indent="-317500">
               <a:lnSpc>
                 <a:spcPct val="115000"/>
               </a:lnSpc>
@@ -4768,7 +5771,7 @@
                 </a:solidFill>
               </a:defRPr>
             </a:lvl6pPr>
-            <a:lvl7pPr indent="-317500" lvl="6" marL="3200400">
+            <a:lvl7pPr marL="3200400" lvl="6" indent="-317500">
               <a:lnSpc>
                 <a:spcPct val="115000"/>
               </a:lnSpc>
@@ -4789,7 +5792,7 @@
                 </a:solidFill>
               </a:defRPr>
             </a:lvl7pPr>
-            <a:lvl8pPr indent="-317500" lvl="7" marL="3657600">
+            <a:lvl8pPr marL="3657600" lvl="7" indent="-317500">
               <a:lnSpc>
                 <a:spcPct val="115000"/>
               </a:lnSpc>
@@ -4810,7 +5813,7 @@
                 </a:solidFill>
               </a:defRPr>
             </a:lvl8pPr>
-            <a:lvl9pPr indent="-317500" lvl="8" marL="4114800">
+            <a:lvl9pPr marL="4114800" lvl="8" indent="-317500">
               <a:lnSpc>
                 <a:spcPct val="115000"/>
               </a:lnSpc>
@@ -4832,15 +5835,19 @@
               </a:defRPr>
             </a:lvl9pPr>
           </a:lstStyle>
-          <a:p/>
+          <a:p>
+            <a:endParaRPr/>
+          </a:p>
         </p:txBody>
       </p:sp>
       <p:sp>
         <p:nvSpPr>
           <p:cNvPr id="8" name="Google Shape;8;p1"/>
-          <p:cNvSpPr txBox="1"/>
+          <p:cNvSpPr txBox="1">
+            <a:spLocks noGrp="1"/>
+          </p:cNvSpPr>
           <p:nvPr>
-            <p:ph idx="12" type="sldNum"/>
+            <p:ph type="sldNum" idx="12"/>
           </p:nvPr>
         </p:nvSpPr>
         <p:spPr>
@@ -4857,7 +5864,7 @@
           </a:ln>
         </p:spPr>
         <p:txBody>
-          <a:bodyPr anchorCtr="0" anchor="ctr" bIns="91425" lIns="91425" spcFirstLastPara="1" rIns="91425" wrap="square" tIns="91425">
+          <a:bodyPr spcFirstLastPara="1" wrap="square" lIns="91425" tIns="91425" rIns="91425" bIns="91425" anchor="ctr" anchorCtr="0">
             <a:normAutofit/>
           </a:bodyPr>
           <a:lstStyle>
@@ -4935,7 +5942,7 @@
             </a:lvl9pPr>
           </a:lstStyle>
           <a:p>
-            <a:pPr indent="0" lvl="0" marL="0" rtl="0" algn="r">
+            <a:pPr marL="0" lvl="0" indent="0" algn="r" rtl="0">
               <a:spcBef>
                 <a:spcPts val="0"/>
               </a:spcBef>
@@ -4954,24 +5961,24 @@
       </p:sp>
     </p:spTree>
   </p:cSld>
-  <p:clrMap accent1="accent1" accent2="accent2" accent3="accent3" accent4="accent4" accent5="accent5" accent6="accent6" bg1="lt1" bg2="dk2" tx1="dk1" tx2="lt2" folHlink="folHlink" hlink="hlink"/>
+  <p:clrMap bg1="lt1" tx1="dk1" bg2="dk2" tx2="lt2" accent1="accent1" accent2="accent2" accent3="accent3" accent4="accent4" accent5="accent5" accent6="accent6" hlink="hlink" folHlink="folHlink"/>
   <p:sldLayoutIdLst>
-    <p:sldLayoutId id="2147483648" r:id="rId2"/>
-    <p:sldLayoutId id="2147483649" r:id="rId3"/>
-    <p:sldLayoutId id="2147483650" r:id="rId4"/>
-    <p:sldLayoutId id="2147483651" r:id="rId5"/>
-    <p:sldLayoutId id="2147483652" r:id="rId6"/>
-    <p:sldLayoutId id="2147483653" r:id="rId7"/>
-    <p:sldLayoutId id="2147483654" r:id="rId8"/>
-    <p:sldLayoutId id="2147483655" r:id="rId9"/>
-    <p:sldLayoutId id="2147483656" r:id="rId10"/>
-    <p:sldLayoutId id="2147483657" r:id="rId11"/>
-    <p:sldLayoutId id="2147483658" r:id="rId12"/>
+    <p:sldLayoutId id="2147483648" r:id="rId1"/>
+    <p:sldLayoutId id="2147483649" r:id="rId2"/>
+    <p:sldLayoutId id="2147483650" r:id="rId3"/>
+    <p:sldLayoutId id="2147483651" r:id="rId4"/>
+    <p:sldLayoutId id="2147483652" r:id="rId5"/>
+    <p:sldLayoutId id="2147483653" r:id="rId6"/>
+    <p:sldLayoutId id="2147483654" r:id="rId7"/>
+    <p:sldLayoutId id="2147483655" r:id="rId8"/>
+    <p:sldLayoutId id="2147483656" r:id="rId9"/>
+    <p:sldLayoutId id="2147483657" r:id="rId10"/>
+    <p:sldLayoutId id="2147483658" r:id="rId11"/>
   </p:sldLayoutIdLst>
-  <p:hf dt="0" ftr="0" hdr="0" sldNum="0"/>
+  <p:hf sldNum="0" hdr="0" ftr="0" dt="0"/>
   <p:txStyles>
     <p:titleStyle>
-      <a:defPPr lvl="0" marR="0" rtl="0" algn="l">
+      <a:defPPr marR="0" lvl="0" algn="l" rtl="0">
         <a:lnSpc>
           <a:spcPct val="100000"/>
         </a:lnSpc>
@@ -4982,7 +5989,7 @@
           <a:spcPts val="0"/>
         </a:spcAft>
       </a:defPPr>
-      <a:lvl1pPr lvl="0" marR="0" rtl="0" algn="l">
+      <a:lvl1pPr marR="0" lvl="0" algn="l" rtl="0">
         <a:lnSpc>
           <a:spcPct val="100000"/>
         </a:lnSpc>
@@ -4996,7 +6003,7 @@
           <a:srgbClr val="000000"/>
         </a:buClr>
         <a:buFont typeface="Arial"/>
-        <a:defRPr b="0" i="0" sz="1400" u="none" cap="none" strike="noStrike">
+        <a:defRPr sz="1400" b="0" i="0" u="none" strike="noStrike" cap="none">
           <a:solidFill>
             <a:srgbClr val="000000"/>
           </a:solidFill>
@@ -5006,7 +6013,7 @@
           <a:sym typeface="Arial"/>
         </a:defRPr>
       </a:lvl1pPr>
-      <a:lvl2pPr lvl="1" marR="0" rtl="0" algn="l">
+      <a:lvl2pPr marR="0" lvl="1" algn="l" rtl="0">
         <a:lnSpc>
           <a:spcPct val="100000"/>
         </a:lnSpc>
@@ -5020,7 +6027,7 @@
           <a:srgbClr val="000000"/>
         </a:buClr>
         <a:buFont typeface="Arial"/>
-        <a:defRPr b="0" i="0" sz="1400" u="none" cap="none" strike="noStrike">
+        <a:defRPr sz="1400" b="0" i="0" u="none" strike="noStrike" cap="none">
           <a:solidFill>
             <a:srgbClr val="000000"/>
           </a:solidFill>
@@ -5030,7 +6037,7 @@
           <a:sym typeface="Arial"/>
         </a:defRPr>
       </a:lvl2pPr>
-      <a:lvl3pPr lvl="2" marR="0" rtl="0" algn="l">
+      <a:lvl3pPr marR="0" lvl="2" algn="l" rtl="0">
         <a:lnSpc>
           <a:spcPct val="100000"/>
         </a:lnSpc>
@@ -5044,7 +6051,7 @@
           <a:srgbClr val="000000"/>
         </a:buClr>
         <a:buFont typeface="Arial"/>
-        <a:defRPr b="0" i="0" sz="1400" u="none" cap="none" strike="noStrike">
+        <a:defRPr sz="1400" b="0" i="0" u="none" strike="noStrike" cap="none">
           <a:solidFill>
             <a:srgbClr val="000000"/>
           </a:solidFill>
@@ -5054,7 +6061,7 @@
           <a:sym typeface="Arial"/>
         </a:defRPr>
       </a:lvl3pPr>
-      <a:lvl4pPr lvl="3" marR="0" rtl="0" algn="l">
+      <a:lvl4pPr marR="0" lvl="3" algn="l" rtl="0">
         <a:lnSpc>
           <a:spcPct val="100000"/>
         </a:lnSpc>
@@ -5068,7 +6075,7 @@
           <a:srgbClr val="000000"/>
         </a:buClr>
         <a:buFont typeface="Arial"/>
-        <a:defRPr b="0" i="0" sz="1400" u="none" cap="none" strike="noStrike">
+        <a:defRPr sz="1400" b="0" i="0" u="none" strike="noStrike" cap="none">
           <a:solidFill>
             <a:srgbClr val="000000"/>
           </a:solidFill>
@@ -5078,7 +6085,7 @@
           <a:sym typeface="Arial"/>
         </a:defRPr>
       </a:lvl4pPr>
-      <a:lvl5pPr lvl="4" marR="0" rtl="0" algn="l">
+      <a:lvl5pPr marR="0" lvl="4" algn="l" rtl="0">
         <a:lnSpc>
           <a:spcPct val="100000"/>
         </a:lnSpc>
@@ -5092,7 +6099,7 @@
           <a:srgbClr val="000000"/>
         </a:buClr>
         <a:buFont typeface="Arial"/>
-        <a:defRPr b="0" i="0" sz="1400" u="none" cap="none" strike="noStrike">
+        <a:defRPr sz="1400" b="0" i="0" u="none" strike="noStrike" cap="none">
           <a:solidFill>
             <a:srgbClr val="000000"/>
           </a:solidFill>
@@ -5102,7 +6109,7 @@
           <a:sym typeface="Arial"/>
         </a:defRPr>
       </a:lvl5pPr>
-      <a:lvl6pPr lvl="5" marR="0" rtl="0" algn="l">
+      <a:lvl6pPr marR="0" lvl="5" algn="l" rtl="0">
         <a:lnSpc>
           <a:spcPct val="100000"/>
         </a:lnSpc>
@@ -5116,7 +6123,7 @@
           <a:srgbClr val="000000"/>
         </a:buClr>
         <a:buFont typeface="Arial"/>
-        <a:defRPr b="0" i="0" sz="1400" u="none" cap="none" strike="noStrike">
+        <a:defRPr sz="1400" b="0" i="0" u="none" strike="noStrike" cap="none">
           <a:solidFill>
             <a:srgbClr val="000000"/>
           </a:solidFill>
@@ -5126,7 +6133,7 @@
           <a:sym typeface="Arial"/>
         </a:defRPr>
       </a:lvl6pPr>
-      <a:lvl7pPr lvl="6" marR="0" rtl="0" algn="l">
+      <a:lvl7pPr marR="0" lvl="6" algn="l" rtl="0">
         <a:lnSpc>
           <a:spcPct val="100000"/>
         </a:lnSpc>
@@ -5140,7 +6147,7 @@
           <a:srgbClr val="000000"/>
         </a:buClr>
         <a:buFont typeface="Arial"/>
-        <a:defRPr b="0" i="0" sz="1400" u="none" cap="none" strike="noStrike">
+        <a:defRPr sz="1400" b="0" i="0" u="none" strike="noStrike" cap="none">
           <a:solidFill>
             <a:srgbClr val="000000"/>
           </a:solidFill>
@@ -5150,7 +6157,7 @@
           <a:sym typeface="Arial"/>
         </a:defRPr>
       </a:lvl7pPr>
-      <a:lvl8pPr lvl="7" marR="0" rtl="0" algn="l">
+      <a:lvl8pPr marR="0" lvl="7" algn="l" rtl="0">
         <a:lnSpc>
           <a:spcPct val="100000"/>
         </a:lnSpc>
@@ -5164,7 +6171,7 @@
           <a:srgbClr val="000000"/>
         </a:buClr>
         <a:buFont typeface="Arial"/>
-        <a:defRPr b="0" i="0" sz="1400" u="none" cap="none" strike="noStrike">
+        <a:defRPr sz="1400" b="0" i="0" u="none" strike="noStrike" cap="none">
           <a:solidFill>
             <a:srgbClr val="000000"/>
           </a:solidFill>
@@ -5174,7 +6181,7 @@
           <a:sym typeface="Arial"/>
         </a:defRPr>
       </a:lvl8pPr>
-      <a:lvl9pPr lvl="8" marR="0" rtl="0" algn="l">
+      <a:lvl9pPr marR="0" lvl="8" algn="l" rtl="0">
         <a:lnSpc>
           <a:spcPct val="100000"/>
         </a:lnSpc>
@@ -5188,7 +6195,7 @@
           <a:srgbClr val="000000"/>
         </a:buClr>
         <a:buFont typeface="Arial"/>
-        <a:defRPr b="0" i="0" sz="1400" u="none" cap="none" strike="noStrike">
+        <a:defRPr sz="1400" b="0" i="0" u="none" strike="noStrike" cap="none">
           <a:solidFill>
             <a:srgbClr val="000000"/>
           </a:solidFill>
@@ -5200,7 +6207,7 @@
       </a:lvl9pPr>
     </p:titleStyle>
     <p:bodyStyle>
-      <a:defPPr lvl="0" marR="0" rtl="0" algn="l">
+      <a:defPPr marR="0" lvl="0" algn="l" rtl="0">
         <a:lnSpc>
           <a:spcPct val="100000"/>
         </a:lnSpc>
@@ -5211,7 +6218,7 @@
           <a:spcPts val="0"/>
         </a:spcAft>
       </a:defPPr>
-      <a:lvl1pPr lvl="0" marR="0" rtl="0" algn="l">
+      <a:lvl1pPr marR="0" lvl="0" algn="l" rtl="0">
         <a:lnSpc>
           <a:spcPct val="100000"/>
         </a:lnSpc>
@@ -5225,7 +6232,7 @@
           <a:srgbClr val="000000"/>
         </a:buClr>
         <a:buFont typeface="Arial"/>
-        <a:defRPr b="0" i="0" sz="1400" u="none" cap="none" strike="noStrike">
+        <a:defRPr sz="1400" b="0" i="0" u="none" strike="noStrike" cap="none">
           <a:solidFill>
             <a:srgbClr val="000000"/>
           </a:solidFill>
@@ -5235,7 +6242,7 @@
           <a:sym typeface="Arial"/>
         </a:defRPr>
       </a:lvl1pPr>
-      <a:lvl2pPr lvl="1" marR="0" rtl="0" algn="l">
+      <a:lvl2pPr marR="0" lvl="1" algn="l" rtl="0">
         <a:lnSpc>
           <a:spcPct val="100000"/>
         </a:lnSpc>
@@ -5249,7 +6256,7 @@
           <a:srgbClr val="000000"/>
         </a:buClr>
         <a:buFont typeface="Arial"/>
-        <a:defRPr b="0" i="0" sz="1400" u="none" cap="none" strike="noStrike">
+        <a:defRPr sz="1400" b="0" i="0" u="none" strike="noStrike" cap="none">
           <a:solidFill>
             <a:srgbClr val="000000"/>
           </a:solidFill>
@@ -5259,7 +6266,7 @@
           <a:sym typeface="Arial"/>
         </a:defRPr>
       </a:lvl2pPr>
-      <a:lvl3pPr lvl="2" marR="0" rtl="0" algn="l">
+      <a:lvl3pPr marR="0" lvl="2" algn="l" rtl="0">
         <a:lnSpc>
           <a:spcPct val="100000"/>
         </a:lnSpc>
@@ -5273,7 +6280,7 @@
           <a:srgbClr val="000000"/>
         </a:buClr>
         <a:buFont typeface="Arial"/>
-        <a:defRPr b="0" i="0" sz="1400" u="none" cap="none" strike="noStrike">
+        <a:defRPr sz="1400" b="0" i="0" u="none" strike="noStrike" cap="none">
           <a:solidFill>
             <a:srgbClr val="000000"/>
           </a:solidFill>
@@ -5283,7 +6290,7 @@
           <a:sym typeface="Arial"/>
         </a:defRPr>
       </a:lvl3pPr>
-      <a:lvl4pPr lvl="3" marR="0" rtl="0" algn="l">
+      <a:lvl4pPr marR="0" lvl="3" algn="l" rtl="0">
         <a:lnSpc>
           <a:spcPct val="100000"/>
         </a:lnSpc>
@@ -5297,7 +6304,7 @@
           <a:srgbClr val="000000"/>
         </a:buClr>
         <a:buFont typeface="Arial"/>
-        <a:defRPr b="0" i="0" sz="1400" u="none" cap="none" strike="noStrike">
+        <a:defRPr sz="1400" b="0" i="0" u="none" strike="noStrike" cap="none">
           <a:solidFill>
             <a:srgbClr val="000000"/>
           </a:solidFill>
@@ -5307,7 +6314,7 @@
           <a:sym typeface="Arial"/>
         </a:defRPr>
       </a:lvl4pPr>
-      <a:lvl5pPr lvl="4" marR="0" rtl="0" algn="l">
+      <a:lvl5pPr marR="0" lvl="4" algn="l" rtl="0">
         <a:lnSpc>
           <a:spcPct val="100000"/>
         </a:lnSpc>
@@ -5321,7 +6328,7 @@
           <a:srgbClr val="000000"/>
         </a:buClr>
         <a:buFont typeface="Arial"/>
-        <a:defRPr b="0" i="0" sz="1400" u="none" cap="none" strike="noStrike">
+        <a:defRPr sz="1400" b="0" i="0" u="none" strike="noStrike" cap="none">
           <a:solidFill>
             <a:srgbClr val="000000"/>
           </a:solidFill>
@@ -5331,7 +6338,7 @@
           <a:sym typeface="Arial"/>
         </a:defRPr>
       </a:lvl5pPr>
-      <a:lvl6pPr lvl="5" marR="0" rtl="0" algn="l">
+      <a:lvl6pPr marR="0" lvl="5" algn="l" rtl="0">
         <a:lnSpc>
           <a:spcPct val="100000"/>
         </a:lnSpc>
@@ -5345,7 +6352,7 @@
           <a:srgbClr val="000000"/>
         </a:buClr>
         <a:buFont typeface="Arial"/>
-        <a:defRPr b="0" i="0" sz="1400" u="none" cap="none" strike="noStrike">
+        <a:defRPr sz="1400" b="0" i="0" u="none" strike="noStrike" cap="none">
           <a:solidFill>
             <a:srgbClr val="000000"/>
           </a:solidFill>
@@ -5355,7 +6362,7 @@
           <a:sym typeface="Arial"/>
         </a:defRPr>
       </a:lvl6pPr>
-      <a:lvl7pPr lvl="6" marR="0" rtl="0" algn="l">
+      <a:lvl7pPr marR="0" lvl="6" algn="l" rtl="0">
         <a:lnSpc>
           <a:spcPct val="100000"/>
         </a:lnSpc>
@@ -5369,7 +6376,7 @@
           <a:srgbClr val="000000"/>
         </a:buClr>
         <a:buFont typeface="Arial"/>
-        <a:defRPr b="0" i="0" sz="1400" u="none" cap="none" strike="noStrike">
+        <a:defRPr sz="1400" b="0" i="0" u="none" strike="noStrike" cap="none">
           <a:solidFill>
             <a:srgbClr val="000000"/>
           </a:solidFill>
@@ -5379,7 +6386,7 @@
           <a:sym typeface="Arial"/>
         </a:defRPr>
       </a:lvl7pPr>
-      <a:lvl8pPr lvl="7" marR="0" rtl="0" algn="l">
+      <a:lvl8pPr marR="0" lvl="7" algn="l" rtl="0">
         <a:lnSpc>
           <a:spcPct val="100000"/>
         </a:lnSpc>
@@ -5393,7 +6400,7 @@
           <a:srgbClr val="000000"/>
         </a:buClr>
         <a:buFont typeface="Arial"/>
-        <a:defRPr b="0" i="0" sz="1400" u="none" cap="none" strike="noStrike">
+        <a:defRPr sz="1400" b="0" i="0" u="none" strike="noStrike" cap="none">
           <a:solidFill>
             <a:srgbClr val="000000"/>
           </a:solidFill>
@@ -5403,7 +6410,7 @@
           <a:sym typeface="Arial"/>
         </a:defRPr>
       </a:lvl8pPr>
-      <a:lvl9pPr lvl="8" marR="0" rtl="0" algn="l">
+      <a:lvl9pPr marR="0" lvl="8" algn="l" rtl="0">
         <a:lnSpc>
           <a:spcPct val="100000"/>
         </a:lnSpc>
@@ -5417,7 +6424,7 @@
           <a:srgbClr val="000000"/>
         </a:buClr>
         <a:buFont typeface="Arial"/>
-        <a:defRPr b="0" i="0" sz="1400" u="none" cap="none" strike="noStrike">
+        <a:defRPr sz="1400" b="0" i="0" u="none" strike="noStrike" cap="none">
           <a:solidFill>
             <a:srgbClr val="000000"/>
           </a:solidFill>
@@ -5429,7 +6436,7 @@
       </a:lvl9pPr>
     </p:bodyStyle>
     <p:otherStyle>
-      <a:defPPr lvl="0" marR="0" rtl="0" algn="l">
+      <a:defPPr marR="0" lvl="0" algn="l" rtl="0">
         <a:lnSpc>
           <a:spcPct val="100000"/>
         </a:lnSpc>
@@ -5440,7 +6447,7 @@
           <a:spcPts val="0"/>
         </a:spcAft>
       </a:defPPr>
-      <a:lvl1pPr lvl="0" marR="0" rtl="0" algn="l">
+      <a:lvl1pPr marR="0" lvl="0" algn="l" rtl="0">
         <a:lnSpc>
           <a:spcPct val="100000"/>
         </a:lnSpc>
@@ -5454,7 +6461,7 @@
           <a:srgbClr val="000000"/>
         </a:buClr>
         <a:buFont typeface="Arial"/>
-        <a:defRPr b="0" i="0" sz="1400" u="none" cap="none" strike="noStrike">
+        <a:defRPr sz="1400" b="0" i="0" u="none" strike="noStrike" cap="none">
           <a:solidFill>
             <a:srgbClr val="000000"/>
           </a:solidFill>
@@ -5464,7 +6471,7 @@
           <a:sym typeface="Arial"/>
         </a:defRPr>
       </a:lvl1pPr>
-      <a:lvl2pPr lvl="1" marR="0" rtl="0" algn="l">
+      <a:lvl2pPr marR="0" lvl="1" algn="l" rtl="0">
         <a:lnSpc>
           <a:spcPct val="100000"/>
         </a:lnSpc>
@@ -5478,7 +6485,7 @@
           <a:srgbClr val="000000"/>
         </a:buClr>
         <a:buFont typeface="Arial"/>
-        <a:defRPr b="0" i="0" sz="1400" u="none" cap="none" strike="noStrike">
+        <a:defRPr sz="1400" b="0" i="0" u="none" strike="noStrike" cap="none">
           <a:solidFill>
             <a:srgbClr val="000000"/>
           </a:solidFill>
@@ -5488,7 +6495,7 @@
           <a:sym typeface="Arial"/>
         </a:defRPr>
       </a:lvl2pPr>
-      <a:lvl3pPr lvl="2" marR="0" rtl="0" algn="l">
+      <a:lvl3pPr marR="0" lvl="2" algn="l" rtl="0">
         <a:lnSpc>
           <a:spcPct val="100000"/>
         </a:lnSpc>
@@ -5502,7 +6509,7 @@
           <a:srgbClr val="000000"/>
         </a:buClr>
         <a:buFont typeface="Arial"/>
-        <a:defRPr b="0" i="0" sz="1400" u="none" cap="none" strike="noStrike">
+        <a:defRPr sz="1400" b="0" i="0" u="none" strike="noStrike" cap="none">
           <a:solidFill>
             <a:srgbClr val="000000"/>
           </a:solidFill>
@@ -5512,7 +6519,7 @@
           <a:sym typeface="Arial"/>
         </a:defRPr>
       </a:lvl3pPr>
-      <a:lvl4pPr lvl="3" marR="0" rtl="0" algn="l">
+      <a:lvl4pPr marR="0" lvl="3" algn="l" rtl="0">
         <a:lnSpc>
           <a:spcPct val="100000"/>
         </a:lnSpc>
@@ -5526,7 +6533,7 @@
           <a:srgbClr val="000000"/>
         </a:buClr>
         <a:buFont typeface="Arial"/>
-        <a:defRPr b="0" i="0" sz="1400" u="none" cap="none" strike="noStrike">
+        <a:defRPr sz="1400" b="0" i="0" u="none" strike="noStrike" cap="none">
           <a:solidFill>
             <a:srgbClr val="000000"/>
           </a:solidFill>
@@ -5536,7 +6543,7 @@
           <a:sym typeface="Arial"/>
         </a:defRPr>
       </a:lvl4pPr>
-      <a:lvl5pPr lvl="4" marR="0" rtl="0" algn="l">
+      <a:lvl5pPr marR="0" lvl="4" algn="l" rtl="0">
         <a:lnSpc>
           <a:spcPct val="100000"/>
         </a:lnSpc>
@@ -5550,7 +6557,7 @@
           <a:srgbClr val="000000"/>
         </a:buClr>
         <a:buFont typeface="Arial"/>
-        <a:defRPr b="0" i="0" sz="1400" u="none" cap="none" strike="noStrike">
+        <a:defRPr sz="1400" b="0" i="0" u="none" strike="noStrike" cap="none">
           <a:solidFill>
             <a:srgbClr val="000000"/>
           </a:solidFill>
@@ -5560,7 +6567,7 @@
           <a:sym typeface="Arial"/>
         </a:defRPr>
       </a:lvl5pPr>
-      <a:lvl6pPr lvl="5" marR="0" rtl="0" algn="l">
+      <a:lvl6pPr marR="0" lvl="5" algn="l" rtl="0">
         <a:lnSpc>
           <a:spcPct val="100000"/>
         </a:lnSpc>
@@ -5574,7 +6581,7 @@
           <a:srgbClr val="000000"/>
         </a:buClr>
         <a:buFont typeface="Arial"/>
-        <a:defRPr b="0" i="0" sz="1400" u="none" cap="none" strike="noStrike">
+        <a:defRPr sz="1400" b="0" i="0" u="none" strike="noStrike" cap="none">
           <a:solidFill>
             <a:srgbClr val="000000"/>
           </a:solidFill>
@@ -5584,7 +6591,7 @@
           <a:sym typeface="Arial"/>
         </a:defRPr>
       </a:lvl6pPr>
-      <a:lvl7pPr lvl="6" marR="0" rtl="0" algn="l">
+      <a:lvl7pPr marR="0" lvl="6" algn="l" rtl="0">
         <a:lnSpc>
           <a:spcPct val="100000"/>
         </a:lnSpc>
@@ -5598,7 +6605,7 @@
           <a:srgbClr val="000000"/>
         </a:buClr>
         <a:buFont typeface="Arial"/>
-        <a:defRPr b="0" i="0" sz="1400" u="none" cap="none" strike="noStrike">
+        <a:defRPr sz="1400" b="0" i="0" u="none" strike="noStrike" cap="none">
           <a:solidFill>
             <a:srgbClr val="000000"/>
           </a:solidFill>
@@ -5608,7 +6615,7 @@
           <a:sym typeface="Arial"/>
         </a:defRPr>
       </a:lvl7pPr>
-      <a:lvl8pPr lvl="7" marR="0" rtl="0" algn="l">
+      <a:lvl8pPr marR="0" lvl="7" algn="l" rtl="0">
         <a:lnSpc>
           <a:spcPct val="100000"/>
         </a:lnSpc>
@@ -5622,7 +6629,7 @@
           <a:srgbClr val="000000"/>
         </a:buClr>
         <a:buFont typeface="Arial"/>
-        <a:defRPr b="0" i="0" sz="1400" u="none" cap="none" strike="noStrike">
+        <a:defRPr sz="1400" b="0" i="0" u="none" strike="noStrike" cap="none">
           <a:solidFill>
             <a:srgbClr val="000000"/>
           </a:solidFill>
@@ -5632,7 +6639,7 @@
           <a:sym typeface="Arial"/>
         </a:defRPr>
       </a:lvl8pPr>
-      <a:lvl9pPr lvl="8" marR="0" rtl="0" algn="l">
+      <a:lvl9pPr marR="0" lvl="8" algn="l" rtl="0">
         <a:lnSpc>
           <a:spcPct val="100000"/>
         </a:lnSpc>
@@ -5646,7 +6653,7 @@
           <a:srgbClr val="000000"/>
         </a:buClr>
         <a:buFont typeface="Arial"/>
-        <a:defRPr b="0" i="0" sz="1400" u="none" cap="none" strike="noStrike">
+        <a:defRPr sz="1400" b="0" i="0" u="none" strike="noStrike" cap="none">
           <a:solidFill>
             <a:srgbClr val="000000"/>
           </a:solidFill>
@@ -5662,11 +6669,685 @@
 </file>
 
 <file path=ppt/slides/slide1.xml><?xml version="1.0" encoding="utf-8"?>
-<p:sld xmlns:a="http://schemas.openxmlformats.org/drawingml/2006/main" xmlns:r="http://schemas.openxmlformats.org/officeDocument/2006/relationships" xmlns:mc="http://schemas.openxmlformats.org/markup-compatibility/2006" xmlns:mv="urn:schemas-microsoft-com:mac:vml" xmlns:p="http://schemas.openxmlformats.org/presentationml/2006/main" xmlns:c="http://schemas.openxmlformats.org/drawingml/2006/chart" xmlns:dgm="http://schemas.openxmlformats.org/drawingml/2006/diagram" xmlns:o="urn:schemas-microsoft-com:office:office" xmlns:v="urn:schemas-microsoft-com:vml" xmlns:pvml="urn:schemas-microsoft-com:office:powerpoint" xmlns:com="http://schemas.openxmlformats.org/drawingml/2006/compatibility" xmlns:p14="http://schemas.microsoft.com/office/powerpoint/2010/main" xmlns:p15="http://schemas.microsoft.com/office/powerpoint/2012/main" xmlns:ahyp="http://schemas.microsoft.com/office/drawing/2018/hyperlinkcolor">
+<p:sld xmlns:a="http://schemas.openxmlformats.org/drawingml/2006/main" xmlns:r="http://schemas.openxmlformats.org/officeDocument/2006/relationships" xmlns:p="http://schemas.openxmlformats.org/presentationml/2006/main">
   <p:cSld>
     <p:spTree>
       <p:nvGrpSpPr>
-        <p:cNvPr id="53" name="Shape 53"/>
+        <p:cNvPr id="1" name="Shape 98"/>
+        <p:cNvGrpSpPr/>
+        <p:nvPr/>
+      </p:nvGrpSpPr>
+      <p:grpSpPr>
+        <a:xfrm>
+          <a:off x="0" y="0"/>
+          <a:ext cx="0" cy="0"/>
+          <a:chOff x="0" y="0"/>
+          <a:chExt cx="0" cy="0"/>
+        </a:xfrm>
+      </p:grpSpPr>
+      <p:sp>
+        <p:nvSpPr>
+          <p:cNvPr id="99" name="Google Shape;99;p25"/>
+          <p:cNvSpPr txBox="1">
+            <a:spLocks noGrp="1"/>
+          </p:cNvSpPr>
+          <p:nvPr>
+            <p:ph type="ctrTitle"/>
+          </p:nvPr>
+        </p:nvSpPr>
+        <p:spPr>
+          <a:xfrm>
+            <a:off x="311700" y="1450625"/>
+            <a:ext cx="3736800" cy="2007900"/>
+          </a:xfrm>
+          <a:prstGeom prst="rect">
+            <a:avLst/>
+          </a:prstGeom>
+        </p:spPr>
+        <p:txBody>
+          <a:bodyPr spcFirstLastPara="1" wrap="square" lIns="91425" tIns="91425" rIns="91425" bIns="91425" anchor="b" anchorCtr="0">
+            <a:noAutofit/>
+          </a:bodyPr>
+          <a:lstStyle/>
+          <a:p>
+            <a:pPr marL="0" lvl="0" indent="0" algn="ctr" rtl="0">
+              <a:spcBef>
+                <a:spcPts val="0"/>
+              </a:spcBef>
+              <a:spcAft>
+                <a:spcPts val="0"/>
+              </a:spcAft>
+              <a:buSzPts val="990"/>
+              <a:buNone/>
+            </a:pPr>
+            <a:r>
+              <a:rPr lang="en" sz="3180">
+                <a:latin typeface="Dosis"/>
+                <a:ea typeface="Dosis"/>
+                <a:cs typeface="Dosis"/>
+                <a:sym typeface="Dosis"/>
+              </a:rPr>
+              <a:t>Predict Customer Personality to boost marketing campaign by using Machine Learning</a:t>
+            </a:r>
+            <a:endParaRPr sz="3180">
+              <a:latin typeface="Dosis"/>
+              <a:ea typeface="Dosis"/>
+              <a:cs typeface="Dosis"/>
+              <a:sym typeface="Dosis"/>
+            </a:endParaRPr>
+          </a:p>
+        </p:txBody>
+      </p:sp>
+      <p:sp>
+        <p:nvSpPr>
+          <p:cNvPr id="7" name="Google Shape;100;p25">
+            <a:extLst>
+              <a:ext uri="{FF2B5EF4-FFF2-40B4-BE49-F238E27FC236}">
+                <a16:creationId xmlns:a16="http://schemas.microsoft.com/office/drawing/2014/main" id="{200FABBA-DE99-2045-252E-2F9223667565}"/>
+              </a:ext>
+            </a:extLst>
+          </p:cNvPr>
+          <p:cNvSpPr txBox="1"/>
+          <p:nvPr/>
+        </p:nvSpPr>
+        <p:spPr>
+          <a:xfrm>
+            <a:off x="5959950" y="908900"/>
+            <a:ext cx="2803050" cy="1051518"/>
+          </a:xfrm>
+          <a:prstGeom prst="rect">
+            <a:avLst/>
+          </a:prstGeom>
+          <a:noFill/>
+          <a:ln>
+            <a:noFill/>
+          </a:ln>
+        </p:spPr>
+        <p:txBody>
+          <a:bodyPr spcFirstLastPara="1" wrap="square" lIns="68575" tIns="34275" rIns="68575" bIns="34275" anchor="t" anchorCtr="0">
+            <a:noAutofit/>
+          </a:bodyPr>
+          <a:lstStyle/>
+          <a:p>
+            <a:pPr marL="0" marR="0" lvl="0" indent="0" algn="l" rtl="0">
+              <a:lnSpc>
+                <a:spcPct val="100000"/>
+              </a:lnSpc>
+              <a:spcBef>
+                <a:spcPts val="0"/>
+              </a:spcBef>
+              <a:spcAft>
+                <a:spcPts val="0"/>
+              </a:spcAft>
+              <a:buClr>
+                <a:srgbClr val="000000"/>
+              </a:buClr>
+              <a:buSzPts val="1100"/>
+              <a:buFont typeface="Arial"/>
+              <a:buNone/>
+            </a:pPr>
+            <a:r>
+              <a:rPr lang="en" sz="1200" b="1" dirty="0">
+                <a:latin typeface="Dosis"/>
+                <a:ea typeface="Dosis"/>
+                <a:cs typeface="Dosis"/>
+                <a:sym typeface="Dosis"/>
+              </a:rPr>
+              <a:t>Created by: </a:t>
+            </a:r>
+            <a:endParaRPr sz="1200" b="1" dirty="0">
+              <a:latin typeface="Dosis"/>
+              <a:ea typeface="Dosis"/>
+              <a:cs typeface="Dosis"/>
+              <a:sym typeface="Dosis"/>
+            </a:endParaRPr>
+          </a:p>
+          <a:p>
+            <a:pPr marL="0" marR="0" lvl="0" indent="0" algn="l" rtl="0">
+              <a:lnSpc>
+                <a:spcPct val="100000"/>
+              </a:lnSpc>
+              <a:spcBef>
+                <a:spcPts val="0"/>
+              </a:spcBef>
+              <a:spcAft>
+                <a:spcPts val="0"/>
+              </a:spcAft>
+              <a:buClr>
+                <a:srgbClr val="000000"/>
+              </a:buClr>
+              <a:buSzPts val="1100"/>
+              <a:buFont typeface="Arial"/>
+              <a:buNone/>
+            </a:pPr>
+            <a:r>
+              <a:rPr lang="en-US" sz="1200" b="1" dirty="0">
+                <a:latin typeface="Dosis"/>
+                <a:ea typeface="Dosis"/>
+                <a:cs typeface="Dosis"/>
+                <a:sym typeface="Dosis"/>
+              </a:rPr>
+              <a:t>Muhammad Cikal Merdeka</a:t>
+            </a:r>
+            <a:endParaRPr sz="1200" b="1" i="0" u="none" strike="noStrike" cap="none" dirty="0">
+              <a:solidFill>
+                <a:srgbClr val="000000"/>
+              </a:solidFill>
+              <a:latin typeface="Dosis"/>
+              <a:ea typeface="Dosis"/>
+              <a:cs typeface="Dosis"/>
+              <a:sym typeface="Dosis"/>
+            </a:endParaRPr>
+          </a:p>
+          <a:p>
+            <a:pPr marL="0" marR="0" lvl="0" indent="0" algn="l" rtl="0">
+              <a:lnSpc>
+                <a:spcPct val="100000"/>
+              </a:lnSpc>
+              <a:spcBef>
+                <a:spcPts val="0"/>
+              </a:spcBef>
+              <a:spcAft>
+                <a:spcPts val="0"/>
+              </a:spcAft>
+              <a:buClr>
+                <a:srgbClr val="000000"/>
+              </a:buClr>
+              <a:buSzPts val="1100"/>
+              <a:buFont typeface="Arial"/>
+              <a:buNone/>
+            </a:pPr>
+            <a:r>
+              <a:rPr lang="en-US" sz="1200" b="1" dirty="0">
+                <a:latin typeface="Dosis"/>
+                <a:ea typeface="Dosis"/>
+                <a:cs typeface="Dosis"/>
+                <a:sym typeface="Dosis"/>
+              </a:rPr>
+              <a:t>Email : </a:t>
+            </a:r>
+            <a:r>
+              <a:rPr lang="en-US" sz="1200" b="1" dirty="0">
+                <a:latin typeface="Dosis"/>
+                <a:ea typeface="Dosis"/>
+                <a:cs typeface="Dosis"/>
+                <a:sym typeface="Dosis"/>
+                <a:hlinkClick r:id="rId3"/>
+              </a:rPr>
+              <a:t>mcikalmerdeka@gmail.com</a:t>
+            </a:r>
+            <a:endParaRPr sz="1200" b="1" dirty="0">
+              <a:latin typeface="Dosis"/>
+              <a:ea typeface="Dosis"/>
+              <a:cs typeface="Dosis"/>
+              <a:sym typeface="Dosis"/>
+            </a:endParaRPr>
+          </a:p>
+          <a:p>
+            <a:pPr marL="0" marR="0" lvl="0" indent="0" algn="l" rtl="0">
+              <a:lnSpc>
+                <a:spcPct val="100000"/>
+              </a:lnSpc>
+              <a:spcBef>
+                <a:spcPts val="0"/>
+              </a:spcBef>
+              <a:spcAft>
+                <a:spcPts val="0"/>
+              </a:spcAft>
+              <a:buClr>
+                <a:srgbClr val="000000"/>
+              </a:buClr>
+              <a:buSzPts val="1100"/>
+              <a:buFont typeface="Arial"/>
+              <a:buNone/>
+            </a:pPr>
+            <a:r>
+              <a:rPr lang="en" sz="1200" b="1" dirty="0">
+                <a:latin typeface="Dosis"/>
+                <a:ea typeface="Dosis"/>
+                <a:cs typeface="Dosis"/>
+                <a:sym typeface="Dosis"/>
+              </a:rPr>
+              <a:t>LinkedIn : </a:t>
+            </a:r>
+            <a:r>
+              <a:rPr lang="en-ID" sz="1200" b="1" dirty="0">
+                <a:latin typeface="Dosis"/>
+                <a:ea typeface="Dosis"/>
+                <a:cs typeface="Dosis"/>
+                <a:sym typeface="Dosis"/>
+                <a:hlinkClick r:id="rId4"/>
+              </a:rPr>
+              <a:t>linkedin.com/in/</a:t>
+            </a:r>
+            <a:r>
+              <a:rPr lang="en-ID" sz="1200" b="1" dirty="0" err="1">
+                <a:latin typeface="Dosis"/>
+                <a:ea typeface="Dosis"/>
+                <a:cs typeface="Dosis"/>
+                <a:sym typeface="Dosis"/>
+                <a:hlinkClick r:id="rId4"/>
+              </a:rPr>
+              <a:t>mcikalmerdeka</a:t>
+            </a:r>
+            <a:endParaRPr lang="en" sz="1200" b="1" dirty="0">
+              <a:latin typeface="Dosis"/>
+              <a:ea typeface="Dosis"/>
+              <a:cs typeface="Dosis"/>
+              <a:sym typeface="Dosis"/>
+            </a:endParaRPr>
+          </a:p>
+          <a:p>
+            <a:pPr marL="0" marR="0" lvl="0" indent="0" algn="l" rtl="0">
+              <a:lnSpc>
+                <a:spcPct val="100000"/>
+              </a:lnSpc>
+              <a:spcBef>
+                <a:spcPts val="0"/>
+              </a:spcBef>
+              <a:spcAft>
+                <a:spcPts val="0"/>
+              </a:spcAft>
+              <a:buClr>
+                <a:srgbClr val="000000"/>
+              </a:buClr>
+              <a:buSzPts val="1100"/>
+              <a:buFont typeface="Arial"/>
+              <a:buNone/>
+            </a:pPr>
+            <a:r>
+              <a:rPr lang="en" sz="1200" b="1" dirty="0">
+                <a:latin typeface="Dosis"/>
+                <a:ea typeface="Dosis"/>
+                <a:cs typeface="Dosis"/>
+                <a:sym typeface="Dosis"/>
+              </a:rPr>
+              <a:t>Github : </a:t>
+            </a:r>
+            <a:r>
+              <a:rPr lang="en-ID" sz="1200" b="1" dirty="0">
+                <a:latin typeface="Dosis"/>
+                <a:ea typeface="Dosis"/>
+                <a:cs typeface="Dosis"/>
+                <a:sym typeface="Dosis"/>
+                <a:hlinkClick r:id="rId5"/>
+              </a:rPr>
+              <a:t>github.com/mcikalmerdeka</a:t>
+            </a:r>
+            <a:endParaRPr lang="en" sz="1200" b="1" dirty="0">
+              <a:latin typeface="Dosis"/>
+              <a:ea typeface="Dosis"/>
+              <a:cs typeface="Dosis"/>
+              <a:sym typeface="Dosis"/>
+            </a:endParaRPr>
+          </a:p>
+        </p:txBody>
+      </p:sp>
+      <p:pic>
+        <p:nvPicPr>
+          <p:cNvPr id="8" name="Google Shape;101;p25">
+            <a:extLst>
+              <a:ext uri="{FF2B5EF4-FFF2-40B4-BE49-F238E27FC236}">
+                <a16:creationId xmlns:a16="http://schemas.microsoft.com/office/drawing/2014/main" id="{663FB83B-593C-A70F-E42B-C717298BF312}"/>
+              </a:ext>
+            </a:extLst>
+          </p:cNvPr>
+          <p:cNvPicPr preferRelativeResize="0"/>
+          <p:nvPr/>
+        </p:nvPicPr>
+        <p:blipFill>
+          <a:blip r:embed="rId6"/>
+          <a:srcRect l="8110" r="8110"/>
+          <a:stretch/>
+        </p:blipFill>
+        <p:spPr>
+          <a:xfrm>
+            <a:off x="4665150" y="685600"/>
+            <a:ext cx="1218600" cy="1218600"/>
+          </a:xfrm>
+          <a:prstGeom prst="roundRect">
+            <a:avLst>
+              <a:gd name="adj" fmla="val 50000"/>
+            </a:avLst>
+          </a:prstGeom>
+          <a:noFill/>
+          <a:ln w="9525" cap="flat" cmpd="sng">
+            <a:solidFill>
+              <a:schemeClr val="dk1"/>
+            </a:solidFill>
+            <a:prstDash val="solid"/>
+            <a:round/>
+            <a:headEnd type="none" w="sm" len="sm"/>
+            <a:tailEnd type="none" w="sm" len="sm"/>
+          </a:ln>
+        </p:spPr>
+      </p:pic>
+      <p:sp>
+        <p:nvSpPr>
+          <p:cNvPr id="9" name="Google Shape;102;p25">
+            <a:extLst>
+              <a:ext uri="{FF2B5EF4-FFF2-40B4-BE49-F238E27FC236}">
+                <a16:creationId xmlns:a16="http://schemas.microsoft.com/office/drawing/2014/main" id="{05528FDA-2923-431C-CD88-8744AEEFE361}"/>
+              </a:ext>
+            </a:extLst>
+          </p:cNvPr>
+          <p:cNvSpPr txBox="1">
+            <a:spLocks/>
+          </p:cNvSpPr>
+          <p:nvPr/>
+        </p:nvSpPr>
+        <p:spPr>
+          <a:xfrm>
+            <a:off x="4665150" y="2159900"/>
+            <a:ext cx="4167000" cy="2298000"/>
+          </a:xfrm>
+          <a:prstGeom prst="rect">
+            <a:avLst/>
+          </a:prstGeom>
+          <a:noFill/>
+          <a:ln>
+            <a:noFill/>
+          </a:ln>
+        </p:spPr>
+        <p:txBody>
+          <a:bodyPr spcFirstLastPara="1" wrap="square" lIns="91425" tIns="91425" rIns="91425" bIns="91425" anchor="t" anchorCtr="0">
+            <a:noAutofit/>
+          </a:bodyPr>
+          <a:lstStyle>
+            <a:defPPr marR="0" lvl="0" algn="l" rtl="0">
+              <a:lnSpc>
+                <a:spcPct val="100000"/>
+              </a:lnSpc>
+              <a:spcBef>
+                <a:spcPts val="0"/>
+              </a:spcBef>
+              <a:spcAft>
+                <a:spcPts val="0"/>
+              </a:spcAft>
+            </a:defPPr>
+            <a:lvl1pPr marL="457200" marR="0" lvl="0" indent="-342900" algn="ctr" rtl="0">
+              <a:lnSpc>
+                <a:spcPct val="100000"/>
+              </a:lnSpc>
+              <a:spcBef>
+                <a:spcPts val="0"/>
+              </a:spcBef>
+              <a:spcAft>
+                <a:spcPts val="0"/>
+              </a:spcAft>
+              <a:buClr>
+                <a:schemeClr val="dk1"/>
+              </a:buClr>
+              <a:buSzPts val="1200"/>
+              <a:buFont typeface="Arial"/>
+              <a:buNone/>
+              <a:defRPr sz="1200" b="0" i="0" u="none" strike="noStrike" cap="none">
+                <a:solidFill>
+                  <a:schemeClr val="dk1"/>
+                </a:solidFill>
+                <a:latin typeface="Arial"/>
+                <a:ea typeface="Arial"/>
+                <a:cs typeface="Arial"/>
+                <a:sym typeface="Arial"/>
+              </a:defRPr>
+            </a:lvl1pPr>
+            <a:lvl2pPr marL="914400" marR="0" lvl="1" indent="-317500" algn="ctr" rtl="0">
+              <a:lnSpc>
+                <a:spcPct val="100000"/>
+              </a:lnSpc>
+              <a:spcBef>
+                <a:spcPts val="0"/>
+              </a:spcBef>
+              <a:spcAft>
+                <a:spcPts val="0"/>
+              </a:spcAft>
+              <a:buClr>
+                <a:schemeClr val="dk1"/>
+              </a:buClr>
+              <a:buSzPts val="1200"/>
+              <a:buFont typeface="Arial"/>
+              <a:buNone/>
+              <a:defRPr sz="1200" b="0" i="0" u="none" strike="noStrike" cap="none">
+                <a:solidFill>
+                  <a:schemeClr val="dk1"/>
+                </a:solidFill>
+                <a:latin typeface="Arial"/>
+                <a:ea typeface="Arial"/>
+                <a:cs typeface="Arial"/>
+                <a:sym typeface="Arial"/>
+              </a:defRPr>
+            </a:lvl2pPr>
+            <a:lvl3pPr marL="1371600" marR="0" lvl="2" indent="-317500" algn="ctr" rtl="0">
+              <a:lnSpc>
+                <a:spcPct val="100000"/>
+              </a:lnSpc>
+              <a:spcBef>
+                <a:spcPts val="0"/>
+              </a:spcBef>
+              <a:spcAft>
+                <a:spcPts val="0"/>
+              </a:spcAft>
+              <a:buClr>
+                <a:schemeClr val="dk1"/>
+              </a:buClr>
+              <a:buSzPts val="1200"/>
+              <a:buFont typeface="Arial"/>
+              <a:buNone/>
+              <a:defRPr sz="1200" b="0" i="0" u="none" strike="noStrike" cap="none">
+                <a:solidFill>
+                  <a:schemeClr val="dk1"/>
+                </a:solidFill>
+                <a:latin typeface="Arial"/>
+                <a:ea typeface="Arial"/>
+                <a:cs typeface="Arial"/>
+                <a:sym typeface="Arial"/>
+              </a:defRPr>
+            </a:lvl3pPr>
+            <a:lvl4pPr marL="1828800" marR="0" lvl="3" indent="-317500" algn="ctr" rtl="0">
+              <a:lnSpc>
+                <a:spcPct val="100000"/>
+              </a:lnSpc>
+              <a:spcBef>
+                <a:spcPts val="0"/>
+              </a:spcBef>
+              <a:spcAft>
+                <a:spcPts val="0"/>
+              </a:spcAft>
+              <a:buClr>
+                <a:schemeClr val="dk1"/>
+              </a:buClr>
+              <a:buSzPts val="1200"/>
+              <a:buFont typeface="Arial"/>
+              <a:buNone/>
+              <a:defRPr sz="1200" b="0" i="0" u="none" strike="noStrike" cap="none">
+                <a:solidFill>
+                  <a:schemeClr val="dk1"/>
+                </a:solidFill>
+                <a:latin typeface="Arial"/>
+                <a:ea typeface="Arial"/>
+                <a:cs typeface="Arial"/>
+                <a:sym typeface="Arial"/>
+              </a:defRPr>
+            </a:lvl4pPr>
+            <a:lvl5pPr marL="2286000" marR="0" lvl="4" indent="-317500" algn="ctr" rtl="0">
+              <a:lnSpc>
+                <a:spcPct val="100000"/>
+              </a:lnSpc>
+              <a:spcBef>
+                <a:spcPts val="0"/>
+              </a:spcBef>
+              <a:spcAft>
+                <a:spcPts val="0"/>
+              </a:spcAft>
+              <a:buClr>
+                <a:schemeClr val="dk1"/>
+              </a:buClr>
+              <a:buSzPts val="1200"/>
+              <a:buFont typeface="Arial"/>
+              <a:buNone/>
+              <a:defRPr sz="1200" b="0" i="0" u="none" strike="noStrike" cap="none">
+                <a:solidFill>
+                  <a:schemeClr val="dk1"/>
+                </a:solidFill>
+                <a:latin typeface="Arial"/>
+                <a:ea typeface="Arial"/>
+                <a:cs typeface="Arial"/>
+                <a:sym typeface="Arial"/>
+              </a:defRPr>
+            </a:lvl5pPr>
+            <a:lvl6pPr marL="2743200" marR="0" lvl="5" indent="-317500" algn="ctr" rtl="0">
+              <a:lnSpc>
+                <a:spcPct val="100000"/>
+              </a:lnSpc>
+              <a:spcBef>
+                <a:spcPts val="0"/>
+              </a:spcBef>
+              <a:spcAft>
+                <a:spcPts val="0"/>
+              </a:spcAft>
+              <a:buClr>
+                <a:schemeClr val="dk1"/>
+              </a:buClr>
+              <a:buSzPts val="1200"/>
+              <a:buFont typeface="Arial"/>
+              <a:buNone/>
+              <a:defRPr sz="1200" b="0" i="0" u="none" strike="noStrike" cap="none">
+                <a:solidFill>
+                  <a:schemeClr val="dk1"/>
+                </a:solidFill>
+                <a:latin typeface="Arial"/>
+                <a:ea typeface="Arial"/>
+                <a:cs typeface="Arial"/>
+                <a:sym typeface="Arial"/>
+              </a:defRPr>
+            </a:lvl6pPr>
+            <a:lvl7pPr marL="3200400" marR="0" lvl="6" indent="-317500" algn="ctr" rtl="0">
+              <a:lnSpc>
+                <a:spcPct val="100000"/>
+              </a:lnSpc>
+              <a:spcBef>
+                <a:spcPts val="0"/>
+              </a:spcBef>
+              <a:spcAft>
+                <a:spcPts val="0"/>
+              </a:spcAft>
+              <a:buClr>
+                <a:schemeClr val="dk1"/>
+              </a:buClr>
+              <a:buSzPts val="1200"/>
+              <a:buFont typeface="Arial"/>
+              <a:buNone/>
+              <a:defRPr sz="1200" b="0" i="0" u="none" strike="noStrike" cap="none">
+                <a:solidFill>
+                  <a:schemeClr val="dk1"/>
+                </a:solidFill>
+                <a:latin typeface="Arial"/>
+                <a:ea typeface="Arial"/>
+                <a:cs typeface="Arial"/>
+                <a:sym typeface="Arial"/>
+              </a:defRPr>
+            </a:lvl7pPr>
+            <a:lvl8pPr marL="3657600" marR="0" lvl="7" indent="-317500" algn="ctr" rtl="0">
+              <a:lnSpc>
+                <a:spcPct val="100000"/>
+              </a:lnSpc>
+              <a:spcBef>
+                <a:spcPts val="0"/>
+              </a:spcBef>
+              <a:spcAft>
+                <a:spcPts val="0"/>
+              </a:spcAft>
+              <a:buClr>
+                <a:schemeClr val="dk1"/>
+              </a:buClr>
+              <a:buSzPts val="1200"/>
+              <a:buFont typeface="Arial"/>
+              <a:buNone/>
+              <a:defRPr sz="1200" b="0" i="0" u="none" strike="noStrike" cap="none">
+                <a:solidFill>
+                  <a:schemeClr val="dk1"/>
+                </a:solidFill>
+                <a:latin typeface="Arial"/>
+                <a:ea typeface="Arial"/>
+                <a:cs typeface="Arial"/>
+                <a:sym typeface="Arial"/>
+              </a:defRPr>
+            </a:lvl8pPr>
+            <a:lvl9pPr marL="4114800" marR="0" lvl="8" indent="-317500" algn="ctr" rtl="0">
+              <a:lnSpc>
+                <a:spcPct val="100000"/>
+              </a:lnSpc>
+              <a:spcBef>
+                <a:spcPts val="0"/>
+              </a:spcBef>
+              <a:spcAft>
+                <a:spcPts val="0"/>
+              </a:spcAft>
+              <a:buClr>
+                <a:schemeClr val="dk1"/>
+              </a:buClr>
+              <a:buSzPts val="1200"/>
+              <a:buFont typeface="Arial"/>
+              <a:buNone/>
+              <a:defRPr sz="1200" b="0" i="0" u="none" strike="noStrike" cap="none">
+                <a:solidFill>
+                  <a:schemeClr val="dk1"/>
+                </a:solidFill>
+                <a:latin typeface="Arial"/>
+                <a:ea typeface="Arial"/>
+                <a:cs typeface="Arial"/>
+                <a:sym typeface="Arial"/>
+              </a:defRPr>
+            </a:lvl9pPr>
+          </a:lstStyle>
+          <a:p>
+            <a:pPr marL="0" indent="0" algn="just">
+              <a:lnSpc>
+                <a:spcPct val="95000"/>
+              </a:lnSpc>
+              <a:spcAft>
+                <a:spcPts val="1200"/>
+              </a:spcAft>
+              <a:buSzPts val="1018"/>
+            </a:pPr>
+            <a:r>
+              <a:rPr lang="en-US" sz="1400" dirty="0">
+                <a:latin typeface="Dosis" pitchFamily="2" charset="0"/>
+              </a:rPr>
+              <a:t>Dedicated entry-level data scientist with analytical and experimental background of Physics. My graduation 2023, a pivotal year marked by significant advancements in artificial intelligence with the introduction of GPT-4 and other generative AI models, has fueled my curiosity and excitement to delve into the field of data. I have comprehensive grasp of data science methodology from business understanding to modelling process with proficiency in </a:t>
+            </a:r>
+            <a:r>
+              <a:rPr lang="en-US" sz="1400" b="1" dirty="0">
+                <a:latin typeface="Dosis" pitchFamily="2" charset="0"/>
+              </a:rPr>
+              <a:t>Python, SQL, Tableau, Power BI, Looker Studio and other tools</a:t>
+            </a:r>
+            <a:r>
+              <a:rPr lang="en-US" sz="1400" dirty="0">
+                <a:latin typeface="Dosis" pitchFamily="2" charset="0"/>
+              </a:rPr>
+              <a:t> related to data analytics workflow from several coursework and bootcamps. </a:t>
+            </a:r>
+            <a:endParaRPr lang="en-ID" sz="1400" dirty="0">
+              <a:latin typeface="Dosis" pitchFamily="2" charset="0"/>
+            </a:endParaRPr>
+          </a:p>
+        </p:txBody>
+      </p:sp>
+    </p:spTree>
+  </p:cSld>
+  <p:clrMapOvr>
+    <a:masterClrMapping/>
+  </p:clrMapOvr>
+</p:sld>
+</file>
+
+<file path=ppt/slides/slide2.xml><?xml version="1.0" encoding="utf-8"?>
+<p:sld xmlns:a="http://schemas.openxmlformats.org/drawingml/2006/main" xmlns:r="http://schemas.openxmlformats.org/officeDocument/2006/relationships" xmlns:p="http://schemas.openxmlformats.org/presentationml/2006/main">
+  <p:cSld>
+    <p:spTree>
+      <p:nvGrpSpPr>
+        <p:cNvPr id="1" name="Shape 53"/>
         <p:cNvGrpSpPr/>
         <p:nvPr/>
       </p:nvGrpSpPr>
@@ -5681,7 +7362,9 @@
       <p:sp>
         <p:nvSpPr>
           <p:cNvPr id="54" name="Google Shape;54;p13"/>
-          <p:cNvSpPr txBox="1"/>
+          <p:cNvSpPr txBox="1">
+            <a:spLocks noGrp="1"/>
+          </p:cNvSpPr>
           <p:nvPr>
             <p:ph type="title"/>
           </p:nvPr>
@@ -5696,12 +7379,12 @@
           </a:prstGeom>
         </p:spPr>
         <p:txBody>
-          <a:bodyPr anchorCtr="0" anchor="t" bIns="91425" lIns="91425" spcFirstLastPara="1" rIns="91425" wrap="square" tIns="91425">
+          <a:bodyPr spcFirstLastPara="1" wrap="square" lIns="91425" tIns="91425" rIns="91425" bIns="91425" anchor="t" anchorCtr="0">
             <a:noAutofit/>
           </a:bodyPr>
           <a:lstStyle/>
           <a:p>
-            <a:pPr indent="0" lvl="0" marL="0" rtl="0" algn="ctr">
+            <a:pPr marL="0" lvl="0" indent="0" algn="ctr" rtl="0">
               <a:spcBef>
                 <a:spcPts val="0"/>
               </a:spcBef>
@@ -5712,7 +7395,7 @@
               <a:buNone/>
             </a:pPr>
             <a:r>
-              <a:rPr b="1" lang="en" sz="1798">
+              <a:rPr lang="en" sz="1798" b="1">
                 <a:latin typeface="Roboto"/>
                 <a:ea typeface="Roboto"/>
                 <a:cs typeface="Roboto"/>
@@ -5734,98 +7417,22 @@
       </p:sp>
       <p:sp>
         <p:nvSpPr>
-          <p:cNvPr id="55" name="Google Shape;55;p13"/>
-          <p:cNvSpPr txBox="1"/>
-          <p:nvPr>
-            <p:ph idx="1" type="body"/>
-          </p:nvPr>
-        </p:nvSpPr>
-        <p:spPr>
-          <a:xfrm>
-            <a:off x="311700" y="823775"/>
-            <a:ext cx="8520600" cy="4098600"/>
-          </a:xfrm>
-          <a:prstGeom prst="rect">
-            <a:avLst/>
-          </a:prstGeom>
-        </p:spPr>
-        <p:txBody>
-          <a:bodyPr anchorCtr="0" anchor="t" bIns="91425" lIns="91425" spcFirstLastPara="1" rIns="91425" wrap="square" tIns="91425">
-            <a:normAutofit/>
-          </a:bodyPr>
-          <a:lstStyle/>
-          <a:p>
-            <a:pPr indent="-323850" lvl="0" marL="457200" rtl="0" algn="l">
-              <a:spcBef>
-                <a:spcPts val="0"/>
-              </a:spcBef>
-              <a:spcAft>
-                <a:spcPts val="0"/>
-              </a:spcAft>
-              <a:buClr>
-                <a:schemeClr val="dk1"/>
-              </a:buClr>
-              <a:buSzPts val="1500"/>
-              <a:buChar char="●"/>
-            </a:pPr>
-            <a:r>
-              <a:rPr lang="en" sz="1500">
-                <a:solidFill>
-                  <a:schemeClr val="dk1"/>
-                </a:solidFill>
-              </a:rPr>
-              <a:t>Tunjukan visualisasi analisis dari EDA dengan menggunakan </a:t>
-            </a:r>
-            <a:r>
-              <a:rPr b="1" i="1" lang="en" sz="1500">
-                <a:solidFill>
-                  <a:schemeClr val="dk1"/>
-                </a:solidFill>
-              </a:rPr>
-              <a:t>hasil</a:t>
-            </a:r>
-            <a:r>
-              <a:rPr lang="en" sz="1500">
-                <a:solidFill>
-                  <a:schemeClr val="dk1"/>
-                </a:solidFill>
-              </a:rPr>
-              <a:t> </a:t>
-            </a:r>
-            <a:r>
-              <a:rPr b="1" i="1" lang="en" sz="1500">
-                <a:solidFill>
-                  <a:schemeClr val="dk1"/>
-                </a:solidFill>
-              </a:rPr>
-              <a:t>cluster</a:t>
-            </a:r>
-            <a:r>
-              <a:rPr lang="en" sz="1500">
-                <a:solidFill>
-                  <a:schemeClr val="dk1"/>
-                </a:solidFill>
-              </a:rPr>
-              <a:t> yang sudah didapat. Buatlah rekomendasi bisnis yang dapat dilakukan dari analisis tersebut.</a:t>
-            </a:r>
-            <a:endParaRPr sz="1500">
-              <a:solidFill>
-                <a:schemeClr val="dk1"/>
-              </a:solidFill>
-            </a:endParaRPr>
-          </a:p>
-        </p:txBody>
-      </p:sp>
-      <p:sp>
-        <p:nvSpPr>
-          <p:cNvPr id="56" name="Google Shape;56;p13"/>
-          <p:cNvSpPr txBox="1"/>
+          <p:cNvPr id="6" name="Google Shape;55;p13">
+            <a:extLst>
+              <a:ext uri="{FF2B5EF4-FFF2-40B4-BE49-F238E27FC236}">
+                <a16:creationId xmlns:a16="http://schemas.microsoft.com/office/drawing/2014/main" id="{4ABF5694-D66F-0379-3F41-1C38ADA7AEB9}"/>
+              </a:ext>
+            </a:extLst>
+          </p:cNvPr>
+          <p:cNvSpPr txBox="1">
+            <a:spLocks/>
+          </p:cNvSpPr>
           <p:nvPr/>
         </p:nvSpPr>
         <p:spPr>
           <a:xfrm>
-            <a:off x="4656000" y="4772700"/>
-            <a:ext cx="4488000" cy="354000"/>
+            <a:off x="177315" y="603429"/>
+            <a:ext cx="8779649" cy="442590"/>
           </a:xfrm>
           <a:prstGeom prst="rect">
             <a:avLst/>
@@ -5836,12 +7443,416 @@
           </a:ln>
         </p:spPr>
         <p:txBody>
-          <a:bodyPr anchorCtr="0" anchor="t" bIns="91425" lIns="91425" spcFirstLastPara="1" rIns="91425" wrap="square" tIns="91425">
+          <a:bodyPr spcFirstLastPara="1" wrap="square" lIns="91425" tIns="91425" rIns="91425" bIns="91425" anchor="t" anchorCtr="0">
+            <a:noAutofit/>
+          </a:bodyPr>
+          <a:lstStyle>
+            <a:defPPr marR="0" lvl="0" algn="l" rtl="0">
+              <a:lnSpc>
+                <a:spcPct val="100000"/>
+              </a:lnSpc>
+              <a:spcBef>
+                <a:spcPts val="0"/>
+              </a:spcBef>
+              <a:spcAft>
+                <a:spcPts val="0"/>
+              </a:spcAft>
+            </a:defPPr>
+            <a:lvl1pPr marL="457200" marR="0" lvl="0" indent="-342900" algn="l" rtl="0">
+              <a:lnSpc>
+                <a:spcPct val="115000"/>
+              </a:lnSpc>
+              <a:spcBef>
+                <a:spcPts val="0"/>
+              </a:spcBef>
+              <a:spcAft>
+                <a:spcPts val="0"/>
+              </a:spcAft>
+              <a:buClr>
+                <a:schemeClr val="dk2"/>
+              </a:buClr>
+              <a:buSzPts val="1800"/>
+              <a:buFont typeface="Arial"/>
+              <a:buChar char="●"/>
+              <a:defRPr sz="1800" b="0" i="0" u="none" strike="noStrike" cap="none">
+                <a:solidFill>
+                  <a:schemeClr val="dk2"/>
+                </a:solidFill>
+                <a:latin typeface="Arial"/>
+                <a:ea typeface="Arial"/>
+                <a:cs typeface="Arial"/>
+                <a:sym typeface="Arial"/>
+              </a:defRPr>
+            </a:lvl1pPr>
+            <a:lvl2pPr marL="914400" marR="0" lvl="1" indent="-317500" algn="l" rtl="0">
+              <a:lnSpc>
+                <a:spcPct val="115000"/>
+              </a:lnSpc>
+              <a:spcBef>
+                <a:spcPts val="0"/>
+              </a:spcBef>
+              <a:spcAft>
+                <a:spcPts val="0"/>
+              </a:spcAft>
+              <a:buClr>
+                <a:schemeClr val="dk2"/>
+              </a:buClr>
+              <a:buSzPts val="1400"/>
+              <a:buFont typeface="Arial"/>
+              <a:buChar char="○"/>
+              <a:defRPr sz="1400" b="0" i="0" u="none" strike="noStrike" cap="none">
+                <a:solidFill>
+                  <a:schemeClr val="dk2"/>
+                </a:solidFill>
+                <a:latin typeface="Arial"/>
+                <a:ea typeface="Arial"/>
+                <a:cs typeface="Arial"/>
+                <a:sym typeface="Arial"/>
+              </a:defRPr>
+            </a:lvl2pPr>
+            <a:lvl3pPr marL="1371600" marR="0" lvl="2" indent="-317500" algn="l" rtl="0">
+              <a:lnSpc>
+                <a:spcPct val="115000"/>
+              </a:lnSpc>
+              <a:spcBef>
+                <a:spcPts val="0"/>
+              </a:spcBef>
+              <a:spcAft>
+                <a:spcPts val="0"/>
+              </a:spcAft>
+              <a:buClr>
+                <a:schemeClr val="dk2"/>
+              </a:buClr>
+              <a:buSzPts val="1400"/>
+              <a:buFont typeface="Arial"/>
+              <a:buChar char="■"/>
+              <a:defRPr sz="1400" b="0" i="0" u="none" strike="noStrike" cap="none">
+                <a:solidFill>
+                  <a:schemeClr val="dk2"/>
+                </a:solidFill>
+                <a:latin typeface="Arial"/>
+                <a:ea typeface="Arial"/>
+                <a:cs typeface="Arial"/>
+                <a:sym typeface="Arial"/>
+              </a:defRPr>
+            </a:lvl3pPr>
+            <a:lvl4pPr marL="1828800" marR="0" lvl="3" indent="-317500" algn="l" rtl="0">
+              <a:lnSpc>
+                <a:spcPct val="115000"/>
+              </a:lnSpc>
+              <a:spcBef>
+                <a:spcPts val="0"/>
+              </a:spcBef>
+              <a:spcAft>
+                <a:spcPts val="0"/>
+              </a:spcAft>
+              <a:buClr>
+                <a:schemeClr val="dk2"/>
+              </a:buClr>
+              <a:buSzPts val="1400"/>
+              <a:buFont typeface="Arial"/>
+              <a:buChar char="●"/>
+              <a:defRPr sz="1400" b="0" i="0" u="none" strike="noStrike" cap="none">
+                <a:solidFill>
+                  <a:schemeClr val="dk2"/>
+                </a:solidFill>
+                <a:latin typeface="Arial"/>
+                <a:ea typeface="Arial"/>
+                <a:cs typeface="Arial"/>
+                <a:sym typeface="Arial"/>
+              </a:defRPr>
+            </a:lvl4pPr>
+            <a:lvl5pPr marL="2286000" marR="0" lvl="4" indent="-317500" algn="l" rtl="0">
+              <a:lnSpc>
+                <a:spcPct val="115000"/>
+              </a:lnSpc>
+              <a:spcBef>
+                <a:spcPts val="0"/>
+              </a:spcBef>
+              <a:spcAft>
+                <a:spcPts val="0"/>
+              </a:spcAft>
+              <a:buClr>
+                <a:schemeClr val="dk2"/>
+              </a:buClr>
+              <a:buSzPts val="1400"/>
+              <a:buFont typeface="Arial"/>
+              <a:buChar char="○"/>
+              <a:defRPr sz="1400" b="0" i="0" u="none" strike="noStrike" cap="none">
+                <a:solidFill>
+                  <a:schemeClr val="dk2"/>
+                </a:solidFill>
+                <a:latin typeface="Arial"/>
+                <a:ea typeface="Arial"/>
+                <a:cs typeface="Arial"/>
+                <a:sym typeface="Arial"/>
+              </a:defRPr>
+            </a:lvl5pPr>
+            <a:lvl6pPr marL="2743200" marR="0" lvl="5" indent="-317500" algn="l" rtl="0">
+              <a:lnSpc>
+                <a:spcPct val="115000"/>
+              </a:lnSpc>
+              <a:spcBef>
+                <a:spcPts val="0"/>
+              </a:spcBef>
+              <a:spcAft>
+                <a:spcPts val="0"/>
+              </a:spcAft>
+              <a:buClr>
+                <a:schemeClr val="dk2"/>
+              </a:buClr>
+              <a:buSzPts val="1400"/>
+              <a:buFont typeface="Arial"/>
+              <a:buChar char="■"/>
+              <a:defRPr sz="1400" b="0" i="0" u="none" strike="noStrike" cap="none">
+                <a:solidFill>
+                  <a:schemeClr val="dk2"/>
+                </a:solidFill>
+                <a:latin typeface="Arial"/>
+                <a:ea typeface="Arial"/>
+                <a:cs typeface="Arial"/>
+                <a:sym typeface="Arial"/>
+              </a:defRPr>
+            </a:lvl6pPr>
+            <a:lvl7pPr marL="3200400" marR="0" lvl="6" indent="-317500" algn="l" rtl="0">
+              <a:lnSpc>
+                <a:spcPct val="115000"/>
+              </a:lnSpc>
+              <a:spcBef>
+                <a:spcPts val="0"/>
+              </a:spcBef>
+              <a:spcAft>
+                <a:spcPts val="0"/>
+              </a:spcAft>
+              <a:buClr>
+                <a:schemeClr val="dk2"/>
+              </a:buClr>
+              <a:buSzPts val="1400"/>
+              <a:buFont typeface="Arial"/>
+              <a:buChar char="●"/>
+              <a:defRPr sz="1400" b="0" i="0" u="none" strike="noStrike" cap="none">
+                <a:solidFill>
+                  <a:schemeClr val="dk2"/>
+                </a:solidFill>
+                <a:latin typeface="Arial"/>
+                <a:ea typeface="Arial"/>
+                <a:cs typeface="Arial"/>
+                <a:sym typeface="Arial"/>
+              </a:defRPr>
+            </a:lvl7pPr>
+            <a:lvl8pPr marL="3657600" marR="0" lvl="7" indent="-317500" algn="l" rtl="0">
+              <a:lnSpc>
+                <a:spcPct val="115000"/>
+              </a:lnSpc>
+              <a:spcBef>
+                <a:spcPts val="0"/>
+              </a:spcBef>
+              <a:spcAft>
+                <a:spcPts val="0"/>
+              </a:spcAft>
+              <a:buClr>
+                <a:schemeClr val="dk2"/>
+              </a:buClr>
+              <a:buSzPts val="1400"/>
+              <a:buFont typeface="Arial"/>
+              <a:buChar char="○"/>
+              <a:defRPr sz="1400" b="0" i="0" u="none" strike="noStrike" cap="none">
+                <a:solidFill>
+                  <a:schemeClr val="dk2"/>
+                </a:solidFill>
+                <a:latin typeface="Arial"/>
+                <a:ea typeface="Arial"/>
+                <a:cs typeface="Arial"/>
+                <a:sym typeface="Arial"/>
+              </a:defRPr>
+            </a:lvl8pPr>
+            <a:lvl9pPr marL="4114800" marR="0" lvl="8" indent="-317500" algn="l" rtl="0">
+              <a:lnSpc>
+                <a:spcPct val="115000"/>
+              </a:lnSpc>
+              <a:spcBef>
+                <a:spcPts val="0"/>
+              </a:spcBef>
+              <a:spcAft>
+                <a:spcPts val="0"/>
+              </a:spcAft>
+              <a:buClr>
+                <a:schemeClr val="dk2"/>
+              </a:buClr>
+              <a:buSzPts val="1400"/>
+              <a:buFont typeface="Arial"/>
+              <a:buChar char="■"/>
+              <a:defRPr sz="1400" b="0" i="0" u="none" strike="noStrike" cap="none">
+                <a:solidFill>
+                  <a:schemeClr val="dk2"/>
+                </a:solidFill>
+                <a:latin typeface="Arial"/>
+                <a:ea typeface="Arial"/>
+                <a:cs typeface="Arial"/>
+                <a:sym typeface="Arial"/>
+              </a:defRPr>
+            </a:lvl9pPr>
+          </a:lstStyle>
+          <a:p>
+            <a:pPr marL="114300" indent="0">
+              <a:buNone/>
+            </a:pPr>
+            <a:r>
+              <a:rPr lang="en-US" sz="1400" b="1" dirty="0">
+                <a:solidFill>
+                  <a:schemeClr val="dk1"/>
+                </a:solidFill>
+              </a:rPr>
+              <a:t>Number of Customers in Each Cluster</a:t>
+            </a:r>
+          </a:p>
+        </p:txBody>
+      </p:sp>
+      <p:sp>
+        <p:nvSpPr>
+          <p:cNvPr id="7" name="TextBox 6">
+            <a:extLst>
+              <a:ext uri="{FF2B5EF4-FFF2-40B4-BE49-F238E27FC236}">
+                <a16:creationId xmlns:a16="http://schemas.microsoft.com/office/drawing/2014/main" id="{8B26CE68-E833-EC0A-E365-72001C50BE4E}"/>
+              </a:ext>
+            </a:extLst>
+          </p:cNvPr>
+          <p:cNvSpPr txBox="1"/>
+          <p:nvPr/>
+        </p:nvSpPr>
+        <p:spPr>
+          <a:xfrm>
+            <a:off x="4475123" y="1506426"/>
+            <a:ext cx="4361717" cy="2677656"/>
+          </a:xfrm>
+          <a:prstGeom prst="rect">
+            <a:avLst/>
+          </a:prstGeom>
+          <a:noFill/>
+        </p:spPr>
+        <p:txBody>
+          <a:bodyPr wrap="square" rtlCol="0">
             <a:spAutoFit/>
           </a:bodyPr>
           <a:lstStyle/>
           <a:p>
-            <a:pPr indent="0" lvl="0" marL="0" rtl="0" algn="r">
+            <a:pPr marL="285750" indent="-285750">
+              <a:buFont typeface="Arial" panose="020B0604020202020204" pitchFamily="34" charset="0"/>
+              <a:buChar char="•"/>
+            </a:pPr>
+            <a:r>
+              <a:rPr lang="en-US" dirty="0">
+                <a:latin typeface="Dosis" pitchFamily="2" charset="0"/>
+              </a:rPr>
+              <a:t>The low-spender group in our business has the highest number of customers which is around 35.25%.</a:t>
+            </a:r>
+          </a:p>
+          <a:p>
+            <a:pPr marL="285750" indent="-285750">
+              <a:buFont typeface="Arial" panose="020B0604020202020204" pitchFamily="34" charset="0"/>
+              <a:buChar char="•"/>
+            </a:pPr>
+            <a:endParaRPr lang="en-US" dirty="0">
+              <a:latin typeface="Dosis" pitchFamily="2" charset="0"/>
+            </a:endParaRPr>
+          </a:p>
+          <a:p>
+            <a:pPr marL="285750" indent="-285750">
+              <a:buFont typeface="Arial" panose="020B0604020202020204" pitchFamily="34" charset="0"/>
+              <a:buChar char="•"/>
+            </a:pPr>
+            <a:r>
+              <a:rPr lang="en-US" dirty="0">
+                <a:latin typeface="Dosis" pitchFamily="2" charset="0"/>
+              </a:rPr>
+              <a:t>The high-spender group constitutes only around 13.7% of the customer base, so it's important for the company to focus on maximizing the value derived from this segment.</a:t>
+            </a:r>
+          </a:p>
+          <a:p>
+            <a:pPr marL="285750" indent="-285750">
+              <a:buFont typeface="Arial" panose="020B0604020202020204" pitchFamily="34" charset="0"/>
+              <a:buChar char="•"/>
+            </a:pPr>
+            <a:endParaRPr lang="en-US" dirty="0">
+              <a:latin typeface="Dosis" pitchFamily="2" charset="0"/>
+            </a:endParaRPr>
+          </a:p>
+          <a:p>
+            <a:pPr marL="285750" indent="-285750">
+              <a:buFont typeface="Arial" panose="020B0604020202020204" pitchFamily="34" charset="0"/>
+              <a:buChar char="•"/>
+            </a:pPr>
+            <a:r>
+              <a:rPr lang="en-US" dirty="0">
+                <a:latin typeface="Dosis" pitchFamily="2" charset="0"/>
+              </a:rPr>
+              <a:t>The moderate spender groups have similar numbers to each other, with the group with low activity having slightly more. However, considering the significant number of visits for both of these groups, the company can develop suitable marketing strategies.</a:t>
+            </a:r>
+          </a:p>
+        </p:txBody>
+      </p:sp>
+      <p:pic>
+        <p:nvPicPr>
+          <p:cNvPr id="11" name="Picture 10">
+            <a:extLst>
+              <a:ext uri="{FF2B5EF4-FFF2-40B4-BE49-F238E27FC236}">
+                <a16:creationId xmlns:a16="http://schemas.microsoft.com/office/drawing/2014/main" id="{3F2072A0-7ABE-067B-70EE-9935E4E5EEFF}"/>
+              </a:ext>
+            </a:extLst>
+          </p:cNvPr>
+          <p:cNvPicPr>
+            <a:picLocks noChangeAspect="1"/>
+          </p:cNvPicPr>
+          <p:nvPr/>
+        </p:nvPicPr>
+        <p:blipFill>
+          <a:blip r:embed="rId3"/>
+          <a:stretch>
+            <a:fillRect/>
+          </a:stretch>
+        </p:blipFill>
+        <p:spPr>
+          <a:xfrm>
+            <a:off x="244815" y="1395685"/>
+            <a:ext cx="4080268" cy="2899138"/>
+          </a:xfrm>
+          <a:prstGeom prst="rect">
+            <a:avLst/>
+          </a:prstGeom>
+        </p:spPr>
+      </p:pic>
+      <p:sp>
+        <p:nvSpPr>
+          <p:cNvPr id="12" name="Google Shape;115;p27">
+            <a:extLst>
+              <a:ext uri="{FF2B5EF4-FFF2-40B4-BE49-F238E27FC236}">
+                <a16:creationId xmlns:a16="http://schemas.microsoft.com/office/drawing/2014/main" id="{07695CC7-425A-85EE-6460-B7A63C20AE88}"/>
+              </a:ext>
+            </a:extLst>
+          </p:cNvPr>
+          <p:cNvSpPr txBox="1"/>
+          <p:nvPr/>
+        </p:nvSpPr>
+        <p:spPr>
+          <a:xfrm>
+            <a:off x="4656000" y="4772700"/>
+            <a:ext cx="4488000" cy="353913"/>
+          </a:xfrm>
+          <a:prstGeom prst="rect">
+            <a:avLst/>
+          </a:prstGeom>
+          <a:noFill/>
+          <a:ln>
+            <a:noFill/>
+          </a:ln>
+        </p:spPr>
+        <p:txBody>
+          <a:bodyPr spcFirstLastPara="1" wrap="square" lIns="91425" tIns="91425" rIns="91425" bIns="91425" anchor="t" anchorCtr="0">
+            <a:spAutoFit/>
+          </a:bodyPr>
+          <a:lstStyle/>
+          <a:p>
+            <a:pPr marL="0" lvl="0" indent="0" algn="r" rtl="0">
               <a:lnSpc>
                 <a:spcPct val="100000"/>
               </a:lnSpc>
@@ -5854,26 +7865,4145 @@
               <a:buNone/>
             </a:pPr>
             <a:r>
-              <a:rPr lang="en" sz="1100">
+              <a:rPr lang="en-US" sz="1100" dirty="0">
                 <a:solidFill>
                   <a:srgbClr val="000000"/>
                 </a:solidFill>
               </a:rPr>
-              <a:t>Untuk selengkapnya, dapat melihat jupyter notebook </a:t>
+              <a:t>For more details, you can view the </a:t>
             </a:r>
             <a:r>
-              <a:rPr lang="en" sz="1100"/>
-              <a:t>disini</a:t>
+              <a:rPr lang="en-US" sz="1100" dirty="0" err="1">
+                <a:solidFill>
+                  <a:srgbClr val="000000"/>
+                </a:solidFill>
+              </a:rPr>
+              <a:t>Jupyter</a:t>
             </a:r>
-            <a:endParaRPr sz="1100">
-              <a:solidFill>
-                <a:srgbClr val="000000"/>
-              </a:solidFill>
-            </a:endParaRPr>
+            <a:r>
+              <a:rPr lang="en-US" sz="1100" dirty="0">
+                <a:solidFill>
+                  <a:srgbClr val="000000"/>
+                </a:solidFill>
+              </a:rPr>
+              <a:t> notebook </a:t>
+            </a:r>
+            <a:r>
+              <a:rPr lang="en-US" sz="1100" dirty="0">
+                <a:solidFill>
+                  <a:srgbClr val="000000"/>
+                </a:solidFill>
+                <a:hlinkClick r:id="rId4"/>
+              </a:rPr>
+              <a:t>here</a:t>
+            </a:r>
+            <a:r>
+              <a:rPr lang="en-US" sz="1100" dirty="0">
+                <a:solidFill>
+                  <a:srgbClr val="000000"/>
+                </a:solidFill>
+              </a:rPr>
+              <a:t>.</a:t>
+            </a:r>
           </a:p>
         </p:txBody>
       </p:sp>
     </p:spTree>
+    <p:extLst>
+      <p:ext uri="{BB962C8B-B14F-4D97-AF65-F5344CB8AC3E}">
+        <p14:creationId xmlns:p14="http://schemas.microsoft.com/office/powerpoint/2010/main" val="2212195027"/>
+      </p:ext>
+    </p:extLst>
+  </p:cSld>
+  <p:clrMapOvr>
+    <a:masterClrMapping/>
+  </p:clrMapOvr>
+</p:sld>
+</file>
+
+<file path=ppt/slides/slide3.xml><?xml version="1.0" encoding="utf-8"?>
+<p:sld xmlns:a="http://schemas.openxmlformats.org/drawingml/2006/main" xmlns:r="http://schemas.openxmlformats.org/officeDocument/2006/relationships" xmlns:p="http://schemas.openxmlformats.org/presentationml/2006/main">
+  <p:cSld>
+    <p:spTree>
+      <p:nvGrpSpPr>
+        <p:cNvPr id="1" name="Shape 53"/>
+        <p:cNvGrpSpPr/>
+        <p:nvPr/>
+      </p:nvGrpSpPr>
+      <p:grpSpPr>
+        <a:xfrm>
+          <a:off x="0" y="0"/>
+          <a:ext cx="0" cy="0"/>
+          <a:chOff x="0" y="0"/>
+          <a:chExt cx="0" cy="0"/>
+        </a:xfrm>
+      </p:grpSpPr>
+      <p:sp>
+        <p:nvSpPr>
+          <p:cNvPr id="54" name="Google Shape;54;p13"/>
+          <p:cNvSpPr txBox="1">
+            <a:spLocks noGrp="1"/>
+          </p:cNvSpPr>
+          <p:nvPr>
+            <p:ph type="title"/>
+          </p:nvPr>
+        </p:nvSpPr>
+        <p:spPr>
+          <a:xfrm>
+            <a:off x="0" y="37175"/>
+            <a:ext cx="8180700" cy="523200"/>
+          </a:xfrm>
+          <a:prstGeom prst="rect">
+            <a:avLst/>
+          </a:prstGeom>
+        </p:spPr>
+        <p:txBody>
+          <a:bodyPr spcFirstLastPara="1" wrap="square" lIns="91425" tIns="91425" rIns="91425" bIns="91425" anchor="t" anchorCtr="0">
+            <a:noAutofit/>
+          </a:bodyPr>
+          <a:lstStyle/>
+          <a:p>
+            <a:pPr marL="0" lvl="0" indent="0" algn="ctr" rtl="0">
+              <a:spcBef>
+                <a:spcPts val="0"/>
+              </a:spcBef>
+              <a:spcAft>
+                <a:spcPts val="0"/>
+              </a:spcAft>
+              <a:buSzPts val="990"/>
+              <a:buNone/>
+            </a:pPr>
+            <a:r>
+              <a:rPr lang="en" sz="1798" b="1">
+                <a:latin typeface="Roboto"/>
+                <a:ea typeface="Roboto"/>
+                <a:cs typeface="Roboto"/>
+                <a:sym typeface="Roboto"/>
+              </a:rPr>
+              <a:t>Customer Personality Analysis for Marketing Retargeting</a:t>
+            </a:r>
+            <a:endParaRPr sz="1798">
+              <a:solidFill>
+                <a:schemeClr val="lt1"/>
+              </a:solidFill>
+              <a:latin typeface="Roboto"/>
+              <a:ea typeface="Roboto"/>
+              <a:cs typeface="Roboto"/>
+              <a:sym typeface="Roboto"/>
+            </a:endParaRPr>
+          </a:p>
+        </p:txBody>
+      </p:sp>
+      <p:sp>
+        <p:nvSpPr>
+          <p:cNvPr id="6" name="Google Shape;55;p13">
+            <a:extLst>
+              <a:ext uri="{FF2B5EF4-FFF2-40B4-BE49-F238E27FC236}">
+                <a16:creationId xmlns:a16="http://schemas.microsoft.com/office/drawing/2014/main" id="{4ABF5694-D66F-0379-3F41-1C38ADA7AEB9}"/>
+              </a:ext>
+            </a:extLst>
+          </p:cNvPr>
+          <p:cNvSpPr txBox="1">
+            <a:spLocks/>
+          </p:cNvSpPr>
+          <p:nvPr/>
+        </p:nvSpPr>
+        <p:spPr>
+          <a:xfrm>
+            <a:off x="177315" y="603429"/>
+            <a:ext cx="8779649" cy="442590"/>
+          </a:xfrm>
+          <a:prstGeom prst="rect">
+            <a:avLst/>
+          </a:prstGeom>
+          <a:noFill/>
+          <a:ln>
+            <a:noFill/>
+          </a:ln>
+        </p:spPr>
+        <p:txBody>
+          <a:bodyPr spcFirstLastPara="1" wrap="square" lIns="91425" tIns="91425" rIns="91425" bIns="91425" anchor="t" anchorCtr="0">
+            <a:noAutofit/>
+          </a:bodyPr>
+          <a:lstStyle>
+            <a:defPPr marR="0" lvl="0" algn="l" rtl="0">
+              <a:lnSpc>
+                <a:spcPct val="100000"/>
+              </a:lnSpc>
+              <a:spcBef>
+                <a:spcPts val="0"/>
+              </a:spcBef>
+              <a:spcAft>
+                <a:spcPts val="0"/>
+              </a:spcAft>
+            </a:defPPr>
+            <a:lvl1pPr marL="457200" marR="0" lvl="0" indent="-342900" algn="l" rtl="0">
+              <a:lnSpc>
+                <a:spcPct val="115000"/>
+              </a:lnSpc>
+              <a:spcBef>
+                <a:spcPts val="0"/>
+              </a:spcBef>
+              <a:spcAft>
+                <a:spcPts val="0"/>
+              </a:spcAft>
+              <a:buClr>
+                <a:schemeClr val="dk2"/>
+              </a:buClr>
+              <a:buSzPts val="1800"/>
+              <a:buFont typeface="Arial"/>
+              <a:buChar char="●"/>
+              <a:defRPr sz="1800" b="0" i="0" u="none" strike="noStrike" cap="none">
+                <a:solidFill>
+                  <a:schemeClr val="dk2"/>
+                </a:solidFill>
+                <a:latin typeface="Arial"/>
+                <a:ea typeface="Arial"/>
+                <a:cs typeface="Arial"/>
+                <a:sym typeface="Arial"/>
+              </a:defRPr>
+            </a:lvl1pPr>
+            <a:lvl2pPr marL="914400" marR="0" lvl="1" indent="-317500" algn="l" rtl="0">
+              <a:lnSpc>
+                <a:spcPct val="115000"/>
+              </a:lnSpc>
+              <a:spcBef>
+                <a:spcPts val="0"/>
+              </a:spcBef>
+              <a:spcAft>
+                <a:spcPts val="0"/>
+              </a:spcAft>
+              <a:buClr>
+                <a:schemeClr val="dk2"/>
+              </a:buClr>
+              <a:buSzPts val="1400"/>
+              <a:buFont typeface="Arial"/>
+              <a:buChar char="○"/>
+              <a:defRPr sz="1400" b="0" i="0" u="none" strike="noStrike" cap="none">
+                <a:solidFill>
+                  <a:schemeClr val="dk2"/>
+                </a:solidFill>
+                <a:latin typeface="Arial"/>
+                <a:ea typeface="Arial"/>
+                <a:cs typeface="Arial"/>
+                <a:sym typeface="Arial"/>
+              </a:defRPr>
+            </a:lvl2pPr>
+            <a:lvl3pPr marL="1371600" marR="0" lvl="2" indent="-317500" algn="l" rtl="0">
+              <a:lnSpc>
+                <a:spcPct val="115000"/>
+              </a:lnSpc>
+              <a:spcBef>
+                <a:spcPts val="0"/>
+              </a:spcBef>
+              <a:spcAft>
+                <a:spcPts val="0"/>
+              </a:spcAft>
+              <a:buClr>
+                <a:schemeClr val="dk2"/>
+              </a:buClr>
+              <a:buSzPts val="1400"/>
+              <a:buFont typeface="Arial"/>
+              <a:buChar char="■"/>
+              <a:defRPr sz="1400" b="0" i="0" u="none" strike="noStrike" cap="none">
+                <a:solidFill>
+                  <a:schemeClr val="dk2"/>
+                </a:solidFill>
+                <a:latin typeface="Arial"/>
+                <a:ea typeface="Arial"/>
+                <a:cs typeface="Arial"/>
+                <a:sym typeface="Arial"/>
+              </a:defRPr>
+            </a:lvl3pPr>
+            <a:lvl4pPr marL="1828800" marR="0" lvl="3" indent="-317500" algn="l" rtl="0">
+              <a:lnSpc>
+                <a:spcPct val="115000"/>
+              </a:lnSpc>
+              <a:spcBef>
+                <a:spcPts val="0"/>
+              </a:spcBef>
+              <a:spcAft>
+                <a:spcPts val="0"/>
+              </a:spcAft>
+              <a:buClr>
+                <a:schemeClr val="dk2"/>
+              </a:buClr>
+              <a:buSzPts val="1400"/>
+              <a:buFont typeface="Arial"/>
+              <a:buChar char="●"/>
+              <a:defRPr sz="1400" b="0" i="0" u="none" strike="noStrike" cap="none">
+                <a:solidFill>
+                  <a:schemeClr val="dk2"/>
+                </a:solidFill>
+                <a:latin typeface="Arial"/>
+                <a:ea typeface="Arial"/>
+                <a:cs typeface="Arial"/>
+                <a:sym typeface="Arial"/>
+              </a:defRPr>
+            </a:lvl4pPr>
+            <a:lvl5pPr marL="2286000" marR="0" lvl="4" indent="-317500" algn="l" rtl="0">
+              <a:lnSpc>
+                <a:spcPct val="115000"/>
+              </a:lnSpc>
+              <a:spcBef>
+                <a:spcPts val="0"/>
+              </a:spcBef>
+              <a:spcAft>
+                <a:spcPts val="0"/>
+              </a:spcAft>
+              <a:buClr>
+                <a:schemeClr val="dk2"/>
+              </a:buClr>
+              <a:buSzPts val="1400"/>
+              <a:buFont typeface="Arial"/>
+              <a:buChar char="○"/>
+              <a:defRPr sz="1400" b="0" i="0" u="none" strike="noStrike" cap="none">
+                <a:solidFill>
+                  <a:schemeClr val="dk2"/>
+                </a:solidFill>
+                <a:latin typeface="Arial"/>
+                <a:ea typeface="Arial"/>
+                <a:cs typeface="Arial"/>
+                <a:sym typeface="Arial"/>
+              </a:defRPr>
+            </a:lvl5pPr>
+            <a:lvl6pPr marL="2743200" marR="0" lvl="5" indent="-317500" algn="l" rtl="0">
+              <a:lnSpc>
+                <a:spcPct val="115000"/>
+              </a:lnSpc>
+              <a:spcBef>
+                <a:spcPts val="0"/>
+              </a:spcBef>
+              <a:spcAft>
+                <a:spcPts val="0"/>
+              </a:spcAft>
+              <a:buClr>
+                <a:schemeClr val="dk2"/>
+              </a:buClr>
+              <a:buSzPts val="1400"/>
+              <a:buFont typeface="Arial"/>
+              <a:buChar char="■"/>
+              <a:defRPr sz="1400" b="0" i="0" u="none" strike="noStrike" cap="none">
+                <a:solidFill>
+                  <a:schemeClr val="dk2"/>
+                </a:solidFill>
+                <a:latin typeface="Arial"/>
+                <a:ea typeface="Arial"/>
+                <a:cs typeface="Arial"/>
+                <a:sym typeface="Arial"/>
+              </a:defRPr>
+            </a:lvl6pPr>
+            <a:lvl7pPr marL="3200400" marR="0" lvl="6" indent="-317500" algn="l" rtl="0">
+              <a:lnSpc>
+                <a:spcPct val="115000"/>
+              </a:lnSpc>
+              <a:spcBef>
+                <a:spcPts val="0"/>
+              </a:spcBef>
+              <a:spcAft>
+                <a:spcPts val="0"/>
+              </a:spcAft>
+              <a:buClr>
+                <a:schemeClr val="dk2"/>
+              </a:buClr>
+              <a:buSzPts val="1400"/>
+              <a:buFont typeface="Arial"/>
+              <a:buChar char="●"/>
+              <a:defRPr sz="1400" b="0" i="0" u="none" strike="noStrike" cap="none">
+                <a:solidFill>
+                  <a:schemeClr val="dk2"/>
+                </a:solidFill>
+                <a:latin typeface="Arial"/>
+                <a:ea typeface="Arial"/>
+                <a:cs typeface="Arial"/>
+                <a:sym typeface="Arial"/>
+              </a:defRPr>
+            </a:lvl7pPr>
+            <a:lvl8pPr marL="3657600" marR="0" lvl="7" indent="-317500" algn="l" rtl="0">
+              <a:lnSpc>
+                <a:spcPct val="115000"/>
+              </a:lnSpc>
+              <a:spcBef>
+                <a:spcPts val="0"/>
+              </a:spcBef>
+              <a:spcAft>
+                <a:spcPts val="0"/>
+              </a:spcAft>
+              <a:buClr>
+                <a:schemeClr val="dk2"/>
+              </a:buClr>
+              <a:buSzPts val="1400"/>
+              <a:buFont typeface="Arial"/>
+              <a:buChar char="○"/>
+              <a:defRPr sz="1400" b="0" i="0" u="none" strike="noStrike" cap="none">
+                <a:solidFill>
+                  <a:schemeClr val="dk2"/>
+                </a:solidFill>
+                <a:latin typeface="Arial"/>
+                <a:ea typeface="Arial"/>
+                <a:cs typeface="Arial"/>
+                <a:sym typeface="Arial"/>
+              </a:defRPr>
+            </a:lvl8pPr>
+            <a:lvl9pPr marL="4114800" marR="0" lvl="8" indent="-317500" algn="l" rtl="0">
+              <a:lnSpc>
+                <a:spcPct val="115000"/>
+              </a:lnSpc>
+              <a:spcBef>
+                <a:spcPts val="0"/>
+              </a:spcBef>
+              <a:spcAft>
+                <a:spcPts val="0"/>
+              </a:spcAft>
+              <a:buClr>
+                <a:schemeClr val="dk2"/>
+              </a:buClr>
+              <a:buSzPts val="1400"/>
+              <a:buFont typeface="Arial"/>
+              <a:buChar char="■"/>
+              <a:defRPr sz="1400" b="0" i="0" u="none" strike="noStrike" cap="none">
+                <a:solidFill>
+                  <a:schemeClr val="dk2"/>
+                </a:solidFill>
+                <a:latin typeface="Arial"/>
+                <a:ea typeface="Arial"/>
+                <a:cs typeface="Arial"/>
+                <a:sym typeface="Arial"/>
+              </a:defRPr>
+            </a:lvl9pPr>
+          </a:lstStyle>
+          <a:p>
+            <a:pPr marL="114300" indent="0">
+              <a:buNone/>
+            </a:pPr>
+            <a:r>
+              <a:rPr lang="en-US" sz="1400" b="1" dirty="0">
+                <a:solidFill>
+                  <a:schemeClr val="dk1"/>
+                </a:solidFill>
+              </a:rPr>
+              <a:t>Cluster Interpretation</a:t>
+            </a:r>
+          </a:p>
+        </p:txBody>
+      </p:sp>
+      <p:sp>
+        <p:nvSpPr>
+          <p:cNvPr id="7" name="TextBox 6">
+            <a:extLst>
+              <a:ext uri="{FF2B5EF4-FFF2-40B4-BE49-F238E27FC236}">
+                <a16:creationId xmlns:a16="http://schemas.microsoft.com/office/drawing/2014/main" id="{8B26CE68-E833-EC0A-E365-72001C50BE4E}"/>
+              </a:ext>
+            </a:extLst>
+          </p:cNvPr>
+          <p:cNvSpPr txBox="1"/>
+          <p:nvPr/>
+        </p:nvSpPr>
+        <p:spPr>
+          <a:xfrm>
+            <a:off x="293410" y="1089073"/>
+            <a:ext cx="8663554" cy="1384995"/>
+          </a:xfrm>
+          <a:prstGeom prst="rect">
+            <a:avLst/>
+          </a:prstGeom>
+          <a:noFill/>
+        </p:spPr>
+        <p:txBody>
+          <a:bodyPr wrap="square" rtlCol="0">
+            <a:spAutoFit/>
+          </a:bodyPr>
+          <a:lstStyle/>
+          <a:p>
+            <a:r>
+              <a:rPr lang="en-US" dirty="0">
+                <a:latin typeface="Dosis" pitchFamily="2" charset="0"/>
+              </a:rPr>
+              <a:t>The results of the previous clustering can be interpreted based on the characteristics of each group, including the tendency of each cluster to respond to existing marketing campaigns and the potential revenue outcomes if we were to perform marketing retargeting on these clusters. The analysis of customer personality in this context involves several variables including:</a:t>
+            </a:r>
+          </a:p>
+          <a:p>
+            <a:endParaRPr lang="en-US" dirty="0">
+              <a:latin typeface="Dosis" pitchFamily="2" charset="0"/>
+            </a:endParaRPr>
+          </a:p>
+          <a:p>
+            <a:r>
+              <a:rPr lang="en-US" dirty="0">
+                <a:latin typeface="Dosis" pitchFamily="2" charset="0"/>
+              </a:rPr>
+              <a:t>Total Accepted Campaign, Number of Website Visit, Income, Total Spending, Total Purchases, and Conversion Rate. Here's a brief summary of these 6 variables.</a:t>
+            </a:r>
+          </a:p>
+        </p:txBody>
+      </p:sp>
+      <p:pic>
+        <p:nvPicPr>
+          <p:cNvPr id="9" name="Picture 8">
+            <a:extLst>
+              <a:ext uri="{FF2B5EF4-FFF2-40B4-BE49-F238E27FC236}">
+                <a16:creationId xmlns:a16="http://schemas.microsoft.com/office/drawing/2014/main" id="{C4F6F555-8FB1-C7B6-4418-940B8F85E57B}"/>
+              </a:ext>
+            </a:extLst>
+          </p:cNvPr>
+          <p:cNvPicPr>
+            <a:picLocks noChangeAspect="1"/>
+          </p:cNvPicPr>
+          <p:nvPr/>
+        </p:nvPicPr>
+        <p:blipFill>
+          <a:blip r:embed="rId3"/>
+          <a:stretch>
+            <a:fillRect/>
+          </a:stretch>
+        </p:blipFill>
+        <p:spPr>
+          <a:xfrm>
+            <a:off x="1135622" y="2828059"/>
+            <a:ext cx="6863033" cy="1656594"/>
+          </a:xfrm>
+          <a:prstGeom prst="rect">
+            <a:avLst/>
+          </a:prstGeom>
+        </p:spPr>
+      </p:pic>
+    </p:spTree>
+    <p:extLst>
+      <p:ext uri="{BB962C8B-B14F-4D97-AF65-F5344CB8AC3E}">
+        <p14:creationId xmlns:p14="http://schemas.microsoft.com/office/powerpoint/2010/main" val="88665860"/>
+      </p:ext>
+    </p:extLst>
+  </p:cSld>
+  <p:clrMapOvr>
+    <a:masterClrMapping/>
+  </p:clrMapOvr>
+</p:sld>
+</file>
+
+<file path=ppt/slides/slide4.xml><?xml version="1.0" encoding="utf-8"?>
+<p:sld xmlns:a="http://schemas.openxmlformats.org/drawingml/2006/main" xmlns:r="http://schemas.openxmlformats.org/officeDocument/2006/relationships" xmlns:p="http://schemas.openxmlformats.org/presentationml/2006/main">
+  <p:cSld>
+    <p:spTree>
+      <p:nvGrpSpPr>
+        <p:cNvPr id="1" name="Shape 53"/>
+        <p:cNvGrpSpPr/>
+        <p:nvPr/>
+      </p:nvGrpSpPr>
+      <p:grpSpPr>
+        <a:xfrm>
+          <a:off x="0" y="0"/>
+          <a:ext cx="0" cy="0"/>
+          <a:chOff x="0" y="0"/>
+          <a:chExt cx="0" cy="0"/>
+        </a:xfrm>
+      </p:grpSpPr>
+      <p:sp>
+        <p:nvSpPr>
+          <p:cNvPr id="54" name="Google Shape;54;p13"/>
+          <p:cNvSpPr txBox="1">
+            <a:spLocks noGrp="1"/>
+          </p:cNvSpPr>
+          <p:nvPr>
+            <p:ph type="title"/>
+          </p:nvPr>
+        </p:nvSpPr>
+        <p:spPr>
+          <a:xfrm>
+            <a:off x="0" y="37175"/>
+            <a:ext cx="8180700" cy="523200"/>
+          </a:xfrm>
+          <a:prstGeom prst="rect">
+            <a:avLst/>
+          </a:prstGeom>
+        </p:spPr>
+        <p:txBody>
+          <a:bodyPr spcFirstLastPara="1" wrap="square" lIns="91425" tIns="91425" rIns="91425" bIns="91425" anchor="t" anchorCtr="0">
+            <a:noAutofit/>
+          </a:bodyPr>
+          <a:lstStyle/>
+          <a:p>
+            <a:pPr marL="0" lvl="0" indent="0" algn="ctr" rtl="0">
+              <a:spcBef>
+                <a:spcPts val="0"/>
+              </a:spcBef>
+              <a:spcAft>
+                <a:spcPts val="0"/>
+              </a:spcAft>
+              <a:buSzPts val="990"/>
+              <a:buNone/>
+            </a:pPr>
+            <a:r>
+              <a:rPr lang="en" sz="1798" b="1">
+                <a:latin typeface="Roboto"/>
+                <a:ea typeface="Roboto"/>
+                <a:cs typeface="Roboto"/>
+                <a:sym typeface="Roboto"/>
+              </a:rPr>
+              <a:t>Customer Personality Analysis for Marketing Retargeting</a:t>
+            </a:r>
+            <a:endParaRPr sz="1798">
+              <a:solidFill>
+                <a:schemeClr val="lt1"/>
+              </a:solidFill>
+              <a:latin typeface="Roboto"/>
+              <a:ea typeface="Roboto"/>
+              <a:cs typeface="Roboto"/>
+              <a:sym typeface="Roboto"/>
+            </a:endParaRPr>
+          </a:p>
+        </p:txBody>
+      </p:sp>
+      <p:sp>
+        <p:nvSpPr>
+          <p:cNvPr id="6" name="Google Shape;55;p13">
+            <a:extLst>
+              <a:ext uri="{FF2B5EF4-FFF2-40B4-BE49-F238E27FC236}">
+                <a16:creationId xmlns:a16="http://schemas.microsoft.com/office/drawing/2014/main" id="{4ABF5694-D66F-0379-3F41-1C38ADA7AEB9}"/>
+              </a:ext>
+            </a:extLst>
+          </p:cNvPr>
+          <p:cNvSpPr txBox="1">
+            <a:spLocks/>
+          </p:cNvSpPr>
+          <p:nvPr/>
+        </p:nvSpPr>
+        <p:spPr>
+          <a:xfrm>
+            <a:off x="177315" y="603429"/>
+            <a:ext cx="8779649" cy="442590"/>
+          </a:xfrm>
+          <a:prstGeom prst="rect">
+            <a:avLst/>
+          </a:prstGeom>
+          <a:noFill/>
+          <a:ln>
+            <a:noFill/>
+          </a:ln>
+        </p:spPr>
+        <p:txBody>
+          <a:bodyPr spcFirstLastPara="1" wrap="square" lIns="91425" tIns="91425" rIns="91425" bIns="91425" anchor="t" anchorCtr="0">
+            <a:noAutofit/>
+          </a:bodyPr>
+          <a:lstStyle>
+            <a:defPPr marR="0" lvl="0" algn="l" rtl="0">
+              <a:lnSpc>
+                <a:spcPct val="100000"/>
+              </a:lnSpc>
+              <a:spcBef>
+                <a:spcPts val="0"/>
+              </a:spcBef>
+              <a:spcAft>
+                <a:spcPts val="0"/>
+              </a:spcAft>
+            </a:defPPr>
+            <a:lvl1pPr marL="457200" marR="0" lvl="0" indent="-342900" algn="l" rtl="0">
+              <a:lnSpc>
+                <a:spcPct val="115000"/>
+              </a:lnSpc>
+              <a:spcBef>
+                <a:spcPts val="0"/>
+              </a:spcBef>
+              <a:spcAft>
+                <a:spcPts val="0"/>
+              </a:spcAft>
+              <a:buClr>
+                <a:schemeClr val="dk2"/>
+              </a:buClr>
+              <a:buSzPts val="1800"/>
+              <a:buFont typeface="Arial"/>
+              <a:buChar char="●"/>
+              <a:defRPr sz="1800" b="0" i="0" u="none" strike="noStrike" cap="none">
+                <a:solidFill>
+                  <a:schemeClr val="dk2"/>
+                </a:solidFill>
+                <a:latin typeface="Arial"/>
+                <a:ea typeface="Arial"/>
+                <a:cs typeface="Arial"/>
+                <a:sym typeface="Arial"/>
+              </a:defRPr>
+            </a:lvl1pPr>
+            <a:lvl2pPr marL="914400" marR="0" lvl="1" indent="-317500" algn="l" rtl="0">
+              <a:lnSpc>
+                <a:spcPct val="115000"/>
+              </a:lnSpc>
+              <a:spcBef>
+                <a:spcPts val="0"/>
+              </a:spcBef>
+              <a:spcAft>
+                <a:spcPts val="0"/>
+              </a:spcAft>
+              <a:buClr>
+                <a:schemeClr val="dk2"/>
+              </a:buClr>
+              <a:buSzPts val="1400"/>
+              <a:buFont typeface="Arial"/>
+              <a:buChar char="○"/>
+              <a:defRPr sz="1400" b="0" i="0" u="none" strike="noStrike" cap="none">
+                <a:solidFill>
+                  <a:schemeClr val="dk2"/>
+                </a:solidFill>
+                <a:latin typeface="Arial"/>
+                <a:ea typeface="Arial"/>
+                <a:cs typeface="Arial"/>
+                <a:sym typeface="Arial"/>
+              </a:defRPr>
+            </a:lvl2pPr>
+            <a:lvl3pPr marL="1371600" marR="0" lvl="2" indent="-317500" algn="l" rtl="0">
+              <a:lnSpc>
+                <a:spcPct val="115000"/>
+              </a:lnSpc>
+              <a:spcBef>
+                <a:spcPts val="0"/>
+              </a:spcBef>
+              <a:spcAft>
+                <a:spcPts val="0"/>
+              </a:spcAft>
+              <a:buClr>
+                <a:schemeClr val="dk2"/>
+              </a:buClr>
+              <a:buSzPts val="1400"/>
+              <a:buFont typeface="Arial"/>
+              <a:buChar char="■"/>
+              <a:defRPr sz="1400" b="0" i="0" u="none" strike="noStrike" cap="none">
+                <a:solidFill>
+                  <a:schemeClr val="dk2"/>
+                </a:solidFill>
+                <a:latin typeface="Arial"/>
+                <a:ea typeface="Arial"/>
+                <a:cs typeface="Arial"/>
+                <a:sym typeface="Arial"/>
+              </a:defRPr>
+            </a:lvl3pPr>
+            <a:lvl4pPr marL="1828800" marR="0" lvl="3" indent="-317500" algn="l" rtl="0">
+              <a:lnSpc>
+                <a:spcPct val="115000"/>
+              </a:lnSpc>
+              <a:spcBef>
+                <a:spcPts val="0"/>
+              </a:spcBef>
+              <a:spcAft>
+                <a:spcPts val="0"/>
+              </a:spcAft>
+              <a:buClr>
+                <a:schemeClr val="dk2"/>
+              </a:buClr>
+              <a:buSzPts val="1400"/>
+              <a:buFont typeface="Arial"/>
+              <a:buChar char="●"/>
+              <a:defRPr sz="1400" b="0" i="0" u="none" strike="noStrike" cap="none">
+                <a:solidFill>
+                  <a:schemeClr val="dk2"/>
+                </a:solidFill>
+                <a:latin typeface="Arial"/>
+                <a:ea typeface="Arial"/>
+                <a:cs typeface="Arial"/>
+                <a:sym typeface="Arial"/>
+              </a:defRPr>
+            </a:lvl4pPr>
+            <a:lvl5pPr marL="2286000" marR="0" lvl="4" indent="-317500" algn="l" rtl="0">
+              <a:lnSpc>
+                <a:spcPct val="115000"/>
+              </a:lnSpc>
+              <a:spcBef>
+                <a:spcPts val="0"/>
+              </a:spcBef>
+              <a:spcAft>
+                <a:spcPts val="0"/>
+              </a:spcAft>
+              <a:buClr>
+                <a:schemeClr val="dk2"/>
+              </a:buClr>
+              <a:buSzPts val="1400"/>
+              <a:buFont typeface="Arial"/>
+              <a:buChar char="○"/>
+              <a:defRPr sz="1400" b="0" i="0" u="none" strike="noStrike" cap="none">
+                <a:solidFill>
+                  <a:schemeClr val="dk2"/>
+                </a:solidFill>
+                <a:latin typeface="Arial"/>
+                <a:ea typeface="Arial"/>
+                <a:cs typeface="Arial"/>
+                <a:sym typeface="Arial"/>
+              </a:defRPr>
+            </a:lvl5pPr>
+            <a:lvl6pPr marL="2743200" marR="0" lvl="5" indent="-317500" algn="l" rtl="0">
+              <a:lnSpc>
+                <a:spcPct val="115000"/>
+              </a:lnSpc>
+              <a:spcBef>
+                <a:spcPts val="0"/>
+              </a:spcBef>
+              <a:spcAft>
+                <a:spcPts val="0"/>
+              </a:spcAft>
+              <a:buClr>
+                <a:schemeClr val="dk2"/>
+              </a:buClr>
+              <a:buSzPts val="1400"/>
+              <a:buFont typeface="Arial"/>
+              <a:buChar char="■"/>
+              <a:defRPr sz="1400" b="0" i="0" u="none" strike="noStrike" cap="none">
+                <a:solidFill>
+                  <a:schemeClr val="dk2"/>
+                </a:solidFill>
+                <a:latin typeface="Arial"/>
+                <a:ea typeface="Arial"/>
+                <a:cs typeface="Arial"/>
+                <a:sym typeface="Arial"/>
+              </a:defRPr>
+            </a:lvl6pPr>
+            <a:lvl7pPr marL="3200400" marR="0" lvl="6" indent="-317500" algn="l" rtl="0">
+              <a:lnSpc>
+                <a:spcPct val="115000"/>
+              </a:lnSpc>
+              <a:spcBef>
+                <a:spcPts val="0"/>
+              </a:spcBef>
+              <a:spcAft>
+                <a:spcPts val="0"/>
+              </a:spcAft>
+              <a:buClr>
+                <a:schemeClr val="dk2"/>
+              </a:buClr>
+              <a:buSzPts val="1400"/>
+              <a:buFont typeface="Arial"/>
+              <a:buChar char="●"/>
+              <a:defRPr sz="1400" b="0" i="0" u="none" strike="noStrike" cap="none">
+                <a:solidFill>
+                  <a:schemeClr val="dk2"/>
+                </a:solidFill>
+                <a:latin typeface="Arial"/>
+                <a:ea typeface="Arial"/>
+                <a:cs typeface="Arial"/>
+                <a:sym typeface="Arial"/>
+              </a:defRPr>
+            </a:lvl7pPr>
+            <a:lvl8pPr marL="3657600" marR="0" lvl="7" indent="-317500" algn="l" rtl="0">
+              <a:lnSpc>
+                <a:spcPct val="115000"/>
+              </a:lnSpc>
+              <a:spcBef>
+                <a:spcPts val="0"/>
+              </a:spcBef>
+              <a:spcAft>
+                <a:spcPts val="0"/>
+              </a:spcAft>
+              <a:buClr>
+                <a:schemeClr val="dk2"/>
+              </a:buClr>
+              <a:buSzPts val="1400"/>
+              <a:buFont typeface="Arial"/>
+              <a:buChar char="○"/>
+              <a:defRPr sz="1400" b="0" i="0" u="none" strike="noStrike" cap="none">
+                <a:solidFill>
+                  <a:schemeClr val="dk2"/>
+                </a:solidFill>
+                <a:latin typeface="Arial"/>
+                <a:ea typeface="Arial"/>
+                <a:cs typeface="Arial"/>
+                <a:sym typeface="Arial"/>
+              </a:defRPr>
+            </a:lvl8pPr>
+            <a:lvl9pPr marL="4114800" marR="0" lvl="8" indent="-317500" algn="l" rtl="0">
+              <a:lnSpc>
+                <a:spcPct val="115000"/>
+              </a:lnSpc>
+              <a:spcBef>
+                <a:spcPts val="0"/>
+              </a:spcBef>
+              <a:spcAft>
+                <a:spcPts val="0"/>
+              </a:spcAft>
+              <a:buClr>
+                <a:schemeClr val="dk2"/>
+              </a:buClr>
+              <a:buSzPts val="1400"/>
+              <a:buFont typeface="Arial"/>
+              <a:buChar char="■"/>
+              <a:defRPr sz="1400" b="0" i="0" u="none" strike="noStrike" cap="none">
+                <a:solidFill>
+                  <a:schemeClr val="dk2"/>
+                </a:solidFill>
+                <a:latin typeface="Arial"/>
+                <a:ea typeface="Arial"/>
+                <a:cs typeface="Arial"/>
+                <a:sym typeface="Arial"/>
+              </a:defRPr>
+            </a:lvl9pPr>
+          </a:lstStyle>
+          <a:p>
+            <a:pPr marL="114300" indent="0">
+              <a:buNone/>
+            </a:pPr>
+            <a:r>
+              <a:rPr lang="en-US" sz="1400" b="1" dirty="0">
+                <a:solidFill>
+                  <a:schemeClr val="dk1"/>
+                </a:solidFill>
+              </a:rPr>
+              <a:t>Cluster Interpretation - Aggregation Table Summary</a:t>
+            </a:r>
+          </a:p>
+        </p:txBody>
+      </p:sp>
+      <p:sp>
+        <p:nvSpPr>
+          <p:cNvPr id="29" name="TextBox 28">
+            <a:extLst>
+              <a:ext uri="{FF2B5EF4-FFF2-40B4-BE49-F238E27FC236}">
+                <a16:creationId xmlns:a16="http://schemas.microsoft.com/office/drawing/2014/main" id="{3610C029-001F-6BE6-D184-380F12DA7F4F}"/>
+              </a:ext>
+            </a:extLst>
+          </p:cNvPr>
+          <p:cNvSpPr txBox="1"/>
+          <p:nvPr/>
+        </p:nvSpPr>
+        <p:spPr>
+          <a:xfrm>
+            <a:off x="120426" y="1149928"/>
+            <a:ext cx="4280458" cy="3754874"/>
+          </a:xfrm>
+          <a:prstGeom prst="rect">
+            <a:avLst/>
+          </a:prstGeom>
+          <a:noFill/>
+        </p:spPr>
+        <p:txBody>
+          <a:bodyPr wrap="square">
+            <a:spAutoFit/>
+          </a:bodyPr>
+          <a:lstStyle/>
+          <a:p>
+            <a:r>
+              <a:rPr lang="en-US" b="1" dirty="0">
+                <a:solidFill>
+                  <a:srgbClr val="C00000"/>
+                </a:solidFill>
+                <a:latin typeface="Dosis" pitchFamily="2" charset="0"/>
+              </a:rPr>
+              <a:t>Cluster 0 : Low Spenders</a:t>
+            </a:r>
+          </a:p>
+          <a:p>
+            <a:endParaRPr lang="en-US" b="1" dirty="0">
+              <a:solidFill>
+                <a:srgbClr val="C00000"/>
+              </a:solidFill>
+              <a:latin typeface="Dosis" pitchFamily="2" charset="0"/>
+            </a:endParaRPr>
+          </a:p>
+          <a:p>
+            <a:pPr marL="285750" indent="-285750">
+              <a:buFont typeface="Arial" panose="020B0604020202020204" pitchFamily="34" charset="0"/>
+              <a:buChar char="•"/>
+            </a:pPr>
+            <a:r>
+              <a:rPr lang="en-US" dirty="0">
+                <a:latin typeface="Dosis" pitchFamily="2" charset="0"/>
+              </a:rPr>
+              <a:t>Has the lowest number of transactions and spending, with only about 7 transactions and Rp.57,000 per month.</a:t>
+            </a:r>
+          </a:p>
+          <a:p>
+            <a:pPr marL="285750" indent="-285750">
+              <a:buFont typeface="Arial" panose="020B0604020202020204" pitchFamily="34" charset="0"/>
+              <a:buChar char="•"/>
+            </a:pPr>
+            <a:r>
+              <a:rPr lang="en-US" dirty="0">
+                <a:latin typeface="Dosis" pitchFamily="2" charset="0"/>
+              </a:rPr>
+              <a:t>Has the lowest income, mostly Rp.30,850,000 per year.</a:t>
+            </a:r>
+          </a:p>
+          <a:p>
+            <a:pPr marL="285750" indent="-285750">
+              <a:buFont typeface="Arial" panose="020B0604020202020204" pitchFamily="34" charset="0"/>
+              <a:buChar char="•"/>
+            </a:pPr>
+            <a:r>
+              <a:rPr lang="en-US" dirty="0">
+                <a:latin typeface="Dosis" pitchFamily="2" charset="0"/>
+              </a:rPr>
+              <a:t>Responds to campaigns quite low, only 54 times.</a:t>
+            </a:r>
+          </a:p>
+          <a:p>
+            <a:pPr marL="285750" indent="-285750">
+              <a:buFont typeface="Arial" panose="020B0604020202020204" pitchFamily="34" charset="0"/>
+              <a:buChar char="•"/>
+            </a:pPr>
+            <a:r>
+              <a:rPr lang="en-US" dirty="0">
+                <a:latin typeface="Dosis" pitchFamily="2" charset="0"/>
+              </a:rPr>
+              <a:t>The largest total visits which is 4,330 visits.</a:t>
+            </a:r>
+          </a:p>
+          <a:p>
+            <a:pPr marL="285750" indent="-285750">
+              <a:buFont typeface="Arial" panose="020B0604020202020204" pitchFamily="34" charset="0"/>
+              <a:buChar char="•"/>
+            </a:pPr>
+            <a:r>
+              <a:rPr lang="en-US" dirty="0">
+                <a:latin typeface="Dosis" pitchFamily="2" charset="0"/>
+              </a:rPr>
+              <a:t>Has the lowest conversion rate, only 1.24%.</a:t>
+            </a:r>
+          </a:p>
+          <a:p>
+            <a:pPr marL="285750" indent="-285750">
+              <a:buFont typeface="Arial" panose="020B0604020202020204" pitchFamily="34" charset="0"/>
+              <a:buChar char="•"/>
+            </a:pPr>
+            <a:endParaRPr lang="en-US" dirty="0">
+              <a:latin typeface="Dosis" pitchFamily="2" charset="0"/>
+            </a:endParaRPr>
+          </a:p>
+          <a:p>
+            <a:r>
+              <a:rPr lang="en-US" b="1" dirty="0">
+                <a:solidFill>
+                  <a:srgbClr val="00B0F0"/>
+                </a:solidFill>
+                <a:latin typeface="Dosis" pitchFamily="2" charset="0"/>
+              </a:rPr>
+              <a:t>Cluster 1 : Moderate Spenders Responsive</a:t>
+            </a:r>
+          </a:p>
+          <a:p>
+            <a:endParaRPr lang="en-US" b="1" dirty="0">
+              <a:solidFill>
+                <a:srgbClr val="00B0F0"/>
+              </a:solidFill>
+              <a:latin typeface="Dosis" pitchFamily="2" charset="0"/>
+            </a:endParaRPr>
+          </a:p>
+          <a:p>
+            <a:pPr marL="285750" indent="-285750">
+              <a:buFont typeface="Arial" panose="020B0604020202020204" pitchFamily="34" charset="0"/>
+              <a:buChar char="•"/>
+            </a:pPr>
+            <a:r>
+              <a:rPr lang="en-US" dirty="0">
+                <a:latin typeface="Dosis" pitchFamily="2" charset="0"/>
+              </a:rPr>
+              <a:t>Has high numbers of transactions and spending, with about 21 transactions and Rp.757,500 per month.</a:t>
+            </a:r>
+          </a:p>
+          <a:p>
+            <a:pPr marL="285750" indent="-285750">
+              <a:buFont typeface="Arial" panose="020B0604020202020204" pitchFamily="34" charset="0"/>
+              <a:buChar char="•"/>
+            </a:pPr>
+            <a:r>
+              <a:rPr lang="en-US" dirty="0">
+                <a:latin typeface="Dosis" pitchFamily="2" charset="0"/>
+              </a:rPr>
+              <a:t>Has a fairly high income, mostly Rp.60,374,000 per year.</a:t>
+            </a:r>
+          </a:p>
+          <a:p>
+            <a:pPr marL="285750" indent="-285750">
+              <a:buFont typeface="Arial" panose="020B0604020202020204" pitchFamily="34" charset="0"/>
+              <a:buChar char="•"/>
+            </a:pPr>
+            <a:r>
+              <a:rPr lang="en-US" dirty="0">
+                <a:latin typeface="Dosis" pitchFamily="2" charset="0"/>
+              </a:rPr>
+              <a:t>Responds to campaigns quite frequently, only 137 times.</a:t>
+            </a:r>
+          </a:p>
+          <a:p>
+            <a:pPr marL="285750" indent="-285750">
+              <a:buFont typeface="Arial" panose="020B0604020202020204" pitchFamily="34" charset="0"/>
+              <a:buChar char="•"/>
+            </a:pPr>
+            <a:r>
+              <a:rPr lang="en-US" dirty="0">
+                <a:latin typeface="Dosis" pitchFamily="2" charset="0"/>
+              </a:rPr>
+              <a:t>The moderate total visits which is 2,401 visits.</a:t>
+            </a:r>
+          </a:p>
+          <a:p>
+            <a:pPr marL="285750" indent="-285750">
+              <a:buFont typeface="Arial" panose="020B0604020202020204" pitchFamily="34" charset="0"/>
+              <a:buChar char="•"/>
+            </a:pPr>
+            <a:r>
+              <a:rPr lang="en-US" dirty="0">
+                <a:latin typeface="Dosis" pitchFamily="2" charset="0"/>
+              </a:rPr>
+              <a:t>Has a moderate conversion rate, 4.52%.</a:t>
+            </a:r>
+          </a:p>
+        </p:txBody>
+      </p:sp>
+      <p:sp>
+        <p:nvSpPr>
+          <p:cNvPr id="30" name="TextBox 29">
+            <a:extLst>
+              <a:ext uri="{FF2B5EF4-FFF2-40B4-BE49-F238E27FC236}">
+                <a16:creationId xmlns:a16="http://schemas.microsoft.com/office/drawing/2014/main" id="{2E91D927-6EB9-A1BE-58DA-50E707027E6F}"/>
+              </a:ext>
+            </a:extLst>
+          </p:cNvPr>
+          <p:cNvSpPr txBox="1"/>
+          <p:nvPr/>
+        </p:nvSpPr>
+        <p:spPr>
+          <a:xfrm>
+            <a:off x="4676506" y="1149928"/>
+            <a:ext cx="4280458" cy="3754874"/>
+          </a:xfrm>
+          <a:prstGeom prst="rect">
+            <a:avLst/>
+          </a:prstGeom>
+          <a:noFill/>
+        </p:spPr>
+        <p:txBody>
+          <a:bodyPr wrap="square">
+            <a:spAutoFit/>
+          </a:bodyPr>
+          <a:lstStyle/>
+          <a:p>
+            <a:r>
+              <a:rPr lang="en-US" b="1" dirty="0">
+                <a:solidFill>
+                  <a:srgbClr val="00B050"/>
+                </a:solidFill>
+                <a:latin typeface="Dosis" pitchFamily="2" charset="0"/>
+              </a:rPr>
+              <a:t>Cluster 2 : Moderate Spenders Non-Responsive</a:t>
+            </a:r>
+          </a:p>
+          <a:p>
+            <a:endParaRPr lang="en-US" b="1" dirty="0">
+              <a:solidFill>
+                <a:srgbClr val="C00000"/>
+              </a:solidFill>
+              <a:latin typeface="Dosis" pitchFamily="2" charset="0"/>
+            </a:endParaRPr>
+          </a:p>
+          <a:p>
+            <a:pPr marL="285750" indent="-285750">
+              <a:buFont typeface="Arial" panose="020B0604020202020204" pitchFamily="34" charset="0"/>
+              <a:buChar char="•"/>
+            </a:pPr>
+            <a:r>
+              <a:rPr lang="en-US" dirty="0">
+                <a:latin typeface="Dosis" pitchFamily="2" charset="0"/>
+              </a:rPr>
+              <a:t>Has moderate numbers of transactions and spending, about 11 transactions and Rp.140,200 per month.</a:t>
+            </a:r>
+          </a:p>
+          <a:p>
+            <a:pPr marL="285750" indent="-285750">
+              <a:buFont typeface="Arial" panose="020B0604020202020204" pitchFamily="34" charset="0"/>
+              <a:buChar char="•"/>
+            </a:pPr>
+            <a:r>
+              <a:rPr lang="en-US" dirty="0">
+                <a:latin typeface="Dosis" pitchFamily="2" charset="0"/>
+              </a:rPr>
+              <a:t>Has a moderate income, mostly Rp.43,200,000 per year.</a:t>
+            </a:r>
+          </a:p>
+          <a:p>
+            <a:pPr marL="285750" indent="-285750">
+              <a:buFont typeface="Arial" panose="020B0604020202020204" pitchFamily="34" charset="0"/>
+              <a:buChar char="•"/>
+            </a:pPr>
+            <a:r>
+              <a:rPr lang="en-US" dirty="0">
+                <a:latin typeface="Dosis" pitchFamily="2" charset="0"/>
+              </a:rPr>
+              <a:t>Responds to campaigns the least, only 49 times.</a:t>
+            </a:r>
+          </a:p>
+          <a:p>
+            <a:pPr marL="285750" indent="-285750">
+              <a:buFont typeface="Arial" panose="020B0604020202020204" pitchFamily="34" charset="0"/>
+              <a:buChar char="•"/>
+            </a:pPr>
+            <a:r>
+              <a:rPr lang="en-US" dirty="0">
+                <a:latin typeface="Dosis" pitchFamily="2" charset="0"/>
+              </a:rPr>
+              <a:t>The fairly high total visits which is 3,263 visits.</a:t>
+            </a:r>
+          </a:p>
+          <a:p>
+            <a:pPr marL="285750" indent="-285750">
+              <a:buFont typeface="Arial" panose="020B0604020202020204" pitchFamily="34" charset="0"/>
+              <a:buChar char="•"/>
+            </a:pPr>
+            <a:r>
+              <a:rPr lang="en-US" dirty="0">
+                <a:latin typeface="Dosis" pitchFamily="2" charset="0"/>
+              </a:rPr>
+              <a:t>Has a relatively low conversion rate, only 1.88%.</a:t>
+            </a:r>
+          </a:p>
+          <a:p>
+            <a:endParaRPr lang="en-US" dirty="0">
+              <a:latin typeface="Dosis" pitchFamily="2" charset="0"/>
+            </a:endParaRPr>
+          </a:p>
+          <a:p>
+            <a:r>
+              <a:rPr lang="en-US" b="1" dirty="0">
+                <a:solidFill>
+                  <a:srgbClr val="7030A0"/>
+                </a:solidFill>
+                <a:latin typeface="Dosis" pitchFamily="2" charset="0"/>
+              </a:rPr>
+              <a:t>Cluster 3 : High Spenders</a:t>
+            </a:r>
+          </a:p>
+          <a:p>
+            <a:endParaRPr lang="en-US" b="1" dirty="0">
+              <a:solidFill>
+                <a:srgbClr val="00B0F0"/>
+              </a:solidFill>
+              <a:latin typeface="Dosis" pitchFamily="2" charset="0"/>
+            </a:endParaRPr>
+          </a:p>
+          <a:p>
+            <a:pPr marL="285750" indent="-285750">
+              <a:buFont typeface="Arial" panose="020B0604020202020204" pitchFamily="34" charset="0"/>
+              <a:buChar char="•"/>
+            </a:pPr>
+            <a:r>
+              <a:rPr lang="en-US" dirty="0">
+                <a:latin typeface="Dosis" pitchFamily="2" charset="0"/>
+              </a:rPr>
+              <a:t>Has high numbers of transactions and spending, about 20 transactions and Rp.1,180,000 per month.</a:t>
+            </a:r>
+          </a:p>
+          <a:p>
+            <a:pPr marL="285750" indent="-285750">
+              <a:buFont typeface="Arial" panose="020B0604020202020204" pitchFamily="34" charset="0"/>
+              <a:buChar char="•"/>
+            </a:pPr>
+            <a:r>
+              <a:rPr lang="en-US" dirty="0">
+                <a:latin typeface="Dosis" pitchFamily="2" charset="0"/>
+              </a:rPr>
+              <a:t>Has the highest income, mostly Rp.73,171,000 per year.</a:t>
+            </a:r>
+          </a:p>
+          <a:p>
+            <a:pPr marL="285750" indent="-285750">
+              <a:buFont typeface="Arial" panose="020B0604020202020204" pitchFamily="34" charset="0"/>
+              <a:buChar char="•"/>
+            </a:pPr>
+            <a:r>
+              <a:rPr lang="en-US" dirty="0">
+                <a:latin typeface="Dosis" pitchFamily="2" charset="0"/>
+              </a:rPr>
+              <a:t>Responds to the most campaigns, 188 times.</a:t>
+            </a:r>
+          </a:p>
+          <a:p>
+            <a:pPr marL="285750" indent="-285750">
+              <a:buFont typeface="Arial" panose="020B0604020202020204" pitchFamily="34" charset="0"/>
+              <a:buChar char="•"/>
+            </a:pPr>
+            <a:r>
+              <a:rPr lang="en-US" dirty="0">
+                <a:latin typeface="Dosis" pitchFamily="2" charset="0"/>
+              </a:rPr>
+              <a:t>The smallest total visits which is 788 visits.</a:t>
+            </a:r>
+          </a:p>
+          <a:p>
+            <a:pPr marL="285750" indent="-285750">
+              <a:buFont typeface="Arial" panose="020B0604020202020204" pitchFamily="34" charset="0"/>
+              <a:buChar char="•"/>
+            </a:pPr>
+            <a:r>
+              <a:rPr lang="en-US" dirty="0">
+                <a:latin typeface="Dosis" pitchFamily="2" charset="0"/>
+              </a:rPr>
+              <a:t>Has the highest conversion rate, 9.25%.</a:t>
+            </a:r>
+          </a:p>
+        </p:txBody>
+      </p:sp>
+    </p:spTree>
+    <p:extLst>
+      <p:ext uri="{BB962C8B-B14F-4D97-AF65-F5344CB8AC3E}">
+        <p14:creationId xmlns:p14="http://schemas.microsoft.com/office/powerpoint/2010/main" val="260566257"/>
+      </p:ext>
+    </p:extLst>
+  </p:cSld>
+  <p:clrMapOvr>
+    <a:masterClrMapping/>
+  </p:clrMapOvr>
+</p:sld>
+</file>
+
+<file path=ppt/slides/slide5.xml><?xml version="1.0" encoding="utf-8"?>
+<p:sld xmlns:a="http://schemas.openxmlformats.org/drawingml/2006/main" xmlns:r="http://schemas.openxmlformats.org/officeDocument/2006/relationships" xmlns:p="http://schemas.openxmlformats.org/presentationml/2006/main">
+  <p:cSld>
+    <p:spTree>
+      <p:nvGrpSpPr>
+        <p:cNvPr id="1" name="Shape 53"/>
+        <p:cNvGrpSpPr/>
+        <p:nvPr/>
+      </p:nvGrpSpPr>
+      <p:grpSpPr>
+        <a:xfrm>
+          <a:off x="0" y="0"/>
+          <a:ext cx="0" cy="0"/>
+          <a:chOff x="0" y="0"/>
+          <a:chExt cx="0" cy="0"/>
+        </a:xfrm>
+      </p:grpSpPr>
+      <p:sp>
+        <p:nvSpPr>
+          <p:cNvPr id="54" name="Google Shape;54;p13"/>
+          <p:cNvSpPr txBox="1">
+            <a:spLocks noGrp="1"/>
+          </p:cNvSpPr>
+          <p:nvPr>
+            <p:ph type="title"/>
+          </p:nvPr>
+        </p:nvSpPr>
+        <p:spPr>
+          <a:xfrm>
+            <a:off x="0" y="37175"/>
+            <a:ext cx="8180700" cy="523200"/>
+          </a:xfrm>
+          <a:prstGeom prst="rect">
+            <a:avLst/>
+          </a:prstGeom>
+        </p:spPr>
+        <p:txBody>
+          <a:bodyPr spcFirstLastPara="1" wrap="square" lIns="91425" tIns="91425" rIns="91425" bIns="91425" anchor="t" anchorCtr="0">
+            <a:noAutofit/>
+          </a:bodyPr>
+          <a:lstStyle/>
+          <a:p>
+            <a:pPr marL="0" lvl="0" indent="0" algn="ctr" rtl="0">
+              <a:spcBef>
+                <a:spcPts val="0"/>
+              </a:spcBef>
+              <a:spcAft>
+                <a:spcPts val="0"/>
+              </a:spcAft>
+              <a:buSzPts val="990"/>
+              <a:buNone/>
+            </a:pPr>
+            <a:r>
+              <a:rPr lang="en" sz="1798" b="1">
+                <a:latin typeface="Roboto"/>
+                <a:ea typeface="Roboto"/>
+                <a:cs typeface="Roboto"/>
+                <a:sym typeface="Roboto"/>
+              </a:rPr>
+              <a:t>Customer Personality Analysis for Marketing Retargeting</a:t>
+            </a:r>
+            <a:endParaRPr sz="1798">
+              <a:solidFill>
+                <a:schemeClr val="lt1"/>
+              </a:solidFill>
+              <a:latin typeface="Roboto"/>
+              <a:ea typeface="Roboto"/>
+              <a:cs typeface="Roboto"/>
+              <a:sym typeface="Roboto"/>
+            </a:endParaRPr>
+          </a:p>
+        </p:txBody>
+      </p:sp>
+      <p:sp>
+        <p:nvSpPr>
+          <p:cNvPr id="6" name="Google Shape;55;p13">
+            <a:extLst>
+              <a:ext uri="{FF2B5EF4-FFF2-40B4-BE49-F238E27FC236}">
+                <a16:creationId xmlns:a16="http://schemas.microsoft.com/office/drawing/2014/main" id="{4ABF5694-D66F-0379-3F41-1C38ADA7AEB9}"/>
+              </a:ext>
+            </a:extLst>
+          </p:cNvPr>
+          <p:cNvSpPr txBox="1">
+            <a:spLocks/>
+          </p:cNvSpPr>
+          <p:nvPr/>
+        </p:nvSpPr>
+        <p:spPr>
+          <a:xfrm>
+            <a:off x="177315" y="603429"/>
+            <a:ext cx="8779649" cy="442590"/>
+          </a:xfrm>
+          <a:prstGeom prst="rect">
+            <a:avLst/>
+          </a:prstGeom>
+          <a:noFill/>
+          <a:ln>
+            <a:noFill/>
+          </a:ln>
+        </p:spPr>
+        <p:txBody>
+          <a:bodyPr spcFirstLastPara="1" wrap="square" lIns="91425" tIns="91425" rIns="91425" bIns="91425" anchor="t" anchorCtr="0">
+            <a:noAutofit/>
+          </a:bodyPr>
+          <a:lstStyle>
+            <a:defPPr marR="0" lvl="0" algn="l" rtl="0">
+              <a:lnSpc>
+                <a:spcPct val="100000"/>
+              </a:lnSpc>
+              <a:spcBef>
+                <a:spcPts val="0"/>
+              </a:spcBef>
+              <a:spcAft>
+                <a:spcPts val="0"/>
+              </a:spcAft>
+            </a:defPPr>
+            <a:lvl1pPr marL="457200" marR="0" lvl="0" indent="-342900" algn="l" rtl="0">
+              <a:lnSpc>
+                <a:spcPct val="115000"/>
+              </a:lnSpc>
+              <a:spcBef>
+                <a:spcPts val="0"/>
+              </a:spcBef>
+              <a:spcAft>
+                <a:spcPts val="0"/>
+              </a:spcAft>
+              <a:buClr>
+                <a:schemeClr val="dk2"/>
+              </a:buClr>
+              <a:buSzPts val="1800"/>
+              <a:buFont typeface="Arial"/>
+              <a:buChar char="●"/>
+              <a:defRPr sz="1800" b="0" i="0" u="none" strike="noStrike" cap="none">
+                <a:solidFill>
+                  <a:schemeClr val="dk2"/>
+                </a:solidFill>
+                <a:latin typeface="Arial"/>
+                <a:ea typeface="Arial"/>
+                <a:cs typeface="Arial"/>
+                <a:sym typeface="Arial"/>
+              </a:defRPr>
+            </a:lvl1pPr>
+            <a:lvl2pPr marL="914400" marR="0" lvl="1" indent="-317500" algn="l" rtl="0">
+              <a:lnSpc>
+                <a:spcPct val="115000"/>
+              </a:lnSpc>
+              <a:spcBef>
+                <a:spcPts val="0"/>
+              </a:spcBef>
+              <a:spcAft>
+                <a:spcPts val="0"/>
+              </a:spcAft>
+              <a:buClr>
+                <a:schemeClr val="dk2"/>
+              </a:buClr>
+              <a:buSzPts val="1400"/>
+              <a:buFont typeface="Arial"/>
+              <a:buChar char="○"/>
+              <a:defRPr sz="1400" b="0" i="0" u="none" strike="noStrike" cap="none">
+                <a:solidFill>
+                  <a:schemeClr val="dk2"/>
+                </a:solidFill>
+                <a:latin typeface="Arial"/>
+                <a:ea typeface="Arial"/>
+                <a:cs typeface="Arial"/>
+                <a:sym typeface="Arial"/>
+              </a:defRPr>
+            </a:lvl2pPr>
+            <a:lvl3pPr marL="1371600" marR="0" lvl="2" indent="-317500" algn="l" rtl="0">
+              <a:lnSpc>
+                <a:spcPct val="115000"/>
+              </a:lnSpc>
+              <a:spcBef>
+                <a:spcPts val="0"/>
+              </a:spcBef>
+              <a:spcAft>
+                <a:spcPts val="0"/>
+              </a:spcAft>
+              <a:buClr>
+                <a:schemeClr val="dk2"/>
+              </a:buClr>
+              <a:buSzPts val="1400"/>
+              <a:buFont typeface="Arial"/>
+              <a:buChar char="■"/>
+              <a:defRPr sz="1400" b="0" i="0" u="none" strike="noStrike" cap="none">
+                <a:solidFill>
+                  <a:schemeClr val="dk2"/>
+                </a:solidFill>
+                <a:latin typeface="Arial"/>
+                <a:ea typeface="Arial"/>
+                <a:cs typeface="Arial"/>
+                <a:sym typeface="Arial"/>
+              </a:defRPr>
+            </a:lvl3pPr>
+            <a:lvl4pPr marL="1828800" marR="0" lvl="3" indent="-317500" algn="l" rtl="0">
+              <a:lnSpc>
+                <a:spcPct val="115000"/>
+              </a:lnSpc>
+              <a:spcBef>
+                <a:spcPts val="0"/>
+              </a:spcBef>
+              <a:spcAft>
+                <a:spcPts val="0"/>
+              </a:spcAft>
+              <a:buClr>
+                <a:schemeClr val="dk2"/>
+              </a:buClr>
+              <a:buSzPts val="1400"/>
+              <a:buFont typeface="Arial"/>
+              <a:buChar char="●"/>
+              <a:defRPr sz="1400" b="0" i="0" u="none" strike="noStrike" cap="none">
+                <a:solidFill>
+                  <a:schemeClr val="dk2"/>
+                </a:solidFill>
+                <a:latin typeface="Arial"/>
+                <a:ea typeface="Arial"/>
+                <a:cs typeface="Arial"/>
+                <a:sym typeface="Arial"/>
+              </a:defRPr>
+            </a:lvl4pPr>
+            <a:lvl5pPr marL="2286000" marR="0" lvl="4" indent="-317500" algn="l" rtl="0">
+              <a:lnSpc>
+                <a:spcPct val="115000"/>
+              </a:lnSpc>
+              <a:spcBef>
+                <a:spcPts val="0"/>
+              </a:spcBef>
+              <a:spcAft>
+                <a:spcPts val="0"/>
+              </a:spcAft>
+              <a:buClr>
+                <a:schemeClr val="dk2"/>
+              </a:buClr>
+              <a:buSzPts val="1400"/>
+              <a:buFont typeface="Arial"/>
+              <a:buChar char="○"/>
+              <a:defRPr sz="1400" b="0" i="0" u="none" strike="noStrike" cap="none">
+                <a:solidFill>
+                  <a:schemeClr val="dk2"/>
+                </a:solidFill>
+                <a:latin typeface="Arial"/>
+                <a:ea typeface="Arial"/>
+                <a:cs typeface="Arial"/>
+                <a:sym typeface="Arial"/>
+              </a:defRPr>
+            </a:lvl5pPr>
+            <a:lvl6pPr marL="2743200" marR="0" lvl="5" indent="-317500" algn="l" rtl="0">
+              <a:lnSpc>
+                <a:spcPct val="115000"/>
+              </a:lnSpc>
+              <a:spcBef>
+                <a:spcPts val="0"/>
+              </a:spcBef>
+              <a:spcAft>
+                <a:spcPts val="0"/>
+              </a:spcAft>
+              <a:buClr>
+                <a:schemeClr val="dk2"/>
+              </a:buClr>
+              <a:buSzPts val="1400"/>
+              <a:buFont typeface="Arial"/>
+              <a:buChar char="■"/>
+              <a:defRPr sz="1400" b="0" i="0" u="none" strike="noStrike" cap="none">
+                <a:solidFill>
+                  <a:schemeClr val="dk2"/>
+                </a:solidFill>
+                <a:latin typeface="Arial"/>
+                <a:ea typeface="Arial"/>
+                <a:cs typeface="Arial"/>
+                <a:sym typeface="Arial"/>
+              </a:defRPr>
+            </a:lvl6pPr>
+            <a:lvl7pPr marL="3200400" marR="0" lvl="6" indent="-317500" algn="l" rtl="0">
+              <a:lnSpc>
+                <a:spcPct val="115000"/>
+              </a:lnSpc>
+              <a:spcBef>
+                <a:spcPts val="0"/>
+              </a:spcBef>
+              <a:spcAft>
+                <a:spcPts val="0"/>
+              </a:spcAft>
+              <a:buClr>
+                <a:schemeClr val="dk2"/>
+              </a:buClr>
+              <a:buSzPts val="1400"/>
+              <a:buFont typeface="Arial"/>
+              <a:buChar char="●"/>
+              <a:defRPr sz="1400" b="0" i="0" u="none" strike="noStrike" cap="none">
+                <a:solidFill>
+                  <a:schemeClr val="dk2"/>
+                </a:solidFill>
+                <a:latin typeface="Arial"/>
+                <a:ea typeface="Arial"/>
+                <a:cs typeface="Arial"/>
+                <a:sym typeface="Arial"/>
+              </a:defRPr>
+            </a:lvl7pPr>
+            <a:lvl8pPr marL="3657600" marR="0" lvl="7" indent="-317500" algn="l" rtl="0">
+              <a:lnSpc>
+                <a:spcPct val="115000"/>
+              </a:lnSpc>
+              <a:spcBef>
+                <a:spcPts val="0"/>
+              </a:spcBef>
+              <a:spcAft>
+                <a:spcPts val="0"/>
+              </a:spcAft>
+              <a:buClr>
+                <a:schemeClr val="dk2"/>
+              </a:buClr>
+              <a:buSzPts val="1400"/>
+              <a:buFont typeface="Arial"/>
+              <a:buChar char="○"/>
+              <a:defRPr sz="1400" b="0" i="0" u="none" strike="noStrike" cap="none">
+                <a:solidFill>
+                  <a:schemeClr val="dk2"/>
+                </a:solidFill>
+                <a:latin typeface="Arial"/>
+                <a:ea typeface="Arial"/>
+                <a:cs typeface="Arial"/>
+                <a:sym typeface="Arial"/>
+              </a:defRPr>
+            </a:lvl8pPr>
+            <a:lvl9pPr marL="4114800" marR="0" lvl="8" indent="-317500" algn="l" rtl="0">
+              <a:lnSpc>
+                <a:spcPct val="115000"/>
+              </a:lnSpc>
+              <a:spcBef>
+                <a:spcPts val="0"/>
+              </a:spcBef>
+              <a:spcAft>
+                <a:spcPts val="0"/>
+              </a:spcAft>
+              <a:buClr>
+                <a:schemeClr val="dk2"/>
+              </a:buClr>
+              <a:buSzPts val="1400"/>
+              <a:buFont typeface="Arial"/>
+              <a:buChar char="■"/>
+              <a:defRPr sz="1400" b="0" i="0" u="none" strike="noStrike" cap="none">
+                <a:solidFill>
+                  <a:schemeClr val="dk2"/>
+                </a:solidFill>
+                <a:latin typeface="Arial"/>
+                <a:ea typeface="Arial"/>
+                <a:cs typeface="Arial"/>
+                <a:sym typeface="Arial"/>
+              </a:defRPr>
+            </a:lvl9pPr>
+          </a:lstStyle>
+          <a:p>
+            <a:pPr marL="114300" indent="0">
+              <a:buNone/>
+            </a:pPr>
+            <a:r>
+              <a:rPr lang="en-US" sz="1400" b="1" dirty="0">
+                <a:solidFill>
+                  <a:schemeClr val="dk1"/>
+                </a:solidFill>
+              </a:rPr>
+              <a:t>Cluster Interpretation – </a:t>
+            </a:r>
+            <a:r>
+              <a:rPr lang="en-US" sz="1400" b="1" dirty="0" err="1">
+                <a:solidFill>
+                  <a:schemeClr val="dk1"/>
+                </a:solidFill>
+              </a:rPr>
+              <a:t>Boxenplot</a:t>
+            </a:r>
+            <a:r>
+              <a:rPr lang="en-US" sz="1400" b="1" dirty="0">
+                <a:solidFill>
+                  <a:schemeClr val="dk1"/>
+                </a:solidFill>
+              </a:rPr>
+              <a:t> Visualization</a:t>
+            </a:r>
+          </a:p>
+        </p:txBody>
+      </p:sp>
+      <p:pic>
+        <p:nvPicPr>
+          <p:cNvPr id="28" name="Picture 27">
+            <a:extLst>
+              <a:ext uri="{FF2B5EF4-FFF2-40B4-BE49-F238E27FC236}">
+                <a16:creationId xmlns:a16="http://schemas.microsoft.com/office/drawing/2014/main" id="{AA97D1B9-C7A4-3C3E-060C-7536D104D291}"/>
+              </a:ext>
+            </a:extLst>
+          </p:cNvPr>
+          <p:cNvPicPr>
+            <a:picLocks noChangeAspect="1"/>
+          </p:cNvPicPr>
+          <p:nvPr/>
+        </p:nvPicPr>
+        <p:blipFill>
+          <a:blip r:embed="rId3"/>
+          <a:stretch>
+            <a:fillRect/>
+          </a:stretch>
+        </p:blipFill>
+        <p:spPr>
+          <a:xfrm>
+            <a:off x="177315" y="1137565"/>
+            <a:ext cx="4152420" cy="3450998"/>
+          </a:xfrm>
+          <a:prstGeom prst="rect">
+            <a:avLst/>
+          </a:prstGeom>
+        </p:spPr>
+      </p:pic>
+      <p:sp>
+        <p:nvSpPr>
+          <p:cNvPr id="29" name="TextBox 28">
+            <a:extLst>
+              <a:ext uri="{FF2B5EF4-FFF2-40B4-BE49-F238E27FC236}">
+                <a16:creationId xmlns:a16="http://schemas.microsoft.com/office/drawing/2014/main" id="{F2C87961-6DFE-FFED-3492-7EE3665B5711}"/>
+              </a:ext>
+            </a:extLst>
+          </p:cNvPr>
+          <p:cNvSpPr txBox="1"/>
+          <p:nvPr/>
+        </p:nvSpPr>
+        <p:spPr>
+          <a:xfrm>
+            <a:off x="4567139" y="989696"/>
+            <a:ext cx="4152420" cy="3539430"/>
+          </a:xfrm>
+          <a:prstGeom prst="rect">
+            <a:avLst/>
+          </a:prstGeom>
+          <a:noFill/>
+        </p:spPr>
+        <p:txBody>
+          <a:bodyPr wrap="square">
+            <a:spAutoFit/>
+          </a:bodyPr>
+          <a:lstStyle/>
+          <a:p>
+            <a:r>
+              <a:rPr lang="en-US" b="1" dirty="0">
+                <a:solidFill>
+                  <a:schemeClr val="tx1"/>
+                </a:solidFill>
+                <a:latin typeface="Dosis" pitchFamily="2" charset="0"/>
+              </a:rPr>
+              <a:t>Major Findings :</a:t>
+            </a:r>
+          </a:p>
+          <a:p>
+            <a:endParaRPr lang="en-US" b="1" dirty="0">
+              <a:solidFill>
+                <a:schemeClr val="tx1"/>
+              </a:solidFill>
+              <a:latin typeface="Dosis" pitchFamily="2" charset="0"/>
+            </a:endParaRPr>
+          </a:p>
+          <a:p>
+            <a:pPr marL="285750" indent="-285750">
+              <a:buFont typeface="Wingdings" panose="05000000000000000000" pitchFamily="2" charset="2"/>
+              <a:buChar char="q"/>
+            </a:pPr>
+            <a:r>
+              <a:rPr lang="en-US" b="1" dirty="0">
+                <a:solidFill>
+                  <a:srgbClr val="C00000"/>
+                </a:solidFill>
+                <a:latin typeface="Dosis" pitchFamily="2" charset="0"/>
+              </a:rPr>
+              <a:t>The Low Spenders (Cluster 0) </a:t>
+            </a:r>
+            <a:r>
+              <a:rPr lang="en-US" dirty="0">
+                <a:solidFill>
+                  <a:schemeClr val="tx1"/>
+                </a:solidFill>
+                <a:latin typeface="Dosis" pitchFamily="2" charset="0"/>
+              </a:rPr>
+              <a:t>exhibit a high distribution of website visits but have the lowest total acceptance campaign and conversion rates.</a:t>
+            </a:r>
+          </a:p>
+          <a:p>
+            <a:pPr marL="285750" indent="-285750">
+              <a:buFont typeface="Wingdings" panose="05000000000000000000" pitchFamily="2" charset="2"/>
+              <a:buChar char="q"/>
+            </a:pPr>
+            <a:endParaRPr lang="en-US" dirty="0">
+              <a:solidFill>
+                <a:schemeClr val="tx1"/>
+              </a:solidFill>
+              <a:latin typeface="Dosis" pitchFamily="2" charset="0"/>
+            </a:endParaRPr>
+          </a:p>
+          <a:p>
+            <a:pPr marL="285750" indent="-285750">
+              <a:buFont typeface="Wingdings" panose="05000000000000000000" pitchFamily="2" charset="2"/>
+              <a:buChar char="q"/>
+            </a:pPr>
+            <a:r>
+              <a:rPr lang="en-US" dirty="0">
+                <a:solidFill>
+                  <a:schemeClr val="tx1"/>
+                </a:solidFill>
+                <a:latin typeface="Dosis" pitchFamily="2" charset="0"/>
+              </a:rPr>
+              <a:t>This suggests that this group frequently visits the company's website but may not fully realize or be responsive to the campaigns offered. Considering this group has the largest population, the company needs to develop the right strategy to capture their attention and increase their engagement.</a:t>
+            </a:r>
+          </a:p>
+          <a:p>
+            <a:pPr marL="285750" indent="-285750">
+              <a:buFont typeface="Wingdings" panose="05000000000000000000" pitchFamily="2" charset="2"/>
+              <a:buChar char="q"/>
+            </a:pPr>
+            <a:endParaRPr lang="en-US" dirty="0">
+              <a:solidFill>
+                <a:schemeClr val="tx1"/>
+              </a:solidFill>
+              <a:latin typeface="Dosis" pitchFamily="2" charset="0"/>
+            </a:endParaRPr>
+          </a:p>
+          <a:p>
+            <a:pPr marL="285750" indent="-285750">
+              <a:buFont typeface="Wingdings" panose="05000000000000000000" pitchFamily="2" charset="2"/>
+              <a:buChar char="q"/>
+            </a:pPr>
+            <a:r>
+              <a:rPr lang="en-US" dirty="0">
+                <a:solidFill>
+                  <a:schemeClr val="tx1"/>
+                </a:solidFill>
+                <a:latin typeface="Dosis" pitchFamily="2" charset="0"/>
+              </a:rPr>
+              <a:t>Further analysis may be needed to understand the reasons behind the low acceptance campaign within this group.</a:t>
+            </a:r>
+          </a:p>
+        </p:txBody>
+      </p:sp>
+    </p:spTree>
+    <p:extLst>
+      <p:ext uri="{BB962C8B-B14F-4D97-AF65-F5344CB8AC3E}">
+        <p14:creationId xmlns:p14="http://schemas.microsoft.com/office/powerpoint/2010/main" val="2621699752"/>
+      </p:ext>
+    </p:extLst>
+  </p:cSld>
+  <p:clrMapOvr>
+    <a:masterClrMapping/>
+  </p:clrMapOvr>
+</p:sld>
+</file>
+
+<file path=ppt/slides/slide6.xml><?xml version="1.0" encoding="utf-8"?>
+<p:sld xmlns:a="http://schemas.openxmlformats.org/drawingml/2006/main" xmlns:r="http://schemas.openxmlformats.org/officeDocument/2006/relationships" xmlns:p="http://schemas.openxmlformats.org/presentationml/2006/main">
+  <p:cSld>
+    <p:spTree>
+      <p:nvGrpSpPr>
+        <p:cNvPr id="1" name="Shape 53"/>
+        <p:cNvGrpSpPr/>
+        <p:nvPr/>
+      </p:nvGrpSpPr>
+      <p:grpSpPr>
+        <a:xfrm>
+          <a:off x="0" y="0"/>
+          <a:ext cx="0" cy="0"/>
+          <a:chOff x="0" y="0"/>
+          <a:chExt cx="0" cy="0"/>
+        </a:xfrm>
+      </p:grpSpPr>
+      <p:sp>
+        <p:nvSpPr>
+          <p:cNvPr id="54" name="Google Shape;54;p13"/>
+          <p:cNvSpPr txBox="1">
+            <a:spLocks noGrp="1"/>
+          </p:cNvSpPr>
+          <p:nvPr>
+            <p:ph type="title"/>
+          </p:nvPr>
+        </p:nvSpPr>
+        <p:spPr>
+          <a:xfrm>
+            <a:off x="0" y="37175"/>
+            <a:ext cx="8180700" cy="523200"/>
+          </a:xfrm>
+          <a:prstGeom prst="rect">
+            <a:avLst/>
+          </a:prstGeom>
+        </p:spPr>
+        <p:txBody>
+          <a:bodyPr spcFirstLastPara="1" wrap="square" lIns="91425" tIns="91425" rIns="91425" bIns="91425" anchor="t" anchorCtr="0">
+            <a:noAutofit/>
+          </a:bodyPr>
+          <a:lstStyle/>
+          <a:p>
+            <a:pPr marL="0" lvl="0" indent="0" algn="ctr" rtl="0">
+              <a:spcBef>
+                <a:spcPts val="0"/>
+              </a:spcBef>
+              <a:spcAft>
+                <a:spcPts val="0"/>
+              </a:spcAft>
+              <a:buSzPts val="990"/>
+              <a:buNone/>
+            </a:pPr>
+            <a:r>
+              <a:rPr lang="en" sz="1798" b="1">
+                <a:latin typeface="Roboto"/>
+                <a:ea typeface="Roboto"/>
+                <a:cs typeface="Roboto"/>
+                <a:sym typeface="Roboto"/>
+              </a:rPr>
+              <a:t>Customer Personality Analysis for Marketing Retargeting</a:t>
+            </a:r>
+            <a:endParaRPr sz="1798">
+              <a:solidFill>
+                <a:schemeClr val="lt1"/>
+              </a:solidFill>
+              <a:latin typeface="Roboto"/>
+              <a:ea typeface="Roboto"/>
+              <a:cs typeface="Roboto"/>
+              <a:sym typeface="Roboto"/>
+            </a:endParaRPr>
+          </a:p>
+        </p:txBody>
+      </p:sp>
+      <p:sp>
+        <p:nvSpPr>
+          <p:cNvPr id="6" name="Google Shape;55;p13">
+            <a:extLst>
+              <a:ext uri="{FF2B5EF4-FFF2-40B4-BE49-F238E27FC236}">
+                <a16:creationId xmlns:a16="http://schemas.microsoft.com/office/drawing/2014/main" id="{4ABF5694-D66F-0379-3F41-1C38ADA7AEB9}"/>
+              </a:ext>
+            </a:extLst>
+          </p:cNvPr>
+          <p:cNvSpPr txBox="1">
+            <a:spLocks/>
+          </p:cNvSpPr>
+          <p:nvPr/>
+        </p:nvSpPr>
+        <p:spPr>
+          <a:xfrm>
+            <a:off x="177315" y="603429"/>
+            <a:ext cx="8779649" cy="442590"/>
+          </a:xfrm>
+          <a:prstGeom prst="rect">
+            <a:avLst/>
+          </a:prstGeom>
+          <a:noFill/>
+          <a:ln>
+            <a:noFill/>
+          </a:ln>
+        </p:spPr>
+        <p:txBody>
+          <a:bodyPr spcFirstLastPara="1" wrap="square" lIns="91425" tIns="91425" rIns="91425" bIns="91425" anchor="t" anchorCtr="0">
+            <a:noAutofit/>
+          </a:bodyPr>
+          <a:lstStyle>
+            <a:defPPr marR="0" lvl="0" algn="l" rtl="0">
+              <a:lnSpc>
+                <a:spcPct val="100000"/>
+              </a:lnSpc>
+              <a:spcBef>
+                <a:spcPts val="0"/>
+              </a:spcBef>
+              <a:spcAft>
+                <a:spcPts val="0"/>
+              </a:spcAft>
+            </a:defPPr>
+            <a:lvl1pPr marL="457200" marR="0" lvl="0" indent="-342900" algn="l" rtl="0">
+              <a:lnSpc>
+                <a:spcPct val="115000"/>
+              </a:lnSpc>
+              <a:spcBef>
+                <a:spcPts val="0"/>
+              </a:spcBef>
+              <a:spcAft>
+                <a:spcPts val="0"/>
+              </a:spcAft>
+              <a:buClr>
+                <a:schemeClr val="dk2"/>
+              </a:buClr>
+              <a:buSzPts val="1800"/>
+              <a:buFont typeface="Arial"/>
+              <a:buChar char="●"/>
+              <a:defRPr sz="1800" b="0" i="0" u="none" strike="noStrike" cap="none">
+                <a:solidFill>
+                  <a:schemeClr val="dk2"/>
+                </a:solidFill>
+                <a:latin typeface="Arial"/>
+                <a:ea typeface="Arial"/>
+                <a:cs typeface="Arial"/>
+                <a:sym typeface="Arial"/>
+              </a:defRPr>
+            </a:lvl1pPr>
+            <a:lvl2pPr marL="914400" marR="0" lvl="1" indent="-317500" algn="l" rtl="0">
+              <a:lnSpc>
+                <a:spcPct val="115000"/>
+              </a:lnSpc>
+              <a:spcBef>
+                <a:spcPts val="0"/>
+              </a:spcBef>
+              <a:spcAft>
+                <a:spcPts val="0"/>
+              </a:spcAft>
+              <a:buClr>
+                <a:schemeClr val="dk2"/>
+              </a:buClr>
+              <a:buSzPts val="1400"/>
+              <a:buFont typeface="Arial"/>
+              <a:buChar char="○"/>
+              <a:defRPr sz="1400" b="0" i="0" u="none" strike="noStrike" cap="none">
+                <a:solidFill>
+                  <a:schemeClr val="dk2"/>
+                </a:solidFill>
+                <a:latin typeface="Arial"/>
+                <a:ea typeface="Arial"/>
+                <a:cs typeface="Arial"/>
+                <a:sym typeface="Arial"/>
+              </a:defRPr>
+            </a:lvl2pPr>
+            <a:lvl3pPr marL="1371600" marR="0" lvl="2" indent="-317500" algn="l" rtl="0">
+              <a:lnSpc>
+                <a:spcPct val="115000"/>
+              </a:lnSpc>
+              <a:spcBef>
+                <a:spcPts val="0"/>
+              </a:spcBef>
+              <a:spcAft>
+                <a:spcPts val="0"/>
+              </a:spcAft>
+              <a:buClr>
+                <a:schemeClr val="dk2"/>
+              </a:buClr>
+              <a:buSzPts val="1400"/>
+              <a:buFont typeface="Arial"/>
+              <a:buChar char="■"/>
+              <a:defRPr sz="1400" b="0" i="0" u="none" strike="noStrike" cap="none">
+                <a:solidFill>
+                  <a:schemeClr val="dk2"/>
+                </a:solidFill>
+                <a:latin typeface="Arial"/>
+                <a:ea typeface="Arial"/>
+                <a:cs typeface="Arial"/>
+                <a:sym typeface="Arial"/>
+              </a:defRPr>
+            </a:lvl3pPr>
+            <a:lvl4pPr marL="1828800" marR="0" lvl="3" indent="-317500" algn="l" rtl="0">
+              <a:lnSpc>
+                <a:spcPct val="115000"/>
+              </a:lnSpc>
+              <a:spcBef>
+                <a:spcPts val="0"/>
+              </a:spcBef>
+              <a:spcAft>
+                <a:spcPts val="0"/>
+              </a:spcAft>
+              <a:buClr>
+                <a:schemeClr val="dk2"/>
+              </a:buClr>
+              <a:buSzPts val="1400"/>
+              <a:buFont typeface="Arial"/>
+              <a:buChar char="●"/>
+              <a:defRPr sz="1400" b="0" i="0" u="none" strike="noStrike" cap="none">
+                <a:solidFill>
+                  <a:schemeClr val="dk2"/>
+                </a:solidFill>
+                <a:latin typeface="Arial"/>
+                <a:ea typeface="Arial"/>
+                <a:cs typeface="Arial"/>
+                <a:sym typeface="Arial"/>
+              </a:defRPr>
+            </a:lvl4pPr>
+            <a:lvl5pPr marL="2286000" marR="0" lvl="4" indent="-317500" algn="l" rtl="0">
+              <a:lnSpc>
+                <a:spcPct val="115000"/>
+              </a:lnSpc>
+              <a:spcBef>
+                <a:spcPts val="0"/>
+              </a:spcBef>
+              <a:spcAft>
+                <a:spcPts val="0"/>
+              </a:spcAft>
+              <a:buClr>
+                <a:schemeClr val="dk2"/>
+              </a:buClr>
+              <a:buSzPts val="1400"/>
+              <a:buFont typeface="Arial"/>
+              <a:buChar char="○"/>
+              <a:defRPr sz="1400" b="0" i="0" u="none" strike="noStrike" cap="none">
+                <a:solidFill>
+                  <a:schemeClr val="dk2"/>
+                </a:solidFill>
+                <a:latin typeface="Arial"/>
+                <a:ea typeface="Arial"/>
+                <a:cs typeface="Arial"/>
+                <a:sym typeface="Arial"/>
+              </a:defRPr>
+            </a:lvl5pPr>
+            <a:lvl6pPr marL="2743200" marR="0" lvl="5" indent="-317500" algn="l" rtl="0">
+              <a:lnSpc>
+                <a:spcPct val="115000"/>
+              </a:lnSpc>
+              <a:spcBef>
+                <a:spcPts val="0"/>
+              </a:spcBef>
+              <a:spcAft>
+                <a:spcPts val="0"/>
+              </a:spcAft>
+              <a:buClr>
+                <a:schemeClr val="dk2"/>
+              </a:buClr>
+              <a:buSzPts val="1400"/>
+              <a:buFont typeface="Arial"/>
+              <a:buChar char="■"/>
+              <a:defRPr sz="1400" b="0" i="0" u="none" strike="noStrike" cap="none">
+                <a:solidFill>
+                  <a:schemeClr val="dk2"/>
+                </a:solidFill>
+                <a:latin typeface="Arial"/>
+                <a:ea typeface="Arial"/>
+                <a:cs typeface="Arial"/>
+                <a:sym typeface="Arial"/>
+              </a:defRPr>
+            </a:lvl6pPr>
+            <a:lvl7pPr marL="3200400" marR="0" lvl="6" indent="-317500" algn="l" rtl="0">
+              <a:lnSpc>
+                <a:spcPct val="115000"/>
+              </a:lnSpc>
+              <a:spcBef>
+                <a:spcPts val="0"/>
+              </a:spcBef>
+              <a:spcAft>
+                <a:spcPts val="0"/>
+              </a:spcAft>
+              <a:buClr>
+                <a:schemeClr val="dk2"/>
+              </a:buClr>
+              <a:buSzPts val="1400"/>
+              <a:buFont typeface="Arial"/>
+              <a:buChar char="●"/>
+              <a:defRPr sz="1400" b="0" i="0" u="none" strike="noStrike" cap="none">
+                <a:solidFill>
+                  <a:schemeClr val="dk2"/>
+                </a:solidFill>
+                <a:latin typeface="Arial"/>
+                <a:ea typeface="Arial"/>
+                <a:cs typeface="Arial"/>
+                <a:sym typeface="Arial"/>
+              </a:defRPr>
+            </a:lvl7pPr>
+            <a:lvl8pPr marL="3657600" marR="0" lvl="7" indent="-317500" algn="l" rtl="0">
+              <a:lnSpc>
+                <a:spcPct val="115000"/>
+              </a:lnSpc>
+              <a:spcBef>
+                <a:spcPts val="0"/>
+              </a:spcBef>
+              <a:spcAft>
+                <a:spcPts val="0"/>
+              </a:spcAft>
+              <a:buClr>
+                <a:schemeClr val="dk2"/>
+              </a:buClr>
+              <a:buSzPts val="1400"/>
+              <a:buFont typeface="Arial"/>
+              <a:buChar char="○"/>
+              <a:defRPr sz="1400" b="0" i="0" u="none" strike="noStrike" cap="none">
+                <a:solidFill>
+                  <a:schemeClr val="dk2"/>
+                </a:solidFill>
+                <a:latin typeface="Arial"/>
+                <a:ea typeface="Arial"/>
+                <a:cs typeface="Arial"/>
+                <a:sym typeface="Arial"/>
+              </a:defRPr>
+            </a:lvl8pPr>
+            <a:lvl9pPr marL="4114800" marR="0" lvl="8" indent="-317500" algn="l" rtl="0">
+              <a:lnSpc>
+                <a:spcPct val="115000"/>
+              </a:lnSpc>
+              <a:spcBef>
+                <a:spcPts val="0"/>
+              </a:spcBef>
+              <a:spcAft>
+                <a:spcPts val="0"/>
+              </a:spcAft>
+              <a:buClr>
+                <a:schemeClr val="dk2"/>
+              </a:buClr>
+              <a:buSzPts val="1400"/>
+              <a:buFont typeface="Arial"/>
+              <a:buChar char="■"/>
+              <a:defRPr sz="1400" b="0" i="0" u="none" strike="noStrike" cap="none">
+                <a:solidFill>
+                  <a:schemeClr val="dk2"/>
+                </a:solidFill>
+                <a:latin typeface="Arial"/>
+                <a:ea typeface="Arial"/>
+                <a:cs typeface="Arial"/>
+                <a:sym typeface="Arial"/>
+              </a:defRPr>
+            </a:lvl9pPr>
+          </a:lstStyle>
+          <a:p>
+            <a:pPr marL="114300" indent="0">
+              <a:buNone/>
+            </a:pPr>
+            <a:r>
+              <a:rPr lang="en-US" sz="1400" b="1" dirty="0">
+                <a:solidFill>
+                  <a:schemeClr val="dk1"/>
+                </a:solidFill>
+              </a:rPr>
+              <a:t>Cluster Interpretation – </a:t>
+            </a:r>
+            <a:r>
+              <a:rPr lang="en-US" sz="1400" b="1" dirty="0" err="1">
+                <a:solidFill>
+                  <a:schemeClr val="dk1"/>
+                </a:solidFill>
+              </a:rPr>
+              <a:t>Boxenplot</a:t>
+            </a:r>
+            <a:r>
+              <a:rPr lang="en-US" sz="1400" b="1" dirty="0">
+                <a:solidFill>
+                  <a:schemeClr val="dk1"/>
+                </a:solidFill>
+              </a:rPr>
+              <a:t> Visualization</a:t>
+            </a:r>
+          </a:p>
+        </p:txBody>
+      </p:sp>
+      <p:pic>
+        <p:nvPicPr>
+          <p:cNvPr id="28" name="Picture 27">
+            <a:extLst>
+              <a:ext uri="{FF2B5EF4-FFF2-40B4-BE49-F238E27FC236}">
+                <a16:creationId xmlns:a16="http://schemas.microsoft.com/office/drawing/2014/main" id="{AA97D1B9-C7A4-3C3E-060C-7536D104D291}"/>
+              </a:ext>
+            </a:extLst>
+          </p:cNvPr>
+          <p:cNvPicPr>
+            <a:picLocks noChangeAspect="1"/>
+          </p:cNvPicPr>
+          <p:nvPr/>
+        </p:nvPicPr>
+        <p:blipFill>
+          <a:blip r:embed="rId3"/>
+          <a:stretch>
+            <a:fillRect/>
+          </a:stretch>
+        </p:blipFill>
+        <p:spPr>
+          <a:xfrm>
+            <a:off x="177315" y="1137565"/>
+            <a:ext cx="4152420" cy="3450998"/>
+          </a:xfrm>
+          <a:prstGeom prst="rect">
+            <a:avLst/>
+          </a:prstGeom>
+        </p:spPr>
+      </p:pic>
+      <p:sp>
+        <p:nvSpPr>
+          <p:cNvPr id="29" name="TextBox 28">
+            <a:extLst>
+              <a:ext uri="{FF2B5EF4-FFF2-40B4-BE49-F238E27FC236}">
+                <a16:creationId xmlns:a16="http://schemas.microsoft.com/office/drawing/2014/main" id="{F2C87961-6DFE-FFED-3492-7EE3665B5711}"/>
+              </a:ext>
+            </a:extLst>
+          </p:cNvPr>
+          <p:cNvSpPr txBox="1"/>
+          <p:nvPr/>
+        </p:nvSpPr>
+        <p:spPr>
+          <a:xfrm>
+            <a:off x="4567139" y="989696"/>
+            <a:ext cx="4280458" cy="3323987"/>
+          </a:xfrm>
+          <a:prstGeom prst="rect">
+            <a:avLst/>
+          </a:prstGeom>
+          <a:noFill/>
+        </p:spPr>
+        <p:txBody>
+          <a:bodyPr wrap="square">
+            <a:spAutoFit/>
+          </a:bodyPr>
+          <a:lstStyle/>
+          <a:p>
+            <a:r>
+              <a:rPr lang="en-US" b="1" dirty="0">
+                <a:solidFill>
+                  <a:schemeClr val="tx1"/>
+                </a:solidFill>
+                <a:latin typeface="Dosis" pitchFamily="2" charset="0"/>
+              </a:rPr>
+              <a:t>Major Findings :</a:t>
+            </a:r>
+          </a:p>
+          <a:p>
+            <a:endParaRPr lang="en-US" b="1" dirty="0">
+              <a:solidFill>
+                <a:schemeClr val="tx1"/>
+              </a:solidFill>
+              <a:latin typeface="Dosis" pitchFamily="2" charset="0"/>
+            </a:endParaRPr>
+          </a:p>
+          <a:p>
+            <a:pPr marL="285750" indent="-285750">
+              <a:buFont typeface="Wingdings" panose="05000000000000000000" pitchFamily="2" charset="2"/>
+              <a:buChar char="q"/>
+            </a:pPr>
+            <a:r>
+              <a:rPr lang="en-US" b="1" dirty="0">
+                <a:solidFill>
+                  <a:srgbClr val="7030A0"/>
+                </a:solidFill>
+                <a:latin typeface="Dosis" pitchFamily="2" charset="0"/>
+              </a:rPr>
+              <a:t>The High Spenders (Cluster 3) is </a:t>
+            </a:r>
+            <a:r>
+              <a:rPr lang="en-US" dirty="0">
+                <a:solidFill>
+                  <a:schemeClr val="tx1"/>
+                </a:solidFill>
+                <a:latin typeface="Dosis" pitchFamily="2" charset="0"/>
+              </a:rPr>
+              <a:t>the cluster that responds the most to campaigns and also cluster with the highest conversion rates.</a:t>
+            </a:r>
+          </a:p>
+          <a:p>
+            <a:pPr marL="285750" indent="-285750">
+              <a:buFont typeface="Wingdings" panose="05000000000000000000" pitchFamily="2" charset="2"/>
+              <a:buChar char="q"/>
+            </a:pPr>
+            <a:endParaRPr lang="en-US" dirty="0">
+              <a:solidFill>
+                <a:schemeClr val="tx1"/>
+              </a:solidFill>
+              <a:latin typeface="Dosis" pitchFamily="2" charset="0"/>
+            </a:endParaRPr>
+          </a:p>
+          <a:p>
+            <a:pPr marL="285750" indent="-285750">
+              <a:buFont typeface="Wingdings" panose="05000000000000000000" pitchFamily="2" charset="2"/>
+              <a:buChar char="q"/>
+            </a:pPr>
+            <a:r>
+              <a:rPr lang="en-US" dirty="0">
+                <a:solidFill>
+                  <a:schemeClr val="tx1"/>
+                </a:solidFill>
+                <a:latin typeface="Dosis" pitchFamily="2" charset="0"/>
+              </a:rPr>
+              <a:t>This indicates that the majority of customers in this group are very responsive to the campaigns offered by the company and indeed have a high buying intent, likely correlated with their very high income.</a:t>
+            </a:r>
+          </a:p>
+          <a:p>
+            <a:pPr marL="285750" indent="-285750">
+              <a:buFont typeface="Wingdings" panose="05000000000000000000" pitchFamily="2" charset="2"/>
+              <a:buChar char="q"/>
+            </a:pPr>
+            <a:endParaRPr lang="en-US" dirty="0">
+              <a:solidFill>
+                <a:schemeClr val="tx1"/>
+              </a:solidFill>
+              <a:latin typeface="Dosis" pitchFamily="2" charset="0"/>
+            </a:endParaRPr>
+          </a:p>
+          <a:p>
+            <a:pPr marL="285750" indent="-285750">
+              <a:buFont typeface="Wingdings" panose="05000000000000000000" pitchFamily="2" charset="2"/>
+              <a:buChar char="q"/>
+            </a:pPr>
+            <a:r>
+              <a:rPr lang="en-US" dirty="0">
+                <a:solidFill>
+                  <a:schemeClr val="tx1"/>
+                </a:solidFill>
+                <a:latin typeface="Dosis" pitchFamily="2" charset="0"/>
+              </a:rPr>
+              <a:t>This could be a good opportunity to increase interaction and purchases from this group by launching more attractive and relevant campaigns according to their preferences.</a:t>
+            </a:r>
+          </a:p>
+        </p:txBody>
+      </p:sp>
+    </p:spTree>
+    <p:extLst>
+      <p:ext uri="{BB962C8B-B14F-4D97-AF65-F5344CB8AC3E}">
+        <p14:creationId xmlns:p14="http://schemas.microsoft.com/office/powerpoint/2010/main" val="3458781073"/>
+      </p:ext>
+    </p:extLst>
+  </p:cSld>
+  <p:clrMapOvr>
+    <a:masterClrMapping/>
+  </p:clrMapOvr>
+</p:sld>
+</file>
+
+<file path=ppt/slides/slide7.xml><?xml version="1.0" encoding="utf-8"?>
+<p:sld xmlns:a="http://schemas.openxmlformats.org/drawingml/2006/main" xmlns:r="http://schemas.openxmlformats.org/officeDocument/2006/relationships" xmlns:p="http://schemas.openxmlformats.org/presentationml/2006/main">
+  <p:cSld>
+    <p:spTree>
+      <p:nvGrpSpPr>
+        <p:cNvPr id="1" name="Shape 53"/>
+        <p:cNvGrpSpPr/>
+        <p:nvPr/>
+      </p:nvGrpSpPr>
+      <p:grpSpPr>
+        <a:xfrm>
+          <a:off x="0" y="0"/>
+          <a:ext cx="0" cy="0"/>
+          <a:chOff x="0" y="0"/>
+          <a:chExt cx="0" cy="0"/>
+        </a:xfrm>
+      </p:grpSpPr>
+      <p:sp>
+        <p:nvSpPr>
+          <p:cNvPr id="54" name="Google Shape;54;p13"/>
+          <p:cNvSpPr txBox="1">
+            <a:spLocks noGrp="1"/>
+          </p:cNvSpPr>
+          <p:nvPr>
+            <p:ph type="title"/>
+          </p:nvPr>
+        </p:nvSpPr>
+        <p:spPr>
+          <a:xfrm>
+            <a:off x="0" y="37175"/>
+            <a:ext cx="8180700" cy="523200"/>
+          </a:xfrm>
+          <a:prstGeom prst="rect">
+            <a:avLst/>
+          </a:prstGeom>
+        </p:spPr>
+        <p:txBody>
+          <a:bodyPr spcFirstLastPara="1" wrap="square" lIns="91425" tIns="91425" rIns="91425" bIns="91425" anchor="t" anchorCtr="0">
+            <a:noAutofit/>
+          </a:bodyPr>
+          <a:lstStyle/>
+          <a:p>
+            <a:pPr marL="0" lvl="0" indent="0" algn="ctr" rtl="0">
+              <a:spcBef>
+                <a:spcPts val="0"/>
+              </a:spcBef>
+              <a:spcAft>
+                <a:spcPts val="0"/>
+              </a:spcAft>
+              <a:buSzPts val="990"/>
+              <a:buNone/>
+            </a:pPr>
+            <a:r>
+              <a:rPr lang="en" sz="1798" b="1">
+                <a:latin typeface="Roboto"/>
+                <a:ea typeface="Roboto"/>
+                <a:cs typeface="Roboto"/>
+                <a:sym typeface="Roboto"/>
+              </a:rPr>
+              <a:t>Customer Personality Analysis for Marketing Retargeting</a:t>
+            </a:r>
+            <a:endParaRPr sz="1798">
+              <a:solidFill>
+                <a:schemeClr val="lt1"/>
+              </a:solidFill>
+              <a:latin typeface="Roboto"/>
+              <a:ea typeface="Roboto"/>
+              <a:cs typeface="Roboto"/>
+              <a:sym typeface="Roboto"/>
+            </a:endParaRPr>
+          </a:p>
+        </p:txBody>
+      </p:sp>
+      <p:sp>
+        <p:nvSpPr>
+          <p:cNvPr id="6" name="Google Shape;55;p13">
+            <a:extLst>
+              <a:ext uri="{FF2B5EF4-FFF2-40B4-BE49-F238E27FC236}">
+                <a16:creationId xmlns:a16="http://schemas.microsoft.com/office/drawing/2014/main" id="{4ABF5694-D66F-0379-3F41-1C38ADA7AEB9}"/>
+              </a:ext>
+            </a:extLst>
+          </p:cNvPr>
+          <p:cNvSpPr txBox="1">
+            <a:spLocks/>
+          </p:cNvSpPr>
+          <p:nvPr/>
+        </p:nvSpPr>
+        <p:spPr>
+          <a:xfrm>
+            <a:off x="177315" y="603429"/>
+            <a:ext cx="8779649" cy="442590"/>
+          </a:xfrm>
+          <a:prstGeom prst="rect">
+            <a:avLst/>
+          </a:prstGeom>
+          <a:noFill/>
+          <a:ln>
+            <a:noFill/>
+          </a:ln>
+        </p:spPr>
+        <p:txBody>
+          <a:bodyPr spcFirstLastPara="1" wrap="square" lIns="91425" tIns="91425" rIns="91425" bIns="91425" anchor="t" anchorCtr="0">
+            <a:noAutofit/>
+          </a:bodyPr>
+          <a:lstStyle>
+            <a:defPPr marR="0" lvl="0" algn="l" rtl="0">
+              <a:lnSpc>
+                <a:spcPct val="100000"/>
+              </a:lnSpc>
+              <a:spcBef>
+                <a:spcPts val="0"/>
+              </a:spcBef>
+              <a:spcAft>
+                <a:spcPts val="0"/>
+              </a:spcAft>
+            </a:defPPr>
+            <a:lvl1pPr marL="457200" marR="0" lvl="0" indent="-342900" algn="l" rtl="0">
+              <a:lnSpc>
+                <a:spcPct val="115000"/>
+              </a:lnSpc>
+              <a:spcBef>
+                <a:spcPts val="0"/>
+              </a:spcBef>
+              <a:spcAft>
+                <a:spcPts val="0"/>
+              </a:spcAft>
+              <a:buClr>
+                <a:schemeClr val="dk2"/>
+              </a:buClr>
+              <a:buSzPts val="1800"/>
+              <a:buFont typeface="Arial"/>
+              <a:buChar char="●"/>
+              <a:defRPr sz="1800" b="0" i="0" u="none" strike="noStrike" cap="none">
+                <a:solidFill>
+                  <a:schemeClr val="dk2"/>
+                </a:solidFill>
+                <a:latin typeface="Arial"/>
+                <a:ea typeface="Arial"/>
+                <a:cs typeface="Arial"/>
+                <a:sym typeface="Arial"/>
+              </a:defRPr>
+            </a:lvl1pPr>
+            <a:lvl2pPr marL="914400" marR="0" lvl="1" indent="-317500" algn="l" rtl="0">
+              <a:lnSpc>
+                <a:spcPct val="115000"/>
+              </a:lnSpc>
+              <a:spcBef>
+                <a:spcPts val="0"/>
+              </a:spcBef>
+              <a:spcAft>
+                <a:spcPts val="0"/>
+              </a:spcAft>
+              <a:buClr>
+                <a:schemeClr val="dk2"/>
+              </a:buClr>
+              <a:buSzPts val="1400"/>
+              <a:buFont typeface="Arial"/>
+              <a:buChar char="○"/>
+              <a:defRPr sz="1400" b="0" i="0" u="none" strike="noStrike" cap="none">
+                <a:solidFill>
+                  <a:schemeClr val="dk2"/>
+                </a:solidFill>
+                <a:latin typeface="Arial"/>
+                <a:ea typeface="Arial"/>
+                <a:cs typeface="Arial"/>
+                <a:sym typeface="Arial"/>
+              </a:defRPr>
+            </a:lvl2pPr>
+            <a:lvl3pPr marL="1371600" marR="0" lvl="2" indent="-317500" algn="l" rtl="0">
+              <a:lnSpc>
+                <a:spcPct val="115000"/>
+              </a:lnSpc>
+              <a:spcBef>
+                <a:spcPts val="0"/>
+              </a:spcBef>
+              <a:spcAft>
+                <a:spcPts val="0"/>
+              </a:spcAft>
+              <a:buClr>
+                <a:schemeClr val="dk2"/>
+              </a:buClr>
+              <a:buSzPts val="1400"/>
+              <a:buFont typeface="Arial"/>
+              <a:buChar char="■"/>
+              <a:defRPr sz="1400" b="0" i="0" u="none" strike="noStrike" cap="none">
+                <a:solidFill>
+                  <a:schemeClr val="dk2"/>
+                </a:solidFill>
+                <a:latin typeface="Arial"/>
+                <a:ea typeface="Arial"/>
+                <a:cs typeface="Arial"/>
+                <a:sym typeface="Arial"/>
+              </a:defRPr>
+            </a:lvl3pPr>
+            <a:lvl4pPr marL="1828800" marR="0" lvl="3" indent="-317500" algn="l" rtl="0">
+              <a:lnSpc>
+                <a:spcPct val="115000"/>
+              </a:lnSpc>
+              <a:spcBef>
+                <a:spcPts val="0"/>
+              </a:spcBef>
+              <a:spcAft>
+                <a:spcPts val="0"/>
+              </a:spcAft>
+              <a:buClr>
+                <a:schemeClr val="dk2"/>
+              </a:buClr>
+              <a:buSzPts val="1400"/>
+              <a:buFont typeface="Arial"/>
+              <a:buChar char="●"/>
+              <a:defRPr sz="1400" b="0" i="0" u="none" strike="noStrike" cap="none">
+                <a:solidFill>
+                  <a:schemeClr val="dk2"/>
+                </a:solidFill>
+                <a:latin typeface="Arial"/>
+                <a:ea typeface="Arial"/>
+                <a:cs typeface="Arial"/>
+                <a:sym typeface="Arial"/>
+              </a:defRPr>
+            </a:lvl4pPr>
+            <a:lvl5pPr marL="2286000" marR="0" lvl="4" indent="-317500" algn="l" rtl="0">
+              <a:lnSpc>
+                <a:spcPct val="115000"/>
+              </a:lnSpc>
+              <a:spcBef>
+                <a:spcPts val="0"/>
+              </a:spcBef>
+              <a:spcAft>
+                <a:spcPts val="0"/>
+              </a:spcAft>
+              <a:buClr>
+                <a:schemeClr val="dk2"/>
+              </a:buClr>
+              <a:buSzPts val="1400"/>
+              <a:buFont typeface="Arial"/>
+              <a:buChar char="○"/>
+              <a:defRPr sz="1400" b="0" i="0" u="none" strike="noStrike" cap="none">
+                <a:solidFill>
+                  <a:schemeClr val="dk2"/>
+                </a:solidFill>
+                <a:latin typeface="Arial"/>
+                <a:ea typeface="Arial"/>
+                <a:cs typeface="Arial"/>
+                <a:sym typeface="Arial"/>
+              </a:defRPr>
+            </a:lvl5pPr>
+            <a:lvl6pPr marL="2743200" marR="0" lvl="5" indent="-317500" algn="l" rtl="0">
+              <a:lnSpc>
+                <a:spcPct val="115000"/>
+              </a:lnSpc>
+              <a:spcBef>
+                <a:spcPts val="0"/>
+              </a:spcBef>
+              <a:spcAft>
+                <a:spcPts val="0"/>
+              </a:spcAft>
+              <a:buClr>
+                <a:schemeClr val="dk2"/>
+              </a:buClr>
+              <a:buSzPts val="1400"/>
+              <a:buFont typeface="Arial"/>
+              <a:buChar char="■"/>
+              <a:defRPr sz="1400" b="0" i="0" u="none" strike="noStrike" cap="none">
+                <a:solidFill>
+                  <a:schemeClr val="dk2"/>
+                </a:solidFill>
+                <a:latin typeface="Arial"/>
+                <a:ea typeface="Arial"/>
+                <a:cs typeface="Arial"/>
+                <a:sym typeface="Arial"/>
+              </a:defRPr>
+            </a:lvl6pPr>
+            <a:lvl7pPr marL="3200400" marR="0" lvl="6" indent="-317500" algn="l" rtl="0">
+              <a:lnSpc>
+                <a:spcPct val="115000"/>
+              </a:lnSpc>
+              <a:spcBef>
+                <a:spcPts val="0"/>
+              </a:spcBef>
+              <a:spcAft>
+                <a:spcPts val="0"/>
+              </a:spcAft>
+              <a:buClr>
+                <a:schemeClr val="dk2"/>
+              </a:buClr>
+              <a:buSzPts val="1400"/>
+              <a:buFont typeface="Arial"/>
+              <a:buChar char="●"/>
+              <a:defRPr sz="1400" b="0" i="0" u="none" strike="noStrike" cap="none">
+                <a:solidFill>
+                  <a:schemeClr val="dk2"/>
+                </a:solidFill>
+                <a:latin typeface="Arial"/>
+                <a:ea typeface="Arial"/>
+                <a:cs typeface="Arial"/>
+                <a:sym typeface="Arial"/>
+              </a:defRPr>
+            </a:lvl7pPr>
+            <a:lvl8pPr marL="3657600" marR="0" lvl="7" indent="-317500" algn="l" rtl="0">
+              <a:lnSpc>
+                <a:spcPct val="115000"/>
+              </a:lnSpc>
+              <a:spcBef>
+                <a:spcPts val="0"/>
+              </a:spcBef>
+              <a:spcAft>
+                <a:spcPts val="0"/>
+              </a:spcAft>
+              <a:buClr>
+                <a:schemeClr val="dk2"/>
+              </a:buClr>
+              <a:buSzPts val="1400"/>
+              <a:buFont typeface="Arial"/>
+              <a:buChar char="○"/>
+              <a:defRPr sz="1400" b="0" i="0" u="none" strike="noStrike" cap="none">
+                <a:solidFill>
+                  <a:schemeClr val="dk2"/>
+                </a:solidFill>
+                <a:latin typeface="Arial"/>
+                <a:ea typeface="Arial"/>
+                <a:cs typeface="Arial"/>
+                <a:sym typeface="Arial"/>
+              </a:defRPr>
+            </a:lvl8pPr>
+            <a:lvl9pPr marL="4114800" marR="0" lvl="8" indent="-317500" algn="l" rtl="0">
+              <a:lnSpc>
+                <a:spcPct val="115000"/>
+              </a:lnSpc>
+              <a:spcBef>
+                <a:spcPts val="0"/>
+              </a:spcBef>
+              <a:spcAft>
+                <a:spcPts val="0"/>
+              </a:spcAft>
+              <a:buClr>
+                <a:schemeClr val="dk2"/>
+              </a:buClr>
+              <a:buSzPts val="1400"/>
+              <a:buFont typeface="Arial"/>
+              <a:buChar char="■"/>
+              <a:defRPr sz="1400" b="0" i="0" u="none" strike="noStrike" cap="none">
+                <a:solidFill>
+                  <a:schemeClr val="dk2"/>
+                </a:solidFill>
+                <a:latin typeface="Arial"/>
+                <a:ea typeface="Arial"/>
+                <a:cs typeface="Arial"/>
+                <a:sym typeface="Arial"/>
+              </a:defRPr>
+            </a:lvl9pPr>
+          </a:lstStyle>
+          <a:p>
+            <a:pPr marL="114300" indent="0">
+              <a:buNone/>
+            </a:pPr>
+            <a:r>
+              <a:rPr lang="en-US" sz="1400" b="1" dirty="0">
+                <a:solidFill>
+                  <a:schemeClr val="dk1"/>
+                </a:solidFill>
+              </a:rPr>
+              <a:t>Cluster Interpretation – </a:t>
+            </a:r>
+            <a:r>
+              <a:rPr lang="en-US" sz="1400" b="1" dirty="0" err="1">
+                <a:solidFill>
+                  <a:schemeClr val="dk1"/>
+                </a:solidFill>
+              </a:rPr>
+              <a:t>Boxenplot</a:t>
+            </a:r>
+            <a:r>
+              <a:rPr lang="en-US" sz="1400" b="1" dirty="0">
+                <a:solidFill>
+                  <a:schemeClr val="dk1"/>
+                </a:solidFill>
+              </a:rPr>
+              <a:t> Visualization</a:t>
+            </a:r>
+          </a:p>
+        </p:txBody>
+      </p:sp>
+      <p:pic>
+        <p:nvPicPr>
+          <p:cNvPr id="28" name="Picture 27">
+            <a:extLst>
+              <a:ext uri="{FF2B5EF4-FFF2-40B4-BE49-F238E27FC236}">
+                <a16:creationId xmlns:a16="http://schemas.microsoft.com/office/drawing/2014/main" id="{AA97D1B9-C7A4-3C3E-060C-7536D104D291}"/>
+              </a:ext>
+            </a:extLst>
+          </p:cNvPr>
+          <p:cNvPicPr>
+            <a:picLocks noChangeAspect="1"/>
+          </p:cNvPicPr>
+          <p:nvPr/>
+        </p:nvPicPr>
+        <p:blipFill>
+          <a:blip r:embed="rId3"/>
+          <a:stretch>
+            <a:fillRect/>
+          </a:stretch>
+        </p:blipFill>
+        <p:spPr>
+          <a:xfrm>
+            <a:off x="177315" y="1137565"/>
+            <a:ext cx="4152420" cy="3450998"/>
+          </a:xfrm>
+          <a:prstGeom prst="rect">
+            <a:avLst/>
+          </a:prstGeom>
+        </p:spPr>
+      </p:pic>
+      <p:sp>
+        <p:nvSpPr>
+          <p:cNvPr id="29" name="TextBox 28">
+            <a:extLst>
+              <a:ext uri="{FF2B5EF4-FFF2-40B4-BE49-F238E27FC236}">
+                <a16:creationId xmlns:a16="http://schemas.microsoft.com/office/drawing/2014/main" id="{F2C87961-6DFE-FFED-3492-7EE3665B5711}"/>
+              </a:ext>
+            </a:extLst>
+          </p:cNvPr>
+          <p:cNvSpPr txBox="1"/>
+          <p:nvPr/>
+        </p:nvSpPr>
+        <p:spPr>
+          <a:xfrm>
+            <a:off x="4567139" y="989696"/>
+            <a:ext cx="4230497" cy="3754874"/>
+          </a:xfrm>
+          <a:prstGeom prst="rect">
+            <a:avLst/>
+          </a:prstGeom>
+          <a:noFill/>
+        </p:spPr>
+        <p:txBody>
+          <a:bodyPr wrap="square">
+            <a:spAutoFit/>
+          </a:bodyPr>
+          <a:lstStyle/>
+          <a:p>
+            <a:r>
+              <a:rPr lang="en-US" b="1" dirty="0">
+                <a:solidFill>
+                  <a:schemeClr val="tx1"/>
+                </a:solidFill>
+                <a:latin typeface="Dosis" pitchFamily="2" charset="0"/>
+              </a:rPr>
+              <a:t>Major Findings :</a:t>
+            </a:r>
+          </a:p>
+          <a:p>
+            <a:endParaRPr lang="en-US" b="1" dirty="0">
+              <a:solidFill>
+                <a:schemeClr val="tx1"/>
+              </a:solidFill>
+              <a:latin typeface="Dosis" pitchFamily="2" charset="0"/>
+            </a:endParaRPr>
+          </a:p>
+          <a:p>
+            <a:pPr marL="285750" indent="-285750">
+              <a:buFont typeface="Wingdings" panose="05000000000000000000" pitchFamily="2" charset="2"/>
+              <a:buChar char="q"/>
+            </a:pPr>
+            <a:r>
+              <a:rPr lang="en-US" b="1" dirty="0">
+                <a:solidFill>
+                  <a:srgbClr val="00B0F0"/>
+                </a:solidFill>
+                <a:latin typeface="Dosis" pitchFamily="2" charset="0"/>
+              </a:rPr>
+              <a:t>Moderate Spenders Responsive (Clusters 1 ) </a:t>
+            </a:r>
+            <a:r>
+              <a:rPr lang="en-US" b="1" dirty="0">
+                <a:solidFill>
+                  <a:schemeClr val="tx1"/>
+                </a:solidFill>
+                <a:latin typeface="Dosis" pitchFamily="2" charset="0"/>
+              </a:rPr>
+              <a:t>and </a:t>
+            </a:r>
+            <a:r>
+              <a:rPr lang="en-US" b="1" dirty="0">
+                <a:solidFill>
+                  <a:srgbClr val="00B050"/>
+                </a:solidFill>
+                <a:latin typeface="Dosis" pitchFamily="2" charset="0"/>
+              </a:rPr>
+              <a:t>Moderate Spenders Non-Responsive (Clusters 2)</a:t>
+            </a:r>
+            <a:r>
+              <a:rPr lang="en-US" dirty="0">
+                <a:solidFill>
+                  <a:srgbClr val="00B050"/>
+                </a:solidFill>
+                <a:latin typeface="Dosis" pitchFamily="2" charset="0"/>
+              </a:rPr>
+              <a:t> </a:t>
+            </a:r>
+            <a:r>
+              <a:rPr lang="en-US" dirty="0">
+                <a:solidFill>
+                  <a:schemeClr val="tx1"/>
+                </a:solidFill>
+                <a:latin typeface="Dosis" pitchFamily="2" charset="0"/>
+              </a:rPr>
+              <a:t>are quite tricky to analyze because the majority of their customers neither visit the company's website too often nor too rarely and their income didn’t have significant difference.</a:t>
+            </a:r>
+          </a:p>
+          <a:p>
+            <a:pPr marL="285750" indent="-285750">
+              <a:buFont typeface="Wingdings" panose="05000000000000000000" pitchFamily="2" charset="2"/>
+              <a:buChar char="q"/>
+            </a:pPr>
+            <a:endParaRPr lang="en-US" dirty="0">
+              <a:solidFill>
+                <a:schemeClr val="tx1"/>
+              </a:solidFill>
+              <a:latin typeface="Dosis" pitchFamily="2" charset="0"/>
+            </a:endParaRPr>
+          </a:p>
+          <a:p>
+            <a:pPr marL="285750" indent="-285750">
+              <a:buFont typeface="Wingdings" panose="05000000000000000000" pitchFamily="2" charset="2"/>
+              <a:buChar char="q"/>
+            </a:pPr>
+            <a:r>
+              <a:rPr lang="en-US" dirty="0">
+                <a:solidFill>
+                  <a:schemeClr val="tx1"/>
+                </a:solidFill>
+                <a:latin typeface="Dosis" pitchFamily="2" charset="0"/>
+              </a:rPr>
+              <a:t>However, the main difference between the two lies in number of accepted campaign, conversion rate and spending habits where Cluster 1 indeed has more intense spending habits compared to Cluster 2.</a:t>
+            </a:r>
+          </a:p>
+          <a:p>
+            <a:pPr marL="285750" indent="-285750">
+              <a:buFont typeface="Wingdings" panose="05000000000000000000" pitchFamily="2" charset="2"/>
+              <a:buChar char="q"/>
+            </a:pPr>
+            <a:endParaRPr lang="en-US" dirty="0">
+              <a:solidFill>
+                <a:schemeClr val="tx1"/>
+              </a:solidFill>
+              <a:latin typeface="Dosis" pitchFamily="2" charset="0"/>
+            </a:endParaRPr>
+          </a:p>
+          <a:p>
+            <a:pPr marL="285750" indent="-285750">
+              <a:buFont typeface="Wingdings" panose="05000000000000000000" pitchFamily="2" charset="2"/>
+              <a:buChar char="q"/>
+            </a:pPr>
+            <a:r>
+              <a:rPr lang="en-US" dirty="0">
+                <a:solidFill>
+                  <a:schemeClr val="tx1"/>
+                </a:solidFill>
+                <a:latin typeface="Dosis" pitchFamily="2" charset="0"/>
+              </a:rPr>
+              <a:t>The company can leverage this information to design campaign strategies that target the middle to lower income groups more effectively.</a:t>
+            </a:r>
+          </a:p>
+        </p:txBody>
+      </p:sp>
+    </p:spTree>
+    <p:extLst>
+      <p:ext uri="{BB962C8B-B14F-4D97-AF65-F5344CB8AC3E}">
+        <p14:creationId xmlns:p14="http://schemas.microsoft.com/office/powerpoint/2010/main" val="3148912636"/>
+      </p:ext>
+    </p:extLst>
+  </p:cSld>
+  <p:clrMapOvr>
+    <a:masterClrMapping/>
+  </p:clrMapOvr>
+</p:sld>
+</file>
+
+<file path=ppt/slides/slide8.xml><?xml version="1.0" encoding="utf-8"?>
+<p:sld xmlns:a="http://schemas.openxmlformats.org/drawingml/2006/main" xmlns:r="http://schemas.openxmlformats.org/officeDocument/2006/relationships" xmlns:p="http://schemas.openxmlformats.org/presentationml/2006/main">
+  <p:cSld>
+    <p:spTree>
+      <p:nvGrpSpPr>
+        <p:cNvPr id="1" name="Shape 53"/>
+        <p:cNvGrpSpPr/>
+        <p:nvPr/>
+      </p:nvGrpSpPr>
+      <p:grpSpPr>
+        <a:xfrm>
+          <a:off x="0" y="0"/>
+          <a:ext cx="0" cy="0"/>
+          <a:chOff x="0" y="0"/>
+          <a:chExt cx="0" cy="0"/>
+        </a:xfrm>
+      </p:grpSpPr>
+      <p:sp>
+        <p:nvSpPr>
+          <p:cNvPr id="54" name="Google Shape;54;p13"/>
+          <p:cNvSpPr txBox="1">
+            <a:spLocks noGrp="1"/>
+          </p:cNvSpPr>
+          <p:nvPr>
+            <p:ph type="title"/>
+          </p:nvPr>
+        </p:nvSpPr>
+        <p:spPr>
+          <a:xfrm>
+            <a:off x="0" y="37175"/>
+            <a:ext cx="8180700" cy="523200"/>
+          </a:xfrm>
+          <a:prstGeom prst="rect">
+            <a:avLst/>
+          </a:prstGeom>
+        </p:spPr>
+        <p:txBody>
+          <a:bodyPr spcFirstLastPara="1" wrap="square" lIns="91425" tIns="91425" rIns="91425" bIns="91425" anchor="t" anchorCtr="0">
+            <a:noAutofit/>
+          </a:bodyPr>
+          <a:lstStyle/>
+          <a:p>
+            <a:pPr marL="0" lvl="0" indent="0" algn="ctr" rtl="0">
+              <a:spcBef>
+                <a:spcPts val="0"/>
+              </a:spcBef>
+              <a:spcAft>
+                <a:spcPts val="0"/>
+              </a:spcAft>
+              <a:buSzPts val="990"/>
+              <a:buNone/>
+            </a:pPr>
+            <a:r>
+              <a:rPr lang="en" sz="1798" b="1">
+                <a:latin typeface="Roboto"/>
+                <a:ea typeface="Roboto"/>
+                <a:cs typeface="Roboto"/>
+                <a:sym typeface="Roboto"/>
+              </a:rPr>
+              <a:t>Customer Personality Analysis for Marketing Retargeting</a:t>
+            </a:r>
+            <a:endParaRPr sz="1798">
+              <a:solidFill>
+                <a:schemeClr val="lt1"/>
+              </a:solidFill>
+              <a:latin typeface="Roboto"/>
+              <a:ea typeface="Roboto"/>
+              <a:cs typeface="Roboto"/>
+              <a:sym typeface="Roboto"/>
+            </a:endParaRPr>
+          </a:p>
+        </p:txBody>
+      </p:sp>
+      <p:sp>
+        <p:nvSpPr>
+          <p:cNvPr id="6" name="Google Shape;55;p13">
+            <a:extLst>
+              <a:ext uri="{FF2B5EF4-FFF2-40B4-BE49-F238E27FC236}">
+                <a16:creationId xmlns:a16="http://schemas.microsoft.com/office/drawing/2014/main" id="{4ABF5694-D66F-0379-3F41-1C38ADA7AEB9}"/>
+              </a:ext>
+            </a:extLst>
+          </p:cNvPr>
+          <p:cNvSpPr txBox="1">
+            <a:spLocks/>
+          </p:cNvSpPr>
+          <p:nvPr/>
+        </p:nvSpPr>
+        <p:spPr>
+          <a:xfrm>
+            <a:off x="177315" y="603429"/>
+            <a:ext cx="8779649" cy="442590"/>
+          </a:xfrm>
+          <a:prstGeom prst="rect">
+            <a:avLst/>
+          </a:prstGeom>
+          <a:noFill/>
+          <a:ln>
+            <a:noFill/>
+          </a:ln>
+        </p:spPr>
+        <p:txBody>
+          <a:bodyPr spcFirstLastPara="1" wrap="square" lIns="91425" tIns="91425" rIns="91425" bIns="91425" anchor="t" anchorCtr="0">
+            <a:noAutofit/>
+          </a:bodyPr>
+          <a:lstStyle>
+            <a:defPPr marR="0" lvl="0" algn="l" rtl="0">
+              <a:lnSpc>
+                <a:spcPct val="100000"/>
+              </a:lnSpc>
+              <a:spcBef>
+                <a:spcPts val="0"/>
+              </a:spcBef>
+              <a:spcAft>
+                <a:spcPts val="0"/>
+              </a:spcAft>
+            </a:defPPr>
+            <a:lvl1pPr marL="457200" marR="0" lvl="0" indent="-342900" algn="l" rtl="0">
+              <a:lnSpc>
+                <a:spcPct val="115000"/>
+              </a:lnSpc>
+              <a:spcBef>
+                <a:spcPts val="0"/>
+              </a:spcBef>
+              <a:spcAft>
+                <a:spcPts val="0"/>
+              </a:spcAft>
+              <a:buClr>
+                <a:schemeClr val="dk2"/>
+              </a:buClr>
+              <a:buSzPts val="1800"/>
+              <a:buFont typeface="Arial"/>
+              <a:buChar char="●"/>
+              <a:defRPr sz="1800" b="0" i="0" u="none" strike="noStrike" cap="none">
+                <a:solidFill>
+                  <a:schemeClr val="dk2"/>
+                </a:solidFill>
+                <a:latin typeface="Arial"/>
+                <a:ea typeface="Arial"/>
+                <a:cs typeface="Arial"/>
+                <a:sym typeface="Arial"/>
+              </a:defRPr>
+            </a:lvl1pPr>
+            <a:lvl2pPr marL="914400" marR="0" lvl="1" indent="-317500" algn="l" rtl="0">
+              <a:lnSpc>
+                <a:spcPct val="115000"/>
+              </a:lnSpc>
+              <a:spcBef>
+                <a:spcPts val="0"/>
+              </a:spcBef>
+              <a:spcAft>
+                <a:spcPts val="0"/>
+              </a:spcAft>
+              <a:buClr>
+                <a:schemeClr val="dk2"/>
+              </a:buClr>
+              <a:buSzPts val="1400"/>
+              <a:buFont typeface="Arial"/>
+              <a:buChar char="○"/>
+              <a:defRPr sz="1400" b="0" i="0" u="none" strike="noStrike" cap="none">
+                <a:solidFill>
+                  <a:schemeClr val="dk2"/>
+                </a:solidFill>
+                <a:latin typeface="Arial"/>
+                <a:ea typeface="Arial"/>
+                <a:cs typeface="Arial"/>
+                <a:sym typeface="Arial"/>
+              </a:defRPr>
+            </a:lvl2pPr>
+            <a:lvl3pPr marL="1371600" marR="0" lvl="2" indent="-317500" algn="l" rtl="0">
+              <a:lnSpc>
+                <a:spcPct val="115000"/>
+              </a:lnSpc>
+              <a:spcBef>
+                <a:spcPts val="0"/>
+              </a:spcBef>
+              <a:spcAft>
+                <a:spcPts val="0"/>
+              </a:spcAft>
+              <a:buClr>
+                <a:schemeClr val="dk2"/>
+              </a:buClr>
+              <a:buSzPts val="1400"/>
+              <a:buFont typeface="Arial"/>
+              <a:buChar char="■"/>
+              <a:defRPr sz="1400" b="0" i="0" u="none" strike="noStrike" cap="none">
+                <a:solidFill>
+                  <a:schemeClr val="dk2"/>
+                </a:solidFill>
+                <a:latin typeface="Arial"/>
+                <a:ea typeface="Arial"/>
+                <a:cs typeface="Arial"/>
+                <a:sym typeface="Arial"/>
+              </a:defRPr>
+            </a:lvl3pPr>
+            <a:lvl4pPr marL="1828800" marR="0" lvl="3" indent="-317500" algn="l" rtl="0">
+              <a:lnSpc>
+                <a:spcPct val="115000"/>
+              </a:lnSpc>
+              <a:spcBef>
+                <a:spcPts val="0"/>
+              </a:spcBef>
+              <a:spcAft>
+                <a:spcPts val="0"/>
+              </a:spcAft>
+              <a:buClr>
+                <a:schemeClr val="dk2"/>
+              </a:buClr>
+              <a:buSzPts val="1400"/>
+              <a:buFont typeface="Arial"/>
+              <a:buChar char="●"/>
+              <a:defRPr sz="1400" b="0" i="0" u="none" strike="noStrike" cap="none">
+                <a:solidFill>
+                  <a:schemeClr val="dk2"/>
+                </a:solidFill>
+                <a:latin typeface="Arial"/>
+                <a:ea typeface="Arial"/>
+                <a:cs typeface="Arial"/>
+                <a:sym typeface="Arial"/>
+              </a:defRPr>
+            </a:lvl4pPr>
+            <a:lvl5pPr marL="2286000" marR="0" lvl="4" indent="-317500" algn="l" rtl="0">
+              <a:lnSpc>
+                <a:spcPct val="115000"/>
+              </a:lnSpc>
+              <a:spcBef>
+                <a:spcPts val="0"/>
+              </a:spcBef>
+              <a:spcAft>
+                <a:spcPts val="0"/>
+              </a:spcAft>
+              <a:buClr>
+                <a:schemeClr val="dk2"/>
+              </a:buClr>
+              <a:buSzPts val="1400"/>
+              <a:buFont typeface="Arial"/>
+              <a:buChar char="○"/>
+              <a:defRPr sz="1400" b="0" i="0" u="none" strike="noStrike" cap="none">
+                <a:solidFill>
+                  <a:schemeClr val="dk2"/>
+                </a:solidFill>
+                <a:latin typeface="Arial"/>
+                <a:ea typeface="Arial"/>
+                <a:cs typeface="Arial"/>
+                <a:sym typeface="Arial"/>
+              </a:defRPr>
+            </a:lvl5pPr>
+            <a:lvl6pPr marL="2743200" marR="0" lvl="5" indent="-317500" algn="l" rtl="0">
+              <a:lnSpc>
+                <a:spcPct val="115000"/>
+              </a:lnSpc>
+              <a:spcBef>
+                <a:spcPts val="0"/>
+              </a:spcBef>
+              <a:spcAft>
+                <a:spcPts val="0"/>
+              </a:spcAft>
+              <a:buClr>
+                <a:schemeClr val="dk2"/>
+              </a:buClr>
+              <a:buSzPts val="1400"/>
+              <a:buFont typeface="Arial"/>
+              <a:buChar char="■"/>
+              <a:defRPr sz="1400" b="0" i="0" u="none" strike="noStrike" cap="none">
+                <a:solidFill>
+                  <a:schemeClr val="dk2"/>
+                </a:solidFill>
+                <a:latin typeface="Arial"/>
+                <a:ea typeface="Arial"/>
+                <a:cs typeface="Arial"/>
+                <a:sym typeface="Arial"/>
+              </a:defRPr>
+            </a:lvl6pPr>
+            <a:lvl7pPr marL="3200400" marR="0" lvl="6" indent="-317500" algn="l" rtl="0">
+              <a:lnSpc>
+                <a:spcPct val="115000"/>
+              </a:lnSpc>
+              <a:spcBef>
+                <a:spcPts val="0"/>
+              </a:spcBef>
+              <a:spcAft>
+                <a:spcPts val="0"/>
+              </a:spcAft>
+              <a:buClr>
+                <a:schemeClr val="dk2"/>
+              </a:buClr>
+              <a:buSzPts val="1400"/>
+              <a:buFont typeface="Arial"/>
+              <a:buChar char="●"/>
+              <a:defRPr sz="1400" b="0" i="0" u="none" strike="noStrike" cap="none">
+                <a:solidFill>
+                  <a:schemeClr val="dk2"/>
+                </a:solidFill>
+                <a:latin typeface="Arial"/>
+                <a:ea typeface="Arial"/>
+                <a:cs typeface="Arial"/>
+                <a:sym typeface="Arial"/>
+              </a:defRPr>
+            </a:lvl7pPr>
+            <a:lvl8pPr marL="3657600" marR="0" lvl="7" indent="-317500" algn="l" rtl="0">
+              <a:lnSpc>
+                <a:spcPct val="115000"/>
+              </a:lnSpc>
+              <a:spcBef>
+                <a:spcPts val="0"/>
+              </a:spcBef>
+              <a:spcAft>
+                <a:spcPts val="0"/>
+              </a:spcAft>
+              <a:buClr>
+                <a:schemeClr val="dk2"/>
+              </a:buClr>
+              <a:buSzPts val="1400"/>
+              <a:buFont typeface="Arial"/>
+              <a:buChar char="○"/>
+              <a:defRPr sz="1400" b="0" i="0" u="none" strike="noStrike" cap="none">
+                <a:solidFill>
+                  <a:schemeClr val="dk2"/>
+                </a:solidFill>
+                <a:latin typeface="Arial"/>
+                <a:ea typeface="Arial"/>
+                <a:cs typeface="Arial"/>
+                <a:sym typeface="Arial"/>
+              </a:defRPr>
+            </a:lvl8pPr>
+            <a:lvl9pPr marL="4114800" marR="0" lvl="8" indent="-317500" algn="l" rtl="0">
+              <a:lnSpc>
+                <a:spcPct val="115000"/>
+              </a:lnSpc>
+              <a:spcBef>
+                <a:spcPts val="0"/>
+              </a:spcBef>
+              <a:spcAft>
+                <a:spcPts val="0"/>
+              </a:spcAft>
+              <a:buClr>
+                <a:schemeClr val="dk2"/>
+              </a:buClr>
+              <a:buSzPts val="1400"/>
+              <a:buFont typeface="Arial"/>
+              <a:buChar char="■"/>
+              <a:defRPr sz="1400" b="0" i="0" u="none" strike="noStrike" cap="none">
+                <a:solidFill>
+                  <a:schemeClr val="dk2"/>
+                </a:solidFill>
+                <a:latin typeface="Arial"/>
+                <a:ea typeface="Arial"/>
+                <a:cs typeface="Arial"/>
+                <a:sym typeface="Arial"/>
+              </a:defRPr>
+            </a:lvl9pPr>
+          </a:lstStyle>
+          <a:p>
+            <a:pPr marL="114300" indent="0">
+              <a:buNone/>
+            </a:pPr>
+            <a:r>
+              <a:rPr lang="en-US" sz="1400" b="1" dirty="0">
+                <a:solidFill>
+                  <a:schemeClr val="dk1"/>
+                </a:solidFill>
+              </a:rPr>
+              <a:t>Business Recommendation</a:t>
+            </a:r>
+          </a:p>
+        </p:txBody>
+      </p:sp>
+      <p:sp>
+        <p:nvSpPr>
+          <p:cNvPr id="28" name="TextBox 27">
+            <a:extLst>
+              <a:ext uri="{FF2B5EF4-FFF2-40B4-BE49-F238E27FC236}">
+                <a16:creationId xmlns:a16="http://schemas.microsoft.com/office/drawing/2014/main" id="{168E53DB-A86E-4E42-3CB6-F38D17730B60}"/>
+              </a:ext>
+            </a:extLst>
+          </p:cNvPr>
+          <p:cNvSpPr txBox="1"/>
+          <p:nvPr/>
+        </p:nvSpPr>
+        <p:spPr>
+          <a:xfrm>
+            <a:off x="120426" y="1149928"/>
+            <a:ext cx="4280458" cy="3754874"/>
+          </a:xfrm>
+          <a:prstGeom prst="rect">
+            <a:avLst/>
+          </a:prstGeom>
+          <a:noFill/>
+        </p:spPr>
+        <p:txBody>
+          <a:bodyPr wrap="square">
+            <a:spAutoFit/>
+          </a:bodyPr>
+          <a:lstStyle/>
+          <a:p>
+            <a:r>
+              <a:rPr lang="en-US" b="1" dirty="0">
+                <a:solidFill>
+                  <a:srgbClr val="C00000"/>
+                </a:solidFill>
+                <a:latin typeface="Dosis" pitchFamily="2" charset="0"/>
+              </a:rPr>
+              <a:t>Cluster 0 : Low Spenders</a:t>
+            </a:r>
+          </a:p>
+          <a:p>
+            <a:endParaRPr lang="en-US" dirty="0">
+              <a:latin typeface="Dosis" pitchFamily="2" charset="0"/>
+            </a:endParaRPr>
+          </a:p>
+          <a:p>
+            <a:pPr marL="342900" indent="-342900">
+              <a:buFont typeface="+mj-lt"/>
+              <a:buAutoNum type="alphaLcParenR"/>
+            </a:pPr>
+            <a:r>
+              <a:rPr lang="en-US" dirty="0">
+                <a:latin typeface="Dosis" pitchFamily="2" charset="0"/>
+              </a:rPr>
+              <a:t>Targeted Campaigns</a:t>
+            </a:r>
+          </a:p>
+          <a:p>
+            <a:endParaRPr lang="en-US" dirty="0">
+              <a:latin typeface="Dosis" pitchFamily="2" charset="0"/>
+            </a:endParaRPr>
+          </a:p>
+          <a:p>
+            <a:r>
+              <a:rPr lang="en-US" dirty="0">
+                <a:latin typeface="Dosis" pitchFamily="2" charset="0"/>
+              </a:rPr>
+              <a:t>Develop personalized and targeted campaigns to increase engagement and conversion rates among this group. Since they visit the website frequently but have low responsiveness to campaigns, analyzing their behavior further can help tailor campaigns to their preferences and needs.</a:t>
+            </a:r>
+          </a:p>
+          <a:p>
+            <a:endParaRPr lang="en-US" dirty="0">
+              <a:latin typeface="Dosis" pitchFamily="2" charset="0"/>
+            </a:endParaRPr>
+          </a:p>
+          <a:p>
+            <a:pPr marL="342900" indent="-342900">
+              <a:buFont typeface="+mj-lt"/>
+              <a:buAutoNum type="alphaLcParenR" startAt="2"/>
+            </a:pPr>
+            <a:r>
+              <a:rPr lang="en-US" dirty="0">
+                <a:latin typeface="Dosis" pitchFamily="2" charset="0"/>
+              </a:rPr>
+              <a:t>Enhanced User Experience</a:t>
+            </a:r>
+          </a:p>
+          <a:p>
+            <a:pPr marL="342900" indent="-342900">
+              <a:buFont typeface="+mj-lt"/>
+              <a:buAutoNum type="alphaLcParenR" startAt="2"/>
+            </a:pPr>
+            <a:endParaRPr lang="en-US" dirty="0">
+              <a:latin typeface="Dosis" pitchFamily="2" charset="0"/>
+            </a:endParaRPr>
+          </a:p>
+          <a:p>
+            <a:r>
+              <a:rPr lang="en-US" dirty="0">
+                <a:latin typeface="Dosis" pitchFamily="2" charset="0"/>
+              </a:rPr>
+              <a:t>Improve the website's user experience to make it more engaging and user-friendly for this segment. This could involve simplifying the purchasing process, providing personalized recommendations, or offering incentives to encourage repeat visits and purchases.</a:t>
+            </a:r>
+          </a:p>
+        </p:txBody>
+      </p:sp>
+      <p:sp>
+        <p:nvSpPr>
+          <p:cNvPr id="30" name="TextBox 29">
+            <a:extLst>
+              <a:ext uri="{FF2B5EF4-FFF2-40B4-BE49-F238E27FC236}">
+                <a16:creationId xmlns:a16="http://schemas.microsoft.com/office/drawing/2014/main" id="{B2F94B84-4873-ABEF-F251-B49A77D1774F}"/>
+              </a:ext>
+            </a:extLst>
+          </p:cNvPr>
+          <p:cNvSpPr txBox="1"/>
+          <p:nvPr/>
+        </p:nvSpPr>
+        <p:spPr>
+          <a:xfrm>
+            <a:off x="4676506" y="1149928"/>
+            <a:ext cx="4280458" cy="3754874"/>
+          </a:xfrm>
+          <a:prstGeom prst="rect">
+            <a:avLst/>
+          </a:prstGeom>
+          <a:noFill/>
+        </p:spPr>
+        <p:txBody>
+          <a:bodyPr wrap="square">
+            <a:spAutoFit/>
+          </a:bodyPr>
+          <a:lstStyle/>
+          <a:p>
+            <a:r>
+              <a:rPr lang="en-US" b="1" dirty="0">
+                <a:solidFill>
+                  <a:srgbClr val="00B0F0"/>
+                </a:solidFill>
+                <a:latin typeface="Dosis" pitchFamily="2" charset="0"/>
+              </a:rPr>
+              <a:t>Cluster 1 : Moderate Spenders Responsive</a:t>
+            </a:r>
+          </a:p>
+          <a:p>
+            <a:endParaRPr lang="en-US" b="1" dirty="0">
+              <a:solidFill>
+                <a:srgbClr val="C00000"/>
+              </a:solidFill>
+              <a:latin typeface="Dosis" pitchFamily="2" charset="0"/>
+            </a:endParaRPr>
+          </a:p>
+          <a:p>
+            <a:pPr marL="342900" indent="-342900">
+              <a:buFont typeface="+mj-lt"/>
+              <a:buAutoNum type="alphaLcParenR"/>
+            </a:pPr>
+            <a:r>
+              <a:rPr lang="en-US" dirty="0">
+                <a:latin typeface="Dosis" pitchFamily="2" charset="0"/>
+              </a:rPr>
+              <a:t>Upselling and Cross-selling</a:t>
+            </a:r>
+          </a:p>
+          <a:p>
+            <a:pPr marL="342900" indent="-342900">
+              <a:buFont typeface="+mj-lt"/>
+              <a:buAutoNum type="alphaLcParenR"/>
+            </a:pPr>
+            <a:endParaRPr lang="en-US" dirty="0">
+              <a:latin typeface="Dosis" pitchFamily="2" charset="0"/>
+            </a:endParaRPr>
+          </a:p>
+          <a:p>
+            <a:r>
+              <a:rPr lang="en-US" dirty="0">
+                <a:latin typeface="Dosis" pitchFamily="2" charset="0"/>
+              </a:rPr>
+              <a:t>Implement upselling and cross-selling strategies to increase the average transaction value for this segment. Since they already have a relatively high number of transactions and spending, enticing them with complementary or higher-value products/services can boost revenue.</a:t>
+            </a:r>
+          </a:p>
+          <a:p>
+            <a:endParaRPr lang="en-US" dirty="0">
+              <a:latin typeface="Dosis" pitchFamily="2" charset="0"/>
+            </a:endParaRPr>
+          </a:p>
+          <a:p>
+            <a:pPr marL="342900" indent="-342900">
+              <a:buFont typeface="+mj-lt"/>
+              <a:buAutoNum type="alphaLcParenR" startAt="2"/>
+            </a:pPr>
+            <a:r>
+              <a:rPr lang="en-US" dirty="0">
+                <a:latin typeface="Dosis" pitchFamily="2" charset="0"/>
+              </a:rPr>
+              <a:t>Campaign Optimization</a:t>
+            </a:r>
+          </a:p>
+          <a:p>
+            <a:endParaRPr lang="en-US" dirty="0">
+              <a:latin typeface="Dosis" pitchFamily="2" charset="0"/>
+            </a:endParaRPr>
+          </a:p>
+          <a:p>
+            <a:r>
+              <a:rPr lang="en-US" dirty="0">
+                <a:latin typeface="Dosis" pitchFamily="2" charset="0"/>
+              </a:rPr>
+              <a:t>Continuously optimize marketing campaigns to maintain their relatively high responsiveness. Analyze past campaign performance to identify patterns and preferences, then tailor future campaigns accordingly to maximize engagement and conversion rates.</a:t>
+            </a:r>
+          </a:p>
+        </p:txBody>
+      </p:sp>
+    </p:spTree>
+    <p:extLst>
+      <p:ext uri="{BB962C8B-B14F-4D97-AF65-F5344CB8AC3E}">
+        <p14:creationId xmlns:p14="http://schemas.microsoft.com/office/powerpoint/2010/main" val="2908672315"/>
+      </p:ext>
+    </p:extLst>
+  </p:cSld>
+  <p:clrMapOvr>
+    <a:masterClrMapping/>
+  </p:clrMapOvr>
+</p:sld>
+</file>
+
+<file path=ppt/slides/slide9.xml><?xml version="1.0" encoding="utf-8"?>
+<p:sld xmlns:a="http://schemas.openxmlformats.org/drawingml/2006/main" xmlns:r="http://schemas.openxmlformats.org/officeDocument/2006/relationships" xmlns:p="http://schemas.openxmlformats.org/presentationml/2006/main">
+  <p:cSld>
+    <p:spTree>
+      <p:nvGrpSpPr>
+        <p:cNvPr id="1" name="Shape 53"/>
+        <p:cNvGrpSpPr/>
+        <p:nvPr/>
+      </p:nvGrpSpPr>
+      <p:grpSpPr>
+        <a:xfrm>
+          <a:off x="0" y="0"/>
+          <a:ext cx="0" cy="0"/>
+          <a:chOff x="0" y="0"/>
+          <a:chExt cx="0" cy="0"/>
+        </a:xfrm>
+      </p:grpSpPr>
+      <p:sp>
+        <p:nvSpPr>
+          <p:cNvPr id="54" name="Google Shape;54;p13"/>
+          <p:cNvSpPr txBox="1">
+            <a:spLocks noGrp="1"/>
+          </p:cNvSpPr>
+          <p:nvPr>
+            <p:ph type="title"/>
+          </p:nvPr>
+        </p:nvSpPr>
+        <p:spPr>
+          <a:xfrm>
+            <a:off x="0" y="37175"/>
+            <a:ext cx="8180700" cy="523200"/>
+          </a:xfrm>
+          <a:prstGeom prst="rect">
+            <a:avLst/>
+          </a:prstGeom>
+        </p:spPr>
+        <p:txBody>
+          <a:bodyPr spcFirstLastPara="1" wrap="square" lIns="91425" tIns="91425" rIns="91425" bIns="91425" anchor="t" anchorCtr="0">
+            <a:noAutofit/>
+          </a:bodyPr>
+          <a:lstStyle/>
+          <a:p>
+            <a:pPr marL="0" lvl="0" indent="0" algn="ctr" rtl="0">
+              <a:spcBef>
+                <a:spcPts val="0"/>
+              </a:spcBef>
+              <a:spcAft>
+                <a:spcPts val="0"/>
+              </a:spcAft>
+              <a:buSzPts val="990"/>
+              <a:buNone/>
+            </a:pPr>
+            <a:r>
+              <a:rPr lang="en" sz="1798" b="1">
+                <a:latin typeface="Roboto"/>
+                <a:ea typeface="Roboto"/>
+                <a:cs typeface="Roboto"/>
+                <a:sym typeface="Roboto"/>
+              </a:rPr>
+              <a:t>Customer Personality Analysis for Marketing Retargeting</a:t>
+            </a:r>
+            <a:endParaRPr sz="1798">
+              <a:solidFill>
+                <a:schemeClr val="lt1"/>
+              </a:solidFill>
+              <a:latin typeface="Roboto"/>
+              <a:ea typeface="Roboto"/>
+              <a:cs typeface="Roboto"/>
+              <a:sym typeface="Roboto"/>
+            </a:endParaRPr>
+          </a:p>
+        </p:txBody>
+      </p:sp>
+      <p:sp>
+        <p:nvSpPr>
+          <p:cNvPr id="6" name="Google Shape;55;p13">
+            <a:extLst>
+              <a:ext uri="{FF2B5EF4-FFF2-40B4-BE49-F238E27FC236}">
+                <a16:creationId xmlns:a16="http://schemas.microsoft.com/office/drawing/2014/main" id="{4ABF5694-D66F-0379-3F41-1C38ADA7AEB9}"/>
+              </a:ext>
+            </a:extLst>
+          </p:cNvPr>
+          <p:cNvSpPr txBox="1">
+            <a:spLocks/>
+          </p:cNvSpPr>
+          <p:nvPr/>
+        </p:nvSpPr>
+        <p:spPr>
+          <a:xfrm>
+            <a:off x="177315" y="603429"/>
+            <a:ext cx="8779649" cy="442590"/>
+          </a:xfrm>
+          <a:prstGeom prst="rect">
+            <a:avLst/>
+          </a:prstGeom>
+          <a:noFill/>
+          <a:ln>
+            <a:noFill/>
+          </a:ln>
+        </p:spPr>
+        <p:txBody>
+          <a:bodyPr spcFirstLastPara="1" wrap="square" lIns="91425" tIns="91425" rIns="91425" bIns="91425" anchor="t" anchorCtr="0">
+            <a:noAutofit/>
+          </a:bodyPr>
+          <a:lstStyle>
+            <a:defPPr marR="0" lvl="0" algn="l" rtl="0">
+              <a:lnSpc>
+                <a:spcPct val="100000"/>
+              </a:lnSpc>
+              <a:spcBef>
+                <a:spcPts val="0"/>
+              </a:spcBef>
+              <a:spcAft>
+                <a:spcPts val="0"/>
+              </a:spcAft>
+            </a:defPPr>
+            <a:lvl1pPr marL="457200" marR="0" lvl="0" indent="-342900" algn="l" rtl="0">
+              <a:lnSpc>
+                <a:spcPct val="115000"/>
+              </a:lnSpc>
+              <a:spcBef>
+                <a:spcPts val="0"/>
+              </a:spcBef>
+              <a:spcAft>
+                <a:spcPts val="0"/>
+              </a:spcAft>
+              <a:buClr>
+                <a:schemeClr val="dk2"/>
+              </a:buClr>
+              <a:buSzPts val="1800"/>
+              <a:buFont typeface="Arial"/>
+              <a:buChar char="●"/>
+              <a:defRPr sz="1800" b="0" i="0" u="none" strike="noStrike" cap="none">
+                <a:solidFill>
+                  <a:schemeClr val="dk2"/>
+                </a:solidFill>
+                <a:latin typeface="Arial"/>
+                <a:ea typeface="Arial"/>
+                <a:cs typeface="Arial"/>
+                <a:sym typeface="Arial"/>
+              </a:defRPr>
+            </a:lvl1pPr>
+            <a:lvl2pPr marL="914400" marR="0" lvl="1" indent="-317500" algn="l" rtl="0">
+              <a:lnSpc>
+                <a:spcPct val="115000"/>
+              </a:lnSpc>
+              <a:spcBef>
+                <a:spcPts val="0"/>
+              </a:spcBef>
+              <a:spcAft>
+                <a:spcPts val="0"/>
+              </a:spcAft>
+              <a:buClr>
+                <a:schemeClr val="dk2"/>
+              </a:buClr>
+              <a:buSzPts val="1400"/>
+              <a:buFont typeface="Arial"/>
+              <a:buChar char="○"/>
+              <a:defRPr sz="1400" b="0" i="0" u="none" strike="noStrike" cap="none">
+                <a:solidFill>
+                  <a:schemeClr val="dk2"/>
+                </a:solidFill>
+                <a:latin typeface="Arial"/>
+                <a:ea typeface="Arial"/>
+                <a:cs typeface="Arial"/>
+                <a:sym typeface="Arial"/>
+              </a:defRPr>
+            </a:lvl2pPr>
+            <a:lvl3pPr marL="1371600" marR="0" lvl="2" indent="-317500" algn="l" rtl="0">
+              <a:lnSpc>
+                <a:spcPct val="115000"/>
+              </a:lnSpc>
+              <a:spcBef>
+                <a:spcPts val="0"/>
+              </a:spcBef>
+              <a:spcAft>
+                <a:spcPts val="0"/>
+              </a:spcAft>
+              <a:buClr>
+                <a:schemeClr val="dk2"/>
+              </a:buClr>
+              <a:buSzPts val="1400"/>
+              <a:buFont typeface="Arial"/>
+              <a:buChar char="■"/>
+              <a:defRPr sz="1400" b="0" i="0" u="none" strike="noStrike" cap="none">
+                <a:solidFill>
+                  <a:schemeClr val="dk2"/>
+                </a:solidFill>
+                <a:latin typeface="Arial"/>
+                <a:ea typeface="Arial"/>
+                <a:cs typeface="Arial"/>
+                <a:sym typeface="Arial"/>
+              </a:defRPr>
+            </a:lvl3pPr>
+            <a:lvl4pPr marL="1828800" marR="0" lvl="3" indent="-317500" algn="l" rtl="0">
+              <a:lnSpc>
+                <a:spcPct val="115000"/>
+              </a:lnSpc>
+              <a:spcBef>
+                <a:spcPts val="0"/>
+              </a:spcBef>
+              <a:spcAft>
+                <a:spcPts val="0"/>
+              </a:spcAft>
+              <a:buClr>
+                <a:schemeClr val="dk2"/>
+              </a:buClr>
+              <a:buSzPts val="1400"/>
+              <a:buFont typeface="Arial"/>
+              <a:buChar char="●"/>
+              <a:defRPr sz="1400" b="0" i="0" u="none" strike="noStrike" cap="none">
+                <a:solidFill>
+                  <a:schemeClr val="dk2"/>
+                </a:solidFill>
+                <a:latin typeface="Arial"/>
+                <a:ea typeface="Arial"/>
+                <a:cs typeface="Arial"/>
+                <a:sym typeface="Arial"/>
+              </a:defRPr>
+            </a:lvl4pPr>
+            <a:lvl5pPr marL="2286000" marR="0" lvl="4" indent="-317500" algn="l" rtl="0">
+              <a:lnSpc>
+                <a:spcPct val="115000"/>
+              </a:lnSpc>
+              <a:spcBef>
+                <a:spcPts val="0"/>
+              </a:spcBef>
+              <a:spcAft>
+                <a:spcPts val="0"/>
+              </a:spcAft>
+              <a:buClr>
+                <a:schemeClr val="dk2"/>
+              </a:buClr>
+              <a:buSzPts val="1400"/>
+              <a:buFont typeface="Arial"/>
+              <a:buChar char="○"/>
+              <a:defRPr sz="1400" b="0" i="0" u="none" strike="noStrike" cap="none">
+                <a:solidFill>
+                  <a:schemeClr val="dk2"/>
+                </a:solidFill>
+                <a:latin typeface="Arial"/>
+                <a:ea typeface="Arial"/>
+                <a:cs typeface="Arial"/>
+                <a:sym typeface="Arial"/>
+              </a:defRPr>
+            </a:lvl5pPr>
+            <a:lvl6pPr marL="2743200" marR="0" lvl="5" indent="-317500" algn="l" rtl="0">
+              <a:lnSpc>
+                <a:spcPct val="115000"/>
+              </a:lnSpc>
+              <a:spcBef>
+                <a:spcPts val="0"/>
+              </a:spcBef>
+              <a:spcAft>
+                <a:spcPts val="0"/>
+              </a:spcAft>
+              <a:buClr>
+                <a:schemeClr val="dk2"/>
+              </a:buClr>
+              <a:buSzPts val="1400"/>
+              <a:buFont typeface="Arial"/>
+              <a:buChar char="■"/>
+              <a:defRPr sz="1400" b="0" i="0" u="none" strike="noStrike" cap="none">
+                <a:solidFill>
+                  <a:schemeClr val="dk2"/>
+                </a:solidFill>
+                <a:latin typeface="Arial"/>
+                <a:ea typeface="Arial"/>
+                <a:cs typeface="Arial"/>
+                <a:sym typeface="Arial"/>
+              </a:defRPr>
+            </a:lvl6pPr>
+            <a:lvl7pPr marL="3200400" marR="0" lvl="6" indent="-317500" algn="l" rtl="0">
+              <a:lnSpc>
+                <a:spcPct val="115000"/>
+              </a:lnSpc>
+              <a:spcBef>
+                <a:spcPts val="0"/>
+              </a:spcBef>
+              <a:spcAft>
+                <a:spcPts val="0"/>
+              </a:spcAft>
+              <a:buClr>
+                <a:schemeClr val="dk2"/>
+              </a:buClr>
+              <a:buSzPts val="1400"/>
+              <a:buFont typeface="Arial"/>
+              <a:buChar char="●"/>
+              <a:defRPr sz="1400" b="0" i="0" u="none" strike="noStrike" cap="none">
+                <a:solidFill>
+                  <a:schemeClr val="dk2"/>
+                </a:solidFill>
+                <a:latin typeface="Arial"/>
+                <a:ea typeface="Arial"/>
+                <a:cs typeface="Arial"/>
+                <a:sym typeface="Arial"/>
+              </a:defRPr>
+            </a:lvl7pPr>
+            <a:lvl8pPr marL="3657600" marR="0" lvl="7" indent="-317500" algn="l" rtl="0">
+              <a:lnSpc>
+                <a:spcPct val="115000"/>
+              </a:lnSpc>
+              <a:spcBef>
+                <a:spcPts val="0"/>
+              </a:spcBef>
+              <a:spcAft>
+                <a:spcPts val="0"/>
+              </a:spcAft>
+              <a:buClr>
+                <a:schemeClr val="dk2"/>
+              </a:buClr>
+              <a:buSzPts val="1400"/>
+              <a:buFont typeface="Arial"/>
+              <a:buChar char="○"/>
+              <a:defRPr sz="1400" b="0" i="0" u="none" strike="noStrike" cap="none">
+                <a:solidFill>
+                  <a:schemeClr val="dk2"/>
+                </a:solidFill>
+                <a:latin typeface="Arial"/>
+                <a:ea typeface="Arial"/>
+                <a:cs typeface="Arial"/>
+                <a:sym typeface="Arial"/>
+              </a:defRPr>
+            </a:lvl8pPr>
+            <a:lvl9pPr marL="4114800" marR="0" lvl="8" indent="-317500" algn="l" rtl="0">
+              <a:lnSpc>
+                <a:spcPct val="115000"/>
+              </a:lnSpc>
+              <a:spcBef>
+                <a:spcPts val="0"/>
+              </a:spcBef>
+              <a:spcAft>
+                <a:spcPts val="0"/>
+              </a:spcAft>
+              <a:buClr>
+                <a:schemeClr val="dk2"/>
+              </a:buClr>
+              <a:buSzPts val="1400"/>
+              <a:buFont typeface="Arial"/>
+              <a:buChar char="■"/>
+              <a:defRPr sz="1400" b="0" i="0" u="none" strike="noStrike" cap="none">
+                <a:solidFill>
+                  <a:schemeClr val="dk2"/>
+                </a:solidFill>
+                <a:latin typeface="Arial"/>
+                <a:ea typeface="Arial"/>
+                <a:cs typeface="Arial"/>
+                <a:sym typeface="Arial"/>
+              </a:defRPr>
+            </a:lvl9pPr>
+          </a:lstStyle>
+          <a:p>
+            <a:pPr marL="114300" indent="0">
+              <a:buNone/>
+            </a:pPr>
+            <a:r>
+              <a:rPr lang="en-US" sz="1400" b="1" dirty="0">
+                <a:solidFill>
+                  <a:schemeClr val="dk1"/>
+                </a:solidFill>
+              </a:rPr>
+              <a:t>Business Recommendation</a:t>
+            </a:r>
+          </a:p>
+        </p:txBody>
+      </p:sp>
+      <p:sp>
+        <p:nvSpPr>
+          <p:cNvPr id="28" name="TextBox 27">
+            <a:extLst>
+              <a:ext uri="{FF2B5EF4-FFF2-40B4-BE49-F238E27FC236}">
+                <a16:creationId xmlns:a16="http://schemas.microsoft.com/office/drawing/2014/main" id="{168E53DB-A86E-4E42-3CB6-F38D17730B60}"/>
+              </a:ext>
+            </a:extLst>
+          </p:cNvPr>
+          <p:cNvSpPr txBox="1"/>
+          <p:nvPr/>
+        </p:nvSpPr>
+        <p:spPr>
+          <a:xfrm>
+            <a:off x="120426" y="1149928"/>
+            <a:ext cx="4280458" cy="3754874"/>
+          </a:xfrm>
+          <a:prstGeom prst="rect">
+            <a:avLst/>
+          </a:prstGeom>
+          <a:noFill/>
+        </p:spPr>
+        <p:txBody>
+          <a:bodyPr wrap="square">
+            <a:spAutoFit/>
+          </a:bodyPr>
+          <a:lstStyle/>
+          <a:p>
+            <a:r>
+              <a:rPr lang="en-US" b="1" dirty="0">
+                <a:solidFill>
+                  <a:srgbClr val="00B050"/>
+                </a:solidFill>
+                <a:latin typeface="Dosis" pitchFamily="2" charset="0"/>
+              </a:rPr>
+              <a:t>Cluster 2 : Moderate Spenders Non-Responsive</a:t>
+            </a:r>
+          </a:p>
+          <a:p>
+            <a:endParaRPr lang="en-US" dirty="0">
+              <a:latin typeface="Dosis" pitchFamily="2" charset="0"/>
+            </a:endParaRPr>
+          </a:p>
+          <a:p>
+            <a:pPr marL="342900" indent="-342900">
+              <a:buFont typeface="+mj-lt"/>
+              <a:buAutoNum type="alphaLcParenR"/>
+            </a:pPr>
+            <a:r>
+              <a:rPr lang="en-US" dirty="0">
+                <a:latin typeface="Dosis" pitchFamily="2" charset="0"/>
+              </a:rPr>
+              <a:t>Reactivation Campaigns</a:t>
+            </a:r>
+          </a:p>
+          <a:p>
+            <a:pPr marL="342900" indent="-342900">
+              <a:buFont typeface="+mj-lt"/>
+              <a:buAutoNum type="alphaLcParenR"/>
+            </a:pPr>
+            <a:endParaRPr lang="en-US" dirty="0">
+              <a:latin typeface="Dosis" pitchFamily="2" charset="0"/>
+            </a:endParaRPr>
+          </a:p>
+          <a:p>
+            <a:r>
+              <a:rPr lang="en-US" dirty="0">
+                <a:latin typeface="Dosis" pitchFamily="2" charset="0"/>
+              </a:rPr>
+              <a:t>Launch reactivation campaigns targeting this segment to encourage them to increase their activity and engagement with the company. Offering special promotions or discounts can incentivize them to make more transactions and visits to the website.</a:t>
+            </a:r>
+          </a:p>
+          <a:p>
+            <a:endParaRPr lang="en-US" dirty="0">
+              <a:latin typeface="Dosis" pitchFamily="2" charset="0"/>
+            </a:endParaRPr>
+          </a:p>
+          <a:p>
+            <a:pPr marL="342900" indent="-342900">
+              <a:buFont typeface="+mj-lt"/>
+              <a:buAutoNum type="alphaLcParenR" startAt="2"/>
+            </a:pPr>
+            <a:r>
+              <a:rPr lang="en-US" dirty="0">
+                <a:latin typeface="Dosis" pitchFamily="2" charset="0"/>
+              </a:rPr>
+              <a:t>Content Marketing</a:t>
+            </a:r>
+          </a:p>
+          <a:p>
+            <a:endParaRPr lang="en-US" dirty="0">
+              <a:latin typeface="Dosis" pitchFamily="2" charset="0"/>
+            </a:endParaRPr>
+          </a:p>
+          <a:p>
+            <a:r>
+              <a:rPr lang="en-US" dirty="0">
+                <a:latin typeface="Dosis" pitchFamily="2" charset="0"/>
+              </a:rPr>
+              <a:t>Invest in content marketing strategies to increase awareness and engagement among this group. Providing valuable and informative content through blog posts, guides, or tutorials can attract their interest and encourage them to interact more with the company's offerings.</a:t>
+            </a:r>
+          </a:p>
+        </p:txBody>
+      </p:sp>
+      <p:sp>
+        <p:nvSpPr>
+          <p:cNvPr id="30" name="TextBox 29">
+            <a:extLst>
+              <a:ext uri="{FF2B5EF4-FFF2-40B4-BE49-F238E27FC236}">
+                <a16:creationId xmlns:a16="http://schemas.microsoft.com/office/drawing/2014/main" id="{B2F94B84-4873-ABEF-F251-B49A77D1774F}"/>
+              </a:ext>
+            </a:extLst>
+          </p:cNvPr>
+          <p:cNvSpPr txBox="1"/>
+          <p:nvPr/>
+        </p:nvSpPr>
+        <p:spPr>
+          <a:xfrm>
+            <a:off x="4676506" y="1149928"/>
+            <a:ext cx="4280458" cy="3754874"/>
+          </a:xfrm>
+          <a:prstGeom prst="rect">
+            <a:avLst/>
+          </a:prstGeom>
+          <a:noFill/>
+        </p:spPr>
+        <p:txBody>
+          <a:bodyPr wrap="square">
+            <a:spAutoFit/>
+          </a:bodyPr>
+          <a:lstStyle/>
+          <a:p>
+            <a:r>
+              <a:rPr lang="en-US" b="1" dirty="0">
+                <a:solidFill>
+                  <a:srgbClr val="7030A0"/>
+                </a:solidFill>
+                <a:latin typeface="Dosis" pitchFamily="2" charset="0"/>
+              </a:rPr>
+              <a:t>Cluster 3 : High Spenders</a:t>
+            </a:r>
+          </a:p>
+          <a:p>
+            <a:endParaRPr lang="en-US" b="1" dirty="0">
+              <a:solidFill>
+                <a:srgbClr val="C00000"/>
+              </a:solidFill>
+              <a:latin typeface="Dosis" pitchFamily="2" charset="0"/>
+            </a:endParaRPr>
+          </a:p>
+          <a:p>
+            <a:pPr marL="342900" indent="-342900">
+              <a:buFont typeface="+mj-lt"/>
+              <a:buAutoNum type="alphaLcParenR"/>
+            </a:pPr>
+            <a:r>
+              <a:rPr lang="en-US" dirty="0">
+                <a:latin typeface="Dosis" pitchFamily="2" charset="0"/>
+              </a:rPr>
+              <a:t>Exclusive Offers</a:t>
+            </a:r>
+          </a:p>
+          <a:p>
+            <a:pPr marL="342900" indent="-342900">
+              <a:buFont typeface="+mj-lt"/>
+              <a:buAutoNum type="alphaLcParenR"/>
+            </a:pPr>
+            <a:endParaRPr lang="en-US" dirty="0">
+              <a:latin typeface="Dosis" pitchFamily="2" charset="0"/>
+            </a:endParaRPr>
+          </a:p>
+          <a:p>
+            <a:r>
+              <a:rPr lang="en-US" dirty="0">
+                <a:latin typeface="Dosis" pitchFamily="2" charset="0"/>
+              </a:rPr>
+              <a:t>Provide exclusive offers or loyalty programs to reward and retain this segment of high spenders. Offering VIP perks, early access to new products, or personalized discounts can strengthen their loyalty and increase their lifetime value to the business.</a:t>
+            </a:r>
+          </a:p>
+          <a:p>
+            <a:endParaRPr lang="en-US" dirty="0">
+              <a:latin typeface="Dosis" pitchFamily="2" charset="0"/>
+            </a:endParaRPr>
+          </a:p>
+          <a:p>
+            <a:pPr marL="342900" indent="-342900">
+              <a:buFont typeface="+mj-lt"/>
+              <a:buAutoNum type="alphaLcParenR" startAt="2"/>
+            </a:pPr>
+            <a:r>
+              <a:rPr lang="en-US" dirty="0">
+                <a:latin typeface="Dosis" pitchFamily="2" charset="0"/>
+              </a:rPr>
+              <a:t>Personalized Services</a:t>
+            </a:r>
+          </a:p>
+          <a:p>
+            <a:pPr marL="342900" indent="-342900">
+              <a:buFont typeface="+mj-lt"/>
+              <a:buAutoNum type="alphaLcParenR" startAt="2"/>
+            </a:pPr>
+            <a:endParaRPr lang="en-US" dirty="0">
+              <a:latin typeface="Dosis" pitchFamily="2" charset="0"/>
+            </a:endParaRPr>
+          </a:p>
+          <a:p>
+            <a:r>
+              <a:rPr lang="en-US" dirty="0">
+                <a:latin typeface="Dosis" pitchFamily="2" charset="0"/>
+              </a:rPr>
+              <a:t>Offer personalized services such as dedicated account managers or concierge services to enhance the customer experience for high spenders. Providing tailored assistance and support can further solidify their satisfaction and encourage repeat purchases.</a:t>
+            </a:r>
+          </a:p>
+        </p:txBody>
+      </p:sp>
+    </p:spTree>
+    <p:extLst>
+      <p:ext uri="{BB962C8B-B14F-4D97-AF65-F5344CB8AC3E}">
+        <p14:creationId xmlns:p14="http://schemas.microsoft.com/office/powerpoint/2010/main" val="1859870623"/>
+      </p:ext>
+    </p:extLst>
   </p:cSld>
   <p:clrMapOvr>
     <a:masterClrMapping/>
@@ -5882,7 +12012,288 @@
 </file>
 
 <file path=ppt/theme/theme1.xml><?xml version="1.0" encoding="utf-8"?>
-<a:theme xmlns:a="http://schemas.openxmlformats.org/drawingml/2006/main" xmlns:r="http://schemas.openxmlformats.org/officeDocument/2006/relationships">
+<a:theme xmlns:a="http://schemas.openxmlformats.org/drawingml/2006/main" name="Simple Light">
+  <a:themeElements>
+    <a:clrScheme name="Simple Light">
+      <a:dk1>
+        <a:srgbClr val="000000"/>
+      </a:dk1>
+      <a:lt1>
+        <a:srgbClr val="FFFFFF"/>
+      </a:lt1>
+      <a:dk2>
+        <a:srgbClr val="595959"/>
+      </a:dk2>
+      <a:lt2>
+        <a:srgbClr val="EEEEEE"/>
+      </a:lt2>
+      <a:accent1>
+        <a:srgbClr val="4285F4"/>
+      </a:accent1>
+      <a:accent2>
+        <a:srgbClr val="212121"/>
+      </a:accent2>
+      <a:accent3>
+        <a:srgbClr val="78909C"/>
+      </a:accent3>
+      <a:accent4>
+        <a:srgbClr val="FFAB40"/>
+      </a:accent4>
+      <a:accent5>
+        <a:srgbClr val="0097A7"/>
+      </a:accent5>
+      <a:accent6>
+        <a:srgbClr val="EEFF41"/>
+      </a:accent6>
+      <a:hlink>
+        <a:srgbClr val="0097A7"/>
+      </a:hlink>
+      <a:folHlink>
+        <a:srgbClr val="0097A7"/>
+      </a:folHlink>
+    </a:clrScheme>
+    <a:fontScheme name="Office">
+      <a:majorFont>
+        <a:latin typeface="Arial"/>
+        <a:ea typeface=""/>
+        <a:cs typeface=""/>
+        <a:font script="Jpan" typeface="ＭＳ Ｐゴシック"/>
+        <a:font script="Hang" typeface="맑은 고딕"/>
+        <a:font script="Hans" typeface="宋体"/>
+        <a:font script="Hant" typeface="新細明體"/>
+        <a:font script="Arab" typeface="Times New Roman"/>
+        <a:font script="Hebr" typeface="Times New Roman"/>
+        <a:font script="Thai" typeface="Angsana New"/>
+        <a:font script="Ethi" typeface="Nyala"/>
+        <a:font script="Beng" typeface="Vrinda"/>
+        <a:font script="Gujr" typeface="Shruti"/>
+        <a:font script="Khmr" typeface="MoolBoran"/>
+        <a:font script="Knda" typeface="Tunga"/>
+        <a:font script="Guru" typeface="Raavi"/>
+        <a:font script="Cans" typeface="Euphemia"/>
+        <a:font script="Cher" typeface="Plantagenet Cherokee"/>
+        <a:font script="Yiii" typeface="Microsoft Yi Baiti"/>
+        <a:font script="Tibt" typeface="Microsoft Himalaya"/>
+        <a:font script="Thaa" typeface="MV Boli"/>
+        <a:font script="Deva" typeface="Mangal"/>
+        <a:font script="Telu" typeface="Gautami"/>
+        <a:font script="Taml" typeface="Latha"/>
+        <a:font script="Syrc" typeface="Estrangelo Edessa"/>
+        <a:font script="Orya" typeface="Kalinga"/>
+        <a:font script="Mlym" typeface="Kartika"/>
+        <a:font script="Laoo" typeface="DokChampa"/>
+        <a:font script="Sinh" typeface="Iskoola Pota"/>
+        <a:font script="Mong" typeface="Mongolian Baiti"/>
+        <a:font script="Viet" typeface="Times New Roman"/>
+        <a:font script="Uigh" typeface="Microsoft Uighur"/>
+        <a:font script="Geor" typeface="Sylfaen"/>
+      </a:majorFont>
+      <a:minorFont>
+        <a:latin typeface="Arial"/>
+        <a:ea typeface=""/>
+        <a:cs typeface=""/>
+        <a:font script="Jpan" typeface="ＭＳ Ｐゴシック"/>
+        <a:font script="Hang" typeface="맑은 고딕"/>
+        <a:font script="Hans" typeface="宋体"/>
+        <a:font script="Hant" typeface="新細明體"/>
+        <a:font script="Arab" typeface="Arial"/>
+        <a:font script="Hebr" typeface="Arial"/>
+        <a:font script="Thai" typeface="Cordia New"/>
+        <a:font script="Ethi" typeface="Nyala"/>
+        <a:font script="Beng" typeface="Vrinda"/>
+        <a:font script="Gujr" typeface="Shruti"/>
+        <a:font script="Khmr" typeface="DaunPenh"/>
+        <a:font script="Knda" typeface="Tunga"/>
+        <a:font script="Guru" typeface="Raavi"/>
+        <a:font script="Cans" typeface="Euphemia"/>
+        <a:font script="Cher" typeface="Plantagenet Cherokee"/>
+        <a:font script="Yiii" typeface="Microsoft Yi Baiti"/>
+        <a:font script="Tibt" typeface="Microsoft Himalaya"/>
+        <a:font script="Thaa" typeface="MV Boli"/>
+        <a:font script="Deva" typeface="Mangal"/>
+        <a:font script="Telu" typeface="Gautami"/>
+        <a:font script="Taml" typeface="Latha"/>
+        <a:font script="Syrc" typeface="Estrangelo Edessa"/>
+        <a:font script="Orya" typeface="Kalinga"/>
+        <a:font script="Mlym" typeface="Kartika"/>
+        <a:font script="Laoo" typeface="DokChampa"/>
+        <a:font script="Sinh" typeface="Iskoola Pota"/>
+        <a:font script="Mong" typeface="Mongolian Baiti"/>
+        <a:font script="Viet" typeface="Arial"/>
+        <a:font script="Uigh" typeface="Microsoft Uighur"/>
+        <a:font script="Geor" typeface="Sylfaen"/>
+      </a:minorFont>
+    </a:fontScheme>
+    <a:fmtScheme name="Office">
+      <a:fillStyleLst>
+        <a:solidFill>
+          <a:schemeClr val="phClr"/>
+        </a:solidFill>
+        <a:gradFill rotWithShape="1">
+          <a:gsLst>
+            <a:gs pos="0">
+              <a:schemeClr val="phClr">
+                <a:tint val="50000"/>
+                <a:satMod val="300000"/>
+              </a:schemeClr>
+            </a:gs>
+            <a:gs pos="35000">
+              <a:schemeClr val="phClr">
+                <a:tint val="37000"/>
+                <a:satMod val="300000"/>
+              </a:schemeClr>
+            </a:gs>
+            <a:gs pos="100000">
+              <a:schemeClr val="phClr">
+                <a:tint val="15000"/>
+                <a:satMod val="350000"/>
+              </a:schemeClr>
+            </a:gs>
+          </a:gsLst>
+          <a:lin ang="16200000" scaled="1"/>
+        </a:gradFill>
+        <a:gradFill rotWithShape="1">
+          <a:gsLst>
+            <a:gs pos="0">
+              <a:schemeClr val="phClr">
+                <a:tint val="100000"/>
+                <a:shade val="100000"/>
+                <a:satMod val="130000"/>
+              </a:schemeClr>
+            </a:gs>
+            <a:gs pos="100000">
+              <a:schemeClr val="phClr">
+                <a:tint val="50000"/>
+                <a:shade val="100000"/>
+                <a:satMod val="350000"/>
+              </a:schemeClr>
+            </a:gs>
+          </a:gsLst>
+          <a:lin ang="16200000" scaled="0"/>
+        </a:gradFill>
+      </a:fillStyleLst>
+      <a:lnStyleLst>
+        <a:ln w="9525" cap="flat" cmpd="sng" algn="ctr">
+          <a:solidFill>
+            <a:schemeClr val="phClr">
+              <a:shade val="95000"/>
+              <a:satMod val="105000"/>
+            </a:schemeClr>
+          </a:solidFill>
+          <a:prstDash val="solid"/>
+        </a:ln>
+        <a:ln w="25400" cap="flat" cmpd="sng" algn="ctr">
+          <a:solidFill>
+            <a:schemeClr val="phClr"/>
+          </a:solidFill>
+          <a:prstDash val="solid"/>
+        </a:ln>
+        <a:ln w="38100" cap="flat" cmpd="sng" algn="ctr">
+          <a:solidFill>
+            <a:schemeClr val="phClr"/>
+          </a:solidFill>
+          <a:prstDash val="solid"/>
+        </a:ln>
+      </a:lnStyleLst>
+      <a:effectStyleLst>
+        <a:effectStyle>
+          <a:effectLst>
+            <a:outerShdw blurRad="40000" dist="20000" dir="5400000" rotWithShape="0">
+              <a:srgbClr val="000000">
+                <a:alpha val="38000"/>
+              </a:srgbClr>
+            </a:outerShdw>
+          </a:effectLst>
+        </a:effectStyle>
+        <a:effectStyle>
+          <a:effectLst>
+            <a:outerShdw blurRad="40000" dist="23000" dir="5400000" rotWithShape="0">
+              <a:srgbClr val="000000">
+                <a:alpha val="35000"/>
+              </a:srgbClr>
+            </a:outerShdw>
+          </a:effectLst>
+        </a:effectStyle>
+        <a:effectStyle>
+          <a:effectLst>
+            <a:outerShdw blurRad="40000" dist="23000" dir="5400000" rotWithShape="0">
+              <a:srgbClr val="000000">
+                <a:alpha val="35000"/>
+              </a:srgbClr>
+            </a:outerShdw>
+          </a:effectLst>
+          <a:scene3d>
+            <a:camera prst="orthographicFront">
+              <a:rot lat="0" lon="0" rev="0"/>
+            </a:camera>
+            <a:lightRig rig="threePt" dir="t">
+              <a:rot lat="0" lon="0" rev="1200000"/>
+            </a:lightRig>
+          </a:scene3d>
+          <a:sp3d>
+            <a:bevelT w="63500" h="25400"/>
+          </a:sp3d>
+        </a:effectStyle>
+      </a:effectStyleLst>
+      <a:bgFillStyleLst>
+        <a:solidFill>
+          <a:schemeClr val="phClr"/>
+        </a:solidFill>
+        <a:gradFill rotWithShape="1">
+          <a:gsLst>
+            <a:gs pos="0">
+              <a:schemeClr val="phClr">
+                <a:tint val="40000"/>
+                <a:satMod val="350000"/>
+              </a:schemeClr>
+            </a:gs>
+            <a:gs pos="40000">
+              <a:schemeClr val="phClr">
+                <a:tint val="45000"/>
+                <a:shade val="99000"/>
+                <a:satMod val="350000"/>
+              </a:schemeClr>
+            </a:gs>
+            <a:gs pos="100000">
+              <a:schemeClr val="phClr">
+                <a:shade val="20000"/>
+                <a:satMod val="255000"/>
+              </a:schemeClr>
+            </a:gs>
+          </a:gsLst>
+          <a:path path="circle">
+            <a:fillToRect l="50000" t="-80000" r="50000" b="180000"/>
+          </a:path>
+        </a:gradFill>
+        <a:gradFill rotWithShape="1">
+          <a:gsLst>
+            <a:gs pos="0">
+              <a:schemeClr val="phClr">
+                <a:tint val="80000"/>
+                <a:satMod val="300000"/>
+              </a:schemeClr>
+            </a:gs>
+            <a:gs pos="100000">
+              <a:schemeClr val="phClr">
+                <a:shade val="30000"/>
+                <a:satMod val="200000"/>
+              </a:schemeClr>
+            </a:gs>
+          </a:gsLst>
+          <a:path path="circle">
+            <a:fillToRect l="50000" t="50000" r="50000" b="50000"/>
+          </a:path>
+        </a:gradFill>
+      </a:bgFillStyleLst>
+    </a:fmtScheme>
+  </a:themeElements>
+  <a:objectDefaults/>
+  <a:extraClrSchemeLst/>
+</a:theme>
+</file>
+
+<file path=ppt/theme/theme2.xml><?xml version="1.0" encoding="utf-8"?>
+<a:theme xmlns:a="http://schemas.openxmlformats.org/drawingml/2006/main">
   <a:themeElements>
     <a:clrScheme name="Default">
       <a:dk1>
@@ -6157,284 +12568,7 @@
       </a:bgFillStyleLst>
     </a:fmtScheme>
   </a:themeElements>
-</a:theme>
-</file>
-
-<file path=ppt/theme/theme2.xml><?xml version="1.0" encoding="utf-8"?>
-<a:theme xmlns:a="http://schemas.openxmlformats.org/drawingml/2006/main" xmlns:r="http://schemas.openxmlformats.org/officeDocument/2006/relationships" name="Simple Light">
-  <a:themeElements>
-    <a:clrScheme name="Simple Light">
-      <a:dk1>
-        <a:srgbClr val="000000"/>
-      </a:dk1>
-      <a:lt1>
-        <a:srgbClr val="FFFFFF"/>
-      </a:lt1>
-      <a:dk2>
-        <a:srgbClr val="595959"/>
-      </a:dk2>
-      <a:lt2>
-        <a:srgbClr val="EEEEEE"/>
-      </a:lt2>
-      <a:accent1>
-        <a:srgbClr val="4285F4"/>
-      </a:accent1>
-      <a:accent2>
-        <a:srgbClr val="212121"/>
-      </a:accent2>
-      <a:accent3>
-        <a:srgbClr val="78909C"/>
-      </a:accent3>
-      <a:accent4>
-        <a:srgbClr val="FFAB40"/>
-      </a:accent4>
-      <a:accent5>
-        <a:srgbClr val="0097A7"/>
-      </a:accent5>
-      <a:accent6>
-        <a:srgbClr val="EEFF41"/>
-      </a:accent6>
-      <a:hlink>
-        <a:srgbClr val="0097A7"/>
-      </a:hlink>
-      <a:folHlink>
-        <a:srgbClr val="0097A7"/>
-      </a:folHlink>
-    </a:clrScheme>
-    <a:fontScheme name="Office">
-      <a:majorFont>
-        <a:latin typeface="Arial"/>
-        <a:ea typeface=""/>
-        <a:cs typeface=""/>
-        <a:font script="Jpan" typeface="ＭＳ Ｐゴシック"/>
-        <a:font script="Hang" typeface="맑은 고딕"/>
-        <a:font script="Hans" typeface="宋体"/>
-        <a:font script="Hant" typeface="新細明體"/>
-        <a:font script="Arab" typeface="Times New Roman"/>
-        <a:font script="Hebr" typeface="Times New Roman"/>
-        <a:font script="Thai" typeface="Angsana New"/>
-        <a:font script="Ethi" typeface="Nyala"/>
-        <a:font script="Beng" typeface="Vrinda"/>
-        <a:font script="Gujr" typeface="Shruti"/>
-        <a:font script="Khmr" typeface="MoolBoran"/>
-        <a:font script="Knda" typeface="Tunga"/>
-        <a:font script="Guru" typeface="Raavi"/>
-        <a:font script="Cans" typeface="Euphemia"/>
-        <a:font script="Cher" typeface="Plantagenet Cherokee"/>
-        <a:font script="Yiii" typeface="Microsoft Yi Baiti"/>
-        <a:font script="Tibt" typeface="Microsoft Himalaya"/>
-        <a:font script="Thaa" typeface="MV Boli"/>
-        <a:font script="Deva" typeface="Mangal"/>
-        <a:font script="Telu" typeface="Gautami"/>
-        <a:font script="Taml" typeface="Latha"/>
-        <a:font script="Syrc" typeface="Estrangelo Edessa"/>
-        <a:font script="Orya" typeface="Kalinga"/>
-        <a:font script="Mlym" typeface="Kartika"/>
-        <a:font script="Laoo" typeface="DokChampa"/>
-        <a:font script="Sinh" typeface="Iskoola Pota"/>
-        <a:font script="Mong" typeface="Mongolian Baiti"/>
-        <a:font script="Viet" typeface="Times New Roman"/>
-        <a:font script="Uigh" typeface="Microsoft Uighur"/>
-        <a:font script="Geor" typeface="Sylfaen"/>
-      </a:majorFont>
-      <a:minorFont>
-        <a:latin typeface="Arial"/>
-        <a:ea typeface=""/>
-        <a:cs typeface=""/>
-        <a:font script="Jpan" typeface="ＭＳ Ｐゴシック"/>
-        <a:font script="Hang" typeface="맑은 고딕"/>
-        <a:font script="Hans" typeface="宋体"/>
-        <a:font script="Hant" typeface="新細明體"/>
-        <a:font script="Arab" typeface="Arial"/>
-        <a:font script="Hebr" typeface="Arial"/>
-        <a:font script="Thai" typeface="Cordia New"/>
-        <a:font script="Ethi" typeface="Nyala"/>
-        <a:font script="Beng" typeface="Vrinda"/>
-        <a:font script="Gujr" typeface="Shruti"/>
-        <a:font script="Khmr" typeface="DaunPenh"/>
-        <a:font script="Knda" typeface="Tunga"/>
-        <a:font script="Guru" typeface="Raavi"/>
-        <a:font script="Cans" typeface="Euphemia"/>
-        <a:font script="Cher" typeface="Plantagenet Cherokee"/>
-        <a:font script="Yiii" typeface="Microsoft Yi Baiti"/>
-        <a:font script="Tibt" typeface="Microsoft Himalaya"/>
-        <a:font script="Thaa" typeface="MV Boli"/>
-        <a:font script="Deva" typeface="Mangal"/>
-        <a:font script="Telu" typeface="Gautami"/>
-        <a:font script="Taml" typeface="Latha"/>
-        <a:font script="Syrc" typeface="Estrangelo Edessa"/>
-        <a:font script="Orya" typeface="Kalinga"/>
-        <a:font script="Mlym" typeface="Kartika"/>
-        <a:font script="Laoo" typeface="DokChampa"/>
-        <a:font script="Sinh" typeface="Iskoola Pota"/>
-        <a:font script="Mong" typeface="Mongolian Baiti"/>
-        <a:font script="Viet" typeface="Arial"/>
-        <a:font script="Uigh" typeface="Microsoft Uighur"/>
-        <a:font script="Geor" typeface="Sylfaen"/>
-      </a:minorFont>
-    </a:fontScheme>
-    <a:fmtScheme name="Office">
-      <a:fillStyleLst>
-        <a:solidFill>
-          <a:schemeClr val="phClr"/>
-        </a:solidFill>
-        <a:gradFill rotWithShape="1">
-          <a:gsLst>
-            <a:gs pos="0">
-              <a:schemeClr val="phClr">
-                <a:tint val="50000"/>
-                <a:satMod val="300000"/>
-              </a:schemeClr>
-            </a:gs>
-            <a:gs pos="35000">
-              <a:schemeClr val="phClr">
-                <a:tint val="37000"/>
-                <a:satMod val="300000"/>
-              </a:schemeClr>
-            </a:gs>
-            <a:gs pos="100000">
-              <a:schemeClr val="phClr">
-                <a:tint val="15000"/>
-                <a:satMod val="350000"/>
-              </a:schemeClr>
-            </a:gs>
-          </a:gsLst>
-          <a:lin ang="16200000" scaled="1"/>
-        </a:gradFill>
-        <a:gradFill rotWithShape="1">
-          <a:gsLst>
-            <a:gs pos="0">
-              <a:schemeClr val="phClr">
-                <a:tint val="100000"/>
-                <a:shade val="100000"/>
-                <a:satMod val="130000"/>
-              </a:schemeClr>
-            </a:gs>
-            <a:gs pos="100000">
-              <a:schemeClr val="phClr">
-                <a:tint val="50000"/>
-                <a:shade val="100000"/>
-                <a:satMod val="350000"/>
-              </a:schemeClr>
-            </a:gs>
-          </a:gsLst>
-          <a:lin ang="16200000" scaled="0"/>
-        </a:gradFill>
-      </a:fillStyleLst>
-      <a:lnStyleLst>
-        <a:ln w="9525" cap="flat" cmpd="sng" algn="ctr">
-          <a:solidFill>
-            <a:schemeClr val="phClr">
-              <a:shade val="95000"/>
-              <a:satMod val="105000"/>
-            </a:schemeClr>
-          </a:solidFill>
-          <a:prstDash val="solid"/>
-        </a:ln>
-        <a:ln w="25400" cap="flat" cmpd="sng" algn="ctr">
-          <a:solidFill>
-            <a:schemeClr val="phClr"/>
-          </a:solidFill>
-          <a:prstDash val="solid"/>
-        </a:ln>
-        <a:ln w="38100" cap="flat" cmpd="sng" algn="ctr">
-          <a:solidFill>
-            <a:schemeClr val="phClr"/>
-          </a:solidFill>
-          <a:prstDash val="solid"/>
-        </a:ln>
-      </a:lnStyleLst>
-      <a:effectStyleLst>
-        <a:effectStyle>
-          <a:effectLst>
-            <a:outerShdw blurRad="40000" dist="20000" dir="5400000" rotWithShape="0">
-              <a:srgbClr val="000000">
-                <a:alpha val="38000"/>
-              </a:srgbClr>
-            </a:outerShdw>
-          </a:effectLst>
-        </a:effectStyle>
-        <a:effectStyle>
-          <a:effectLst>
-            <a:outerShdw blurRad="40000" dist="23000" dir="5400000" rotWithShape="0">
-              <a:srgbClr val="000000">
-                <a:alpha val="35000"/>
-              </a:srgbClr>
-            </a:outerShdw>
-          </a:effectLst>
-        </a:effectStyle>
-        <a:effectStyle>
-          <a:effectLst>
-            <a:outerShdw blurRad="40000" dist="23000" dir="5400000" rotWithShape="0">
-              <a:srgbClr val="000000">
-                <a:alpha val="35000"/>
-              </a:srgbClr>
-            </a:outerShdw>
-          </a:effectLst>
-          <a:scene3d>
-            <a:camera prst="orthographicFront">
-              <a:rot lat="0" lon="0" rev="0"/>
-            </a:camera>
-            <a:lightRig rig="threePt" dir="t">
-              <a:rot lat="0" lon="0" rev="1200000"/>
-            </a:lightRig>
-          </a:scene3d>
-          <a:sp3d>
-            <a:bevelT w="63500" h="25400"/>
-          </a:sp3d>
-        </a:effectStyle>
-      </a:effectStyleLst>
-      <a:bgFillStyleLst>
-        <a:solidFill>
-          <a:schemeClr val="phClr"/>
-        </a:solidFill>
-        <a:gradFill rotWithShape="1">
-          <a:gsLst>
-            <a:gs pos="0">
-              <a:schemeClr val="phClr">
-                <a:tint val="40000"/>
-                <a:satMod val="350000"/>
-              </a:schemeClr>
-            </a:gs>
-            <a:gs pos="40000">
-              <a:schemeClr val="phClr">
-                <a:tint val="45000"/>
-                <a:shade val="99000"/>
-                <a:satMod val="350000"/>
-              </a:schemeClr>
-            </a:gs>
-            <a:gs pos="100000">
-              <a:schemeClr val="phClr">
-                <a:shade val="20000"/>
-                <a:satMod val="255000"/>
-              </a:schemeClr>
-            </a:gs>
-          </a:gsLst>
-          <a:path path="circle">
-            <a:fillToRect l="50000" t="-80000" r="50000" b="180000"/>
-          </a:path>
-        </a:gradFill>
-        <a:gradFill rotWithShape="1">
-          <a:gsLst>
-            <a:gs pos="0">
-              <a:schemeClr val="phClr">
-                <a:tint val="80000"/>
-                <a:satMod val="300000"/>
-              </a:schemeClr>
-            </a:gs>
-            <a:gs pos="100000">
-              <a:schemeClr val="phClr">
-                <a:shade val="30000"/>
-                <a:satMod val="200000"/>
-              </a:schemeClr>
-            </a:gs>
-          </a:gsLst>
-          <a:path path="circle">
-            <a:fillToRect l="50000" t="50000" r="50000" b="50000"/>
-          </a:path>
-        </a:gradFill>
-      </a:bgFillStyleLst>
-    </a:fmtScheme>
-  </a:themeElements>
+  <a:objectDefaults/>
+  <a:extraClrSchemeLst/>
 </a:theme>
 </file>